--- a/prsn/20221129.pptx
+++ b/prsn/20221129.pptx
@@ -5,24 +5,37 @@
     <p:sldMasterId id="2147484057" r:id="rId1"/>
   </p:sldMasterIdLst>
   <p:notesMasterIdLst>
-    <p:notesMasterId r:id="rId14"/>
+    <p:notesMasterId r:id="rId27"/>
   </p:notesMasterIdLst>
   <p:handoutMasterIdLst>
-    <p:handoutMasterId r:id="rId15"/>
+    <p:handoutMasterId r:id="rId28"/>
   </p:handoutMasterIdLst>
   <p:sldIdLst>
     <p:sldId id="259" r:id="rId2"/>
     <p:sldId id="263" r:id="rId3"/>
-    <p:sldId id="261" r:id="rId4"/>
-    <p:sldId id="262" r:id="rId5"/>
+    <p:sldId id="285" r:id="rId4"/>
+    <p:sldId id="284" r:id="rId5"/>
     <p:sldId id="264" r:id="rId6"/>
-    <p:sldId id="266" r:id="rId7"/>
-    <p:sldId id="268" r:id="rId8"/>
+    <p:sldId id="286" r:id="rId7"/>
+    <p:sldId id="262" r:id="rId8"/>
     <p:sldId id="269" r:id="rId9"/>
-    <p:sldId id="270" r:id="rId10"/>
-    <p:sldId id="271" r:id="rId11"/>
-    <p:sldId id="273" r:id="rId12"/>
-    <p:sldId id="274" r:id="rId13"/>
+    <p:sldId id="295" r:id="rId10"/>
+    <p:sldId id="296" r:id="rId11"/>
+    <p:sldId id="287" r:id="rId12"/>
+    <p:sldId id="270" r:id="rId13"/>
+    <p:sldId id="266" r:id="rId14"/>
+    <p:sldId id="271" r:id="rId15"/>
+    <p:sldId id="273" r:id="rId16"/>
+    <p:sldId id="274" r:id="rId17"/>
+    <p:sldId id="288" r:id="rId18"/>
+    <p:sldId id="293" r:id="rId19"/>
+    <p:sldId id="291" r:id="rId20"/>
+    <p:sldId id="292" r:id="rId21"/>
+    <p:sldId id="289" r:id="rId22"/>
+    <p:sldId id="278" r:id="rId23"/>
+    <p:sldId id="282" r:id="rId24"/>
+    <p:sldId id="283" r:id="rId25"/>
+    <p:sldId id="290" r:id="rId26"/>
   </p:sldIdLst>
   <p:sldSz cx="7561263" cy="5670550"/>
   <p:notesSz cx="7559675" cy="10691813"/>
@@ -4041,7 +4054,7 @@
         </p:nvSpPr>
         <p:spPr>
           <a:xfrm>
-            <a:off x="5481916" y="5068053"/>
+            <a:off x="5549649" y="412165"/>
             <a:ext cx="1701284" cy="301904"/>
           </a:xfrm>
           <a:prstGeom prst="rect">
@@ -4052,7 +4065,7 @@
           <a:bodyPr vert="horz" lIns="91440" tIns="45720" rIns="91440" bIns="45720" rtlCol="0" anchor="ctr"/>
           <a:lstStyle>
             <a:lvl1pPr algn="r">
-              <a:defRPr sz="2800">
+              <a:defRPr sz="3600">
                 <a:solidFill>
                   <a:schemeClr val="tx1"/>
                 </a:solidFill>
@@ -4538,7 +4551,7 @@
           <p:cNvPr id="2" name="タイトル 1">
             <a:extLst>
               <a:ext uri="{FF2B5EF4-FFF2-40B4-BE49-F238E27FC236}">
-                <a16:creationId xmlns:a16="http://schemas.microsoft.com/office/drawing/2014/main" id="{D159CF40-CD8C-21A6-0A3D-8CF370B562A6}"/>
+                <a16:creationId xmlns:a16="http://schemas.microsoft.com/office/drawing/2014/main" id="{2569FC57-6D71-779F-E42A-A97CDA775201}"/>
               </a:ext>
             </a:extLst>
           </p:cNvPr>
@@ -4555,9 +4568,10 @@
           <a:lstStyle/>
           <a:p>
             <a:r>
-              <a:rPr kumimoji="1" lang="ja-JP" altLang="en-US"/>
-              <a:t>熱力学的遺伝アルゴリズム</a:t>
-            </a:r>
+              <a:rPr lang="en-US" altLang="ja-JP" dirty="0" err="1"/>
+              <a:t>gaCNN</a:t>
+            </a:r>
+            <a:endParaRPr kumimoji="1" lang="ja-JP" altLang="en-US"/>
           </a:p>
         </p:txBody>
       </p:sp>
@@ -4566,7 +4580,7 @@
           <p:cNvPr id="3" name="スライド番号プレースホルダー 2">
             <a:extLst>
               <a:ext uri="{FF2B5EF4-FFF2-40B4-BE49-F238E27FC236}">
-                <a16:creationId xmlns:a16="http://schemas.microsoft.com/office/drawing/2014/main" id="{37968868-915E-15E5-AB4E-1366F32A281D}"/>
+                <a16:creationId xmlns:a16="http://schemas.microsoft.com/office/drawing/2014/main" id="{6CC00B8C-81DD-663C-CA94-75367C1D6D61}"/>
               </a:ext>
             </a:extLst>
           </p:cNvPr>
@@ -4596,7 +4610,7 @@
           <p:cNvPr id="4" name="テキスト ボックス 3">
             <a:extLst>
               <a:ext uri="{FF2B5EF4-FFF2-40B4-BE49-F238E27FC236}">
-                <a16:creationId xmlns:a16="http://schemas.microsoft.com/office/drawing/2014/main" id="{C90B63DA-86FE-BCFD-909B-51617E6B3CDE}"/>
+                <a16:creationId xmlns:a16="http://schemas.microsoft.com/office/drawing/2014/main" id="{25A4C493-2CAF-EE11-F549-AE982F7E8644}"/>
               </a:ext>
             </a:extLst>
           </p:cNvPr>
@@ -4605,8 +4619,8 @@
         </p:nvSpPr>
         <p:spPr>
           <a:xfrm>
-            <a:off x="189784" y="2296553"/>
-            <a:ext cx="7181694" cy="2523768"/>
+            <a:off x="402142" y="1800225"/>
+            <a:ext cx="6756978" cy="830997"/>
           </a:xfrm>
           <a:prstGeom prst="rect">
             <a:avLst/>
@@ -4614,16 +4628,12 @@
           <a:noFill/>
         </p:spPr>
         <p:txBody>
-          <a:bodyPr wrap="square" rtlCol="0">
+          <a:bodyPr wrap="none" rtlCol="0">
             <a:spAutoFit/>
           </a:bodyPr>
           <a:lstStyle/>
           <a:p>
-            <a:pPr lvl="1"/>
-            <a:endParaRPr kumimoji="1" lang="en-US" altLang="ja-JP" sz="2400" dirty="0"/>
-          </a:p>
-          <a:p>
-            <a:pPr marL="914400" lvl="1" indent="-457200">
+            <a:pPr marL="285750" indent="-285750">
               <a:buFont typeface="Wingdings" pitchFamily="2" charset="2"/>
               <a:buChar char="p"/>
             </a:pPr>
@@ -4633,138 +4643,31 @@
             </a:r>
             <a:r>
               <a:rPr kumimoji="1" lang="ja-JP" altLang="en-US" sz="2400"/>
-              <a:t>の選択ルールに熱力学における自由</a:t>
-            </a:r>
-            <a:br>
+              <a:t>において遺伝子を</a:t>
+            </a:r>
+            <a:r>
               <a:rPr kumimoji="1" lang="en-US" altLang="ja-JP" sz="2400" dirty="0"/>
-            </a:br>
+              <a:t> CNN </a:t>
+            </a:r>
             <a:r>
               <a:rPr kumimoji="1" lang="ja-JP" altLang="en-US" sz="2400"/>
-              <a:t>エネルギーを取り入れた手法</a:t>
-            </a:r>
-            <a:endParaRPr lang="en-US" altLang="ja-JP" sz="2400" dirty="0"/>
-          </a:p>
-          <a:p>
-            <a:pPr marL="914400" lvl="1" indent="-457200">
+              <a:t>の構造として探索</a:t>
+            </a:r>
+            <a:endParaRPr kumimoji="1" lang="en-US" altLang="ja-JP" sz="2400" dirty="0"/>
+          </a:p>
+          <a:p>
+            <a:pPr marL="285750" indent="-285750">
               <a:buFont typeface="Wingdings" pitchFamily="2" charset="2"/>
               <a:buChar char="p"/>
             </a:pPr>
-            <a:endParaRPr kumimoji="1" lang="en-US" altLang="ja-JP" sz="1400" dirty="0"/>
-          </a:p>
-          <a:p>
-            <a:pPr marL="914400" lvl="1" indent="-457200">
-              <a:buFont typeface="Wingdings" pitchFamily="2" charset="2"/>
-              <a:buChar char="p"/>
-            </a:pPr>
-            <a:r>
-              <a:rPr lang="ja-JP" altLang="en-US" sz="2400"/>
-              <a:t>個体の多様性を維持することがねらい</a:t>
-            </a:r>
-            <a:br>
-              <a:rPr lang="en-US" altLang="ja-JP" sz="2400" dirty="0"/>
-            </a:br>
-            <a:r>
-              <a:rPr kumimoji="1" lang="ja-JP" altLang="en-US" sz="2400">
-                <a:solidFill>
-                  <a:srgbClr val="FF0000"/>
-                </a:solidFill>
-              </a:rPr>
-              <a:t>初期収束問題の解消</a:t>
-            </a:r>
-            <a:endParaRPr kumimoji="1" lang="en-US" altLang="ja-JP" sz="2400" dirty="0"/>
-          </a:p>
-          <a:p>
-            <a:pPr marL="914400" lvl="1" indent="-457200">
-              <a:buFont typeface="Wingdings" pitchFamily="2" charset="2"/>
-              <a:buChar char="p"/>
-            </a:pPr>
-            <a:endParaRPr kumimoji="1" lang="en-US" altLang="ja-JP" sz="2400" dirty="0"/>
-          </a:p>
-        </p:txBody>
-      </p:sp>
-      <p:sp>
-        <p:nvSpPr>
-          <p:cNvPr id="5" name="テキスト ボックス 4">
-            <a:extLst>
-              <a:ext uri="{FF2B5EF4-FFF2-40B4-BE49-F238E27FC236}">
-                <a16:creationId xmlns:a16="http://schemas.microsoft.com/office/drawing/2014/main" id="{A0DAC15A-B60A-53DD-DA6A-9DF6679A8EBC}"/>
-              </a:ext>
-            </a:extLst>
-          </p:cNvPr>
-          <p:cNvSpPr txBox="1"/>
-          <p:nvPr/>
-        </p:nvSpPr>
-        <p:spPr>
-          <a:xfrm>
-            <a:off x="519837" y="1464829"/>
-            <a:ext cx="6606296" cy="830997"/>
-          </a:xfrm>
-          <a:prstGeom prst="rect">
-            <a:avLst/>
-          </a:prstGeom>
-          <a:noFill/>
-        </p:spPr>
-        <p:txBody>
-          <a:bodyPr wrap="none" rtlCol="0">
-            <a:spAutoFit/>
-          </a:bodyPr>
-          <a:lstStyle/>
-          <a:p>
-            <a:r>
-              <a:rPr kumimoji="1" lang="ja-JP" altLang="en-US" sz="2400"/>
-              <a:t>熱力学的遺伝アルゴリズム</a:t>
-            </a:r>
-            <a:endParaRPr kumimoji="1" lang="en-US" altLang="ja-JP" sz="2400" dirty="0"/>
-          </a:p>
-          <a:p>
-            <a:r>
-              <a:rPr kumimoji="1" lang="en-US" altLang="ja-JP" sz="2400" dirty="0"/>
-              <a:t>(Thermodynamical Genetic Algorithm: TDGA)</a:t>
-            </a:r>
             <a:endParaRPr kumimoji="1" lang="ja-JP" altLang="en-US" sz="2400"/>
-          </a:p>
-        </p:txBody>
-      </p:sp>
-      <p:sp>
-        <p:nvSpPr>
-          <p:cNvPr id="6" name="テキスト ボックス 5">
-            <a:extLst>
-              <a:ext uri="{FF2B5EF4-FFF2-40B4-BE49-F238E27FC236}">
-                <a16:creationId xmlns:a16="http://schemas.microsoft.com/office/drawing/2014/main" id="{6CAE7105-A7F6-24D0-BD6A-41C3CFFB09BD}"/>
-              </a:ext>
-            </a:extLst>
-          </p:cNvPr>
-          <p:cNvSpPr txBox="1"/>
-          <p:nvPr/>
-        </p:nvSpPr>
-        <p:spPr>
-          <a:xfrm>
-            <a:off x="1117600" y="4439943"/>
-            <a:ext cx="184731" cy="461665"/>
-          </a:xfrm>
-          <a:prstGeom prst="rect">
-            <a:avLst/>
-          </a:prstGeom>
-          <a:noFill/>
-        </p:spPr>
-        <p:txBody>
-          <a:bodyPr wrap="none" rtlCol="0">
-            <a:spAutoFit/>
-          </a:bodyPr>
-          <a:lstStyle/>
-          <a:p>
-            <a:endParaRPr kumimoji="1" lang="ja-JP" altLang="en-US" sz="2400">
-              <a:solidFill>
-                <a:srgbClr val="FF0000"/>
-              </a:solidFill>
-            </a:endParaRPr>
           </a:p>
         </p:txBody>
       </p:sp>
     </p:spTree>
     <p:extLst>
       <p:ext uri="{BB962C8B-B14F-4D97-AF65-F5344CB8AC3E}">
-        <p14:creationId xmlns:p14="http://schemas.microsoft.com/office/powerpoint/2010/main" val="1351504885"/>
+        <p14:creationId xmlns:p14="http://schemas.microsoft.com/office/powerpoint/2010/main" val="3561767430"/>
       </p:ext>
     </p:extLst>
   </p:cSld>
@@ -4796,7 +4699,7 @@
           <p:cNvPr id="2" name="タイトル 1">
             <a:extLst>
               <a:ext uri="{FF2B5EF4-FFF2-40B4-BE49-F238E27FC236}">
-                <a16:creationId xmlns:a16="http://schemas.microsoft.com/office/drawing/2014/main" id="{D159CF40-CD8C-21A6-0A3D-8CF370B562A6}"/>
+                <a16:creationId xmlns:a16="http://schemas.microsoft.com/office/drawing/2014/main" id="{DA6841C3-0E6C-BFA1-5D04-4112F1117102}"/>
               </a:ext>
             </a:extLst>
           </p:cNvPr>
@@ -4814,17 +4717,17 @@
           <a:p>
             <a:r>
               <a:rPr kumimoji="1" lang="ja-JP" altLang="en-US"/>
-              <a:t>熱力学的遺伝アルゴリズム</a:t>
-            </a:r>
-          </a:p>
-        </p:txBody>
-      </p:sp>
-      <p:sp>
-        <p:nvSpPr>
-          <p:cNvPr id="3" name="スライド番号プレースホルダー 2">
-            <a:extLst>
-              <a:ext uri="{FF2B5EF4-FFF2-40B4-BE49-F238E27FC236}">
-                <a16:creationId xmlns:a16="http://schemas.microsoft.com/office/drawing/2014/main" id="{37968868-915E-15E5-AB4E-1366F32A281D}"/>
+              <a:t>目次</a:t>
+            </a:r>
+          </a:p>
+        </p:txBody>
+      </p:sp>
+      <p:sp>
+        <p:nvSpPr>
+          <p:cNvPr id="4" name="スライド番号プレースホルダー 3">
+            <a:extLst>
+              <a:ext uri="{FF2B5EF4-FFF2-40B4-BE49-F238E27FC236}">
+                <a16:creationId xmlns:a16="http://schemas.microsoft.com/office/drawing/2014/main" id="{20D20625-8135-BA1D-11A0-E3466265CE7C}"/>
               </a:ext>
             </a:extLst>
           </p:cNvPr>
@@ -4844,6 +4747,984 @@
             <a:fld id="{004900ED-2EFD-2142-93A1-1CBA90FDE07B}" type="slidenum">
               <a:rPr lang="en-US" altLang="ja-JP" smtClean="0"/>
               <a:t>11</a:t>
+            </a:fld>
+            <a:endParaRPr lang="ja-JP" altLang="en-US"/>
+          </a:p>
+        </p:txBody>
+      </p:sp>
+      <p:sp>
+        <p:nvSpPr>
+          <p:cNvPr id="3" name="テキスト ボックス 2">
+            <a:extLst>
+              <a:ext uri="{FF2B5EF4-FFF2-40B4-BE49-F238E27FC236}">
+                <a16:creationId xmlns:a16="http://schemas.microsoft.com/office/drawing/2014/main" id="{CFCE3529-0348-FAC9-4C81-ACEA9BA72623}"/>
+              </a:ext>
+            </a:extLst>
+          </p:cNvPr>
+          <p:cNvSpPr txBox="1"/>
+          <p:nvPr/>
+        </p:nvSpPr>
+        <p:spPr>
+          <a:xfrm>
+            <a:off x="919691" y="1259079"/>
+            <a:ext cx="3877985" cy="3909917"/>
+          </a:xfrm>
+          <a:prstGeom prst="rect">
+            <a:avLst/>
+          </a:prstGeom>
+          <a:noFill/>
+        </p:spPr>
+        <p:txBody>
+          <a:bodyPr wrap="none" rtlCol="0">
+            <a:spAutoFit/>
+          </a:bodyPr>
+          <a:lstStyle/>
+          <a:p>
+            <a:pPr marL="457200" indent="-457200">
+              <a:lnSpc>
+                <a:spcPct val="150000"/>
+              </a:lnSpc>
+              <a:buFont typeface="Wingdings" pitchFamily="2" charset="2"/>
+              <a:buChar char="Ø"/>
+            </a:pPr>
+            <a:r>
+              <a:rPr lang="ja-JP" altLang="en-US" sz="2800">
+                <a:solidFill>
+                  <a:schemeClr val="bg2">
+                    <a:lumMod val="75000"/>
+                  </a:schemeClr>
+                </a:solidFill>
+              </a:rPr>
+              <a:t>はじめに</a:t>
+            </a:r>
+            <a:endParaRPr lang="en-US" altLang="ja-JP" sz="2800" dirty="0">
+              <a:solidFill>
+                <a:schemeClr val="bg2">
+                  <a:lumMod val="75000"/>
+                </a:schemeClr>
+              </a:solidFill>
+            </a:endParaRPr>
+          </a:p>
+          <a:p>
+            <a:pPr marL="457200" indent="-457200">
+              <a:lnSpc>
+                <a:spcPct val="150000"/>
+              </a:lnSpc>
+              <a:buFont typeface="Wingdings" pitchFamily="2" charset="2"/>
+              <a:buChar char="Ø"/>
+            </a:pPr>
+            <a:r>
+              <a:rPr lang="ja-JP" altLang="en-US" sz="2800">
+                <a:solidFill>
+                  <a:schemeClr val="bg2">
+                    <a:lumMod val="75000"/>
+                  </a:schemeClr>
+                </a:solidFill>
+              </a:rPr>
+              <a:t>要素技術</a:t>
+            </a:r>
+            <a:endParaRPr lang="en-US" altLang="ja-JP" sz="2800" dirty="0">
+              <a:solidFill>
+                <a:schemeClr val="bg2">
+                  <a:lumMod val="75000"/>
+                </a:schemeClr>
+              </a:solidFill>
+            </a:endParaRPr>
+          </a:p>
+          <a:p>
+            <a:pPr marL="457200" indent="-457200">
+              <a:lnSpc>
+                <a:spcPct val="150000"/>
+              </a:lnSpc>
+              <a:buFont typeface="Wingdings" pitchFamily="2" charset="2"/>
+              <a:buChar char="Ø"/>
+            </a:pPr>
+            <a:r>
+              <a:rPr lang="ja-JP" altLang="en-US" sz="2800"/>
+              <a:t>提案手法</a:t>
+            </a:r>
+            <a:endParaRPr lang="en-US" altLang="ja-JP" sz="2800" dirty="0"/>
+          </a:p>
+          <a:p>
+            <a:pPr marL="457200" indent="-457200">
+              <a:lnSpc>
+                <a:spcPct val="150000"/>
+              </a:lnSpc>
+              <a:buFont typeface="Wingdings" pitchFamily="2" charset="2"/>
+              <a:buChar char="Ø"/>
+            </a:pPr>
+            <a:r>
+              <a:rPr lang="ja-JP" altLang="en-US" sz="2800">
+                <a:solidFill>
+                  <a:schemeClr val="bg2">
+                    <a:lumMod val="75000"/>
+                  </a:schemeClr>
+                </a:solidFill>
+              </a:rPr>
+              <a:t>実験概要</a:t>
+            </a:r>
+            <a:endParaRPr lang="en-US" altLang="ja-JP" sz="2800" dirty="0">
+              <a:solidFill>
+                <a:schemeClr val="bg2">
+                  <a:lumMod val="75000"/>
+                </a:schemeClr>
+              </a:solidFill>
+            </a:endParaRPr>
+          </a:p>
+          <a:p>
+            <a:pPr marL="457200" indent="-457200">
+              <a:lnSpc>
+                <a:spcPct val="150000"/>
+              </a:lnSpc>
+              <a:buFont typeface="Wingdings" pitchFamily="2" charset="2"/>
+              <a:buChar char="Ø"/>
+            </a:pPr>
+            <a:r>
+              <a:rPr lang="ja-JP" altLang="en-US" sz="2800">
+                <a:solidFill>
+                  <a:schemeClr val="bg2">
+                    <a:lumMod val="75000"/>
+                  </a:schemeClr>
+                </a:solidFill>
+              </a:rPr>
+              <a:t>実験結果</a:t>
+            </a:r>
+            <a:endParaRPr lang="en-US" altLang="ja-JP" sz="2800" dirty="0">
+              <a:solidFill>
+                <a:schemeClr val="bg2">
+                  <a:lumMod val="75000"/>
+                </a:schemeClr>
+              </a:solidFill>
+            </a:endParaRPr>
+          </a:p>
+          <a:p>
+            <a:pPr marL="457200" indent="-457200">
+              <a:lnSpc>
+                <a:spcPct val="150000"/>
+              </a:lnSpc>
+              <a:buFont typeface="Wingdings" pitchFamily="2" charset="2"/>
+              <a:buChar char="Ø"/>
+            </a:pPr>
+            <a:r>
+              <a:rPr lang="ja-JP" altLang="en-US" sz="2800">
+                <a:solidFill>
+                  <a:schemeClr val="bg2">
+                    <a:lumMod val="75000"/>
+                  </a:schemeClr>
+                </a:solidFill>
+              </a:rPr>
+              <a:t>まとめと今後の課題</a:t>
+            </a:r>
+          </a:p>
+        </p:txBody>
+      </p:sp>
+    </p:spTree>
+    <p:extLst>
+      <p:ext uri="{BB962C8B-B14F-4D97-AF65-F5344CB8AC3E}">
+        <p14:creationId xmlns:p14="http://schemas.microsoft.com/office/powerpoint/2010/main" val="574755821"/>
+      </p:ext>
+    </p:extLst>
+  </p:cSld>
+  <p:clrMapOvr>
+    <a:masterClrMapping/>
+  </p:clrMapOvr>
+</p:sld>
+</file>
+
+<file path=ppt/slides/slide12.xml><?xml version="1.0" encoding="utf-8"?>
+<p:sld xmlns:a="http://schemas.openxmlformats.org/drawingml/2006/main" xmlns:r="http://schemas.openxmlformats.org/officeDocument/2006/relationships" xmlns:p="http://schemas.openxmlformats.org/presentationml/2006/main">
+  <p:cSld>
+    <p:spTree>
+      <p:nvGrpSpPr>
+        <p:cNvPr id="1" name=""/>
+        <p:cNvGrpSpPr/>
+        <p:nvPr/>
+      </p:nvGrpSpPr>
+      <p:grpSpPr>
+        <a:xfrm>
+          <a:off x="0" y="0"/>
+          <a:ext cx="0" cy="0"/>
+          <a:chOff x="0" y="0"/>
+          <a:chExt cx="0" cy="0"/>
+        </a:xfrm>
+      </p:grpSpPr>
+      <p:sp>
+        <p:nvSpPr>
+          <p:cNvPr id="2" name="タイトル 1">
+            <a:extLst>
+              <a:ext uri="{FF2B5EF4-FFF2-40B4-BE49-F238E27FC236}">
+                <a16:creationId xmlns:a16="http://schemas.microsoft.com/office/drawing/2014/main" id="{D159CF40-CD8C-21A6-0A3D-8CF370B562A6}"/>
+              </a:ext>
+            </a:extLst>
+          </p:cNvPr>
+          <p:cNvSpPr>
+            <a:spLocks noGrp="1"/>
+          </p:cNvSpPr>
+          <p:nvPr>
+            <p:ph type="title"/>
+          </p:nvPr>
+        </p:nvSpPr>
+        <p:spPr/>
+        <p:txBody>
+          <a:bodyPr/>
+          <a:lstStyle/>
+          <a:p>
+            <a:r>
+              <a:rPr lang="ja-JP" altLang="en-US"/>
+              <a:t>遺伝的アルゴリズムの問題点</a:t>
+            </a:r>
+            <a:endParaRPr kumimoji="1" lang="ja-JP" altLang="en-US"/>
+          </a:p>
+        </p:txBody>
+      </p:sp>
+      <p:sp>
+        <p:nvSpPr>
+          <p:cNvPr id="3" name="スライド番号プレースホルダー 2">
+            <a:extLst>
+              <a:ext uri="{FF2B5EF4-FFF2-40B4-BE49-F238E27FC236}">
+                <a16:creationId xmlns:a16="http://schemas.microsoft.com/office/drawing/2014/main" id="{37968868-915E-15E5-AB4E-1366F32A281D}"/>
+              </a:ext>
+            </a:extLst>
+          </p:cNvPr>
+          <p:cNvSpPr>
+            <a:spLocks noGrp="1"/>
+          </p:cNvSpPr>
+          <p:nvPr>
+            <p:ph type="sldNum" sz="quarter" idx="12"/>
+          </p:nvPr>
+        </p:nvSpPr>
+        <p:spPr/>
+        <p:txBody>
+          <a:bodyPr/>
+          <a:lstStyle/>
+          <a:p>
+            <a:pPr lvl="0"/>
+            <a:fld id="{004900ED-2EFD-2142-93A1-1CBA90FDE07B}" type="slidenum">
+              <a:rPr lang="en-US" altLang="ja-JP" smtClean="0"/>
+              <a:t>12</a:t>
+            </a:fld>
+            <a:endParaRPr lang="ja-JP" altLang="en-US"/>
+          </a:p>
+        </p:txBody>
+      </p:sp>
+      <p:sp>
+        <p:nvSpPr>
+          <p:cNvPr id="4" name="テキスト ボックス 3">
+            <a:extLst>
+              <a:ext uri="{FF2B5EF4-FFF2-40B4-BE49-F238E27FC236}">
+                <a16:creationId xmlns:a16="http://schemas.microsoft.com/office/drawing/2014/main" id="{C90B63DA-86FE-BCFD-909B-51617E6B3CDE}"/>
+              </a:ext>
+            </a:extLst>
+          </p:cNvPr>
+          <p:cNvSpPr txBox="1"/>
+          <p:nvPr/>
+        </p:nvSpPr>
+        <p:spPr>
+          <a:xfrm>
+            <a:off x="215805" y="1508209"/>
+            <a:ext cx="6494085" cy="3364511"/>
+          </a:xfrm>
+          <a:prstGeom prst="rect">
+            <a:avLst/>
+          </a:prstGeom>
+          <a:noFill/>
+        </p:spPr>
+        <p:txBody>
+          <a:bodyPr wrap="none" rtlCol="0">
+            <a:spAutoFit/>
+          </a:bodyPr>
+          <a:lstStyle/>
+          <a:p>
+            <a:pPr marL="914400" lvl="1" indent="-457200">
+              <a:lnSpc>
+                <a:spcPct val="150000"/>
+              </a:lnSpc>
+              <a:buFont typeface="Wingdings" pitchFamily="2" charset="2"/>
+              <a:buChar char="p"/>
+            </a:pPr>
+            <a:r>
+              <a:rPr kumimoji="1" lang="en-US" altLang="ja-JP" sz="2400" dirty="0"/>
+              <a:t>GA </a:t>
+            </a:r>
+            <a:r>
+              <a:rPr kumimoji="1" lang="ja-JP" altLang="en-US" sz="2400"/>
+              <a:t>の初期収束問題</a:t>
+            </a:r>
+            <a:endParaRPr kumimoji="1" lang="en-US" altLang="ja-JP" sz="2400" dirty="0"/>
+          </a:p>
+          <a:p>
+            <a:pPr marL="1371600" lvl="2" indent="-457200">
+              <a:lnSpc>
+                <a:spcPct val="150000"/>
+              </a:lnSpc>
+              <a:buFont typeface="Wingdings" pitchFamily="2" charset="2"/>
+              <a:buChar char="p"/>
+            </a:pPr>
+            <a:r>
+              <a:rPr lang="ja-JP" altLang="en-US" sz="2400"/>
+              <a:t>探索初期に個体の多様性が失われる</a:t>
+            </a:r>
+            <a:endParaRPr lang="en-US" altLang="ja-JP" sz="2400" dirty="0"/>
+          </a:p>
+          <a:p>
+            <a:pPr marL="1371600" lvl="2" indent="-457200">
+              <a:lnSpc>
+                <a:spcPct val="150000"/>
+              </a:lnSpc>
+              <a:buFont typeface="Wingdings" pitchFamily="2" charset="2"/>
+              <a:buChar char="p"/>
+            </a:pPr>
+            <a:r>
+              <a:rPr lang="ja-JP" altLang="en-US" sz="2400"/>
+              <a:t>個体群が同じ個体で埋め尽くされる</a:t>
+            </a:r>
+            <a:endParaRPr lang="en-US" altLang="ja-JP" sz="2400" dirty="0"/>
+          </a:p>
+          <a:p>
+            <a:pPr marL="1371600" lvl="2" indent="-457200">
+              <a:lnSpc>
+                <a:spcPct val="150000"/>
+              </a:lnSpc>
+              <a:buFont typeface="Wingdings" pitchFamily="2" charset="2"/>
+              <a:buChar char="p"/>
+            </a:pPr>
+            <a:r>
+              <a:rPr kumimoji="1" lang="ja-JP" altLang="en-US" sz="2400"/>
+              <a:t>局所最適解に陥る</a:t>
+            </a:r>
+            <a:endParaRPr kumimoji="1" lang="en-US" altLang="ja-JP" sz="2400" dirty="0"/>
+          </a:p>
+          <a:p>
+            <a:pPr marL="1371600" lvl="2" indent="-457200">
+              <a:lnSpc>
+                <a:spcPct val="150000"/>
+              </a:lnSpc>
+              <a:buFont typeface="Wingdings" pitchFamily="2" charset="2"/>
+              <a:buChar char="p"/>
+            </a:pPr>
+            <a:r>
+              <a:rPr kumimoji="1" lang="en-US" altLang="ja-JP" sz="2400" dirty="0"/>
+              <a:t>GA </a:t>
+            </a:r>
+            <a:r>
+              <a:rPr kumimoji="1" lang="ja-JP" altLang="en-US" sz="2400"/>
+              <a:t>を</a:t>
+            </a:r>
+            <a:r>
+              <a:rPr kumimoji="1" lang="en-US" altLang="ja-JP" sz="2400" dirty="0"/>
+              <a:t> CNN </a:t>
+            </a:r>
+            <a:r>
+              <a:rPr kumimoji="1" lang="ja-JP" altLang="en-US" sz="2400"/>
+              <a:t>の最適化に用いるには</a:t>
+            </a:r>
+            <a:br>
+              <a:rPr kumimoji="1" lang="en-US" altLang="ja-JP" sz="2400" dirty="0"/>
+            </a:br>
+            <a:r>
+              <a:rPr kumimoji="1" lang="ja-JP" altLang="en-US" sz="2400">
+                <a:solidFill>
+                  <a:srgbClr val="FF0000"/>
+                </a:solidFill>
+              </a:rPr>
+              <a:t>選択ルールの見直し</a:t>
+            </a:r>
+            <a:r>
+              <a:rPr kumimoji="1" lang="ja-JP" altLang="en-US" sz="2400"/>
+              <a:t>が必要である</a:t>
+            </a:r>
+            <a:endParaRPr kumimoji="1" lang="en-US" altLang="ja-JP" sz="2400" dirty="0"/>
+          </a:p>
+        </p:txBody>
+      </p:sp>
+    </p:spTree>
+    <p:extLst>
+      <p:ext uri="{BB962C8B-B14F-4D97-AF65-F5344CB8AC3E}">
+        <p14:creationId xmlns:p14="http://schemas.microsoft.com/office/powerpoint/2010/main" val="4256581527"/>
+      </p:ext>
+    </p:extLst>
+  </p:cSld>
+  <p:clrMapOvr>
+    <a:masterClrMapping/>
+  </p:clrMapOvr>
+</p:sld>
+</file>
+
+<file path=ppt/slides/slide13.xml><?xml version="1.0" encoding="utf-8"?>
+<p:sld xmlns:a="http://schemas.openxmlformats.org/drawingml/2006/main" xmlns:r="http://schemas.openxmlformats.org/officeDocument/2006/relationships" xmlns:p="http://schemas.openxmlformats.org/presentationml/2006/main">
+  <p:cSld>
+    <p:spTree>
+      <p:nvGrpSpPr>
+        <p:cNvPr id="1" name=""/>
+        <p:cNvGrpSpPr/>
+        <p:nvPr/>
+      </p:nvGrpSpPr>
+      <p:grpSpPr>
+        <a:xfrm>
+          <a:off x="0" y="0"/>
+          <a:ext cx="0" cy="0"/>
+          <a:chOff x="0" y="0"/>
+          <a:chExt cx="0" cy="0"/>
+        </a:xfrm>
+      </p:grpSpPr>
+      <p:sp>
+        <p:nvSpPr>
+          <p:cNvPr id="2" name="タイトル 1">
+            <a:extLst>
+              <a:ext uri="{FF2B5EF4-FFF2-40B4-BE49-F238E27FC236}">
+                <a16:creationId xmlns:a16="http://schemas.microsoft.com/office/drawing/2014/main" id="{D159CF40-CD8C-21A6-0A3D-8CF370B562A6}"/>
+              </a:ext>
+            </a:extLst>
+          </p:cNvPr>
+          <p:cNvSpPr>
+            <a:spLocks noGrp="1"/>
+          </p:cNvSpPr>
+          <p:nvPr>
+            <p:ph type="title"/>
+          </p:nvPr>
+        </p:nvSpPr>
+        <p:spPr/>
+        <p:txBody>
+          <a:bodyPr/>
+          <a:lstStyle/>
+          <a:p>
+            <a:r>
+              <a:rPr kumimoji="1" lang="ja-JP" altLang="en-US"/>
+              <a:t>熱力学的遺伝アルゴリズム</a:t>
+            </a:r>
+          </a:p>
+        </p:txBody>
+      </p:sp>
+      <p:sp>
+        <p:nvSpPr>
+          <p:cNvPr id="3" name="スライド番号プレースホルダー 2">
+            <a:extLst>
+              <a:ext uri="{FF2B5EF4-FFF2-40B4-BE49-F238E27FC236}">
+                <a16:creationId xmlns:a16="http://schemas.microsoft.com/office/drawing/2014/main" id="{37968868-915E-15E5-AB4E-1366F32A281D}"/>
+              </a:ext>
+            </a:extLst>
+          </p:cNvPr>
+          <p:cNvSpPr>
+            <a:spLocks noGrp="1"/>
+          </p:cNvSpPr>
+          <p:nvPr>
+            <p:ph type="sldNum" sz="quarter" idx="12"/>
+          </p:nvPr>
+        </p:nvSpPr>
+        <p:spPr/>
+        <p:txBody>
+          <a:bodyPr/>
+          <a:lstStyle/>
+          <a:p>
+            <a:pPr lvl="0"/>
+            <a:fld id="{004900ED-2EFD-2142-93A1-1CBA90FDE07B}" type="slidenum">
+              <a:rPr lang="en-US" altLang="ja-JP" smtClean="0"/>
+              <a:t>13</a:t>
+            </a:fld>
+            <a:endParaRPr lang="ja-JP" altLang="en-US"/>
+          </a:p>
+        </p:txBody>
+      </p:sp>
+      <p:sp>
+        <p:nvSpPr>
+          <p:cNvPr id="4" name="テキスト ボックス 3">
+            <a:extLst>
+              <a:ext uri="{FF2B5EF4-FFF2-40B4-BE49-F238E27FC236}">
+                <a16:creationId xmlns:a16="http://schemas.microsoft.com/office/drawing/2014/main" id="{C90B63DA-86FE-BCFD-909B-51617E6B3CDE}"/>
+              </a:ext>
+            </a:extLst>
+          </p:cNvPr>
+          <p:cNvSpPr txBox="1"/>
+          <p:nvPr/>
+        </p:nvSpPr>
+        <p:spPr>
+          <a:xfrm>
+            <a:off x="72736" y="1424557"/>
+            <a:ext cx="7529625" cy="3918509"/>
+          </a:xfrm>
+          <a:prstGeom prst="rect">
+            <a:avLst/>
+          </a:prstGeom>
+          <a:noFill/>
+        </p:spPr>
+        <p:txBody>
+          <a:bodyPr wrap="none" rtlCol="0">
+            <a:spAutoFit/>
+          </a:bodyPr>
+          <a:lstStyle/>
+          <a:p>
+            <a:pPr marL="457200" indent="-457200">
+              <a:lnSpc>
+                <a:spcPct val="150000"/>
+              </a:lnSpc>
+              <a:buFont typeface="Wingdings" pitchFamily="2" charset="2"/>
+              <a:buChar char="p"/>
+            </a:pPr>
+            <a:r>
+              <a:rPr kumimoji="1" lang="ja-JP" altLang="en-US" sz="2400"/>
+              <a:t>提案手法</a:t>
+            </a:r>
+            <a:r>
+              <a:rPr kumimoji="1" lang="en-US" altLang="ja-JP" sz="2400" dirty="0"/>
+              <a:t>: </a:t>
+            </a:r>
+            <a:r>
+              <a:rPr kumimoji="1" lang="en-US" altLang="ja-JP" sz="2400" dirty="0" err="1"/>
+              <a:t>tdgaCNN</a:t>
+            </a:r>
+            <a:endParaRPr kumimoji="1" lang="en-US" altLang="ja-JP" sz="2400" dirty="0"/>
+          </a:p>
+          <a:p>
+            <a:pPr marL="914400" lvl="1" indent="-457200">
+              <a:lnSpc>
+                <a:spcPct val="150000"/>
+              </a:lnSpc>
+              <a:buFont typeface="Wingdings" pitchFamily="2" charset="2"/>
+              <a:buChar char="p"/>
+            </a:pPr>
+            <a:r>
+              <a:rPr kumimoji="1" lang="en-US" altLang="ja-JP" sz="2400" dirty="0"/>
+              <a:t>GA </a:t>
+            </a:r>
+            <a:r>
+              <a:rPr kumimoji="1" lang="ja-JP" altLang="en-US" sz="2400"/>
+              <a:t>に熱力学的選択ルールを適用</a:t>
+            </a:r>
+            <a:endParaRPr kumimoji="1" lang="en-US" altLang="ja-JP" sz="2400" dirty="0"/>
+          </a:p>
+          <a:p>
+            <a:pPr marL="914400" lvl="1" indent="-457200">
+              <a:lnSpc>
+                <a:spcPct val="150000"/>
+              </a:lnSpc>
+              <a:buFont typeface="Wingdings" pitchFamily="2" charset="2"/>
+              <a:buChar char="p"/>
+            </a:pPr>
+            <a:r>
+              <a:rPr kumimoji="1" lang="ja-JP" altLang="en-US" sz="2400"/>
+              <a:t>熱力学的遺伝アルゴリズム</a:t>
+            </a:r>
+            <a:br>
+              <a:rPr kumimoji="1" lang="en-US" altLang="ja-JP" sz="2400" dirty="0"/>
+            </a:br>
+            <a:r>
+              <a:rPr kumimoji="1" lang="en-US" altLang="ja-JP" sz="2400" dirty="0"/>
+              <a:t>(Thermodynamical Genetic Algorithm: TDGA)</a:t>
+            </a:r>
+          </a:p>
+          <a:p>
+            <a:pPr marL="914400" lvl="1" indent="-457200">
+              <a:lnSpc>
+                <a:spcPct val="150000"/>
+              </a:lnSpc>
+              <a:buFont typeface="Wingdings" pitchFamily="2" charset="2"/>
+              <a:buChar char="p"/>
+            </a:pPr>
+            <a:r>
+              <a:rPr kumimoji="1" lang="ja-JP" altLang="en-US" sz="2400"/>
+              <a:t>個体の</a:t>
+            </a:r>
+            <a:r>
+              <a:rPr kumimoji="1" lang="ja-JP" altLang="en-US" sz="2400">
+                <a:solidFill>
+                  <a:srgbClr val="FF0000"/>
+                </a:solidFill>
+              </a:rPr>
+              <a:t>多様性の維持</a:t>
+            </a:r>
+            <a:r>
+              <a:rPr kumimoji="1" lang="ja-JP" altLang="en-US" sz="2400"/>
+              <a:t>を重視</a:t>
+            </a:r>
+            <a:endParaRPr kumimoji="1" lang="en-US" altLang="ja-JP" sz="2400" dirty="0"/>
+          </a:p>
+          <a:p>
+            <a:pPr marL="914400" lvl="1" indent="-457200">
+              <a:lnSpc>
+                <a:spcPct val="150000"/>
+              </a:lnSpc>
+              <a:buFont typeface="Wingdings" pitchFamily="2" charset="2"/>
+              <a:buChar char="p"/>
+            </a:pPr>
+            <a:r>
+              <a:rPr kumimoji="1" lang="en-US" altLang="ja-JP" sz="2400" dirty="0"/>
+              <a:t>GA </a:t>
+            </a:r>
+            <a:r>
+              <a:rPr kumimoji="1" lang="ja-JP" altLang="en-US" sz="2400"/>
+              <a:t>における</a:t>
+            </a:r>
+            <a:r>
+              <a:rPr kumimoji="1" lang="ja-JP" altLang="en-US" sz="2400">
+                <a:solidFill>
+                  <a:srgbClr val="FF0000"/>
+                </a:solidFill>
+              </a:rPr>
+              <a:t>初期収束問題を解消</a:t>
+            </a:r>
+            <a:endParaRPr kumimoji="1" lang="en-US" altLang="ja-JP" sz="2400" dirty="0">
+              <a:solidFill>
+                <a:srgbClr val="FF0000"/>
+              </a:solidFill>
+            </a:endParaRPr>
+          </a:p>
+          <a:p>
+            <a:pPr marL="914400" lvl="1" indent="-457200">
+              <a:lnSpc>
+                <a:spcPct val="150000"/>
+              </a:lnSpc>
+              <a:buFont typeface="Wingdings" pitchFamily="2" charset="2"/>
+              <a:buChar char="p"/>
+            </a:pPr>
+            <a:endParaRPr kumimoji="1" lang="en-US" altLang="ja-JP" sz="2400" dirty="0"/>
+          </a:p>
+        </p:txBody>
+      </p:sp>
+    </p:spTree>
+    <p:extLst>
+      <p:ext uri="{BB962C8B-B14F-4D97-AF65-F5344CB8AC3E}">
+        <p14:creationId xmlns:p14="http://schemas.microsoft.com/office/powerpoint/2010/main" val="842676182"/>
+      </p:ext>
+    </p:extLst>
+  </p:cSld>
+  <p:clrMapOvr>
+    <a:masterClrMapping/>
+  </p:clrMapOvr>
+</p:sld>
+</file>
+
+<file path=ppt/slides/slide14.xml><?xml version="1.0" encoding="utf-8"?>
+<p:sld xmlns:a="http://schemas.openxmlformats.org/drawingml/2006/main" xmlns:r="http://schemas.openxmlformats.org/officeDocument/2006/relationships" xmlns:p="http://schemas.openxmlformats.org/presentationml/2006/main">
+  <p:cSld>
+    <p:spTree>
+      <p:nvGrpSpPr>
+        <p:cNvPr id="1" name=""/>
+        <p:cNvGrpSpPr/>
+        <p:nvPr/>
+      </p:nvGrpSpPr>
+      <p:grpSpPr>
+        <a:xfrm>
+          <a:off x="0" y="0"/>
+          <a:ext cx="0" cy="0"/>
+          <a:chOff x="0" y="0"/>
+          <a:chExt cx="0" cy="0"/>
+        </a:xfrm>
+      </p:grpSpPr>
+      <p:sp>
+        <p:nvSpPr>
+          <p:cNvPr id="2" name="タイトル 1">
+            <a:extLst>
+              <a:ext uri="{FF2B5EF4-FFF2-40B4-BE49-F238E27FC236}">
+                <a16:creationId xmlns:a16="http://schemas.microsoft.com/office/drawing/2014/main" id="{D159CF40-CD8C-21A6-0A3D-8CF370B562A6}"/>
+              </a:ext>
+            </a:extLst>
+          </p:cNvPr>
+          <p:cNvSpPr>
+            <a:spLocks noGrp="1"/>
+          </p:cNvSpPr>
+          <p:nvPr>
+            <p:ph type="title"/>
+          </p:nvPr>
+        </p:nvSpPr>
+        <p:spPr/>
+        <p:txBody>
+          <a:bodyPr/>
+          <a:lstStyle/>
+          <a:p>
+            <a:r>
+              <a:rPr kumimoji="1" lang="ja-JP" altLang="en-US"/>
+              <a:t>熱力学的遺伝アルゴリズム</a:t>
+            </a:r>
+          </a:p>
+        </p:txBody>
+      </p:sp>
+      <p:sp>
+        <p:nvSpPr>
+          <p:cNvPr id="3" name="スライド番号プレースホルダー 2">
+            <a:extLst>
+              <a:ext uri="{FF2B5EF4-FFF2-40B4-BE49-F238E27FC236}">
+                <a16:creationId xmlns:a16="http://schemas.microsoft.com/office/drawing/2014/main" id="{37968868-915E-15E5-AB4E-1366F32A281D}"/>
+              </a:ext>
+            </a:extLst>
+          </p:cNvPr>
+          <p:cNvSpPr>
+            <a:spLocks noGrp="1"/>
+          </p:cNvSpPr>
+          <p:nvPr>
+            <p:ph type="sldNum" sz="quarter" idx="12"/>
+          </p:nvPr>
+        </p:nvSpPr>
+        <p:spPr/>
+        <p:txBody>
+          <a:bodyPr/>
+          <a:lstStyle/>
+          <a:p>
+            <a:pPr lvl="0"/>
+            <a:fld id="{004900ED-2EFD-2142-93A1-1CBA90FDE07B}" type="slidenum">
+              <a:rPr lang="en-US" altLang="ja-JP" smtClean="0"/>
+              <a:t>14</a:t>
+            </a:fld>
+            <a:endParaRPr lang="ja-JP" altLang="en-US"/>
+          </a:p>
+        </p:txBody>
+      </p:sp>
+      <p:sp>
+        <p:nvSpPr>
+          <p:cNvPr id="4" name="テキスト ボックス 3">
+            <a:extLst>
+              <a:ext uri="{FF2B5EF4-FFF2-40B4-BE49-F238E27FC236}">
+                <a16:creationId xmlns:a16="http://schemas.microsoft.com/office/drawing/2014/main" id="{C90B63DA-86FE-BCFD-909B-51617E6B3CDE}"/>
+              </a:ext>
+            </a:extLst>
+          </p:cNvPr>
+          <p:cNvSpPr txBox="1"/>
+          <p:nvPr/>
+        </p:nvSpPr>
+        <p:spPr>
+          <a:xfrm>
+            <a:off x="189784" y="2296553"/>
+            <a:ext cx="7181694" cy="2523768"/>
+          </a:xfrm>
+          <a:prstGeom prst="rect">
+            <a:avLst/>
+          </a:prstGeom>
+          <a:noFill/>
+        </p:spPr>
+        <p:txBody>
+          <a:bodyPr wrap="square" rtlCol="0">
+            <a:spAutoFit/>
+          </a:bodyPr>
+          <a:lstStyle/>
+          <a:p>
+            <a:pPr lvl="1"/>
+            <a:endParaRPr kumimoji="1" lang="en-US" altLang="ja-JP" sz="2400" dirty="0"/>
+          </a:p>
+          <a:p>
+            <a:pPr marL="914400" lvl="1" indent="-457200">
+              <a:buFont typeface="Wingdings" pitchFamily="2" charset="2"/>
+              <a:buChar char="p"/>
+            </a:pPr>
+            <a:r>
+              <a:rPr kumimoji="1" lang="en-US" altLang="ja-JP" sz="2400" dirty="0"/>
+              <a:t>GA </a:t>
+            </a:r>
+            <a:r>
+              <a:rPr kumimoji="1" lang="ja-JP" altLang="en-US" sz="2400"/>
+              <a:t>の選択ルールに熱力学における自由</a:t>
+            </a:r>
+            <a:br>
+              <a:rPr kumimoji="1" lang="en-US" altLang="ja-JP" sz="2400" dirty="0"/>
+            </a:br>
+            <a:r>
+              <a:rPr kumimoji="1" lang="ja-JP" altLang="en-US" sz="2400"/>
+              <a:t>エネルギーの概念を取り入れた手法</a:t>
+            </a:r>
+            <a:endParaRPr lang="en-US" altLang="ja-JP" sz="2400" dirty="0"/>
+          </a:p>
+          <a:p>
+            <a:pPr marL="914400" lvl="1" indent="-457200">
+              <a:buFont typeface="Wingdings" pitchFamily="2" charset="2"/>
+              <a:buChar char="p"/>
+            </a:pPr>
+            <a:endParaRPr kumimoji="1" lang="en-US" altLang="ja-JP" sz="1400" dirty="0"/>
+          </a:p>
+          <a:p>
+            <a:pPr marL="914400" lvl="1" indent="-457200">
+              <a:buFont typeface="Wingdings" pitchFamily="2" charset="2"/>
+              <a:buChar char="p"/>
+            </a:pPr>
+            <a:r>
+              <a:rPr lang="ja-JP" altLang="en-US" sz="2400"/>
+              <a:t>個体の多様性を維持することがねらい</a:t>
+            </a:r>
+            <a:br>
+              <a:rPr lang="en-US" altLang="ja-JP" sz="2400" dirty="0"/>
+            </a:br>
+            <a:r>
+              <a:rPr lang="en-US" altLang="ja-JP" sz="2400" dirty="0"/>
+              <a:t>→ </a:t>
+            </a:r>
+            <a:r>
+              <a:rPr kumimoji="1" lang="ja-JP" altLang="en-US" sz="2400">
+                <a:solidFill>
+                  <a:srgbClr val="FF0000"/>
+                </a:solidFill>
+              </a:rPr>
+              <a:t>初期収束問題の解消</a:t>
+            </a:r>
+            <a:endParaRPr kumimoji="1" lang="en-US" altLang="ja-JP" sz="2400" dirty="0"/>
+          </a:p>
+          <a:p>
+            <a:pPr marL="914400" lvl="1" indent="-457200">
+              <a:buFont typeface="Wingdings" pitchFamily="2" charset="2"/>
+              <a:buChar char="p"/>
+            </a:pPr>
+            <a:endParaRPr kumimoji="1" lang="en-US" altLang="ja-JP" sz="2400" dirty="0"/>
+          </a:p>
+        </p:txBody>
+      </p:sp>
+      <p:sp>
+        <p:nvSpPr>
+          <p:cNvPr id="5" name="テキスト ボックス 4">
+            <a:extLst>
+              <a:ext uri="{FF2B5EF4-FFF2-40B4-BE49-F238E27FC236}">
+                <a16:creationId xmlns:a16="http://schemas.microsoft.com/office/drawing/2014/main" id="{A0DAC15A-B60A-53DD-DA6A-9DF6679A8EBC}"/>
+              </a:ext>
+            </a:extLst>
+          </p:cNvPr>
+          <p:cNvSpPr txBox="1"/>
+          <p:nvPr/>
+        </p:nvSpPr>
+        <p:spPr>
+          <a:xfrm>
+            <a:off x="519837" y="1464829"/>
+            <a:ext cx="6606296" cy="830997"/>
+          </a:xfrm>
+          <a:prstGeom prst="rect">
+            <a:avLst/>
+          </a:prstGeom>
+          <a:noFill/>
+        </p:spPr>
+        <p:txBody>
+          <a:bodyPr wrap="none" rtlCol="0">
+            <a:spAutoFit/>
+          </a:bodyPr>
+          <a:lstStyle/>
+          <a:p>
+            <a:r>
+              <a:rPr kumimoji="1" lang="ja-JP" altLang="en-US" sz="2400"/>
+              <a:t>熱力学的遺伝アルゴリズム</a:t>
+            </a:r>
+            <a:endParaRPr kumimoji="1" lang="en-US" altLang="ja-JP" sz="2400" dirty="0"/>
+          </a:p>
+          <a:p>
+            <a:r>
+              <a:rPr kumimoji="1" lang="en-US" altLang="ja-JP" sz="2400" dirty="0"/>
+              <a:t>(Thermodynamical Genetic Algorithm: TDGA)</a:t>
+            </a:r>
+            <a:endParaRPr kumimoji="1" lang="ja-JP" altLang="en-US" sz="2400"/>
+          </a:p>
+        </p:txBody>
+      </p:sp>
+      <p:sp>
+        <p:nvSpPr>
+          <p:cNvPr id="6" name="テキスト ボックス 5">
+            <a:extLst>
+              <a:ext uri="{FF2B5EF4-FFF2-40B4-BE49-F238E27FC236}">
+                <a16:creationId xmlns:a16="http://schemas.microsoft.com/office/drawing/2014/main" id="{6CAE7105-A7F6-24D0-BD6A-41C3CFFB09BD}"/>
+              </a:ext>
+            </a:extLst>
+          </p:cNvPr>
+          <p:cNvSpPr txBox="1"/>
+          <p:nvPr/>
+        </p:nvSpPr>
+        <p:spPr>
+          <a:xfrm>
+            <a:off x="1117600" y="4439943"/>
+            <a:ext cx="184731" cy="461665"/>
+          </a:xfrm>
+          <a:prstGeom prst="rect">
+            <a:avLst/>
+          </a:prstGeom>
+          <a:noFill/>
+        </p:spPr>
+        <p:txBody>
+          <a:bodyPr wrap="none" rtlCol="0">
+            <a:spAutoFit/>
+          </a:bodyPr>
+          <a:lstStyle/>
+          <a:p>
+            <a:endParaRPr kumimoji="1" lang="ja-JP" altLang="en-US" sz="2400">
+              <a:solidFill>
+                <a:srgbClr val="FF0000"/>
+              </a:solidFill>
+            </a:endParaRPr>
+          </a:p>
+        </p:txBody>
+      </p:sp>
+    </p:spTree>
+    <p:extLst>
+      <p:ext uri="{BB962C8B-B14F-4D97-AF65-F5344CB8AC3E}">
+        <p14:creationId xmlns:p14="http://schemas.microsoft.com/office/powerpoint/2010/main" val="1351504885"/>
+      </p:ext>
+    </p:extLst>
+  </p:cSld>
+  <p:clrMapOvr>
+    <a:masterClrMapping/>
+  </p:clrMapOvr>
+</p:sld>
+</file>
+
+<file path=ppt/slides/slide15.xml><?xml version="1.0" encoding="utf-8"?>
+<p:sld xmlns:a="http://schemas.openxmlformats.org/drawingml/2006/main" xmlns:r="http://schemas.openxmlformats.org/officeDocument/2006/relationships" xmlns:p="http://schemas.openxmlformats.org/presentationml/2006/main">
+  <p:cSld>
+    <p:spTree>
+      <p:nvGrpSpPr>
+        <p:cNvPr id="1" name=""/>
+        <p:cNvGrpSpPr/>
+        <p:nvPr/>
+      </p:nvGrpSpPr>
+      <p:grpSpPr>
+        <a:xfrm>
+          <a:off x="0" y="0"/>
+          <a:ext cx="0" cy="0"/>
+          <a:chOff x="0" y="0"/>
+          <a:chExt cx="0" cy="0"/>
+        </a:xfrm>
+      </p:grpSpPr>
+      <p:sp>
+        <p:nvSpPr>
+          <p:cNvPr id="2" name="タイトル 1">
+            <a:extLst>
+              <a:ext uri="{FF2B5EF4-FFF2-40B4-BE49-F238E27FC236}">
+                <a16:creationId xmlns:a16="http://schemas.microsoft.com/office/drawing/2014/main" id="{D159CF40-CD8C-21A6-0A3D-8CF370B562A6}"/>
+              </a:ext>
+            </a:extLst>
+          </p:cNvPr>
+          <p:cNvSpPr>
+            <a:spLocks noGrp="1"/>
+          </p:cNvSpPr>
+          <p:nvPr>
+            <p:ph type="title"/>
+          </p:nvPr>
+        </p:nvSpPr>
+        <p:spPr/>
+        <p:txBody>
+          <a:bodyPr/>
+          <a:lstStyle/>
+          <a:p>
+            <a:r>
+              <a:rPr kumimoji="1" lang="ja-JP" altLang="en-US"/>
+              <a:t>熱力学的遺伝アルゴリズム</a:t>
+            </a:r>
+          </a:p>
+        </p:txBody>
+      </p:sp>
+      <p:sp>
+        <p:nvSpPr>
+          <p:cNvPr id="3" name="スライド番号プレースホルダー 2">
+            <a:extLst>
+              <a:ext uri="{FF2B5EF4-FFF2-40B4-BE49-F238E27FC236}">
+                <a16:creationId xmlns:a16="http://schemas.microsoft.com/office/drawing/2014/main" id="{37968868-915E-15E5-AB4E-1366F32A281D}"/>
+              </a:ext>
+            </a:extLst>
+          </p:cNvPr>
+          <p:cNvSpPr>
+            <a:spLocks noGrp="1"/>
+          </p:cNvSpPr>
+          <p:nvPr>
+            <p:ph type="sldNum" sz="quarter" idx="12"/>
+          </p:nvPr>
+        </p:nvSpPr>
+        <p:spPr/>
+        <p:txBody>
+          <a:bodyPr/>
+          <a:lstStyle/>
+          <a:p>
+            <a:pPr lvl="0"/>
+            <a:fld id="{004900ED-2EFD-2142-93A1-1CBA90FDE07B}" type="slidenum">
+              <a:rPr lang="en-US" altLang="ja-JP" smtClean="0"/>
+              <a:t>15</a:t>
             </a:fld>
             <a:endParaRPr lang="ja-JP" altLang="en-US"/>
           </a:p>
@@ -4931,10 +5812,10 @@
       </p:sp>
       <p:grpSp>
         <p:nvGrpSpPr>
-          <p:cNvPr id="19" name="グループ化 18">
-            <a:extLst>
-              <a:ext uri="{FF2B5EF4-FFF2-40B4-BE49-F238E27FC236}">
-                <a16:creationId xmlns:a16="http://schemas.microsoft.com/office/drawing/2014/main" id="{0A2A52E9-C6F8-423D-89D1-7B3945BC61DD}"/>
+          <p:cNvPr id="7" name="グループ化 6">
+            <a:extLst>
+              <a:ext uri="{FF2B5EF4-FFF2-40B4-BE49-F238E27FC236}">
+                <a16:creationId xmlns:a16="http://schemas.microsoft.com/office/drawing/2014/main" id="{F1E45FAE-B686-52AF-3D7A-6084523339BD}"/>
               </a:ext>
             </a:extLst>
           </p:cNvPr>
@@ -5227,7 +6108,7 @@
 </p:sld>
 </file>
 
-<file path=ppt/slides/slide12.xml><?xml version="1.0" encoding="utf-8"?>
+<file path=ppt/slides/slide16.xml><?xml version="1.0" encoding="utf-8"?>
 <p:sld xmlns:a="http://schemas.openxmlformats.org/drawingml/2006/main" xmlns:r="http://schemas.openxmlformats.org/officeDocument/2006/relationships" xmlns:p="http://schemas.openxmlformats.org/presentationml/2006/main">
   <p:cSld>
     <p:spTree>
@@ -5296,7 +6177,7 @@
             <a:pPr lvl="0"/>
             <a:fld id="{004900ED-2EFD-2142-93A1-1CBA90FDE07B}" type="slidenum">
               <a:rPr lang="en-US" altLang="ja-JP" smtClean="0"/>
-              <a:t>12</a:t>
+              <a:t>16</a:t>
             </a:fld>
             <a:endParaRPr lang="ja-JP" altLang="en-US"/>
           </a:p>
@@ -5382,75 +6263,1083 @@
           </a:p>
         </p:txBody>
       </p:sp>
-      <p:pic>
-        <p:nvPicPr>
-          <p:cNvPr id="10" name="図 9" descr="ロゴ が含まれている画像&#10;&#10;自動的に生成された説明">
-            <a:extLst>
-              <a:ext uri="{FF2B5EF4-FFF2-40B4-BE49-F238E27FC236}">
-                <a16:creationId xmlns:a16="http://schemas.microsoft.com/office/drawing/2014/main" id="{FFA8825E-3A56-190B-31B7-790425C01711}"/>
-              </a:ext>
-            </a:extLst>
-          </p:cNvPr>
-          <p:cNvPicPr>
-            <a:picLocks noChangeAspect="1"/>
-          </p:cNvPicPr>
+      <p:grpSp>
+        <p:nvGrpSpPr>
+          <p:cNvPr id="7" name="グループ化 6">
+            <a:extLst>
+              <a:ext uri="{FF2B5EF4-FFF2-40B4-BE49-F238E27FC236}">
+                <a16:creationId xmlns:a16="http://schemas.microsoft.com/office/drawing/2014/main" id="{AC05F214-2120-36E1-62A4-1AA4B71FC80D}"/>
+              </a:ext>
+            </a:extLst>
+          </p:cNvPr>
+          <p:cNvGrpSpPr/>
           <p:nvPr/>
-        </p:nvPicPr>
-        <p:blipFill>
-          <a:blip r:embed="rId2"/>
-          <a:stretch>
-            <a:fillRect/>
-          </a:stretch>
-        </p:blipFill>
+        </p:nvGrpSpPr>
+        <p:grpSpPr>
+          <a:xfrm>
+            <a:off x="388700" y="2025161"/>
+            <a:ext cx="6794500" cy="3343484"/>
+            <a:chOff x="388700" y="2025161"/>
+            <a:chExt cx="6794500" cy="3343484"/>
+          </a:xfrm>
+        </p:grpSpPr>
+        <p:pic>
+          <p:nvPicPr>
+            <p:cNvPr id="10" name="図 9" descr="ロゴ が含まれている画像&#10;&#10;自動的に生成された説明">
+              <a:extLst>
+                <a:ext uri="{FF2B5EF4-FFF2-40B4-BE49-F238E27FC236}">
+                  <a16:creationId xmlns:a16="http://schemas.microsoft.com/office/drawing/2014/main" id="{FFA8825E-3A56-190B-31B7-790425C01711}"/>
+                </a:ext>
+              </a:extLst>
+            </p:cNvPr>
+            <p:cNvPicPr>
+              <a:picLocks noChangeAspect="1"/>
+            </p:cNvPicPr>
+            <p:nvPr/>
+          </p:nvPicPr>
+          <p:blipFill>
+            <a:blip r:embed="rId2"/>
+            <a:stretch>
+              <a:fillRect/>
+            </a:stretch>
+          </p:blipFill>
+          <p:spPr>
+            <a:xfrm>
+              <a:off x="388700" y="2025161"/>
+              <a:ext cx="6794500" cy="1524000"/>
+            </a:xfrm>
+            <a:prstGeom prst="rect">
+              <a:avLst/>
+            </a:prstGeom>
+          </p:spPr>
+        </p:pic>
+        <p:pic>
+          <p:nvPicPr>
+            <p:cNvPr id="12" name="図 11" descr="テキスト, 手紙&#10;&#10;自動的に生成された説明">
+              <a:extLst>
+                <a:ext uri="{FF2B5EF4-FFF2-40B4-BE49-F238E27FC236}">
+                  <a16:creationId xmlns:a16="http://schemas.microsoft.com/office/drawing/2014/main" id="{4CE41CCD-E02F-52D7-5513-6B2271CF7D34}"/>
+                </a:ext>
+              </a:extLst>
+            </p:cNvPr>
+            <p:cNvPicPr>
+              <a:picLocks noChangeAspect="1"/>
+            </p:cNvPicPr>
+            <p:nvPr/>
+          </p:nvPicPr>
+          <p:blipFill>
+            <a:blip r:embed="rId3"/>
+            <a:stretch>
+              <a:fillRect/>
+            </a:stretch>
+          </p:blipFill>
+          <p:spPr>
+            <a:xfrm>
+              <a:off x="519837" y="3683670"/>
+              <a:ext cx="5047843" cy="1684975"/>
+            </a:xfrm>
+            <a:prstGeom prst="rect">
+              <a:avLst/>
+            </a:prstGeom>
+            <a:ln>
+              <a:solidFill>
+                <a:schemeClr val="tx1"/>
+              </a:solidFill>
+            </a:ln>
+          </p:spPr>
+        </p:pic>
+      </p:grpSp>
+    </p:spTree>
+    <p:extLst>
+      <p:ext uri="{BB962C8B-B14F-4D97-AF65-F5344CB8AC3E}">
+        <p14:creationId xmlns:p14="http://schemas.microsoft.com/office/powerpoint/2010/main" val="3204009875"/>
+      </p:ext>
+    </p:extLst>
+  </p:cSld>
+  <p:clrMapOvr>
+    <a:masterClrMapping/>
+  </p:clrMapOvr>
+</p:sld>
+</file>
+
+<file path=ppt/slides/slide17.xml><?xml version="1.0" encoding="utf-8"?>
+<p:sld xmlns:a="http://schemas.openxmlformats.org/drawingml/2006/main" xmlns:r="http://schemas.openxmlformats.org/officeDocument/2006/relationships" xmlns:p="http://schemas.openxmlformats.org/presentationml/2006/main">
+  <p:cSld>
+    <p:spTree>
+      <p:nvGrpSpPr>
+        <p:cNvPr id="1" name=""/>
+        <p:cNvGrpSpPr/>
+        <p:nvPr/>
+      </p:nvGrpSpPr>
+      <p:grpSpPr>
+        <a:xfrm>
+          <a:off x="0" y="0"/>
+          <a:ext cx="0" cy="0"/>
+          <a:chOff x="0" y="0"/>
+          <a:chExt cx="0" cy="0"/>
+        </a:xfrm>
+      </p:grpSpPr>
+      <p:sp>
+        <p:nvSpPr>
+          <p:cNvPr id="2" name="タイトル 1">
+            <a:extLst>
+              <a:ext uri="{FF2B5EF4-FFF2-40B4-BE49-F238E27FC236}">
+                <a16:creationId xmlns:a16="http://schemas.microsoft.com/office/drawing/2014/main" id="{DA6841C3-0E6C-BFA1-5D04-4112F1117102}"/>
+              </a:ext>
+            </a:extLst>
+          </p:cNvPr>
+          <p:cNvSpPr>
+            <a:spLocks noGrp="1"/>
+          </p:cNvSpPr>
+          <p:nvPr>
+            <p:ph type="title"/>
+          </p:nvPr>
+        </p:nvSpPr>
+        <p:spPr/>
+        <p:txBody>
+          <a:bodyPr/>
+          <a:lstStyle/>
+          <a:p>
+            <a:r>
+              <a:rPr kumimoji="1" lang="ja-JP" altLang="en-US"/>
+              <a:t>目次</a:t>
+            </a:r>
+          </a:p>
+        </p:txBody>
+      </p:sp>
+      <p:sp>
+        <p:nvSpPr>
+          <p:cNvPr id="4" name="スライド番号プレースホルダー 3">
+            <a:extLst>
+              <a:ext uri="{FF2B5EF4-FFF2-40B4-BE49-F238E27FC236}">
+                <a16:creationId xmlns:a16="http://schemas.microsoft.com/office/drawing/2014/main" id="{20D20625-8135-BA1D-11A0-E3466265CE7C}"/>
+              </a:ext>
+            </a:extLst>
+          </p:cNvPr>
+          <p:cNvSpPr>
+            <a:spLocks noGrp="1"/>
+          </p:cNvSpPr>
+          <p:nvPr>
+            <p:ph type="sldNum" sz="quarter" idx="12"/>
+          </p:nvPr>
+        </p:nvSpPr>
+        <p:spPr/>
+        <p:txBody>
+          <a:bodyPr/>
+          <a:lstStyle/>
+          <a:p>
+            <a:pPr lvl="0"/>
+            <a:fld id="{004900ED-2EFD-2142-93A1-1CBA90FDE07B}" type="slidenum">
+              <a:rPr lang="en-US" altLang="ja-JP" smtClean="0"/>
+              <a:t>17</a:t>
+            </a:fld>
+            <a:endParaRPr lang="ja-JP" altLang="en-US"/>
+          </a:p>
+        </p:txBody>
+      </p:sp>
+      <p:sp>
+        <p:nvSpPr>
+          <p:cNvPr id="3" name="テキスト ボックス 2">
+            <a:extLst>
+              <a:ext uri="{FF2B5EF4-FFF2-40B4-BE49-F238E27FC236}">
+                <a16:creationId xmlns:a16="http://schemas.microsoft.com/office/drawing/2014/main" id="{CFCE3529-0348-FAC9-4C81-ACEA9BA72623}"/>
+              </a:ext>
+            </a:extLst>
+          </p:cNvPr>
+          <p:cNvSpPr txBox="1"/>
+          <p:nvPr/>
+        </p:nvSpPr>
         <p:spPr>
           <a:xfrm>
-            <a:off x="388700" y="2025161"/>
-            <a:ext cx="6794500" cy="1524000"/>
+            <a:off x="919691" y="1259079"/>
+            <a:ext cx="3877985" cy="3909917"/>
           </a:xfrm>
           <a:prstGeom prst="rect">
             <a:avLst/>
           </a:prstGeom>
+          <a:noFill/>
         </p:spPr>
-      </p:pic>
-      <p:pic>
-        <p:nvPicPr>
-          <p:cNvPr id="12" name="図 11" descr="テキスト, 手紙&#10;&#10;自動的に生成された説明">
-            <a:extLst>
-              <a:ext uri="{FF2B5EF4-FFF2-40B4-BE49-F238E27FC236}">
-                <a16:creationId xmlns:a16="http://schemas.microsoft.com/office/drawing/2014/main" id="{4CE41CCD-E02F-52D7-5513-6B2271CF7D34}"/>
-              </a:ext>
-            </a:extLst>
-          </p:cNvPr>
-          <p:cNvPicPr>
-            <a:picLocks noChangeAspect="1"/>
-          </p:cNvPicPr>
+        <p:txBody>
+          <a:bodyPr wrap="none" rtlCol="0">
+            <a:spAutoFit/>
+          </a:bodyPr>
+          <a:lstStyle/>
+          <a:p>
+            <a:pPr marL="457200" indent="-457200">
+              <a:lnSpc>
+                <a:spcPct val="150000"/>
+              </a:lnSpc>
+              <a:buFont typeface="Wingdings" pitchFamily="2" charset="2"/>
+              <a:buChar char="Ø"/>
+            </a:pPr>
+            <a:r>
+              <a:rPr lang="ja-JP" altLang="en-US" sz="2800">
+                <a:solidFill>
+                  <a:schemeClr val="bg2">
+                    <a:lumMod val="75000"/>
+                  </a:schemeClr>
+                </a:solidFill>
+              </a:rPr>
+              <a:t>はじめに</a:t>
+            </a:r>
+            <a:endParaRPr lang="en-US" altLang="ja-JP" sz="2800" dirty="0">
+              <a:solidFill>
+                <a:schemeClr val="bg2">
+                  <a:lumMod val="75000"/>
+                </a:schemeClr>
+              </a:solidFill>
+            </a:endParaRPr>
+          </a:p>
+          <a:p>
+            <a:pPr marL="457200" indent="-457200">
+              <a:lnSpc>
+                <a:spcPct val="150000"/>
+              </a:lnSpc>
+              <a:buFont typeface="Wingdings" pitchFamily="2" charset="2"/>
+              <a:buChar char="Ø"/>
+            </a:pPr>
+            <a:r>
+              <a:rPr lang="ja-JP" altLang="en-US" sz="2800">
+                <a:solidFill>
+                  <a:schemeClr val="bg2">
+                    <a:lumMod val="75000"/>
+                  </a:schemeClr>
+                </a:solidFill>
+              </a:rPr>
+              <a:t>要素技術</a:t>
+            </a:r>
+            <a:endParaRPr lang="en-US" altLang="ja-JP" sz="2800" dirty="0">
+              <a:solidFill>
+                <a:schemeClr val="bg2">
+                  <a:lumMod val="75000"/>
+                </a:schemeClr>
+              </a:solidFill>
+            </a:endParaRPr>
+          </a:p>
+          <a:p>
+            <a:pPr marL="457200" indent="-457200">
+              <a:lnSpc>
+                <a:spcPct val="150000"/>
+              </a:lnSpc>
+              <a:buFont typeface="Wingdings" pitchFamily="2" charset="2"/>
+              <a:buChar char="Ø"/>
+            </a:pPr>
+            <a:r>
+              <a:rPr lang="ja-JP" altLang="en-US" sz="2800">
+                <a:solidFill>
+                  <a:schemeClr val="bg2">
+                    <a:lumMod val="75000"/>
+                  </a:schemeClr>
+                </a:solidFill>
+              </a:rPr>
+              <a:t>提案手法</a:t>
+            </a:r>
+            <a:endParaRPr lang="en-US" altLang="ja-JP" sz="2800" dirty="0">
+              <a:solidFill>
+                <a:schemeClr val="bg2">
+                  <a:lumMod val="75000"/>
+                </a:schemeClr>
+              </a:solidFill>
+            </a:endParaRPr>
+          </a:p>
+          <a:p>
+            <a:pPr marL="457200" indent="-457200">
+              <a:lnSpc>
+                <a:spcPct val="150000"/>
+              </a:lnSpc>
+              <a:buFont typeface="Wingdings" pitchFamily="2" charset="2"/>
+              <a:buChar char="Ø"/>
+            </a:pPr>
+            <a:r>
+              <a:rPr lang="ja-JP" altLang="en-US" sz="2800"/>
+              <a:t>実験概要</a:t>
+            </a:r>
+            <a:endParaRPr lang="en-US" altLang="ja-JP" sz="2800" dirty="0"/>
+          </a:p>
+          <a:p>
+            <a:pPr marL="457200" indent="-457200">
+              <a:lnSpc>
+                <a:spcPct val="150000"/>
+              </a:lnSpc>
+              <a:buFont typeface="Wingdings" pitchFamily="2" charset="2"/>
+              <a:buChar char="Ø"/>
+            </a:pPr>
+            <a:r>
+              <a:rPr lang="ja-JP" altLang="en-US" sz="2800">
+                <a:solidFill>
+                  <a:schemeClr val="bg2">
+                    <a:lumMod val="75000"/>
+                  </a:schemeClr>
+                </a:solidFill>
+              </a:rPr>
+              <a:t>実験結果</a:t>
+            </a:r>
+            <a:endParaRPr lang="en-US" altLang="ja-JP" sz="2800" dirty="0">
+              <a:solidFill>
+                <a:schemeClr val="bg2">
+                  <a:lumMod val="75000"/>
+                </a:schemeClr>
+              </a:solidFill>
+            </a:endParaRPr>
+          </a:p>
+          <a:p>
+            <a:pPr marL="457200" indent="-457200">
+              <a:lnSpc>
+                <a:spcPct val="150000"/>
+              </a:lnSpc>
+              <a:buFont typeface="Wingdings" pitchFamily="2" charset="2"/>
+              <a:buChar char="Ø"/>
+            </a:pPr>
+            <a:r>
+              <a:rPr lang="ja-JP" altLang="en-US" sz="2800">
+                <a:solidFill>
+                  <a:schemeClr val="bg2">
+                    <a:lumMod val="75000"/>
+                  </a:schemeClr>
+                </a:solidFill>
+              </a:rPr>
+              <a:t>まとめと今後の課題</a:t>
+            </a:r>
+          </a:p>
+        </p:txBody>
+      </p:sp>
+    </p:spTree>
+    <p:extLst>
+      <p:ext uri="{BB962C8B-B14F-4D97-AF65-F5344CB8AC3E}">
+        <p14:creationId xmlns:p14="http://schemas.microsoft.com/office/powerpoint/2010/main" val="4238712240"/>
+      </p:ext>
+    </p:extLst>
+  </p:cSld>
+  <p:clrMapOvr>
+    <a:masterClrMapping/>
+  </p:clrMapOvr>
+</p:sld>
+</file>
+
+<file path=ppt/slides/slide18.xml><?xml version="1.0" encoding="utf-8"?>
+<p:sld xmlns:a="http://schemas.openxmlformats.org/drawingml/2006/main" xmlns:r="http://schemas.openxmlformats.org/officeDocument/2006/relationships" xmlns:p="http://schemas.openxmlformats.org/presentationml/2006/main">
+  <p:cSld>
+    <p:spTree>
+      <p:nvGrpSpPr>
+        <p:cNvPr id="1" name=""/>
+        <p:cNvGrpSpPr/>
+        <p:nvPr/>
+      </p:nvGrpSpPr>
+      <p:grpSpPr>
+        <a:xfrm>
+          <a:off x="0" y="0"/>
+          <a:ext cx="0" cy="0"/>
+          <a:chOff x="0" y="0"/>
+          <a:chExt cx="0" cy="0"/>
+        </a:xfrm>
+      </p:grpSpPr>
+      <p:sp>
+        <p:nvSpPr>
+          <p:cNvPr id="2" name="タイトル 1">
+            <a:extLst>
+              <a:ext uri="{FF2B5EF4-FFF2-40B4-BE49-F238E27FC236}">
+                <a16:creationId xmlns:a16="http://schemas.microsoft.com/office/drawing/2014/main" id="{380966B7-59D9-D6A5-796F-E7163263C3A4}"/>
+              </a:ext>
+            </a:extLst>
+          </p:cNvPr>
+          <p:cNvSpPr>
+            <a:spLocks noGrp="1"/>
+          </p:cNvSpPr>
+          <p:nvPr>
+            <p:ph type="title"/>
+          </p:nvPr>
+        </p:nvSpPr>
+        <p:spPr/>
+        <p:txBody>
+          <a:bodyPr/>
+          <a:lstStyle/>
+          <a:p>
+            <a:r>
+              <a:rPr kumimoji="1" lang="ja-JP" altLang="en-US"/>
+              <a:t>本実験の概要</a:t>
+            </a:r>
+          </a:p>
+        </p:txBody>
+      </p:sp>
+      <p:sp>
+        <p:nvSpPr>
+          <p:cNvPr id="3" name="スライド番号プレースホルダー 2">
+            <a:extLst>
+              <a:ext uri="{FF2B5EF4-FFF2-40B4-BE49-F238E27FC236}">
+                <a16:creationId xmlns:a16="http://schemas.microsoft.com/office/drawing/2014/main" id="{8D8006A5-C467-DBF1-F858-499620021D06}"/>
+              </a:ext>
+            </a:extLst>
+          </p:cNvPr>
+          <p:cNvSpPr>
+            <a:spLocks noGrp="1"/>
+          </p:cNvSpPr>
+          <p:nvPr>
+            <p:ph type="sldNum" sz="quarter" idx="12"/>
+          </p:nvPr>
+        </p:nvSpPr>
+        <p:spPr/>
+        <p:txBody>
+          <a:bodyPr/>
+          <a:lstStyle/>
+          <a:p>
+            <a:pPr lvl="0"/>
+            <a:fld id="{004900ED-2EFD-2142-93A1-1CBA90FDE07B}" type="slidenum">
+              <a:rPr lang="en-US" altLang="ja-JP" smtClean="0"/>
+              <a:t>18</a:t>
+            </a:fld>
+            <a:endParaRPr lang="ja-JP" altLang="en-US"/>
+          </a:p>
+        </p:txBody>
+      </p:sp>
+      <p:sp>
+        <p:nvSpPr>
+          <p:cNvPr id="4" name="テキスト ボックス 3">
+            <a:extLst>
+              <a:ext uri="{FF2B5EF4-FFF2-40B4-BE49-F238E27FC236}">
+                <a16:creationId xmlns:a16="http://schemas.microsoft.com/office/drawing/2014/main" id="{65921073-8658-6514-30A2-0483675975F4}"/>
+              </a:ext>
+            </a:extLst>
+          </p:cNvPr>
+          <p:cNvSpPr txBox="1"/>
           <p:nvPr/>
-        </p:nvPicPr>
-        <p:blipFill>
-          <a:blip r:embed="rId3"/>
-          <a:stretch>
-            <a:fillRect/>
-          </a:stretch>
-        </p:blipFill>
+        </p:nvSpPr>
         <p:spPr>
           <a:xfrm>
-            <a:off x="519837" y="3683670"/>
-            <a:ext cx="5047843" cy="1684975"/>
+            <a:off x="519837" y="1809750"/>
+            <a:ext cx="6514925" cy="2985433"/>
           </a:xfrm>
           <a:prstGeom prst="rect">
             <a:avLst/>
           </a:prstGeom>
-          <a:ln>
-            <a:solidFill>
-              <a:schemeClr val="tx1"/>
-            </a:solidFill>
-          </a:ln>
+          <a:noFill/>
         </p:spPr>
-      </p:pic>
+        <p:txBody>
+          <a:bodyPr wrap="none" rtlCol="0">
+            <a:spAutoFit/>
+          </a:bodyPr>
+          <a:lstStyle/>
+          <a:p>
+            <a:pPr marL="285750" indent="-285750">
+              <a:buFont typeface="Wingdings" pitchFamily="2" charset="2"/>
+              <a:buChar char="p"/>
+            </a:pPr>
+            <a:r>
+              <a:rPr lang="ja-JP" altLang="en-US" sz="2400"/>
+              <a:t>先行研究</a:t>
+            </a:r>
+            <a:endParaRPr lang="en-US" altLang="ja-JP" sz="2400" dirty="0"/>
+          </a:p>
+          <a:p>
+            <a:pPr marL="742950" lvl="1" indent="-285750">
+              <a:buFont typeface="Wingdings" pitchFamily="2" charset="2"/>
+              <a:buChar char="p"/>
+            </a:pPr>
+            <a:r>
+              <a:rPr lang="ja-JP" altLang="en-US" sz="2400"/>
+              <a:t>適応度計算のために</a:t>
+            </a:r>
+            <a:r>
+              <a:rPr lang="en-US" altLang="ja-JP" sz="2400" dirty="0">
+                <a:solidFill>
+                  <a:srgbClr val="FF0000"/>
+                </a:solidFill>
+              </a:rPr>
+              <a:t> 1</a:t>
+            </a:r>
+            <a:r>
+              <a:rPr lang="ja-JP" altLang="en-US" sz="2400">
+                <a:solidFill>
+                  <a:srgbClr val="FF0000"/>
+                </a:solidFill>
+              </a:rPr>
+              <a:t> エポックのみ</a:t>
+            </a:r>
+            <a:r>
+              <a:rPr lang="ja-JP" altLang="en-US" sz="2400"/>
+              <a:t>学習</a:t>
+            </a:r>
+            <a:endParaRPr lang="en-US" altLang="ja-JP" sz="2400" dirty="0"/>
+          </a:p>
+          <a:p>
+            <a:pPr marL="742950" lvl="1" indent="-285750">
+              <a:buFont typeface="Wingdings" pitchFamily="2" charset="2"/>
+              <a:buChar char="p"/>
+            </a:pPr>
+            <a:endParaRPr lang="en-US" altLang="ja-JP" sz="2000" dirty="0"/>
+          </a:p>
+          <a:p>
+            <a:pPr marL="285750" indent="-285750">
+              <a:buFont typeface="Wingdings" pitchFamily="2" charset="2"/>
+              <a:buChar char="p"/>
+            </a:pPr>
+            <a:r>
+              <a:rPr lang="ja-JP" altLang="en-US" sz="2400"/>
+              <a:t>本実験</a:t>
+            </a:r>
+            <a:endParaRPr lang="en-US" altLang="ja-JP" sz="2400" dirty="0"/>
+          </a:p>
+          <a:p>
+            <a:pPr marL="800100" lvl="1" indent="-342900">
+              <a:buFont typeface="Wingdings" pitchFamily="2" charset="2"/>
+              <a:buChar char="p"/>
+            </a:pPr>
+            <a:r>
+              <a:rPr lang="ja-JP" altLang="en-US" sz="2400"/>
+              <a:t>世代数</a:t>
+            </a:r>
+            <a:r>
+              <a:rPr lang="en-US" altLang="ja-JP" sz="2400" dirty="0"/>
+              <a:t> × </a:t>
+            </a:r>
+            <a:r>
+              <a:rPr lang="ja-JP" altLang="en-US" sz="2400"/>
+              <a:t>エポック数</a:t>
+            </a:r>
+            <a:r>
+              <a:rPr lang="en-US" altLang="ja-JP" sz="2400" dirty="0"/>
+              <a:t> = 80 </a:t>
+            </a:r>
+            <a:r>
+              <a:rPr lang="ja-JP" altLang="en-US" sz="2400"/>
+              <a:t>と，</a:t>
+            </a:r>
+            <a:br>
+              <a:rPr lang="en-US" altLang="ja-JP" sz="2400" dirty="0"/>
+            </a:br>
+            <a:r>
+              <a:rPr lang="ja-JP" altLang="en-US" sz="2400">
+                <a:solidFill>
+                  <a:srgbClr val="FF0000"/>
+                </a:solidFill>
+              </a:rPr>
+              <a:t>世代数</a:t>
+            </a:r>
+            <a:r>
+              <a:rPr lang="en-US" altLang="ja-JP" sz="2400" dirty="0">
+                <a:solidFill>
+                  <a:srgbClr val="FF0000"/>
+                </a:solidFill>
+              </a:rPr>
+              <a:t> × </a:t>
+            </a:r>
+            <a:r>
+              <a:rPr lang="ja-JP" altLang="en-US" sz="2400">
+                <a:solidFill>
+                  <a:srgbClr val="FF0000"/>
+                </a:solidFill>
+              </a:rPr>
+              <a:t>エポック数を固定</a:t>
+            </a:r>
+            <a:r>
+              <a:rPr lang="ja-JP" altLang="en-US" sz="2400"/>
+              <a:t>して学習</a:t>
+            </a:r>
+            <a:endParaRPr lang="en-US" altLang="ja-JP" sz="2400" dirty="0"/>
+          </a:p>
+          <a:p>
+            <a:pPr marL="800100" lvl="1" indent="-342900">
+              <a:buFont typeface="Wingdings" pitchFamily="2" charset="2"/>
+              <a:buChar char="p"/>
+            </a:pPr>
+            <a:r>
+              <a:rPr lang="ja-JP" altLang="en-US" sz="2400"/>
+              <a:t>さまざまなエポック数で実験</a:t>
+            </a:r>
+            <a:endParaRPr lang="en-US" altLang="ja-JP" sz="2400" dirty="0"/>
+          </a:p>
+          <a:p>
+            <a:pPr marL="285750" indent="-285750">
+              <a:buFont typeface="Wingdings" pitchFamily="2" charset="2"/>
+              <a:buChar char="p"/>
+            </a:pPr>
+            <a:endParaRPr lang="en-US" altLang="ja-JP" sz="2400" dirty="0"/>
+          </a:p>
+        </p:txBody>
+      </p:sp>
     </p:spTree>
     <p:extLst>
       <p:ext uri="{BB962C8B-B14F-4D97-AF65-F5344CB8AC3E}">
-        <p14:creationId xmlns:p14="http://schemas.microsoft.com/office/powerpoint/2010/main" val="3204009875"/>
+        <p14:creationId xmlns:p14="http://schemas.microsoft.com/office/powerpoint/2010/main" val="720086068"/>
+      </p:ext>
+    </p:extLst>
+  </p:cSld>
+  <p:clrMapOvr>
+    <a:masterClrMapping/>
+  </p:clrMapOvr>
+</p:sld>
+</file>
+
+<file path=ppt/slides/slide19.xml><?xml version="1.0" encoding="utf-8"?>
+<p:sld xmlns:a="http://schemas.openxmlformats.org/drawingml/2006/main" xmlns:r="http://schemas.openxmlformats.org/officeDocument/2006/relationships" xmlns:p="http://schemas.openxmlformats.org/presentationml/2006/main">
+  <p:cSld>
+    <p:spTree>
+      <p:nvGrpSpPr>
+        <p:cNvPr id="1" name=""/>
+        <p:cNvGrpSpPr/>
+        <p:nvPr/>
+      </p:nvGrpSpPr>
+      <p:grpSpPr>
+        <a:xfrm>
+          <a:off x="0" y="0"/>
+          <a:ext cx="0" cy="0"/>
+          <a:chOff x="0" y="0"/>
+          <a:chExt cx="0" cy="0"/>
+        </a:xfrm>
+      </p:grpSpPr>
+      <p:sp>
+        <p:nvSpPr>
+          <p:cNvPr id="2" name="タイトル 1">
+            <a:extLst>
+              <a:ext uri="{FF2B5EF4-FFF2-40B4-BE49-F238E27FC236}">
+                <a16:creationId xmlns:a16="http://schemas.microsoft.com/office/drawing/2014/main" id="{B3856225-BF31-7C83-9113-9E3E30C19EB8}"/>
+              </a:ext>
+            </a:extLst>
+          </p:cNvPr>
+          <p:cNvSpPr>
+            <a:spLocks noGrp="1"/>
+          </p:cNvSpPr>
+          <p:nvPr>
+            <p:ph type="title"/>
+          </p:nvPr>
+        </p:nvSpPr>
+        <p:spPr/>
+        <p:txBody>
+          <a:bodyPr/>
+          <a:lstStyle/>
+          <a:p>
+            <a:pPr marL="514350" indent="-514350">
+              <a:buFont typeface="+mj-lt"/>
+              <a:buAutoNum type="arabicPeriod"/>
+            </a:pPr>
+            <a:r>
+              <a:rPr kumimoji="1" lang="ja-JP" altLang="en-US"/>
+              <a:t>初期個体群の作成</a:t>
+            </a:r>
+          </a:p>
+        </p:txBody>
+      </p:sp>
+      <p:sp>
+        <p:nvSpPr>
+          <p:cNvPr id="3" name="スライド番号プレースホルダー 2">
+            <a:extLst>
+              <a:ext uri="{FF2B5EF4-FFF2-40B4-BE49-F238E27FC236}">
+                <a16:creationId xmlns:a16="http://schemas.microsoft.com/office/drawing/2014/main" id="{D54A1411-310B-5B77-D481-0D835AD0E47D}"/>
+              </a:ext>
+            </a:extLst>
+          </p:cNvPr>
+          <p:cNvSpPr>
+            <a:spLocks noGrp="1"/>
+          </p:cNvSpPr>
+          <p:nvPr>
+            <p:ph type="sldNum" sz="quarter" idx="12"/>
+          </p:nvPr>
+        </p:nvSpPr>
+        <p:spPr/>
+        <p:txBody>
+          <a:bodyPr/>
+          <a:lstStyle/>
+          <a:p>
+            <a:pPr lvl="0"/>
+            <a:fld id="{004900ED-2EFD-2142-93A1-1CBA90FDE07B}" type="slidenum">
+              <a:rPr lang="en-US" altLang="ja-JP" smtClean="0"/>
+              <a:t>19</a:t>
+            </a:fld>
+            <a:endParaRPr lang="ja-JP" altLang="en-US"/>
+          </a:p>
+        </p:txBody>
+      </p:sp>
+      <p:sp>
+        <p:nvSpPr>
+          <p:cNvPr id="7" name="テキスト ボックス 6">
+            <a:extLst>
+              <a:ext uri="{FF2B5EF4-FFF2-40B4-BE49-F238E27FC236}">
+                <a16:creationId xmlns:a16="http://schemas.microsoft.com/office/drawing/2014/main" id="{798FD77A-9BDB-91FE-7EE0-B3FF46539E04}"/>
+              </a:ext>
+            </a:extLst>
+          </p:cNvPr>
+          <p:cNvSpPr txBox="1"/>
+          <p:nvPr/>
+        </p:nvSpPr>
+        <p:spPr>
+          <a:xfrm>
+            <a:off x="519837" y="1766555"/>
+            <a:ext cx="5376793" cy="461665"/>
+          </a:xfrm>
+          <a:prstGeom prst="rect">
+            <a:avLst/>
+          </a:prstGeom>
+          <a:noFill/>
+        </p:spPr>
+        <p:txBody>
+          <a:bodyPr wrap="none" rtlCol="0">
+            <a:spAutoFit/>
+          </a:bodyPr>
+          <a:lstStyle/>
+          <a:p>
+            <a:pPr marL="285750" indent="-285750">
+              <a:buFont typeface="Wingdings" pitchFamily="2" charset="2"/>
+              <a:buChar char="p"/>
+            </a:pPr>
+            <a:r>
+              <a:rPr kumimoji="1" lang="ja-JP" altLang="en-US" sz="2400"/>
+              <a:t>ランダムな</a:t>
+            </a:r>
+            <a:r>
+              <a:rPr kumimoji="1" lang="en-US" altLang="ja-JP" sz="2400" dirty="0"/>
+              <a:t> 100 </a:t>
+            </a:r>
+            <a:r>
+              <a:rPr kumimoji="1" lang="ja-JP" altLang="en-US" sz="2400"/>
+              <a:t>個体を</a:t>
+            </a:r>
+            <a:r>
+              <a:rPr kumimoji="1" lang="en-US" altLang="ja-JP" sz="2400" dirty="0"/>
+              <a:t> 20 </a:t>
+            </a:r>
+            <a:r>
+              <a:rPr kumimoji="1" lang="ja-JP" altLang="en-US" sz="2400"/>
+              <a:t>世代探索</a:t>
+            </a:r>
+          </a:p>
+        </p:txBody>
+      </p:sp>
+      <p:grpSp>
+        <p:nvGrpSpPr>
+          <p:cNvPr id="11" name="グループ化 10">
+            <a:extLst>
+              <a:ext uri="{FF2B5EF4-FFF2-40B4-BE49-F238E27FC236}">
+                <a16:creationId xmlns:a16="http://schemas.microsoft.com/office/drawing/2014/main" id="{FC14CCC5-584D-0EEC-F11C-4B19CCFD22AA}"/>
+              </a:ext>
+            </a:extLst>
+          </p:cNvPr>
+          <p:cNvGrpSpPr/>
+          <p:nvPr/>
+        </p:nvGrpSpPr>
+        <p:grpSpPr>
+          <a:xfrm>
+            <a:off x="156300" y="2568280"/>
+            <a:ext cx="7248661" cy="2907045"/>
+            <a:chOff x="156300" y="2568280"/>
+            <a:chExt cx="7248661" cy="2907045"/>
+          </a:xfrm>
+        </p:grpSpPr>
+        <p:grpSp>
+          <p:nvGrpSpPr>
+            <p:cNvPr id="8" name="グループ化 7">
+              <a:extLst>
+                <a:ext uri="{FF2B5EF4-FFF2-40B4-BE49-F238E27FC236}">
+                  <a16:creationId xmlns:a16="http://schemas.microsoft.com/office/drawing/2014/main" id="{37E3653E-202D-9D7F-32C1-53BA4CC62FB3}"/>
+                </a:ext>
+              </a:extLst>
+            </p:cNvPr>
+            <p:cNvGrpSpPr/>
+            <p:nvPr/>
+          </p:nvGrpSpPr>
+          <p:grpSpPr>
+            <a:xfrm>
+              <a:off x="156300" y="2568280"/>
+              <a:ext cx="7248661" cy="2907045"/>
+              <a:chOff x="156301" y="2559050"/>
+              <a:chExt cx="7248661" cy="2907045"/>
+            </a:xfrm>
+          </p:grpSpPr>
+          <p:sp>
+            <p:nvSpPr>
+              <p:cNvPr id="4" name="円/楕円 3">
+                <a:extLst>
+                  <a:ext uri="{FF2B5EF4-FFF2-40B4-BE49-F238E27FC236}">
+                    <a16:creationId xmlns:a16="http://schemas.microsoft.com/office/drawing/2014/main" id="{7F156D9E-39C7-6B02-2DC6-C27DA03BDF99}"/>
+                  </a:ext>
+                </a:extLst>
+              </p:cNvPr>
+              <p:cNvSpPr/>
+              <p:nvPr/>
+            </p:nvSpPr>
+            <p:spPr>
+              <a:xfrm>
+                <a:off x="156301" y="2559050"/>
+                <a:ext cx="3080613" cy="1562100"/>
+              </a:xfrm>
+              <a:prstGeom prst="ellipse">
+                <a:avLst/>
+              </a:prstGeom>
+              <a:solidFill>
+                <a:schemeClr val="bg1"/>
+              </a:solidFill>
+              <a:ln>
+                <a:solidFill>
+                  <a:schemeClr val="tx1"/>
+                </a:solidFill>
+              </a:ln>
+            </p:spPr>
+            <p:style>
+              <a:lnRef idx="2">
+                <a:schemeClr val="accent1">
+                  <a:shade val="50000"/>
+                </a:schemeClr>
+              </a:lnRef>
+              <a:fillRef idx="1">
+                <a:schemeClr val="accent1"/>
+              </a:fillRef>
+              <a:effectRef idx="0">
+                <a:schemeClr val="accent1"/>
+              </a:effectRef>
+              <a:fontRef idx="minor">
+                <a:schemeClr val="lt1"/>
+              </a:fontRef>
+            </p:style>
+            <p:txBody>
+              <a:bodyPr rtlCol="0" anchor="ctr"/>
+              <a:lstStyle/>
+              <a:p>
+                <a:pPr algn="ctr"/>
+                <a:r>
+                  <a:rPr kumimoji="1" lang="ja-JP" altLang="en-US" sz="2800">
+                    <a:ln>
+                      <a:solidFill>
+                        <a:schemeClr val="tx1"/>
+                      </a:solidFill>
+                    </a:ln>
+                    <a:solidFill>
+                      <a:schemeClr val="tx1"/>
+                    </a:solidFill>
+                  </a:rPr>
+                  <a:t>ランダムな</a:t>
+                </a:r>
+                <a:endParaRPr kumimoji="1" lang="en-US" altLang="ja-JP" sz="2800" dirty="0">
+                  <a:ln>
+                    <a:solidFill>
+                      <a:schemeClr val="tx1"/>
+                    </a:solidFill>
+                  </a:ln>
+                  <a:solidFill>
+                    <a:schemeClr val="tx1"/>
+                  </a:solidFill>
+                </a:endParaRPr>
+              </a:p>
+              <a:p>
+                <a:pPr algn="ctr"/>
+                <a:r>
+                  <a:rPr kumimoji="1" lang="ja-JP" altLang="en-US" sz="2800">
+                    <a:ln>
+                      <a:solidFill>
+                        <a:schemeClr val="tx1"/>
+                      </a:solidFill>
+                    </a:ln>
+                    <a:solidFill>
+                      <a:schemeClr val="tx1"/>
+                    </a:solidFill>
+                  </a:rPr>
+                  <a:t>初期個体群</a:t>
+                </a:r>
+              </a:p>
+            </p:txBody>
+          </p:sp>
+          <p:sp>
+            <p:nvSpPr>
+              <p:cNvPr id="5" name="右矢印 4">
+                <a:extLst>
+                  <a:ext uri="{FF2B5EF4-FFF2-40B4-BE49-F238E27FC236}">
+                    <a16:creationId xmlns:a16="http://schemas.microsoft.com/office/drawing/2014/main" id="{3D190AF5-D790-B873-4F64-FBA7C3DB2DAD}"/>
+                  </a:ext>
+                </a:extLst>
+              </p:cNvPr>
+              <p:cNvSpPr/>
+              <p:nvPr/>
+            </p:nvSpPr>
+            <p:spPr>
+              <a:xfrm>
+                <a:off x="2724150" y="3764335"/>
+                <a:ext cx="1352549" cy="933450"/>
+              </a:xfrm>
+              <a:prstGeom prst="rightArrow">
+                <a:avLst/>
+              </a:prstGeom>
+              <a:solidFill>
+                <a:schemeClr val="bg1"/>
+              </a:solidFill>
+              <a:ln>
+                <a:solidFill>
+                  <a:schemeClr val="tx1"/>
+                </a:solidFill>
+              </a:ln>
+            </p:spPr>
+            <p:style>
+              <a:lnRef idx="2">
+                <a:schemeClr val="accent1">
+                  <a:shade val="50000"/>
+                </a:schemeClr>
+              </a:lnRef>
+              <a:fillRef idx="1">
+                <a:schemeClr val="accent1"/>
+              </a:fillRef>
+              <a:effectRef idx="0">
+                <a:schemeClr val="accent1"/>
+              </a:effectRef>
+              <a:fontRef idx="minor">
+                <a:schemeClr val="lt1"/>
+              </a:fontRef>
+            </p:style>
+            <p:txBody>
+              <a:bodyPr rtlCol="0" anchor="ctr"/>
+              <a:lstStyle/>
+              <a:p>
+                <a:pPr algn="ctr"/>
+                <a:endParaRPr kumimoji="1" lang="ja-JP" altLang="en-US" sz="2400">
+                  <a:solidFill>
+                    <a:schemeClr val="tx1"/>
+                  </a:solidFill>
+                </a:endParaRPr>
+              </a:p>
+            </p:txBody>
+          </p:sp>
+          <p:sp>
+            <p:nvSpPr>
+              <p:cNvPr id="6" name="円/楕円 5">
+                <a:extLst>
+                  <a:ext uri="{FF2B5EF4-FFF2-40B4-BE49-F238E27FC236}">
+                    <a16:creationId xmlns:a16="http://schemas.microsoft.com/office/drawing/2014/main" id="{5848BBD1-F696-182B-35BF-AB88D5F2CCCE}"/>
+                  </a:ext>
+                </a:extLst>
+              </p:cNvPr>
+              <p:cNvSpPr/>
+              <p:nvPr/>
+            </p:nvSpPr>
+            <p:spPr>
+              <a:xfrm>
+                <a:off x="4324349" y="3903995"/>
+                <a:ext cx="3080613" cy="1562100"/>
+              </a:xfrm>
+              <a:prstGeom prst="ellipse">
+                <a:avLst/>
+              </a:prstGeom>
+              <a:solidFill>
+                <a:schemeClr val="bg1"/>
+              </a:solidFill>
+              <a:ln>
+                <a:solidFill>
+                  <a:schemeClr val="tx1"/>
+                </a:solidFill>
+              </a:ln>
+            </p:spPr>
+            <p:style>
+              <a:lnRef idx="2">
+                <a:schemeClr val="accent1">
+                  <a:shade val="50000"/>
+                </a:schemeClr>
+              </a:lnRef>
+              <a:fillRef idx="1">
+                <a:schemeClr val="accent1"/>
+              </a:fillRef>
+              <a:effectRef idx="0">
+                <a:schemeClr val="accent1"/>
+              </a:effectRef>
+              <a:fontRef idx="minor">
+                <a:schemeClr val="lt1"/>
+              </a:fontRef>
+            </p:style>
+            <p:txBody>
+              <a:bodyPr rtlCol="0" anchor="ctr"/>
+              <a:lstStyle/>
+              <a:p>
+                <a:pPr algn="ctr"/>
+                <a:r>
+                  <a:rPr kumimoji="1" lang="ja-JP" altLang="en-US" sz="2800">
+                    <a:ln>
+                      <a:solidFill>
+                        <a:schemeClr val="tx1"/>
+                      </a:solidFill>
+                    </a:ln>
+                    <a:solidFill>
+                      <a:schemeClr val="tx1"/>
+                    </a:solidFill>
+                  </a:rPr>
+                  <a:t>実験用の</a:t>
+                </a:r>
+                <a:endParaRPr kumimoji="1" lang="en-US" altLang="ja-JP" sz="2800" dirty="0">
+                  <a:ln>
+                    <a:solidFill>
+                      <a:schemeClr val="tx1"/>
+                    </a:solidFill>
+                  </a:ln>
+                  <a:solidFill>
+                    <a:schemeClr val="tx1"/>
+                  </a:solidFill>
+                </a:endParaRPr>
+              </a:p>
+              <a:p>
+                <a:pPr algn="ctr"/>
+                <a:r>
+                  <a:rPr kumimoji="1" lang="ja-JP" altLang="en-US" sz="2800">
+                    <a:ln>
+                      <a:solidFill>
+                        <a:schemeClr val="tx1"/>
+                      </a:solidFill>
+                    </a:ln>
+                    <a:solidFill>
+                      <a:schemeClr val="tx1"/>
+                    </a:solidFill>
+                  </a:rPr>
+                  <a:t>初期個体群</a:t>
+                </a:r>
+                <a:endParaRPr kumimoji="1" lang="en-US" altLang="ja-JP" sz="2800" dirty="0">
+                  <a:ln>
+                    <a:solidFill>
+                      <a:schemeClr val="tx1"/>
+                    </a:solidFill>
+                  </a:ln>
+                  <a:solidFill>
+                    <a:schemeClr val="tx1"/>
+                  </a:solidFill>
+                </a:endParaRPr>
+              </a:p>
+            </p:txBody>
+          </p:sp>
+        </p:grpSp>
+        <p:sp>
+          <p:nvSpPr>
+            <p:cNvPr id="9" name="テキスト ボックス 8">
+              <a:extLst>
+                <a:ext uri="{FF2B5EF4-FFF2-40B4-BE49-F238E27FC236}">
+                  <a16:creationId xmlns:a16="http://schemas.microsoft.com/office/drawing/2014/main" id="{A0C81114-2165-8442-28E5-0EFFBE2B8687}"/>
+                </a:ext>
+              </a:extLst>
+            </p:cNvPr>
+            <p:cNvSpPr txBox="1"/>
+            <p:nvPr/>
+          </p:nvSpPr>
+          <p:spPr>
+            <a:xfrm>
+              <a:off x="2125244" y="4812136"/>
+              <a:ext cx="2165978" cy="461665"/>
+            </a:xfrm>
+            <a:prstGeom prst="rect">
+              <a:avLst/>
+            </a:prstGeom>
+            <a:noFill/>
+          </p:spPr>
+          <p:txBody>
+            <a:bodyPr wrap="none" rtlCol="0">
+              <a:spAutoFit/>
+            </a:bodyPr>
+            <a:lstStyle/>
+            <a:p>
+              <a:r>
+                <a:rPr kumimoji="1" lang="en-US" altLang="ja-JP" sz="2400" dirty="0"/>
+                <a:t>TDGA 20 </a:t>
+              </a:r>
+              <a:r>
+                <a:rPr kumimoji="1" lang="ja-JP" altLang="en-US" sz="2400"/>
+                <a:t>世代</a:t>
+              </a:r>
+            </a:p>
+          </p:txBody>
+        </p:sp>
+      </p:grpSp>
+    </p:spTree>
+    <p:extLst>
+      <p:ext uri="{BB962C8B-B14F-4D97-AF65-F5344CB8AC3E}">
+        <p14:creationId xmlns:p14="http://schemas.microsoft.com/office/powerpoint/2010/main" val="4267159000"/>
       </p:ext>
     </p:extLst>
   </p:cSld>
@@ -5549,8 +7438,8 @@
         </p:nvSpPr>
         <p:spPr>
           <a:xfrm>
-            <a:off x="910166" y="1516254"/>
-            <a:ext cx="3877985" cy="3262111"/>
+            <a:off x="919691" y="1259079"/>
+            <a:ext cx="3877985" cy="3909917"/>
           </a:xfrm>
           <a:prstGeom prst="rect">
             <a:avLst/>
@@ -5614,7 +7503,7 @@
             </a:pPr>
             <a:r>
               <a:rPr lang="ja-JP" altLang="en-US" sz="2800"/>
-              <a:t>実験結果</a:t>
+              <a:t>実験概要</a:t>
             </a:r>
             <a:endParaRPr lang="en-US" altLang="ja-JP" sz="2800" dirty="0"/>
           </a:p>
@@ -5628,6 +7517,20 @@
             </a:pPr>
             <a:r>
               <a:rPr lang="ja-JP" altLang="en-US" sz="2800"/>
+              <a:t>実験結果</a:t>
+            </a:r>
+            <a:endParaRPr lang="en-US" altLang="ja-JP" sz="2800" dirty="0"/>
+          </a:p>
+          <a:p>
+            <a:pPr marL="457200" indent="-457200">
+              <a:lnSpc>
+                <a:spcPct val="150000"/>
+              </a:lnSpc>
+              <a:buFont typeface="Wingdings" pitchFamily="2" charset="2"/>
+              <a:buChar char="Ø"/>
+            </a:pPr>
+            <a:r>
+              <a:rPr lang="ja-JP" altLang="en-US" sz="2800"/>
               <a:t>まとめと今後の課題</a:t>
             </a:r>
           </a:p>
@@ -5637,6 +7540,1986 @@
     <p:extLst>
       <p:ext uri="{BB962C8B-B14F-4D97-AF65-F5344CB8AC3E}">
         <p14:creationId xmlns:p14="http://schemas.microsoft.com/office/powerpoint/2010/main" val="934417076"/>
+      </p:ext>
+    </p:extLst>
+  </p:cSld>
+  <p:clrMapOvr>
+    <a:masterClrMapping/>
+  </p:clrMapOvr>
+</p:sld>
+</file>
+
+<file path=ppt/slides/slide20.xml><?xml version="1.0" encoding="utf-8"?>
+<p:sld xmlns:a="http://schemas.openxmlformats.org/drawingml/2006/main" xmlns:r="http://schemas.openxmlformats.org/officeDocument/2006/relationships" xmlns:p="http://schemas.openxmlformats.org/presentationml/2006/main">
+  <p:cSld>
+    <p:spTree>
+      <p:nvGrpSpPr>
+        <p:cNvPr id="1" name=""/>
+        <p:cNvGrpSpPr/>
+        <p:nvPr/>
+      </p:nvGrpSpPr>
+      <p:grpSpPr>
+        <a:xfrm>
+          <a:off x="0" y="0"/>
+          <a:ext cx="0" cy="0"/>
+          <a:chOff x="0" y="0"/>
+          <a:chExt cx="0" cy="0"/>
+        </a:xfrm>
+      </p:grpSpPr>
+      <p:sp>
+        <p:nvSpPr>
+          <p:cNvPr id="2" name="タイトル 1">
+            <a:extLst>
+              <a:ext uri="{FF2B5EF4-FFF2-40B4-BE49-F238E27FC236}">
+                <a16:creationId xmlns:a16="http://schemas.microsoft.com/office/drawing/2014/main" id="{F91DABD0-6E6F-20AC-E27E-DE4CB11AD443}"/>
+              </a:ext>
+            </a:extLst>
+          </p:cNvPr>
+          <p:cNvSpPr>
+            <a:spLocks noGrp="1"/>
+          </p:cNvSpPr>
+          <p:nvPr>
+            <p:ph type="title"/>
+          </p:nvPr>
+        </p:nvSpPr>
+        <p:spPr/>
+        <p:txBody>
+          <a:bodyPr/>
+          <a:lstStyle/>
+          <a:p>
+            <a:pPr marL="514350" indent="-514350">
+              <a:buFont typeface="+mj-lt"/>
+              <a:buAutoNum type="arabicPeriod" startAt="2"/>
+            </a:pPr>
+            <a:r>
+              <a:rPr kumimoji="1" lang="en-US" altLang="ja-JP" dirty="0" err="1"/>
+              <a:t>tdgaCNN</a:t>
+            </a:r>
+            <a:r>
+              <a:rPr kumimoji="1" lang="en-US" altLang="ja-JP" dirty="0"/>
+              <a:t> </a:t>
+            </a:r>
+            <a:r>
+              <a:rPr kumimoji="1" lang="ja-JP" altLang="en-US"/>
+              <a:t>の実行</a:t>
+            </a:r>
+          </a:p>
+        </p:txBody>
+      </p:sp>
+      <p:sp>
+        <p:nvSpPr>
+          <p:cNvPr id="3" name="スライド番号プレースホルダー 2">
+            <a:extLst>
+              <a:ext uri="{FF2B5EF4-FFF2-40B4-BE49-F238E27FC236}">
+                <a16:creationId xmlns:a16="http://schemas.microsoft.com/office/drawing/2014/main" id="{35677EC9-0504-1614-4950-D0D61AE8CD08}"/>
+              </a:ext>
+            </a:extLst>
+          </p:cNvPr>
+          <p:cNvSpPr>
+            <a:spLocks noGrp="1"/>
+          </p:cNvSpPr>
+          <p:nvPr>
+            <p:ph type="sldNum" sz="quarter" idx="12"/>
+          </p:nvPr>
+        </p:nvSpPr>
+        <p:spPr/>
+        <p:txBody>
+          <a:bodyPr/>
+          <a:lstStyle/>
+          <a:p>
+            <a:pPr lvl="0"/>
+            <a:fld id="{004900ED-2EFD-2142-93A1-1CBA90FDE07B}" type="slidenum">
+              <a:rPr lang="en-US" altLang="ja-JP" smtClean="0"/>
+              <a:t>20</a:t>
+            </a:fld>
+            <a:endParaRPr lang="ja-JP" altLang="en-US"/>
+          </a:p>
+        </p:txBody>
+      </p:sp>
+    </p:spTree>
+    <p:extLst>
+      <p:ext uri="{BB962C8B-B14F-4D97-AF65-F5344CB8AC3E}">
+        <p14:creationId xmlns:p14="http://schemas.microsoft.com/office/powerpoint/2010/main" val="4222497694"/>
+      </p:ext>
+    </p:extLst>
+  </p:cSld>
+  <p:clrMapOvr>
+    <a:masterClrMapping/>
+  </p:clrMapOvr>
+</p:sld>
+</file>
+
+<file path=ppt/slides/slide21.xml><?xml version="1.0" encoding="utf-8"?>
+<p:sld xmlns:a="http://schemas.openxmlformats.org/drawingml/2006/main" xmlns:r="http://schemas.openxmlformats.org/officeDocument/2006/relationships" xmlns:p="http://schemas.openxmlformats.org/presentationml/2006/main">
+  <p:cSld>
+    <p:spTree>
+      <p:nvGrpSpPr>
+        <p:cNvPr id="1" name=""/>
+        <p:cNvGrpSpPr/>
+        <p:nvPr/>
+      </p:nvGrpSpPr>
+      <p:grpSpPr>
+        <a:xfrm>
+          <a:off x="0" y="0"/>
+          <a:ext cx="0" cy="0"/>
+          <a:chOff x="0" y="0"/>
+          <a:chExt cx="0" cy="0"/>
+        </a:xfrm>
+      </p:grpSpPr>
+      <p:sp>
+        <p:nvSpPr>
+          <p:cNvPr id="2" name="タイトル 1">
+            <a:extLst>
+              <a:ext uri="{FF2B5EF4-FFF2-40B4-BE49-F238E27FC236}">
+                <a16:creationId xmlns:a16="http://schemas.microsoft.com/office/drawing/2014/main" id="{DA6841C3-0E6C-BFA1-5D04-4112F1117102}"/>
+              </a:ext>
+            </a:extLst>
+          </p:cNvPr>
+          <p:cNvSpPr>
+            <a:spLocks noGrp="1"/>
+          </p:cNvSpPr>
+          <p:nvPr>
+            <p:ph type="title"/>
+          </p:nvPr>
+        </p:nvSpPr>
+        <p:spPr/>
+        <p:txBody>
+          <a:bodyPr/>
+          <a:lstStyle/>
+          <a:p>
+            <a:r>
+              <a:rPr kumimoji="1" lang="ja-JP" altLang="en-US"/>
+              <a:t>目次</a:t>
+            </a:r>
+          </a:p>
+        </p:txBody>
+      </p:sp>
+      <p:sp>
+        <p:nvSpPr>
+          <p:cNvPr id="4" name="スライド番号プレースホルダー 3">
+            <a:extLst>
+              <a:ext uri="{FF2B5EF4-FFF2-40B4-BE49-F238E27FC236}">
+                <a16:creationId xmlns:a16="http://schemas.microsoft.com/office/drawing/2014/main" id="{20D20625-8135-BA1D-11A0-E3466265CE7C}"/>
+              </a:ext>
+            </a:extLst>
+          </p:cNvPr>
+          <p:cNvSpPr>
+            <a:spLocks noGrp="1"/>
+          </p:cNvSpPr>
+          <p:nvPr>
+            <p:ph type="sldNum" sz="quarter" idx="12"/>
+          </p:nvPr>
+        </p:nvSpPr>
+        <p:spPr/>
+        <p:txBody>
+          <a:bodyPr/>
+          <a:lstStyle/>
+          <a:p>
+            <a:pPr lvl="0"/>
+            <a:fld id="{004900ED-2EFD-2142-93A1-1CBA90FDE07B}" type="slidenum">
+              <a:rPr lang="en-US" altLang="ja-JP" smtClean="0"/>
+              <a:t>21</a:t>
+            </a:fld>
+            <a:endParaRPr lang="ja-JP" altLang="en-US"/>
+          </a:p>
+        </p:txBody>
+      </p:sp>
+      <p:sp>
+        <p:nvSpPr>
+          <p:cNvPr id="3" name="テキスト ボックス 2">
+            <a:extLst>
+              <a:ext uri="{FF2B5EF4-FFF2-40B4-BE49-F238E27FC236}">
+                <a16:creationId xmlns:a16="http://schemas.microsoft.com/office/drawing/2014/main" id="{CFCE3529-0348-FAC9-4C81-ACEA9BA72623}"/>
+              </a:ext>
+            </a:extLst>
+          </p:cNvPr>
+          <p:cNvSpPr txBox="1"/>
+          <p:nvPr/>
+        </p:nvSpPr>
+        <p:spPr>
+          <a:xfrm>
+            <a:off x="919691" y="1259079"/>
+            <a:ext cx="3877985" cy="3909917"/>
+          </a:xfrm>
+          <a:prstGeom prst="rect">
+            <a:avLst/>
+          </a:prstGeom>
+          <a:noFill/>
+        </p:spPr>
+        <p:txBody>
+          <a:bodyPr wrap="none" rtlCol="0">
+            <a:spAutoFit/>
+          </a:bodyPr>
+          <a:lstStyle/>
+          <a:p>
+            <a:pPr marL="457200" indent="-457200">
+              <a:lnSpc>
+                <a:spcPct val="150000"/>
+              </a:lnSpc>
+              <a:buFont typeface="Wingdings" pitchFamily="2" charset="2"/>
+              <a:buChar char="Ø"/>
+            </a:pPr>
+            <a:r>
+              <a:rPr lang="ja-JP" altLang="en-US" sz="2800">
+                <a:solidFill>
+                  <a:schemeClr val="bg2">
+                    <a:lumMod val="75000"/>
+                  </a:schemeClr>
+                </a:solidFill>
+              </a:rPr>
+              <a:t>はじめに</a:t>
+            </a:r>
+            <a:endParaRPr lang="en-US" altLang="ja-JP" sz="2800" dirty="0">
+              <a:solidFill>
+                <a:schemeClr val="bg2">
+                  <a:lumMod val="75000"/>
+                </a:schemeClr>
+              </a:solidFill>
+            </a:endParaRPr>
+          </a:p>
+          <a:p>
+            <a:pPr marL="457200" indent="-457200">
+              <a:lnSpc>
+                <a:spcPct val="150000"/>
+              </a:lnSpc>
+              <a:buFont typeface="Wingdings" pitchFamily="2" charset="2"/>
+              <a:buChar char="Ø"/>
+            </a:pPr>
+            <a:r>
+              <a:rPr lang="ja-JP" altLang="en-US" sz="2800">
+                <a:solidFill>
+                  <a:schemeClr val="bg2">
+                    <a:lumMod val="75000"/>
+                  </a:schemeClr>
+                </a:solidFill>
+              </a:rPr>
+              <a:t>要素技術</a:t>
+            </a:r>
+            <a:endParaRPr lang="en-US" altLang="ja-JP" sz="2800" dirty="0">
+              <a:solidFill>
+                <a:schemeClr val="bg2">
+                  <a:lumMod val="75000"/>
+                </a:schemeClr>
+              </a:solidFill>
+            </a:endParaRPr>
+          </a:p>
+          <a:p>
+            <a:pPr marL="457200" indent="-457200">
+              <a:lnSpc>
+                <a:spcPct val="150000"/>
+              </a:lnSpc>
+              <a:buFont typeface="Wingdings" pitchFamily="2" charset="2"/>
+              <a:buChar char="Ø"/>
+            </a:pPr>
+            <a:r>
+              <a:rPr lang="ja-JP" altLang="en-US" sz="2800">
+                <a:solidFill>
+                  <a:schemeClr val="bg2">
+                    <a:lumMod val="75000"/>
+                  </a:schemeClr>
+                </a:solidFill>
+              </a:rPr>
+              <a:t>提案手法</a:t>
+            </a:r>
+            <a:endParaRPr lang="en-US" altLang="ja-JP" sz="2800" dirty="0">
+              <a:solidFill>
+                <a:schemeClr val="bg2">
+                  <a:lumMod val="75000"/>
+                </a:schemeClr>
+              </a:solidFill>
+            </a:endParaRPr>
+          </a:p>
+          <a:p>
+            <a:pPr marL="457200" indent="-457200">
+              <a:lnSpc>
+                <a:spcPct val="150000"/>
+              </a:lnSpc>
+              <a:buFont typeface="Wingdings" pitchFamily="2" charset="2"/>
+              <a:buChar char="Ø"/>
+            </a:pPr>
+            <a:r>
+              <a:rPr lang="ja-JP" altLang="en-US" sz="2800">
+                <a:solidFill>
+                  <a:schemeClr val="bg2">
+                    <a:lumMod val="75000"/>
+                  </a:schemeClr>
+                </a:solidFill>
+              </a:rPr>
+              <a:t>実験概要</a:t>
+            </a:r>
+            <a:endParaRPr lang="en-US" altLang="ja-JP" sz="2800" dirty="0">
+              <a:solidFill>
+                <a:schemeClr val="bg2">
+                  <a:lumMod val="75000"/>
+                </a:schemeClr>
+              </a:solidFill>
+            </a:endParaRPr>
+          </a:p>
+          <a:p>
+            <a:pPr marL="457200" indent="-457200">
+              <a:lnSpc>
+                <a:spcPct val="150000"/>
+              </a:lnSpc>
+              <a:buFont typeface="Wingdings" pitchFamily="2" charset="2"/>
+              <a:buChar char="Ø"/>
+            </a:pPr>
+            <a:r>
+              <a:rPr lang="ja-JP" altLang="en-US" sz="2800"/>
+              <a:t>実験結果</a:t>
+            </a:r>
+            <a:endParaRPr lang="en-US" altLang="ja-JP" sz="2800" dirty="0"/>
+          </a:p>
+          <a:p>
+            <a:pPr marL="457200" indent="-457200">
+              <a:lnSpc>
+                <a:spcPct val="150000"/>
+              </a:lnSpc>
+              <a:buFont typeface="Wingdings" pitchFamily="2" charset="2"/>
+              <a:buChar char="Ø"/>
+            </a:pPr>
+            <a:r>
+              <a:rPr lang="ja-JP" altLang="en-US" sz="2800">
+                <a:solidFill>
+                  <a:schemeClr val="bg2">
+                    <a:lumMod val="75000"/>
+                  </a:schemeClr>
+                </a:solidFill>
+              </a:rPr>
+              <a:t>まとめと今後の課題</a:t>
+            </a:r>
+          </a:p>
+        </p:txBody>
+      </p:sp>
+    </p:spTree>
+    <p:extLst>
+      <p:ext uri="{BB962C8B-B14F-4D97-AF65-F5344CB8AC3E}">
+        <p14:creationId xmlns:p14="http://schemas.microsoft.com/office/powerpoint/2010/main" val="2689984932"/>
+      </p:ext>
+    </p:extLst>
+  </p:cSld>
+  <p:clrMapOvr>
+    <a:masterClrMapping/>
+  </p:clrMapOvr>
+</p:sld>
+</file>
+
+<file path=ppt/slides/slide22.xml><?xml version="1.0" encoding="utf-8"?>
+<p:sld xmlns:a="http://schemas.openxmlformats.org/drawingml/2006/main" xmlns:r="http://schemas.openxmlformats.org/officeDocument/2006/relationships" xmlns:p="http://schemas.openxmlformats.org/presentationml/2006/main">
+  <p:cSld>
+    <p:spTree>
+      <p:nvGrpSpPr>
+        <p:cNvPr id="1" name=""/>
+        <p:cNvGrpSpPr/>
+        <p:nvPr/>
+      </p:nvGrpSpPr>
+      <p:grpSpPr>
+        <a:xfrm>
+          <a:off x="0" y="0"/>
+          <a:ext cx="0" cy="0"/>
+          <a:chOff x="0" y="0"/>
+          <a:chExt cx="0" cy="0"/>
+        </a:xfrm>
+      </p:grpSpPr>
+      <p:sp>
+        <p:nvSpPr>
+          <p:cNvPr id="2" name="タイトル 1">
+            <a:extLst>
+              <a:ext uri="{FF2B5EF4-FFF2-40B4-BE49-F238E27FC236}">
+                <a16:creationId xmlns:a16="http://schemas.microsoft.com/office/drawing/2014/main" id="{D159CF40-CD8C-21A6-0A3D-8CF370B562A6}"/>
+              </a:ext>
+            </a:extLst>
+          </p:cNvPr>
+          <p:cNvSpPr>
+            <a:spLocks noGrp="1"/>
+          </p:cNvSpPr>
+          <p:nvPr>
+            <p:ph type="title"/>
+          </p:nvPr>
+        </p:nvSpPr>
+        <p:spPr/>
+        <p:txBody>
+          <a:bodyPr/>
+          <a:lstStyle/>
+          <a:p>
+            <a:r>
+              <a:rPr kumimoji="1" lang="ja-JP" altLang="en-US"/>
+              <a:t>実験結果</a:t>
+            </a:r>
+            <a:r>
+              <a:rPr kumimoji="1" lang="en-US" altLang="ja-JP" dirty="0"/>
+              <a:t> </a:t>
+            </a:r>
+            <a:r>
+              <a:rPr lang="en-US" altLang="ja-JP" dirty="0"/>
+              <a:t>–––– </a:t>
+            </a:r>
+            <a:r>
+              <a:rPr lang="ja-JP" altLang="en-US"/>
+              <a:t>適応度推移</a:t>
+            </a:r>
+            <a:endParaRPr kumimoji="1" lang="ja-JP" altLang="en-US"/>
+          </a:p>
+        </p:txBody>
+      </p:sp>
+      <p:sp>
+        <p:nvSpPr>
+          <p:cNvPr id="3" name="スライド番号プレースホルダー 2">
+            <a:extLst>
+              <a:ext uri="{FF2B5EF4-FFF2-40B4-BE49-F238E27FC236}">
+                <a16:creationId xmlns:a16="http://schemas.microsoft.com/office/drawing/2014/main" id="{37968868-915E-15E5-AB4E-1366F32A281D}"/>
+              </a:ext>
+            </a:extLst>
+          </p:cNvPr>
+          <p:cNvSpPr>
+            <a:spLocks noGrp="1"/>
+          </p:cNvSpPr>
+          <p:nvPr>
+            <p:ph type="sldNum" sz="quarter" idx="12"/>
+          </p:nvPr>
+        </p:nvSpPr>
+        <p:spPr/>
+        <p:txBody>
+          <a:bodyPr/>
+          <a:lstStyle/>
+          <a:p>
+            <a:pPr lvl="0"/>
+            <a:fld id="{004900ED-2EFD-2142-93A1-1CBA90FDE07B}" type="slidenum">
+              <a:rPr lang="en-US" altLang="ja-JP" smtClean="0"/>
+              <a:t>22</a:t>
+            </a:fld>
+            <a:endParaRPr lang="ja-JP" altLang="en-US"/>
+          </a:p>
+        </p:txBody>
+      </p:sp>
+      <p:sp>
+        <p:nvSpPr>
+          <p:cNvPr id="6" name="テキスト ボックス 5">
+            <a:extLst>
+              <a:ext uri="{FF2B5EF4-FFF2-40B4-BE49-F238E27FC236}">
+                <a16:creationId xmlns:a16="http://schemas.microsoft.com/office/drawing/2014/main" id="{A207E860-D865-0DDC-7593-9654B40A604B}"/>
+              </a:ext>
+            </a:extLst>
+          </p:cNvPr>
+          <p:cNvSpPr txBox="1"/>
+          <p:nvPr/>
+        </p:nvSpPr>
+        <p:spPr>
+          <a:xfrm>
+            <a:off x="360464" y="1439189"/>
+            <a:ext cx="6840334" cy="461665"/>
+          </a:xfrm>
+          <a:prstGeom prst="rect">
+            <a:avLst/>
+          </a:prstGeom>
+          <a:noFill/>
+        </p:spPr>
+        <p:txBody>
+          <a:bodyPr wrap="none" rtlCol="0">
+            <a:spAutoFit/>
+          </a:bodyPr>
+          <a:lstStyle/>
+          <a:p>
+            <a:pPr marL="285750" indent="-285750">
+              <a:buFont typeface="Wingdings" pitchFamily="2" charset="2"/>
+              <a:buChar char="p"/>
+            </a:pPr>
+            <a:r>
+              <a:rPr kumimoji="1" lang="ja-JP" altLang="en-US" sz="2400"/>
+              <a:t>ランダムな初期個体を母集団とし</a:t>
+            </a:r>
+            <a:r>
+              <a:rPr kumimoji="1" lang="en-US" altLang="ja-JP" sz="2400" dirty="0"/>
+              <a:t> 20 </a:t>
+            </a:r>
+            <a:r>
+              <a:rPr kumimoji="1" lang="ja-JP" altLang="en-US" sz="2400"/>
+              <a:t>世代探索</a:t>
+            </a:r>
+            <a:endParaRPr kumimoji="1" lang="en-US" altLang="ja-JP" sz="2400" dirty="0"/>
+          </a:p>
+        </p:txBody>
+      </p:sp>
+      <p:grpSp>
+        <p:nvGrpSpPr>
+          <p:cNvPr id="11" name="グループ化 10">
+            <a:extLst>
+              <a:ext uri="{FF2B5EF4-FFF2-40B4-BE49-F238E27FC236}">
+                <a16:creationId xmlns:a16="http://schemas.microsoft.com/office/drawing/2014/main" id="{57A7C177-3B63-E072-4622-F0FAEDBFBA22}"/>
+              </a:ext>
+            </a:extLst>
+          </p:cNvPr>
+          <p:cNvGrpSpPr/>
+          <p:nvPr/>
+        </p:nvGrpSpPr>
+        <p:grpSpPr>
+          <a:xfrm>
+            <a:off x="143838" y="2235157"/>
+            <a:ext cx="7273585" cy="2764279"/>
+            <a:chOff x="101601" y="2387557"/>
+            <a:chExt cx="7273585" cy="2764279"/>
+          </a:xfrm>
+        </p:grpSpPr>
+        <p:pic>
+          <p:nvPicPr>
+            <p:cNvPr id="8" name="図 7" descr="グラフ, 折れ線グラフ&#10;&#10;自動的に生成された説明">
+              <a:extLst>
+                <a:ext uri="{FF2B5EF4-FFF2-40B4-BE49-F238E27FC236}">
+                  <a16:creationId xmlns:a16="http://schemas.microsoft.com/office/drawing/2014/main" id="{2DF49052-9D49-E3CC-B639-F149DC50B27F}"/>
+                </a:ext>
+              </a:extLst>
+            </p:cNvPr>
+            <p:cNvPicPr>
+              <a:picLocks noChangeAspect="1"/>
+            </p:cNvPicPr>
+            <p:nvPr/>
+          </p:nvPicPr>
+          <p:blipFill rotWithShape="1">
+            <a:blip r:embed="rId2"/>
+            <a:srcRect l="3648" t="10090" r="9806"/>
+            <a:stretch/>
+          </p:blipFill>
+          <p:spPr>
+            <a:xfrm>
+              <a:off x="101601" y="2387557"/>
+              <a:ext cx="3547811" cy="2764279"/>
+            </a:xfrm>
+            <a:prstGeom prst="rect">
+              <a:avLst/>
+            </a:prstGeom>
+          </p:spPr>
+        </p:pic>
+        <p:pic>
+          <p:nvPicPr>
+            <p:cNvPr id="10" name="図 9" descr="グラフ, 折れ線グラフ&#10;&#10;自動的に生成された説明">
+              <a:extLst>
+                <a:ext uri="{FF2B5EF4-FFF2-40B4-BE49-F238E27FC236}">
+                  <a16:creationId xmlns:a16="http://schemas.microsoft.com/office/drawing/2014/main" id="{B2DEB509-6123-1736-9A58-98527F7FD7A8}"/>
+                </a:ext>
+              </a:extLst>
+            </p:cNvPr>
+            <p:cNvPicPr>
+              <a:picLocks noChangeAspect="1"/>
+            </p:cNvPicPr>
+            <p:nvPr/>
+          </p:nvPicPr>
+          <p:blipFill rotWithShape="1">
+            <a:blip r:embed="rId3"/>
+            <a:srcRect l="3546" t="10024" r="7323"/>
+            <a:stretch/>
+          </p:blipFill>
+          <p:spPr>
+            <a:xfrm>
+              <a:off x="3724112" y="2387557"/>
+              <a:ext cx="3651074" cy="2764279"/>
+            </a:xfrm>
+            <a:prstGeom prst="rect">
+              <a:avLst/>
+            </a:prstGeom>
+          </p:spPr>
+        </p:pic>
+      </p:grpSp>
+    </p:spTree>
+    <p:extLst>
+      <p:ext uri="{BB962C8B-B14F-4D97-AF65-F5344CB8AC3E}">
+        <p14:creationId xmlns:p14="http://schemas.microsoft.com/office/powerpoint/2010/main" val="3729350339"/>
+      </p:ext>
+    </p:extLst>
+  </p:cSld>
+  <p:clrMapOvr>
+    <a:masterClrMapping/>
+  </p:clrMapOvr>
+</p:sld>
+</file>
+
+<file path=ppt/slides/slide23.xml><?xml version="1.0" encoding="utf-8"?>
+<p:sld xmlns:a="http://schemas.openxmlformats.org/drawingml/2006/main" xmlns:r="http://schemas.openxmlformats.org/officeDocument/2006/relationships" xmlns:p="http://schemas.openxmlformats.org/presentationml/2006/main">
+  <p:cSld>
+    <p:spTree>
+      <p:nvGrpSpPr>
+        <p:cNvPr id="1" name=""/>
+        <p:cNvGrpSpPr/>
+        <p:nvPr/>
+      </p:nvGrpSpPr>
+      <p:grpSpPr>
+        <a:xfrm>
+          <a:off x="0" y="0"/>
+          <a:ext cx="0" cy="0"/>
+          <a:chOff x="0" y="0"/>
+          <a:chExt cx="0" cy="0"/>
+        </a:xfrm>
+      </p:grpSpPr>
+      <p:sp>
+        <p:nvSpPr>
+          <p:cNvPr id="2" name="タイトル 1">
+            <a:extLst>
+              <a:ext uri="{FF2B5EF4-FFF2-40B4-BE49-F238E27FC236}">
+                <a16:creationId xmlns:a16="http://schemas.microsoft.com/office/drawing/2014/main" id="{D159CF40-CD8C-21A6-0A3D-8CF370B562A6}"/>
+              </a:ext>
+            </a:extLst>
+          </p:cNvPr>
+          <p:cNvSpPr>
+            <a:spLocks noGrp="1"/>
+          </p:cNvSpPr>
+          <p:nvPr>
+            <p:ph type="title"/>
+          </p:nvPr>
+        </p:nvSpPr>
+        <p:spPr/>
+        <p:txBody>
+          <a:bodyPr/>
+          <a:lstStyle/>
+          <a:p>
+            <a:r>
+              <a:rPr kumimoji="1" lang="ja-JP" altLang="en-US"/>
+              <a:t>実験結果</a:t>
+            </a:r>
+            <a:r>
+              <a:rPr kumimoji="1" lang="en-US" altLang="ja-JP" dirty="0"/>
+              <a:t> </a:t>
+            </a:r>
+            <a:r>
+              <a:rPr lang="en-US" altLang="ja-JP" dirty="0"/>
+              <a:t>–––– </a:t>
+            </a:r>
+            <a:r>
+              <a:rPr lang="ja-JP" altLang="en-US"/>
+              <a:t>適応度推移</a:t>
+            </a:r>
+            <a:endParaRPr kumimoji="1" lang="ja-JP" altLang="en-US"/>
+          </a:p>
+        </p:txBody>
+      </p:sp>
+      <p:sp>
+        <p:nvSpPr>
+          <p:cNvPr id="3" name="スライド番号プレースホルダー 2">
+            <a:extLst>
+              <a:ext uri="{FF2B5EF4-FFF2-40B4-BE49-F238E27FC236}">
+                <a16:creationId xmlns:a16="http://schemas.microsoft.com/office/drawing/2014/main" id="{37968868-915E-15E5-AB4E-1366F32A281D}"/>
+              </a:ext>
+            </a:extLst>
+          </p:cNvPr>
+          <p:cNvSpPr>
+            <a:spLocks noGrp="1"/>
+          </p:cNvSpPr>
+          <p:nvPr>
+            <p:ph type="sldNum" sz="quarter" idx="12"/>
+          </p:nvPr>
+        </p:nvSpPr>
+        <p:spPr/>
+        <p:txBody>
+          <a:bodyPr/>
+          <a:lstStyle/>
+          <a:p>
+            <a:pPr lvl="0"/>
+            <a:fld id="{004900ED-2EFD-2142-93A1-1CBA90FDE07B}" type="slidenum">
+              <a:rPr lang="en-US" altLang="ja-JP" smtClean="0"/>
+              <a:t>23</a:t>
+            </a:fld>
+            <a:endParaRPr lang="ja-JP" altLang="en-US"/>
+          </a:p>
+        </p:txBody>
+      </p:sp>
+      <p:sp>
+        <p:nvSpPr>
+          <p:cNvPr id="6" name="テキスト ボックス 5">
+            <a:extLst>
+              <a:ext uri="{FF2B5EF4-FFF2-40B4-BE49-F238E27FC236}">
+                <a16:creationId xmlns:a16="http://schemas.microsoft.com/office/drawing/2014/main" id="{A207E860-D865-0DDC-7593-9654B40A604B}"/>
+              </a:ext>
+            </a:extLst>
+          </p:cNvPr>
+          <p:cNvSpPr txBox="1"/>
+          <p:nvPr/>
+        </p:nvSpPr>
+        <p:spPr>
+          <a:xfrm>
+            <a:off x="360464" y="1439189"/>
+            <a:ext cx="5828840" cy="830997"/>
+          </a:xfrm>
+          <a:prstGeom prst="rect">
+            <a:avLst/>
+          </a:prstGeom>
+          <a:noFill/>
+        </p:spPr>
+        <p:txBody>
+          <a:bodyPr wrap="none" rtlCol="0">
+            <a:spAutoFit/>
+          </a:bodyPr>
+          <a:lstStyle/>
+          <a:p>
+            <a:pPr marL="285750" indent="-285750">
+              <a:buFont typeface="Wingdings" pitchFamily="2" charset="2"/>
+              <a:buChar char="p"/>
+            </a:pPr>
+            <a:r>
+              <a:rPr kumimoji="1" lang="en-US" altLang="ja-JP" sz="2400" dirty="0"/>
+              <a:t>20 </a:t>
+            </a:r>
+            <a:r>
+              <a:rPr kumimoji="1" lang="ja-JP" altLang="en-US" sz="2400"/>
+              <a:t>世代探索済みの個体群が初期母集団</a:t>
+            </a:r>
+            <a:endParaRPr kumimoji="1" lang="en-US" altLang="ja-JP" sz="2400" dirty="0"/>
+          </a:p>
+          <a:p>
+            <a:pPr marL="285750" indent="-285750">
+              <a:buFont typeface="Wingdings" pitchFamily="2" charset="2"/>
+              <a:buChar char="p"/>
+            </a:pPr>
+            <a:r>
+              <a:rPr lang="en-US" altLang="ja-JP" sz="2400" dirty="0"/>
+              <a:t>80 </a:t>
+            </a:r>
+            <a:r>
+              <a:rPr lang="ja-JP" altLang="en-US" sz="2400"/>
+              <a:t>世代探索</a:t>
+            </a:r>
+            <a:endParaRPr kumimoji="1" lang="en-US" altLang="ja-JP" sz="2400" dirty="0"/>
+          </a:p>
+        </p:txBody>
+      </p:sp>
+      <p:grpSp>
+        <p:nvGrpSpPr>
+          <p:cNvPr id="10" name="グループ化 9">
+            <a:extLst>
+              <a:ext uri="{FF2B5EF4-FFF2-40B4-BE49-F238E27FC236}">
+                <a16:creationId xmlns:a16="http://schemas.microsoft.com/office/drawing/2014/main" id="{A561F4C1-59EF-B9A5-77D5-B618C3201621}"/>
+              </a:ext>
+            </a:extLst>
+          </p:cNvPr>
+          <p:cNvGrpSpPr/>
+          <p:nvPr/>
+        </p:nvGrpSpPr>
+        <p:grpSpPr>
+          <a:xfrm>
+            <a:off x="110268" y="2449329"/>
+            <a:ext cx="7340726" cy="2809056"/>
+            <a:chOff x="76074" y="2409948"/>
+            <a:chExt cx="7340726" cy="2809056"/>
+          </a:xfrm>
+        </p:grpSpPr>
+        <p:pic>
+          <p:nvPicPr>
+            <p:cNvPr id="7" name="図 6" descr="グラフ が含まれている画像&#10;&#10;自動的に生成された説明">
+              <a:extLst>
+                <a:ext uri="{FF2B5EF4-FFF2-40B4-BE49-F238E27FC236}">
+                  <a16:creationId xmlns:a16="http://schemas.microsoft.com/office/drawing/2014/main" id="{48209BE2-2ECB-448B-A192-72FD9B238608}"/>
+                </a:ext>
+              </a:extLst>
+            </p:cNvPr>
+            <p:cNvPicPr>
+              <a:picLocks noChangeAspect="1"/>
+            </p:cNvPicPr>
+            <p:nvPr/>
+          </p:nvPicPr>
+          <p:blipFill rotWithShape="1">
+            <a:blip r:embed="rId2"/>
+            <a:srcRect l="3256" t="11184" r="6020"/>
+            <a:stretch/>
+          </p:blipFill>
+          <p:spPr>
+            <a:xfrm>
+              <a:off x="76074" y="2421137"/>
+              <a:ext cx="3810637" cy="2797867"/>
+            </a:xfrm>
+            <a:prstGeom prst="rect">
+              <a:avLst/>
+            </a:prstGeom>
+          </p:spPr>
+        </p:pic>
+        <p:pic>
+          <p:nvPicPr>
+            <p:cNvPr id="9" name="図 8" descr="グラフ, 折れ線グラフ&#10;&#10;自動的に生成された説明">
+              <a:extLst>
+                <a:ext uri="{FF2B5EF4-FFF2-40B4-BE49-F238E27FC236}">
+                  <a16:creationId xmlns:a16="http://schemas.microsoft.com/office/drawing/2014/main" id="{0661E2C0-C48D-92D3-DCF6-E7957C1B3C59}"/>
+                </a:ext>
+              </a:extLst>
+            </p:cNvPr>
+            <p:cNvPicPr>
+              <a:picLocks noChangeAspect="1"/>
+            </p:cNvPicPr>
+            <p:nvPr/>
+          </p:nvPicPr>
+          <p:blipFill rotWithShape="1">
+            <a:blip r:embed="rId3"/>
+            <a:srcRect l="3691" t="9831" r="8770"/>
+            <a:stretch/>
+          </p:blipFill>
+          <p:spPr>
+            <a:xfrm>
+              <a:off x="3780631" y="2409948"/>
+              <a:ext cx="3636169" cy="2809056"/>
+            </a:xfrm>
+            <a:prstGeom prst="rect">
+              <a:avLst/>
+            </a:prstGeom>
+          </p:spPr>
+        </p:pic>
+      </p:grpSp>
+    </p:spTree>
+    <p:extLst>
+      <p:ext uri="{BB962C8B-B14F-4D97-AF65-F5344CB8AC3E}">
+        <p14:creationId xmlns:p14="http://schemas.microsoft.com/office/powerpoint/2010/main" val="3159007621"/>
+      </p:ext>
+    </p:extLst>
+  </p:cSld>
+  <p:clrMapOvr>
+    <a:masterClrMapping/>
+  </p:clrMapOvr>
+</p:sld>
+</file>
+
+<file path=ppt/slides/slide24.xml><?xml version="1.0" encoding="utf-8"?>
+<p:sld xmlns:a="http://schemas.openxmlformats.org/drawingml/2006/main" xmlns:r="http://schemas.openxmlformats.org/officeDocument/2006/relationships" xmlns:p="http://schemas.openxmlformats.org/presentationml/2006/main">
+  <p:cSld>
+    <p:spTree>
+      <p:nvGrpSpPr>
+        <p:cNvPr id="1" name=""/>
+        <p:cNvGrpSpPr/>
+        <p:nvPr/>
+      </p:nvGrpSpPr>
+      <p:grpSpPr>
+        <a:xfrm>
+          <a:off x="0" y="0"/>
+          <a:ext cx="0" cy="0"/>
+          <a:chOff x="0" y="0"/>
+          <a:chExt cx="0" cy="0"/>
+        </a:xfrm>
+      </p:grpSpPr>
+      <p:sp>
+        <p:nvSpPr>
+          <p:cNvPr id="2" name="タイトル 1">
+            <a:extLst>
+              <a:ext uri="{FF2B5EF4-FFF2-40B4-BE49-F238E27FC236}">
+                <a16:creationId xmlns:a16="http://schemas.microsoft.com/office/drawing/2014/main" id="{D159CF40-CD8C-21A6-0A3D-8CF370B562A6}"/>
+              </a:ext>
+            </a:extLst>
+          </p:cNvPr>
+          <p:cNvSpPr>
+            <a:spLocks noGrp="1"/>
+          </p:cNvSpPr>
+          <p:nvPr>
+            <p:ph type="title"/>
+          </p:nvPr>
+        </p:nvSpPr>
+        <p:spPr/>
+        <p:txBody>
+          <a:bodyPr/>
+          <a:lstStyle/>
+          <a:p>
+            <a:r>
+              <a:rPr kumimoji="1" lang="ja-JP" altLang="en-US"/>
+              <a:t>実験結果</a:t>
+            </a:r>
+            <a:r>
+              <a:rPr kumimoji="1" lang="en-US" altLang="ja-JP" dirty="0"/>
+              <a:t> </a:t>
+            </a:r>
+            <a:r>
+              <a:rPr lang="en-US" altLang="ja-JP" dirty="0"/>
+              <a:t>–––– </a:t>
+            </a:r>
+            <a:r>
+              <a:rPr lang="ja-JP" altLang="en-US"/>
+              <a:t>最終的な識別精度</a:t>
+            </a:r>
+            <a:endParaRPr kumimoji="1" lang="ja-JP" altLang="en-US"/>
+          </a:p>
+        </p:txBody>
+      </p:sp>
+      <p:sp>
+        <p:nvSpPr>
+          <p:cNvPr id="3" name="スライド番号プレースホルダー 2">
+            <a:extLst>
+              <a:ext uri="{FF2B5EF4-FFF2-40B4-BE49-F238E27FC236}">
+                <a16:creationId xmlns:a16="http://schemas.microsoft.com/office/drawing/2014/main" id="{37968868-915E-15E5-AB4E-1366F32A281D}"/>
+              </a:ext>
+            </a:extLst>
+          </p:cNvPr>
+          <p:cNvSpPr>
+            <a:spLocks noGrp="1"/>
+          </p:cNvSpPr>
+          <p:nvPr>
+            <p:ph type="sldNum" sz="quarter" idx="12"/>
+          </p:nvPr>
+        </p:nvSpPr>
+        <p:spPr/>
+        <p:txBody>
+          <a:bodyPr/>
+          <a:lstStyle/>
+          <a:p>
+            <a:pPr lvl="0"/>
+            <a:fld id="{004900ED-2EFD-2142-93A1-1CBA90FDE07B}" type="slidenum">
+              <a:rPr lang="en-US" altLang="ja-JP" smtClean="0"/>
+              <a:t>24</a:t>
+            </a:fld>
+            <a:endParaRPr lang="ja-JP" altLang="en-US"/>
+          </a:p>
+        </p:txBody>
+      </p:sp>
+      <p:graphicFrame>
+        <p:nvGraphicFramePr>
+          <p:cNvPr id="8" name="表 8">
+            <a:extLst>
+              <a:ext uri="{FF2B5EF4-FFF2-40B4-BE49-F238E27FC236}">
+                <a16:creationId xmlns:a16="http://schemas.microsoft.com/office/drawing/2014/main" id="{8D065B8F-4368-85BF-36FC-40372B61F2A6}"/>
+              </a:ext>
+            </a:extLst>
+          </p:cNvPr>
+          <p:cNvGraphicFramePr>
+            <a:graphicFrameLocks noGrp="1"/>
+          </p:cNvGraphicFramePr>
+          <p:nvPr>
+            <p:extLst>
+              <p:ext uri="{D42A27DB-BD31-4B8C-83A1-F6EECF244321}">
+                <p14:modId xmlns:p14="http://schemas.microsoft.com/office/powerpoint/2010/main" val="3659114346"/>
+              </p:ext>
+            </p:extLst>
+          </p:nvPr>
+        </p:nvGraphicFramePr>
+        <p:xfrm>
+          <a:off x="762881" y="2348180"/>
+          <a:ext cx="6035500" cy="2568928"/>
+        </p:xfrm>
+        <a:graphic>
+          <a:graphicData uri="http://schemas.openxmlformats.org/drawingml/2006/table">
+            <a:tbl>
+              <a:tblPr firstRow="1" bandRow="1">
+                <a:tableStyleId>{5C22544A-7EE6-4342-B048-85BDC9FD1C3A}</a:tableStyleId>
+              </a:tblPr>
+              <a:tblGrid>
+                <a:gridCol w="1508875">
+                  <a:extLst>
+                    <a:ext uri="{9D8B030D-6E8A-4147-A177-3AD203B41FA5}">
+                      <a16:colId xmlns:a16="http://schemas.microsoft.com/office/drawing/2014/main" val="1654953595"/>
+                    </a:ext>
+                  </a:extLst>
+                </a:gridCol>
+                <a:gridCol w="1508875">
+                  <a:extLst>
+                    <a:ext uri="{9D8B030D-6E8A-4147-A177-3AD203B41FA5}">
+                      <a16:colId xmlns:a16="http://schemas.microsoft.com/office/drawing/2014/main" val="4201951181"/>
+                    </a:ext>
+                  </a:extLst>
+                </a:gridCol>
+                <a:gridCol w="1508875">
+                  <a:extLst>
+                    <a:ext uri="{9D8B030D-6E8A-4147-A177-3AD203B41FA5}">
+                      <a16:colId xmlns:a16="http://schemas.microsoft.com/office/drawing/2014/main" val="2620093049"/>
+                    </a:ext>
+                  </a:extLst>
+                </a:gridCol>
+                <a:gridCol w="1508875">
+                  <a:extLst>
+                    <a:ext uri="{9D8B030D-6E8A-4147-A177-3AD203B41FA5}">
+                      <a16:colId xmlns:a16="http://schemas.microsoft.com/office/drawing/2014/main" val="1937366628"/>
+                    </a:ext>
+                  </a:extLst>
+                </a:gridCol>
+              </a:tblGrid>
+              <a:tr h="642232">
+                <a:tc>
+                  <a:txBody>
+                    <a:bodyPr/>
+                    <a:lstStyle/>
+                    <a:p>
+                      <a:endParaRPr kumimoji="1" lang="ja-JP" altLang="en-US" sz="1600"/>
+                    </a:p>
+                  </a:txBody>
+                  <a:tcPr>
+                    <a:lnR w="28575" cap="flat" cmpd="sng" algn="ctr">
+                      <a:solidFill>
+                        <a:schemeClr val="bg1"/>
+                      </a:solidFill>
+                      <a:prstDash val="solid"/>
+                      <a:round/>
+                      <a:headEnd type="none" w="med" len="med"/>
+                      <a:tailEnd type="none" w="med" len="med"/>
+                    </a:lnR>
+                    <a:lnB w="28575" cap="flat" cmpd="sng" algn="ctr">
+                      <a:solidFill>
+                        <a:schemeClr val="bg1"/>
+                      </a:solidFill>
+                      <a:prstDash val="solid"/>
+                      <a:round/>
+                      <a:headEnd type="none" w="med" len="med"/>
+                      <a:tailEnd type="none" w="med" len="med"/>
+                    </a:lnB>
+                    <a:solidFill>
+                      <a:schemeClr val="accent1"/>
+                    </a:solidFill>
+                  </a:tcPr>
+                </a:tc>
+                <a:tc>
+                  <a:txBody>
+                    <a:bodyPr/>
+                    <a:lstStyle/>
+                    <a:p>
+                      <a:r>
+                        <a:rPr kumimoji="1" lang="en-US" altLang="ja-JP" sz="1600" dirty="0"/>
+                        <a:t>1 </a:t>
+                      </a:r>
+                      <a:r>
+                        <a:rPr kumimoji="1" lang="ja-JP" altLang="en-US" sz="1600"/>
+                        <a:t>回目</a:t>
+                      </a:r>
+                      <a:r>
+                        <a:rPr kumimoji="1" lang="en-US" altLang="ja-JP" sz="1600" dirty="0"/>
+                        <a:t> [%]</a:t>
+                      </a:r>
+                      <a:endParaRPr kumimoji="1" lang="ja-JP" altLang="en-US" sz="1600"/>
+                    </a:p>
+                  </a:txBody>
+                  <a:tcPr>
+                    <a:lnL w="28575" cap="flat" cmpd="sng" algn="ctr">
+                      <a:solidFill>
+                        <a:schemeClr val="bg1"/>
+                      </a:solidFill>
+                      <a:prstDash val="solid"/>
+                      <a:round/>
+                      <a:headEnd type="none" w="med" len="med"/>
+                      <a:tailEnd type="none" w="med" len="med"/>
+                    </a:lnL>
+                    <a:lnR w="28575" cap="flat" cmpd="sng" algn="ctr">
+                      <a:solidFill>
+                        <a:schemeClr val="bg1"/>
+                      </a:solidFill>
+                      <a:prstDash val="solid"/>
+                      <a:round/>
+                      <a:headEnd type="none" w="med" len="med"/>
+                      <a:tailEnd type="none" w="med" len="med"/>
+                    </a:lnR>
+                    <a:lnB w="28575" cap="flat" cmpd="sng" algn="ctr">
+                      <a:solidFill>
+                        <a:schemeClr val="bg1"/>
+                      </a:solidFill>
+                      <a:prstDash val="solid"/>
+                      <a:round/>
+                      <a:headEnd type="none" w="med" len="med"/>
+                      <a:tailEnd type="none" w="med" len="med"/>
+                    </a:lnB>
+                  </a:tcPr>
+                </a:tc>
+                <a:tc>
+                  <a:txBody>
+                    <a:bodyPr/>
+                    <a:lstStyle/>
+                    <a:p>
+                      <a:pPr marL="0" marR="0" lvl="0" indent="0" algn="l" defTabSz="567111" rtl="0" eaLnBrk="1" fontAlgn="auto" latinLnBrk="0" hangingPunct="1">
+                        <a:lnSpc>
+                          <a:spcPct val="100000"/>
+                        </a:lnSpc>
+                        <a:spcBef>
+                          <a:spcPts val="0"/>
+                        </a:spcBef>
+                        <a:spcAft>
+                          <a:spcPts val="0"/>
+                        </a:spcAft>
+                        <a:buClrTx/>
+                        <a:buSzTx/>
+                        <a:buFontTx/>
+                        <a:buNone/>
+                        <a:tabLst/>
+                        <a:defRPr/>
+                      </a:pPr>
+                      <a:r>
+                        <a:rPr kumimoji="1" lang="en-US" altLang="ja-JP" sz="1600" dirty="0"/>
+                        <a:t>2 </a:t>
+                      </a:r>
+                      <a:r>
+                        <a:rPr kumimoji="1" lang="ja-JP" altLang="en-US" sz="1600"/>
+                        <a:t>回目</a:t>
+                      </a:r>
+                      <a:r>
+                        <a:rPr kumimoji="1" lang="en-US" altLang="ja-JP" sz="1600" dirty="0"/>
+                        <a:t> [%]</a:t>
+                      </a:r>
+                      <a:endParaRPr kumimoji="1" lang="ja-JP" altLang="en-US" sz="1600"/>
+                    </a:p>
+                  </a:txBody>
+                  <a:tcPr>
+                    <a:lnL w="28575" cap="flat" cmpd="sng" algn="ctr">
+                      <a:solidFill>
+                        <a:schemeClr val="bg1"/>
+                      </a:solidFill>
+                      <a:prstDash val="solid"/>
+                      <a:round/>
+                      <a:headEnd type="none" w="med" len="med"/>
+                      <a:tailEnd type="none" w="med" len="med"/>
+                    </a:lnL>
+                    <a:lnR w="28575" cap="flat" cmpd="sng" algn="ctr">
+                      <a:solidFill>
+                        <a:schemeClr val="bg1"/>
+                      </a:solidFill>
+                      <a:prstDash val="solid"/>
+                      <a:round/>
+                      <a:headEnd type="none" w="med" len="med"/>
+                      <a:tailEnd type="none" w="med" len="med"/>
+                    </a:lnR>
+                    <a:lnB w="28575" cap="flat" cmpd="sng" algn="ctr">
+                      <a:solidFill>
+                        <a:schemeClr val="bg1"/>
+                      </a:solidFill>
+                      <a:prstDash val="solid"/>
+                      <a:round/>
+                      <a:headEnd type="none" w="med" len="med"/>
+                      <a:tailEnd type="none" w="med" len="med"/>
+                    </a:lnB>
+                  </a:tcPr>
+                </a:tc>
+                <a:tc>
+                  <a:txBody>
+                    <a:bodyPr/>
+                    <a:lstStyle/>
+                    <a:p>
+                      <a:r>
+                        <a:rPr kumimoji="1" lang="ja-JP" altLang="en-US" sz="1600"/>
+                        <a:t>平均</a:t>
+                      </a:r>
+                      <a:r>
+                        <a:rPr kumimoji="1" lang="en-US" altLang="ja-JP" sz="1600" dirty="0"/>
+                        <a:t> [%]</a:t>
+                      </a:r>
+                    </a:p>
+                  </a:txBody>
+                  <a:tcPr>
+                    <a:lnL w="28575" cap="flat" cmpd="sng" algn="ctr">
+                      <a:solidFill>
+                        <a:schemeClr val="bg1"/>
+                      </a:solidFill>
+                      <a:prstDash val="solid"/>
+                      <a:round/>
+                      <a:headEnd type="none" w="med" len="med"/>
+                      <a:tailEnd type="none" w="med" len="med"/>
+                    </a:lnL>
+                    <a:lnB w="28575" cap="flat" cmpd="sng" algn="ctr">
+                      <a:solidFill>
+                        <a:schemeClr val="bg1"/>
+                      </a:solidFill>
+                      <a:prstDash val="solid"/>
+                      <a:round/>
+                      <a:headEnd type="none" w="med" len="med"/>
+                      <a:tailEnd type="none" w="med" len="med"/>
+                    </a:lnB>
+                  </a:tcPr>
+                </a:tc>
+                <a:extLst>
+                  <a:ext uri="{0D108BD9-81ED-4DB2-BD59-A6C34878D82A}">
+                    <a16:rowId xmlns:a16="http://schemas.microsoft.com/office/drawing/2014/main" val="488762656"/>
+                  </a:ext>
+                </a:extLst>
+              </a:tr>
+              <a:tr h="642232">
+                <a:tc>
+                  <a:txBody>
+                    <a:bodyPr/>
+                    <a:lstStyle/>
+                    <a:p>
+                      <a:r>
+                        <a:rPr kumimoji="1" lang="en-US" altLang="ja-JP" sz="1600" b="1" dirty="0">
+                          <a:solidFill>
+                            <a:schemeClr val="bg1"/>
+                          </a:solidFill>
+                        </a:rPr>
+                        <a:t>80 </a:t>
+                      </a:r>
+                      <a:r>
+                        <a:rPr kumimoji="1" lang="ja-JP" altLang="en-US" sz="1600" b="1">
+                          <a:solidFill>
+                            <a:schemeClr val="bg1"/>
+                          </a:solidFill>
+                        </a:rPr>
+                        <a:t>世代</a:t>
+                      </a:r>
+                      <a:r>
+                        <a:rPr kumimoji="1" lang="en-US" altLang="ja-JP" sz="1600" b="1" dirty="0">
+                          <a:solidFill>
+                            <a:schemeClr val="bg1"/>
+                          </a:solidFill>
+                        </a:rPr>
+                        <a:t> </a:t>
+                      </a:r>
+                    </a:p>
+                    <a:p>
+                      <a:r>
+                        <a:rPr kumimoji="1" lang="en-US" altLang="ja-JP" sz="1600" b="1" dirty="0">
+                          <a:solidFill>
+                            <a:schemeClr val="bg1"/>
+                          </a:solidFill>
+                        </a:rPr>
+                        <a:t>1</a:t>
+                      </a:r>
+                      <a:r>
+                        <a:rPr kumimoji="1" lang="ja-JP" altLang="en-US" sz="1600" b="1">
+                          <a:solidFill>
+                            <a:schemeClr val="bg1"/>
+                          </a:solidFill>
+                        </a:rPr>
+                        <a:t> エポック</a:t>
+                      </a:r>
+                    </a:p>
+                  </a:txBody>
+                  <a:tcPr>
+                    <a:lnR w="28575" cap="flat" cmpd="sng" algn="ctr">
+                      <a:solidFill>
+                        <a:schemeClr val="bg1"/>
+                      </a:solidFill>
+                      <a:prstDash val="solid"/>
+                      <a:round/>
+                      <a:headEnd type="none" w="med" len="med"/>
+                      <a:tailEnd type="none" w="med" len="med"/>
+                    </a:lnR>
+                    <a:lnT w="28575" cap="flat" cmpd="sng" algn="ctr">
+                      <a:solidFill>
+                        <a:schemeClr val="bg1"/>
+                      </a:solidFill>
+                      <a:prstDash val="solid"/>
+                      <a:round/>
+                      <a:headEnd type="none" w="med" len="med"/>
+                      <a:tailEnd type="none" w="med" len="med"/>
+                    </a:lnT>
+                    <a:solidFill>
+                      <a:schemeClr val="accent1"/>
+                    </a:solidFill>
+                  </a:tcPr>
+                </a:tc>
+                <a:tc>
+                  <a:txBody>
+                    <a:bodyPr/>
+                    <a:lstStyle/>
+                    <a:p>
+                      <a:r>
+                        <a:rPr kumimoji="1" lang="en-US" altLang="ja-JP" sz="1600" dirty="0"/>
+                        <a:t>92.04</a:t>
+                      </a:r>
+                      <a:endParaRPr kumimoji="1" lang="ja-JP" altLang="en-US" sz="1600"/>
+                    </a:p>
+                  </a:txBody>
+                  <a:tcPr>
+                    <a:lnL w="28575" cap="flat" cmpd="sng" algn="ctr">
+                      <a:solidFill>
+                        <a:schemeClr val="bg1"/>
+                      </a:solidFill>
+                      <a:prstDash val="solid"/>
+                      <a:round/>
+                      <a:headEnd type="none" w="med" len="med"/>
+                      <a:tailEnd type="none" w="med" len="med"/>
+                    </a:lnL>
+                    <a:lnR w="28575" cap="flat" cmpd="sng" algn="ctr">
+                      <a:solidFill>
+                        <a:schemeClr val="bg1"/>
+                      </a:solidFill>
+                      <a:prstDash val="solid"/>
+                      <a:round/>
+                      <a:headEnd type="none" w="med" len="med"/>
+                      <a:tailEnd type="none" w="med" len="med"/>
+                    </a:lnR>
+                    <a:lnT w="28575" cap="flat" cmpd="sng" algn="ctr">
+                      <a:solidFill>
+                        <a:schemeClr val="bg1"/>
+                      </a:solidFill>
+                      <a:prstDash val="solid"/>
+                      <a:round/>
+                      <a:headEnd type="none" w="med" len="med"/>
+                      <a:tailEnd type="none" w="med" len="med"/>
+                    </a:lnT>
+                  </a:tcPr>
+                </a:tc>
+                <a:tc>
+                  <a:txBody>
+                    <a:bodyPr/>
+                    <a:lstStyle/>
+                    <a:p>
+                      <a:endParaRPr kumimoji="1" lang="ja-JP" altLang="en-US" sz="1600"/>
+                    </a:p>
+                  </a:txBody>
+                  <a:tcPr>
+                    <a:lnL w="28575" cap="flat" cmpd="sng" algn="ctr">
+                      <a:solidFill>
+                        <a:schemeClr val="bg1"/>
+                      </a:solidFill>
+                      <a:prstDash val="solid"/>
+                      <a:round/>
+                      <a:headEnd type="none" w="med" len="med"/>
+                      <a:tailEnd type="none" w="med" len="med"/>
+                    </a:lnL>
+                    <a:lnR w="28575" cap="flat" cmpd="sng" algn="ctr">
+                      <a:solidFill>
+                        <a:schemeClr val="bg1"/>
+                      </a:solidFill>
+                      <a:prstDash val="solid"/>
+                      <a:round/>
+                      <a:headEnd type="none" w="med" len="med"/>
+                      <a:tailEnd type="none" w="med" len="med"/>
+                    </a:lnR>
+                    <a:lnT w="28575" cap="flat" cmpd="sng" algn="ctr">
+                      <a:solidFill>
+                        <a:schemeClr val="bg1"/>
+                      </a:solidFill>
+                      <a:prstDash val="solid"/>
+                      <a:round/>
+                      <a:headEnd type="none" w="med" len="med"/>
+                      <a:tailEnd type="none" w="med" len="med"/>
+                    </a:lnT>
+                  </a:tcPr>
+                </a:tc>
+                <a:tc>
+                  <a:txBody>
+                    <a:bodyPr/>
+                    <a:lstStyle/>
+                    <a:p>
+                      <a:endParaRPr kumimoji="1" lang="ja-JP" altLang="en-US" sz="1600"/>
+                    </a:p>
+                  </a:txBody>
+                  <a:tcPr>
+                    <a:lnL w="28575" cap="flat" cmpd="sng" algn="ctr">
+                      <a:solidFill>
+                        <a:schemeClr val="bg1"/>
+                      </a:solidFill>
+                      <a:prstDash val="solid"/>
+                      <a:round/>
+                      <a:headEnd type="none" w="med" len="med"/>
+                      <a:tailEnd type="none" w="med" len="med"/>
+                    </a:lnL>
+                    <a:lnT w="28575" cap="flat" cmpd="sng" algn="ctr">
+                      <a:solidFill>
+                        <a:schemeClr val="bg1"/>
+                      </a:solidFill>
+                      <a:prstDash val="solid"/>
+                      <a:round/>
+                      <a:headEnd type="none" w="med" len="med"/>
+                      <a:tailEnd type="none" w="med" len="med"/>
+                    </a:lnT>
+                  </a:tcPr>
+                </a:tc>
+                <a:extLst>
+                  <a:ext uri="{0D108BD9-81ED-4DB2-BD59-A6C34878D82A}">
+                    <a16:rowId xmlns:a16="http://schemas.microsoft.com/office/drawing/2014/main" val="1572047690"/>
+                  </a:ext>
+                </a:extLst>
+              </a:tr>
+              <a:tr h="642232">
+                <a:tc>
+                  <a:txBody>
+                    <a:bodyPr/>
+                    <a:lstStyle/>
+                    <a:p>
+                      <a:r>
+                        <a:rPr kumimoji="1" lang="en-US" altLang="ja-JP" sz="1600" b="1" dirty="0">
+                          <a:solidFill>
+                            <a:schemeClr val="bg1"/>
+                          </a:solidFill>
+                        </a:rPr>
+                        <a:t>40 </a:t>
+                      </a:r>
+                      <a:r>
+                        <a:rPr kumimoji="1" lang="ja-JP" altLang="en-US" sz="1600" b="1">
+                          <a:solidFill>
+                            <a:schemeClr val="bg1"/>
+                          </a:solidFill>
+                        </a:rPr>
+                        <a:t>世代</a:t>
+                      </a:r>
+                      <a:r>
+                        <a:rPr kumimoji="1" lang="en-US" altLang="ja-JP" sz="1600" b="1" dirty="0">
+                          <a:solidFill>
+                            <a:schemeClr val="bg1"/>
+                          </a:solidFill>
+                        </a:rPr>
+                        <a:t> </a:t>
+                      </a:r>
+                    </a:p>
+                    <a:p>
+                      <a:r>
+                        <a:rPr kumimoji="1" lang="en-US" altLang="ja-JP" sz="1600" b="1" dirty="0">
+                          <a:solidFill>
+                            <a:schemeClr val="bg1"/>
+                          </a:solidFill>
+                        </a:rPr>
+                        <a:t>2</a:t>
+                      </a:r>
+                      <a:r>
+                        <a:rPr kumimoji="1" lang="ja-JP" altLang="en-US" sz="1600" b="1">
+                          <a:solidFill>
+                            <a:schemeClr val="bg1"/>
+                          </a:solidFill>
+                        </a:rPr>
+                        <a:t> エポック</a:t>
+                      </a:r>
+                    </a:p>
+                  </a:txBody>
+                  <a:tcPr>
+                    <a:lnR w="28575" cap="flat" cmpd="sng" algn="ctr">
+                      <a:solidFill>
+                        <a:schemeClr val="bg1"/>
+                      </a:solidFill>
+                      <a:prstDash val="solid"/>
+                      <a:round/>
+                      <a:headEnd type="none" w="med" len="med"/>
+                      <a:tailEnd type="none" w="med" len="med"/>
+                    </a:lnR>
+                    <a:solidFill>
+                      <a:schemeClr val="accent1"/>
+                    </a:solidFill>
+                  </a:tcPr>
+                </a:tc>
+                <a:tc>
+                  <a:txBody>
+                    <a:bodyPr/>
+                    <a:lstStyle/>
+                    <a:p>
+                      <a:r>
+                        <a:rPr kumimoji="1" lang="en-US" altLang="ja-JP" sz="1600" dirty="0"/>
+                        <a:t>92.13</a:t>
+                      </a:r>
+                      <a:endParaRPr kumimoji="1" lang="ja-JP" altLang="en-US" sz="1600"/>
+                    </a:p>
+                  </a:txBody>
+                  <a:tcPr>
+                    <a:lnL w="28575" cap="flat" cmpd="sng" algn="ctr">
+                      <a:solidFill>
+                        <a:schemeClr val="bg1"/>
+                      </a:solidFill>
+                      <a:prstDash val="solid"/>
+                      <a:round/>
+                      <a:headEnd type="none" w="med" len="med"/>
+                      <a:tailEnd type="none" w="med" len="med"/>
+                    </a:lnL>
+                    <a:lnR w="28575" cap="flat" cmpd="sng" algn="ctr">
+                      <a:solidFill>
+                        <a:schemeClr val="bg1"/>
+                      </a:solidFill>
+                      <a:prstDash val="solid"/>
+                      <a:round/>
+                      <a:headEnd type="none" w="med" len="med"/>
+                      <a:tailEnd type="none" w="med" len="med"/>
+                    </a:lnR>
+                  </a:tcPr>
+                </a:tc>
+                <a:tc>
+                  <a:txBody>
+                    <a:bodyPr/>
+                    <a:lstStyle/>
+                    <a:p>
+                      <a:endParaRPr kumimoji="1" lang="ja-JP" altLang="en-US" sz="1600"/>
+                    </a:p>
+                  </a:txBody>
+                  <a:tcPr>
+                    <a:lnL w="28575" cap="flat" cmpd="sng" algn="ctr">
+                      <a:solidFill>
+                        <a:schemeClr val="bg1"/>
+                      </a:solidFill>
+                      <a:prstDash val="solid"/>
+                      <a:round/>
+                      <a:headEnd type="none" w="med" len="med"/>
+                      <a:tailEnd type="none" w="med" len="med"/>
+                    </a:lnL>
+                    <a:lnR w="28575" cap="flat" cmpd="sng" algn="ctr">
+                      <a:solidFill>
+                        <a:schemeClr val="bg1"/>
+                      </a:solidFill>
+                      <a:prstDash val="solid"/>
+                      <a:round/>
+                      <a:headEnd type="none" w="med" len="med"/>
+                      <a:tailEnd type="none" w="med" len="med"/>
+                    </a:lnR>
+                  </a:tcPr>
+                </a:tc>
+                <a:tc>
+                  <a:txBody>
+                    <a:bodyPr/>
+                    <a:lstStyle/>
+                    <a:p>
+                      <a:endParaRPr kumimoji="1" lang="ja-JP" altLang="en-US" sz="1600"/>
+                    </a:p>
+                  </a:txBody>
+                  <a:tcPr>
+                    <a:lnL w="28575" cap="flat" cmpd="sng" algn="ctr">
+                      <a:solidFill>
+                        <a:schemeClr val="bg1"/>
+                      </a:solidFill>
+                      <a:prstDash val="solid"/>
+                      <a:round/>
+                      <a:headEnd type="none" w="med" len="med"/>
+                      <a:tailEnd type="none" w="med" len="med"/>
+                    </a:lnL>
+                  </a:tcPr>
+                </a:tc>
+                <a:extLst>
+                  <a:ext uri="{0D108BD9-81ED-4DB2-BD59-A6C34878D82A}">
+                    <a16:rowId xmlns:a16="http://schemas.microsoft.com/office/drawing/2014/main" val="2194053407"/>
+                  </a:ext>
+                </a:extLst>
+              </a:tr>
+              <a:tr h="642232">
+                <a:tc>
+                  <a:txBody>
+                    <a:bodyPr/>
+                    <a:lstStyle/>
+                    <a:p>
+                      <a:r>
+                        <a:rPr kumimoji="1" lang="en-US" altLang="ja-JP" sz="1600" b="1" dirty="0">
+                          <a:solidFill>
+                            <a:schemeClr val="bg1"/>
+                          </a:solidFill>
+                        </a:rPr>
+                        <a:t>20 </a:t>
+                      </a:r>
+                      <a:r>
+                        <a:rPr kumimoji="1" lang="ja-JP" altLang="en-US" sz="1600" b="1">
+                          <a:solidFill>
+                            <a:schemeClr val="bg1"/>
+                          </a:solidFill>
+                        </a:rPr>
+                        <a:t>世代</a:t>
+                      </a:r>
+                      <a:r>
+                        <a:rPr kumimoji="1" lang="en-US" altLang="ja-JP" sz="1600" b="1" dirty="0">
+                          <a:solidFill>
+                            <a:schemeClr val="bg1"/>
+                          </a:solidFill>
+                        </a:rPr>
+                        <a:t> </a:t>
+                      </a:r>
+                    </a:p>
+                    <a:p>
+                      <a:r>
+                        <a:rPr kumimoji="1" lang="en-US" altLang="ja-JP" sz="1600" b="1" dirty="0">
+                          <a:solidFill>
+                            <a:schemeClr val="bg1"/>
+                          </a:solidFill>
+                        </a:rPr>
+                        <a:t>4</a:t>
+                      </a:r>
+                      <a:r>
+                        <a:rPr kumimoji="1" lang="ja-JP" altLang="en-US" sz="1600" b="1">
+                          <a:solidFill>
+                            <a:schemeClr val="bg1"/>
+                          </a:solidFill>
+                        </a:rPr>
+                        <a:t> エポック</a:t>
+                      </a:r>
+                    </a:p>
+                  </a:txBody>
+                  <a:tcPr>
+                    <a:lnR w="28575" cap="flat" cmpd="sng" algn="ctr">
+                      <a:solidFill>
+                        <a:schemeClr val="bg1"/>
+                      </a:solidFill>
+                      <a:prstDash val="solid"/>
+                      <a:round/>
+                      <a:headEnd type="none" w="med" len="med"/>
+                      <a:tailEnd type="none" w="med" len="med"/>
+                    </a:lnR>
+                    <a:solidFill>
+                      <a:schemeClr val="accent1"/>
+                    </a:solidFill>
+                  </a:tcPr>
+                </a:tc>
+                <a:tc>
+                  <a:txBody>
+                    <a:bodyPr/>
+                    <a:lstStyle/>
+                    <a:p>
+                      <a:r>
+                        <a:rPr kumimoji="1" lang="en-US" altLang="ja-JP" sz="1600" dirty="0"/>
+                        <a:t>92.26</a:t>
+                      </a:r>
+                      <a:endParaRPr kumimoji="1" lang="ja-JP" altLang="en-US" sz="1600"/>
+                    </a:p>
+                  </a:txBody>
+                  <a:tcPr>
+                    <a:lnL w="28575" cap="flat" cmpd="sng" algn="ctr">
+                      <a:solidFill>
+                        <a:schemeClr val="bg1"/>
+                      </a:solidFill>
+                      <a:prstDash val="solid"/>
+                      <a:round/>
+                      <a:headEnd type="none" w="med" len="med"/>
+                      <a:tailEnd type="none" w="med" len="med"/>
+                    </a:lnL>
+                    <a:lnR w="28575" cap="flat" cmpd="sng" algn="ctr">
+                      <a:solidFill>
+                        <a:schemeClr val="bg1"/>
+                      </a:solidFill>
+                      <a:prstDash val="solid"/>
+                      <a:round/>
+                      <a:headEnd type="none" w="med" len="med"/>
+                      <a:tailEnd type="none" w="med" len="med"/>
+                    </a:lnR>
+                  </a:tcPr>
+                </a:tc>
+                <a:tc>
+                  <a:txBody>
+                    <a:bodyPr/>
+                    <a:lstStyle/>
+                    <a:p>
+                      <a:endParaRPr kumimoji="1" lang="ja-JP" altLang="en-US" sz="1600"/>
+                    </a:p>
+                  </a:txBody>
+                  <a:tcPr>
+                    <a:lnL w="28575" cap="flat" cmpd="sng" algn="ctr">
+                      <a:solidFill>
+                        <a:schemeClr val="bg1"/>
+                      </a:solidFill>
+                      <a:prstDash val="solid"/>
+                      <a:round/>
+                      <a:headEnd type="none" w="med" len="med"/>
+                      <a:tailEnd type="none" w="med" len="med"/>
+                    </a:lnL>
+                    <a:lnR w="28575" cap="flat" cmpd="sng" algn="ctr">
+                      <a:solidFill>
+                        <a:schemeClr val="bg1"/>
+                      </a:solidFill>
+                      <a:prstDash val="solid"/>
+                      <a:round/>
+                      <a:headEnd type="none" w="med" len="med"/>
+                      <a:tailEnd type="none" w="med" len="med"/>
+                    </a:lnR>
+                  </a:tcPr>
+                </a:tc>
+                <a:tc>
+                  <a:txBody>
+                    <a:bodyPr/>
+                    <a:lstStyle/>
+                    <a:p>
+                      <a:endParaRPr kumimoji="1" lang="ja-JP" altLang="en-US" sz="1600"/>
+                    </a:p>
+                  </a:txBody>
+                  <a:tcPr>
+                    <a:lnL w="28575" cap="flat" cmpd="sng" algn="ctr">
+                      <a:solidFill>
+                        <a:schemeClr val="bg1"/>
+                      </a:solidFill>
+                      <a:prstDash val="solid"/>
+                      <a:round/>
+                      <a:headEnd type="none" w="med" len="med"/>
+                      <a:tailEnd type="none" w="med" len="med"/>
+                    </a:lnL>
+                  </a:tcPr>
+                </a:tc>
+                <a:extLst>
+                  <a:ext uri="{0D108BD9-81ED-4DB2-BD59-A6C34878D82A}">
+                    <a16:rowId xmlns:a16="http://schemas.microsoft.com/office/drawing/2014/main" val="1737460620"/>
+                  </a:ext>
+                </a:extLst>
+              </a:tr>
+            </a:tbl>
+          </a:graphicData>
+        </a:graphic>
+      </p:graphicFrame>
+      <p:sp>
+        <p:nvSpPr>
+          <p:cNvPr id="4" name="テキスト ボックス 3">
+            <a:extLst>
+              <a:ext uri="{FF2B5EF4-FFF2-40B4-BE49-F238E27FC236}">
+                <a16:creationId xmlns:a16="http://schemas.microsoft.com/office/drawing/2014/main" id="{799D0DA2-1768-3B9F-A829-166A6428AB05}"/>
+              </a:ext>
+            </a:extLst>
+          </p:cNvPr>
+          <p:cNvSpPr txBox="1"/>
+          <p:nvPr/>
+        </p:nvSpPr>
+        <p:spPr>
+          <a:xfrm>
+            <a:off x="647700" y="1397949"/>
+            <a:ext cx="6013185" cy="830997"/>
+          </a:xfrm>
+          <a:prstGeom prst="rect">
+            <a:avLst/>
+          </a:prstGeom>
+          <a:noFill/>
+        </p:spPr>
+        <p:txBody>
+          <a:bodyPr wrap="none" rtlCol="0">
+            <a:spAutoFit/>
+          </a:bodyPr>
+          <a:lstStyle/>
+          <a:p>
+            <a:pPr marL="285750" indent="-285750">
+              <a:buFont typeface="Wingdings" pitchFamily="2" charset="2"/>
+              <a:buChar char="p"/>
+            </a:pPr>
+            <a:r>
+              <a:rPr lang="ja-JP" altLang="en-US" sz="2400"/>
+              <a:t>本学習後の最良個体をテストしたときの</a:t>
+            </a:r>
+            <a:br>
+              <a:rPr lang="en-US" altLang="ja-JP" sz="2400" dirty="0"/>
+            </a:br>
+            <a:r>
+              <a:rPr lang="ja-JP" altLang="en-US" sz="2400"/>
+              <a:t>最良識別精度</a:t>
+            </a:r>
+            <a:endParaRPr kumimoji="1" lang="ja-JP" altLang="en-US" sz="2400"/>
+          </a:p>
+        </p:txBody>
+      </p:sp>
+    </p:spTree>
+    <p:extLst>
+      <p:ext uri="{BB962C8B-B14F-4D97-AF65-F5344CB8AC3E}">
+        <p14:creationId xmlns:p14="http://schemas.microsoft.com/office/powerpoint/2010/main" val="3255661543"/>
+      </p:ext>
+    </p:extLst>
+  </p:cSld>
+  <p:clrMapOvr>
+    <a:masterClrMapping/>
+  </p:clrMapOvr>
+</p:sld>
+</file>
+
+<file path=ppt/slides/slide25.xml><?xml version="1.0" encoding="utf-8"?>
+<p:sld xmlns:a="http://schemas.openxmlformats.org/drawingml/2006/main" xmlns:r="http://schemas.openxmlformats.org/officeDocument/2006/relationships" xmlns:p="http://schemas.openxmlformats.org/presentationml/2006/main">
+  <p:cSld>
+    <p:spTree>
+      <p:nvGrpSpPr>
+        <p:cNvPr id="1" name=""/>
+        <p:cNvGrpSpPr/>
+        <p:nvPr/>
+      </p:nvGrpSpPr>
+      <p:grpSpPr>
+        <a:xfrm>
+          <a:off x="0" y="0"/>
+          <a:ext cx="0" cy="0"/>
+          <a:chOff x="0" y="0"/>
+          <a:chExt cx="0" cy="0"/>
+        </a:xfrm>
+      </p:grpSpPr>
+      <p:sp>
+        <p:nvSpPr>
+          <p:cNvPr id="2" name="タイトル 1">
+            <a:extLst>
+              <a:ext uri="{FF2B5EF4-FFF2-40B4-BE49-F238E27FC236}">
+                <a16:creationId xmlns:a16="http://schemas.microsoft.com/office/drawing/2014/main" id="{DA6841C3-0E6C-BFA1-5D04-4112F1117102}"/>
+              </a:ext>
+            </a:extLst>
+          </p:cNvPr>
+          <p:cNvSpPr>
+            <a:spLocks noGrp="1"/>
+          </p:cNvSpPr>
+          <p:nvPr>
+            <p:ph type="title"/>
+          </p:nvPr>
+        </p:nvSpPr>
+        <p:spPr/>
+        <p:txBody>
+          <a:bodyPr/>
+          <a:lstStyle/>
+          <a:p>
+            <a:r>
+              <a:rPr kumimoji="1" lang="ja-JP" altLang="en-US"/>
+              <a:t>目次</a:t>
+            </a:r>
+          </a:p>
+        </p:txBody>
+      </p:sp>
+      <p:sp>
+        <p:nvSpPr>
+          <p:cNvPr id="4" name="スライド番号プレースホルダー 3">
+            <a:extLst>
+              <a:ext uri="{FF2B5EF4-FFF2-40B4-BE49-F238E27FC236}">
+                <a16:creationId xmlns:a16="http://schemas.microsoft.com/office/drawing/2014/main" id="{20D20625-8135-BA1D-11A0-E3466265CE7C}"/>
+              </a:ext>
+            </a:extLst>
+          </p:cNvPr>
+          <p:cNvSpPr>
+            <a:spLocks noGrp="1"/>
+          </p:cNvSpPr>
+          <p:nvPr>
+            <p:ph type="sldNum" sz="quarter" idx="12"/>
+          </p:nvPr>
+        </p:nvSpPr>
+        <p:spPr/>
+        <p:txBody>
+          <a:bodyPr/>
+          <a:lstStyle/>
+          <a:p>
+            <a:pPr lvl="0"/>
+            <a:fld id="{004900ED-2EFD-2142-93A1-1CBA90FDE07B}" type="slidenum">
+              <a:rPr lang="en-US" altLang="ja-JP" smtClean="0"/>
+              <a:t>25</a:t>
+            </a:fld>
+            <a:endParaRPr lang="ja-JP" altLang="en-US"/>
+          </a:p>
+        </p:txBody>
+      </p:sp>
+      <p:sp>
+        <p:nvSpPr>
+          <p:cNvPr id="3" name="テキスト ボックス 2">
+            <a:extLst>
+              <a:ext uri="{FF2B5EF4-FFF2-40B4-BE49-F238E27FC236}">
+                <a16:creationId xmlns:a16="http://schemas.microsoft.com/office/drawing/2014/main" id="{CFCE3529-0348-FAC9-4C81-ACEA9BA72623}"/>
+              </a:ext>
+            </a:extLst>
+          </p:cNvPr>
+          <p:cNvSpPr txBox="1"/>
+          <p:nvPr/>
+        </p:nvSpPr>
+        <p:spPr>
+          <a:xfrm>
+            <a:off x="919691" y="1259079"/>
+            <a:ext cx="3877985" cy="3909917"/>
+          </a:xfrm>
+          <a:prstGeom prst="rect">
+            <a:avLst/>
+          </a:prstGeom>
+          <a:noFill/>
+        </p:spPr>
+        <p:txBody>
+          <a:bodyPr wrap="none" rtlCol="0">
+            <a:spAutoFit/>
+          </a:bodyPr>
+          <a:lstStyle/>
+          <a:p>
+            <a:pPr marL="457200" indent="-457200">
+              <a:lnSpc>
+                <a:spcPct val="150000"/>
+              </a:lnSpc>
+              <a:buFont typeface="Wingdings" pitchFamily="2" charset="2"/>
+              <a:buChar char="Ø"/>
+            </a:pPr>
+            <a:r>
+              <a:rPr lang="ja-JP" altLang="en-US" sz="2800">
+                <a:solidFill>
+                  <a:schemeClr val="bg2">
+                    <a:lumMod val="75000"/>
+                  </a:schemeClr>
+                </a:solidFill>
+              </a:rPr>
+              <a:t>はじめに</a:t>
+            </a:r>
+            <a:endParaRPr lang="en-US" altLang="ja-JP" sz="2800" dirty="0">
+              <a:solidFill>
+                <a:schemeClr val="bg2">
+                  <a:lumMod val="75000"/>
+                </a:schemeClr>
+              </a:solidFill>
+            </a:endParaRPr>
+          </a:p>
+          <a:p>
+            <a:pPr marL="457200" indent="-457200">
+              <a:lnSpc>
+                <a:spcPct val="150000"/>
+              </a:lnSpc>
+              <a:buFont typeface="Wingdings" pitchFamily="2" charset="2"/>
+              <a:buChar char="Ø"/>
+            </a:pPr>
+            <a:r>
+              <a:rPr lang="ja-JP" altLang="en-US" sz="2800">
+                <a:solidFill>
+                  <a:schemeClr val="bg2">
+                    <a:lumMod val="75000"/>
+                  </a:schemeClr>
+                </a:solidFill>
+              </a:rPr>
+              <a:t>要素技術</a:t>
+            </a:r>
+            <a:endParaRPr lang="en-US" altLang="ja-JP" sz="2800" dirty="0">
+              <a:solidFill>
+                <a:schemeClr val="bg2">
+                  <a:lumMod val="75000"/>
+                </a:schemeClr>
+              </a:solidFill>
+            </a:endParaRPr>
+          </a:p>
+          <a:p>
+            <a:pPr marL="457200" indent="-457200">
+              <a:lnSpc>
+                <a:spcPct val="150000"/>
+              </a:lnSpc>
+              <a:buFont typeface="Wingdings" pitchFamily="2" charset="2"/>
+              <a:buChar char="Ø"/>
+            </a:pPr>
+            <a:r>
+              <a:rPr lang="ja-JP" altLang="en-US" sz="2800">
+                <a:solidFill>
+                  <a:schemeClr val="bg2">
+                    <a:lumMod val="75000"/>
+                  </a:schemeClr>
+                </a:solidFill>
+              </a:rPr>
+              <a:t>提案手法</a:t>
+            </a:r>
+            <a:endParaRPr lang="en-US" altLang="ja-JP" sz="2800" dirty="0">
+              <a:solidFill>
+                <a:schemeClr val="bg2">
+                  <a:lumMod val="75000"/>
+                </a:schemeClr>
+              </a:solidFill>
+            </a:endParaRPr>
+          </a:p>
+          <a:p>
+            <a:pPr marL="457200" indent="-457200">
+              <a:lnSpc>
+                <a:spcPct val="150000"/>
+              </a:lnSpc>
+              <a:buFont typeface="Wingdings" pitchFamily="2" charset="2"/>
+              <a:buChar char="Ø"/>
+            </a:pPr>
+            <a:r>
+              <a:rPr lang="ja-JP" altLang="en-US" sz="2800">
+                <a:solidFill>
+                  <a:schemeClr val="bg2">
+                    <a:lumMod val="75000"/>
+                  </a:schemeClr>
+                </a:solidFill>
+              </a:rPr>
+              <a:t>実験概要</a:t>
+            </a:r>
+            <a:endParaRPr lang="en-US" altLang="ja-JP" sz="2800" dirty="0">
+              <a:solidFill>
+                <a:schemeClr val="bg2">
+                  <a:lumMod val="75000"/>
+                </a:schemeClr>
+              </a:solidFill>
+            </a:endParaRPr>
+          </a:p>
+          <a:p>
+            <a:pPr marL="457200" indent="-457200">
+              <a:lnSpc>
+                <a:spcPct val="150000"/>
+              </a:lnSpc>
+              <a:buFont typeface="Wingdings" pitchFamily="2" charset="2"/>
+              <a:buChar char="Ø"/>
+            </a:pPr>
+            <a:r>
+              <a:rPr lang="ja-JP" altLang="en-US" sz="2800">
+                <a:solidFill>
+                  <a:schemeClr val="bg2">
+                    <a:lumMod val="75000"/>
+                  </a:schemeClr>
+                </a:solidFill>
+              </a:rPr>
+              <a:t>実験結果</a:t>
+            </a:r>
+            <a:endParaRPr lang="en-US" altLang="ja-JP" sz="2800" dirty="0">
+              <a:solidFill>
+                <a:schemeClr val="bg2">
+                  <a:lumMod val="75000"/>
+                </a:schemeClr>
+              </a:solidFill>
+            </a:endParaRPr>
+          </a:p>
+          <a:p>
+            <a:pPr marL="457200" indent="-457200">
+              <a:lnSpc>
+                <a:spcPct val="150000"/>
+              </a:lnSpc>
+              <a:buFont typeface="Wingdings" pitchFamily="2" charset="2"/>
+              <a:buChar char="Ø"/>
+            </a:pPr>
+            <a:r>
+              <a:rPr lang="ja-JP" altLang="en-US" sz="2800"/>
+              <a:t>まとめと今後の課題</a:t>
+            </a:r>
+          </a:p>
+        </p:txBody>
+      </p:sp>
+    </p:spTree>
+    <p:extLst>
+      <p:ext uri="{BB962C8B-B14F-4D97-AF65-F5344CB8AC3E}">
+        <p14:creationId xmlns:p14="http://schemas.microsoft.com/office/powerpoint/2010/main" val="3541049465"/>
       </p:ext>
     </p:extLst>
   </p:cSld>
@@ -5735,8 +9618,8 @@
         </p:nvSpPr>
         <p:spPr>
           <a:xfrm>
-            <a:off x="910166" y="1516254"/>
-            <a:ext cx="3877985" cy="3262111"/>
+            <a:off x="919691" y="1259079"/>
+            <a:ext cx="3877985" cy="3909917"/>
           </a:xfrm>
           <a:prstGeom prst="rect">
             <a:avLst/>
@@ -5830,6 +9713,32 @@
                   </a:schemeClr>
                 </a:solidFill>
               </a:rPr>
+              <a:t>実験概要</a:t>
+            </a:r>
+            <a:endParaRPr lang="en-US" altLang="ja-JP" sz="2800" dirty="0">
+              <a:solidFill>
+                <a:schemeClr val="bg2">
+                  <a:lumMod val="75000"/>
+                </a:schemeClr>
+              </a:solidFill>
+            </a:endParaRPr>
+          </a:p>
+          <a:p>
+            <a:pPr marL="457200" indent="-457200">
+              <a:lnSpc>
+                <a:spcPct val="150000"/>
+              </a:lnSpc>
+              <a:buFont typeface="Wingdings" pitchFamily="2" charset="2"/>
+              <a:buChar char="Ø"/>
+            </a:pPr>
+            <a:r>
+              <a:rPr lang="ja-JP" altLang="en-US" sz="2800">
+                <a:solidFill>
+                  <a:schemeClr val="bg2">
+                    <a:lumMod val="75000"/>
+                  </a:schemeClr>
+                </a:solidFill>
+              </a:rPr>
               <a:t>実験結果</a:t>
             </a:r>
             <a:endParaRPr lang="en-US" altLang="ja-JP" sz="2800" dirty="0">
@@ -5864,7 +9773,7 @@
     </p:spTree>
     <p:extLst>
       <p:ext uri="{BB962C8B-B14F-4D97-AF65-F5344CB8AC3E}">
-        <p14:creationId xmlns:p14="http://schemas.microsoft.com/office/powerpoint/2010/main" val="3963233345"/>
+        <p14:creationId xmlns:p14="http://schemas.microsoft.com/office/powerpoint/2010/main" val="1047084735"/>
       </p:ext>
     </p:extLst>
   </p:cSld>
@@ -5896,7 +9805,7 @@
           <p:cNvPr id="2" name="タイトル 1">
             <a:extLst>
               <a:ext uri="{FF2B5EF4-FFF2-40B4-BE49-F238E27FC236}">
-                <a16:creationId xmlns:a16="http://schemas.microsoft.com/office/drawing/2014/main" id="{551A4D2F-E3BC-D469-EA93-548744271DA7}"/>
+                <a16:creationId xmlns:a16="http://schemas.microsoft.com/office/drawing/2014/main" id="{E71B4E71-095F-F17F-6D83-0805695A2254}"/>
               </a:ext>
             </a:extLst>
           </p:cNvPr>
@@ -5921,10 +9830,10 @@
       </p:sp>
       <p:sp>
         <p:nvSpPr>
-          <p:cNvPr id="5" name="スライド番号プレースホルダー 4">
-            <a:extLst>
-              <a:ext uri="{FF2B5EF4-FFF2-40B4-BE49-F238E27FC236}">
-                <a16:creationId xmlns:a16="http://schemas.microsoft.com/office/drawing/2014/main" id="{2D0400D8-CA31-3279-A200-2FD48F814A27}"/>
+          <p:cNvPr id="3" name="スライド番号プレースホルダー 2">
+            <a:extLst>
+              <a:ext uri="{FF2B5EF4-FFF2-40B4-BE49-F238E27FC236}">
+                <a16:creationId xmlns:a16="http://schemas.microsoft.com/office/drawing/2014/main" id="{F5E302DC-5737-F25A-5C7A-5AAE4F212E41}"/>
               </a:ext>
             </a:extLst>
           </p:cNvPr>
@@ -5954,7 +9863,7 @@
           <p:cNvPr id="4" name="テキスト ボックス 3">
             <a:extLst>
               <a:ext uri="{FF2B5EF4-FFF2-40B4-BE49-F238E27FC236}">
-                <a16:creationId xmlns:a16="http://schemas.microsoft.com/office/drawing/2014/main" id="{CF9FE49C-3668-8B92-5FB0-12521E7B6B7B}"/>
+                <a16:creationId xmlns:a16="http://schemas.microsoft.com/office/drawing/2014/main" id="{EDCD9C4E-048F-3F85-CAD2-749A02AA4CBA}"/>
               </a:ext>
             </a:extLst>
           </p:cNvPr>
@@ -5963,8 +9872,8 @@
         </p:nvSpPr>
         <p:spPr>
           <a:xfrm>
-            <a:off x="393452" y="1544212"/>
-            <a:ext cx="6032421" cy="1631216"/>
+            <a:off x="205594" y="1959428"/>
+            <a:ext cx="7290353" cy="1477328"/>
           </a:xfrm>
           <a:prstGeom prst="rect">
             <a:avLst/>
@@ -5972,160 +9881,52 @@
           <a:noFill/>
         </p:spPr>
         <p:txBody>
-          <a:bodyPr wrap="none" rtlCol="0">
+          <a:bodyPr wrap="square" rtlCol="0">
             <a:spAutoFit/>
           </a:bodyPr>
           <a:lstStyle/>
           <a:p>
-            <a:pPr marL="457200" indent="-457200">
+            <a:pPr marL="285750" indent="-285750">
               <a:buFont typeface="Wingdings" pitchFamily="2" charset="2"/>
               <a:buChar char="p"/>
             </a:pPr>
             <a:r>
               <a:rPr kumimoji="1" lang="ja-JP" altLang="en-US" sz="2400"/>
-              <a:t>畳み込みニューラルネットワーク</a:t>
-            </a:r>
-            <a:br>
-              <a:rPr kumimoji="1" lang="en-US" altLang="ja-JP" sz="2400" dirty="0"/>
-            </a:br>
-            <a:r>
-              <a:rPr lang="en-US" altLang="ja-JP" sz="2400" dirty="0">
-                <a:cs typeface="Times New Roman" panose="02020603050405020304" pitchFamily="18" charset="0"/>
-              </a:rPr>
-              <a:t>(Convolutional Neural Network: CNN)</a:t>
-            </a:r>
-          </a:p>
-          <a:p>
-            <a:pPr marL="914400" lvl="1" indent="-457200">
+              <a:t>近年，機械学習が発展</a:t>
+            </a:r>
+            <a:endParaRPr kumimoji="1" lang="en-US" altLang="ja-JP" sz="2400" dirty="0"/>
+          </a:p>
+          <a:p>
+            <a:pPr marL="285750" indent="-285750">
               <a:buFont typeface="Wingdings" pitchFamily="2" charset="2"/>
               <a:buChar char="p"/>
             </a:pPr>
-            <a:r>
-              <a:rPr lang="ja-JP" altLang="en-US" sz="2400">
-                <a:latin typeface="Times New Roman" panose="02020603050405020304" pitchFamily="18" charset="0"/>
-                <a:cs typeface="Times New Roman" panose="02020603050405020304" pitchFamily="18" charset="0"/>
-              </a:rPr>
-              <a:t>画像認識分野で広く用いられている</a:t>
-            </a:r>
-            <a:endParaRPr lang="en-US" altLang="ja-JP" sz="2400" dirty="0">
-              <a:latin typeface="Times New Roman" panose="02020603050405020304" pitchFamily="18" charset="0"/>
-              <a:cs typeface="Times New Roman" panose="02020603050405020304" pitchFamily="18" charset="0"/>
-            </a:endParaRPr>
-          </a:p>
-          <a:p>
-            <a:pPr marL="457200" indent="-457200">
-              <a:buFont typeface="Arial" panose="020B0604020202020204" pitchFamily="34" charset="0"/>
-              <a:buChar char="•"/>
+            <a:endParaRPr lang="en-US" altLang="ja-JP" dirty="0"/>
+          </a:p>
+          <a:p>
+            <a:pPr marL="285750" indent="-285750">
+              <a:buFont typeface="Wingdings" pitchFamily="2" charset="2"/>
+              <a:buChar char="p"/>
             </a:pPr>
-            <a:endParaRPr kumimoji="1" lang="ja-JP" altLang="en-US" sz="2800"/>
-          </a:p>
-        </p:txBody>
-      </p:sp>
-      <p:pic>
-        <p:nvPicPr>
-          <p:cNvPr id="1026" name="Picture 2" descr="定番のConvolutional Neural Networkをゼロから理解する - DeepAge">
-            <a:extLst>
-              <a:ext uri="{FF2B5EF4-FFF2-40B4-BE49-F238E27FC236}">
-                <a16:creationId xmlns:a16="http://schemas.microsoft.com/office/drawing/2014/main" id="{F91167A3-E3C9-C26F-237C-52BB94BC0567}"/>
-              </a:ext>
-            </a:extLst>
-          </p:cNvPr>
-          <p:cNvPicPr>
-            <a:picLocks noChangeAspect="1" noChangeArrowheads="1"/>
-          </p:cNvPicPr>
-          <p:nvPr/>
-        </p:nvPicPr>
-        <p:blipFill rotWithShape="1">
-          <a:blip r:embed="rId2">
-            <a:extLst>
-              <a:ext uri="{28A0092B-C50C-407E-A947-70E740481C1C}">
-                <a14:useLocalDpi xmlns:a14="http://schemas.microsoft.com/office/drawing/2010/main" val="0"/>
-              </a:ext>
-            </a:extLst>
-          </a:blip>
-          <a:srcRect t="25159" b="24674"/>
-          <a:stretch/>
-        </p:blipFill>
-        <p:spPr bwMode="auto">
-          <a:xfrm>
-            <a:off x="0" y="2773513"/>
-            <a:ext cx="7561263" cy="2133600"/>
-          </a:xfrm>
-          <a:prstGeom prst="rect">
-            <a:avLst/>
-          </a:prstGeom>
-          <a:noFill/>
-          <a:extLst>
-            <a:ext uri="{909E8E84-426E-40DD-AFC4-6F175D3DCCD1}">
-              <a14:hiddenFill xmlns:a14="http://schemas.microsoft.com/office/drawing/2010/main">
-                <a:solidFill>
-                  <a:srgbClr val="FFFFFF"/>
-                </a:solidFill>
-              </a14:hiddenFill>
-            </a:ext>
-          </a:extLst>
-        </p:spPr>
-      </p:pic>
-      <p:sp>
-        <p:nvSpPr>
-          <p:cNvPr id="6" name="テキスト ボックス 5">
-            <a:extLst>
-              <a:ext uri="{FF2B5EF4-FFF2-40B4-BE49-F238E27FC236}">
-                <a16:creationId xmlns:a16="http://schemas.microsoft.com/office/drawing/2014/main" id="{5E3AFCC3-7D57-451D-FF79-C99839F7F368}"/>
-              </a:ext>
-            </a:extLst>
-          </p:cNvPr>
-          <p:cNvSpPr txBox="1"/>
-          <p:nvPr/>
-        </p:nvSpPr>
-        <p:spPr>
-          <a:xfrm>
-            <a:off x="0" y="4977831"/>
-            <a:ext cx="6207760" cy="584775"/>
-          </a:xfrm>
-          <a:prstGeom prst="rect">
-            <a:avLst/>
-          </a:prstGeom>
-          <a:noFill/>
-        </p:spPr>
-        <p:txBody>
-          <a:bodyPr wrap="square" rtlCol="0">
-            <a:spAutoFit/>
-          </a:bodyPr>
-          <a:lstStyle/>
-          <a:p>
-            <a:r>
-              <a:rPr kumimoji="1" lang="de" altLang="ja-JP" sz="1600" dirty="0"/>
-              <a:t>https://</a:t>
-            </a:r>
-            <a:r>
-              <a:rPr kumimoji="1" lang="de" altLang="ja-JP" sz="1600" dirty="0" err="1"/>
-              <a:t>deepage.net</a:t>
-            </a:r>
-            <a:r>
-              <a:rPr kumimoji="1" lang="de" altLang="ja-JP" sz="1600" dirty="0"/>
-              <a:t>/</a:t>
-            </a:r>
-            <a:r>
-              <a:rPr kumimoji="1" lang="de" altLang="ja-JP" sz="1600" dirty="0" err="1"/>
-              <a:t>deep_learning</a:t>
-            </a:r>
-            <a:r>
-              <a:rPr kumimoji="1" lang="de" altLang="ja-JP" sz="1600" dirty="0"/>
-              <a:t>/2016/11/07/</a:t>
-            </a:r>
-            <a:r>
-              <a:rPr kumimoji="1" lang="de" altLang="ja-JP" sz="1600" dirty="0" err="1"/>
-              <a:t>convolutional_neural_network.html</a:t>
-            </a:r>
-            <a:endParaRPr kumimoji="1" lang="ja-JP" altLang="en-US" sz="1600"/>
+            <a:r>
+              <a:rPr kumimoji="1" lang="ja-JP" altLang="en-US" sz="2400"/>
+              <a:t>畳み込みニューラルネットワークによる画像識別</a:t>
+            </a:r>
+            <a:br>
+              <a:rPr lang="en-US" altLang="ja-JP" sz="2400" dirty="0"/>
+            </a:br>
+            <a:r>
+              <a:rPr lang="en-US" altLang="ja-JP" sz="2400" dirty="0"/>
+              <a:t>(Convolutional Neural Network: CNN)</a:t>
+            </a:r>
+            <a:endParaRPr kumimoji="1" lang="ja-JP" altLang="en-US"/>
           </a:p>
         </p:txBody>
       </p:sp>
     </p:spTree>
     <p:extLst>
       <p:ext uri="{BB962C8B-B14F-4D97-AF65-F5344CB8AC3E}">
-        <p14:creationId xmlns:p14="http://schemas.microsoft.com/office/powerpoint/2010/main" val="3196433367"/>
+        <p14:creationId xmlns:p14="http://schemas.microsoft.com/office/powerpoint/2010/main" val="1330161517"/>
       </p:ext>
     </p:extLst>
   </p:cSld>
@@ -6225,7 +10026,7 @@
         <p:spPr>
           <a:xfrm>
             <a:off x="225136" y="1519870"/>
-            <a:ext cx="6508513" cy="461665"/>
+            <a:ext cx="6638356" cy="830997"/>
           </a:xfrm>
           <a:prstGeom prst="rect">
             <a:avLst/>
@@ -6243,13 +10044,33 @@
               <a:buChar char="p"/>
             </a:pPr>
             <a:r>
+              <a:rPr lang="ja-JP" altLang="en-US" sz="2400"/>
+              <a:t>問題の高度化により，</a:t>
+            </a:r>
+            <a:r>
               <a:rPr kumimoji="1" lang="en-US" altLang="ja-JP" sz="2400" dirty="0"/>
               <a:t>CNN </a:t>
             </a:r>
             <a:r>
               <a:rPr kumimoji="1" lang="ja-JP" altLang="en-US" sz="2400"/>
-              <a:t>の構造を人手で最適化することは困難</a:t>
-            </a:r>
+              <a:t>の構造が複雑化</a:t>
+            </a:r>
+            <a:br>
+              <a:rPr kumimoji="1" lang="en-US" altLang="ja-JP" sz="2400" dirty="0"/>
+            </a:br>
+            <a:r>
+              <a:rPr kumimoji="1" lang="en-US" altLang="ja-JP" sz="2400" dirty="0"/>
+              <a:t>→ </a:t>
+            </a:r>
+            <a:r>
+              <a:rPr kumimoji="1" lang="ja-JP" altLang="en-US" sz="2400"/>
+              <a:t>人手で最適化することは</a:t>
+            </a:r>
+            <a:r>
+              <a:rPr lang="ja-JP" altLang="en-US" sz="2400"/>
+              <a:t>難しい</a:t>
+            </a:r>
+            <a:endParaRPr kumimoji="1" lang="ja-JP" altLang="en-US" sz="2400"/>
           </a:p>
         </p:txBody>
       </p:sp>
@@ -6267,7 +10088,7 @@
         </p:nvSpPr>
         <p:spPr>
           <a:xfrm>
-            <a:off x="225136" y="2604442"/>
+            <a:off x="225136" y="2426642"/>
             <a:ext cx="6854762" cy="2255233"/>
           </a:xfrm>
           <a:prstGeom prst="rect">
@@ -6377,7 +10198,7 @@
           <p:cNvPr id="2" name="タイトル 1">
             <a:extLst>
               <a:ext uri="{FF2B5EF4-FFF2-40B4-BE49-F238E27FC236}">
-                <a16:creationId xmlns:a16="http://schemas.microsoft.com/office/drawing/2014/main" id="{D159CF40-CD8C-21A6-0A3D-8CF370B562A6}"/>
+                <a16:creationId xmlns:a16="http://schemas.microsoft.com/office/drawing/2014/main" id="{DA6841C3-0E6C-BFA1-5D04-4112F1117102}"/>
               </a:ext>
             </a:extLst>
           </p:cNvPr>
@@ -6395,17 +10216,17 @@
           <a:p>
             <a:r>
               <a:rPr kumimoji="1" lang="ja-JP" altLang="en-US"/>
-              <a:t>はじめに</a:t>
-            </a:r>
-          </a:p>
-        </p:txBody>
-      </p:sp>
-      <p:sp>
-        <p:nvSpPr>
-          <p:cNvPr id="3" name="スライド番号プレースホルダー 2">
-            <a:extLst>
-              <a:ext uri="{FF2B5EF4-FFF2-40B4-BE49-F238E27FC236}">
-                <a16:creationId xmlns:a16="http://schemas.microsoft.com/office/drawing/2014/main" id="{37968868-915E-15E5-AB4E-1366F32A281D}"/>
+              <a:t>目次</a:t>
+            </a:r>
+          </a:p>
+        </p:txBody>
+      </p:sp>
+      <p:sp>
+        <p:nvSpPr>
+          <p:cNvPr id="4" name="スライド番号プレースホルダー 3">
+            <a:extLst>
+              <a:ext uri="{FF2B5EF4-FFF2-40B4-BE49-F238E27FC236}">
+                <a16:creationId xmlns:a16="http://schemas.microsoft.com/office/drawing/2014/main" id="{20D20625-8135-BA1D-11A0-E3466265CE7C}"/>
               </a:ext>
             </a:extLst>
           </p:cNvPr>
@@ -6432,10 +10253,10 @@
       </p:sp>
       <p:sp>
         <p:nvSpPr>
-          <p:cNvPr id="4" name="テキスト ボックス 3">
-            <a:extLst>
-              <a:ext uri="{FF2B5EF4-FFF2-40B4-BE49-F238E27FC236}">
-                <a16:creationId xmlns:a16="http://schemas.microsoft.com/office/drawing/2014/main" id="{C90B63DA-86FE-BCFD-909B-51617E6B3CDE}"/>
+          <p:cNvPr id="3" name="テキスト ボックス 2">
+            <a:extLst>
+              <a:ext uri="{FF2B5EF4-FFF2-40B4-BE49-F238E27FC236}">
+                <a16:creationId xmlns:a16="http://schemas.microsoft.com/office/drawing/2014/main" id="{CFCE3529-0348-FAC9-4C81-ACEA9BA72623}"/>
               </a:ext>
             </a:extLst>
           </p:cNvPr>
@@ -6444,8 +10265,8 @@
         </p:nvSpPr>
         <p:spPr>
           <a:xfrm>
-            <a:off x="72736" y="1424557"/>
-            <a:ext cx="7529625" cy="3918509"/>
+            <a:off x="919691" y="1259079"/>
+            <a:ext cx="3877985" cy="3909917"/>
           </a:xfrm>
           <a:prstGeom prst="rect">
             <a:avLst/>
@@ -6463,132 +10284,143 @@
                 <a:spcPct val="150000"/>
               </a:lnSpc>
               <a:buFont typeface="Wingdings" pitchFamily="2" charset="2"/>
-              <a:buChar char="p"/>
+              <a:buChar char="Ø"/>
             </a:pPr>
             <a:r>
-              <a:rPr kumimoji="1" lang="ja-JP" altLang="en-US" sz="2400"/>
-              <a:t>提案手法</a:t>
-            </a:r>
-            <a:r>
-              <a:rPr kumimoji="1" lang="en-US" altLang="ja-JP" sz="2400" dirty="0"/>
-              <a:t>: </a:t>
-            </a:r>
-            <a:r>
-              <a:rPr kumimoji="1" lang="en-US" altLang="ja-JP" sz="2400" dirty="0" err="1"/>
-              <a:t>tdgaCNN</a:t>
-            </a:r>
-            <a:endParaRPr kumimoji="1" lang="en-US" altLang="ja-JP" sz="2400" dirty="0"/>
-          </a:p>
-          <a:p>
-            <a:pPr marL="914400" lvl="1" indent="-457200">
+              <a:rPr lang="ja-JP" altLang="en-US" sz="2800">
+                <a:solidFill>
+                  <a:schemeClr val="bg2">
+                    <a:lumMod val="75000"/>
+                  </a:schemeClr>
+                </a:solidFill>
+              </a:rPr>
+              <a:t>はじめに</a:t>
+            </a:r>
+            <a:endParaRPr lang="en-US" altLang="ja-JP" sz="2800" dirty="0">
+              <a:solidFill>
+                <a:schemeClr val="bg2">
+                  <a:lumMod val="75000"/>
+                </a:schemeClr>
+              </a:solidFill>
+            </a:endParaRPr>
+          </a:p>
+          <a:p>
+            <a:pPr marL="457200" indent="-457200">
               <a:lnSpc>
                 <a:spcPct val="150000"/>
               </a:lnSpc>
               <a:buFont typeface="Wingdings" pitchFamily="2" charset="2"/>
-              <a:buChar char="p"/>
+              <a:buChar char="Ø"/>
             </a:pPr>
             <a:r>
-              <a:rPr kumimoji="1" lang="en-US" altLang="ja-JP" sz="2400" dirty="0"/>
-              <a:t>GA </a:t>
-            </a:r>
-            <a:r>
-              <a:rPr kumimoji="1" lang="ja-JP" altLang="en-US" sz="2400"/>
-              <a:t>に熱力学的選択ルールを適用</a:t>
-            </a:r>
-            <a:endParaRPr kumimoji="1" lang="en-US" altLang="ja-JP" sz="2400" dirty="0"/>
-          </a:p>
-          <a:p>
-            <a:pPr marL="914400" lvl="1" indent="-457200">
+              <a:rPr lang="ja-JP" altLang="en-US" sz="2800"/>
+              <a:t>要素技術</a:t>
+            </a:r>
+            <a:endParaRPr lang="en-US" altLang="ja-JP" sz="2800" dirty="0"/>
+          </a:p>
+          <a:p>
+            <a:pPr marL="457200" indent="-457200">
               <a:lnSpc>
                 <a:spcPct val="150000"/>
               </a:lnSpc>
               <a:buFont typeface="Wingdings" pitchFamily="2" charset="2"/>
-              <a:buChar char="p"/>
+              <a:buChar char="Ø"/>
             </a:pPr>
             <a:r>
-              <a:rPr kumimoji="1" lang="ja-JP" altLang="en-US" sz="2400"/>
-              <a:t>熱力学的遺伝アルゴリズム</a:t>
-            </a:r>
-            <a:br>
-              <a:rPr kumimoji="1" lang="en-US" altLang="ja-JP" sz="2400" dirty="0"/>
-            </a:br>
-            <a:r>
-              <a:rPr kumimoji="1" lang="en-US" altLang="ja-JP" sz="2400" dirty="0"/>
-              <a:t>(Thermodynamical Genetic Algorithm: TDGA)</a:t>
-            </a:r>
-          </a:p>
-          <a:p>
-            <a:pPr marL="914400" lvl="1" indent="-457200">
+              <a:rPr lang="ja-JP" altLang="en-US" sz="2800">
+                <a:solidFill>
+                  <a:schemeClr val="bg2">
+                    <a:lumMod val="75000"/>
+                  </a:schemeClr>
+                </a:solidFill>
+              </a:rPr>
+              <a:t>提案手法</a:t>
+            </a:r>
+            <a:endParaRPr lang="en-US" altLang="ja-JP" sz="2800" dirty="0">
+              <a:solidFill>
+                <a:schemeClr val="bg2">
+                  <a:lumMod val="75000"/>
+                </a:schemeClr>
+              </a:solidFill>
+            </a:endParaRPr>
+          </a:p>
+          <a:p>
+            <a:pPr marL="457200" indent="-457200">
               <a:lnSpc>
                 <a:spcPct val="150000"/>
               </a:lnSpc>
               <a:buFont typeface="Wingdings" pitchFamily="2" charset="2"/>
-              <a:buChar char="p"/>
+              <a:buChar char="Ø"/>
             </a:pPr>
             <a:r>
-              <a:rPr kumimoji="1" lang="ja-JP" altLang="en-US" sz="2400"/>
-              <a:t>個体の</a:t>
-            </a:r>
-            <a:r>
-              <a:rPr kumimoji="1" lang="ja-JP" altLang="en-US" sz="2400">
+              <a:rPr lang="ja-JP" altLang="en-US" sz="2800">
                 <a:solidFill>
-                  <a:srgbClr val="FF0000"/>
+                  <a:schemeClr val="bg2">
+                    <a:lumMod val="75000"/>
+                  </a:schemeClr>
                 </a:solidFill>
               </a:rPr>
-              <a:t>多様性の維持</a:t>
-            </a:r>
-            <a:r>
-              <a:rPr kumimoji="1" lang="ja-JP" altLang="en-US" sz="2400"/>
-              <a:t>を重視</a:t>
-            </a:r>
-            <a:endParaRPr kumimoji="1" lang="en-US" altLang="ja-JP" sz="2400" dirty="0"/>
-          </a:p>
-          <a:p>
-            <a:pPr marL="914400" lvl="1" indent="-457200">
+              <a:t>実験概要</a:t>
+            </a:r>
+            <a:endParaRPr lang="en-US" altLang="ja-JP" sz="2800" dirty="0">
+              <a:solidFill>
+                <a:schemeClr val="bg2">
+                  <a:lumMod val="75000"/>
+                </a:schemeClr>
+              </a:solidFill>
+            </a:endParaRPr>
+          </a:p>
+          <a:p>
+            <a:pPr marL="457200" indent="-457200">
               <a:lnSpc>
                 <a:spcPct val="150000"/>
               </a:lnSpc>
               <a:buFont typeface="Wingdings" pitchFamily="2" charset="2"/>
-              <a:buChar char="p"/>
+              <a:buChar char="Ø"/>
             </a:pPr>
             <a:r>
-              <a:rPr kumimoji="1" lang="en-US" altLang="ja-JP" sz="2400" dirty="0"/>
-              <a:t>GA </a:t>
-            </a:r>
-            <a:r>
-              <a:rPr kumimoji="1" lang="ja-JP" altLang="en-US" sz="2400"/>
-              <a:t>における</a:t>
-            </a:r>
-            <a:r>
-              <a:rPr kumimoji="1" lang="ja-JP" altLang="en-US" sz="2400">
+              <a:rPr lang="ja-JP" altLang="en-US" sz="2800">
                 <a:solidFill>
-                  <a:srgbClr val="FF0000"/>
+                  <a:schemeClr val="bg2">
+                    <a:lumMod val="75000"/>
+                  </a:schemeClr>
                 </a:solidFill>
               </a:rPr>
-              <a:t>初期収束問題を解消</a:t>
-            </a:r>
-            <a:endParaRPr kumimoji="1" lang="en-US" altLang="ja-JP" sz="2400" dirty="0">
+              <a:t>実験結果</a:t>
+            </a:r>
+            <a:endParaRPr lang="en-US" altLang="ja-JP" sz="2800" dirty="0">
               <a:solidFill>
-                <a:srgbClr val="FF0000"/>
+                <a:schemeClr val="bg2">
+                  <a:lumMod val="75000"/>
+                </a:schemeClr>
               </a:solidFill>
             </a:endParaRPr>
           </a:p>
           <a:p>
-            <a:pPr marL="914400" lvl="1" indent="-457200">
+            <a:pPr marL="457200" indent="-457200">
               <a:lnSpc>
                 <a:spcPct val="150000"/>
               </a:lnSpc>
               <a:buFont typeface="Wingdings" pitchFamily="2" charset="2"/>
-              <a:buChar char="p"/>
+              <a:buChar char="Ø"/>
             </a:pPr>
-            <a:endParaRPr kumimoji="1" lang="en-US" altLang="ja-JP" sz="2400" dirty="0"/>
+            <a:r>
+              <a:rPr lang="ja-JP" altLang="en-US" sz="2800">
+                <a:solidFill>
+                  <a:schemeClr val="bg2">
+                    <a:lumMod val="75000"/>
+                  </a:schemeClr>
+                </a:solidFill>
+              </a:rPr>
+              <a:t>まとめと今後の課題</a:t>
+            </a:r>
           </a:p>
         </p:txBody>
       </p:sp>
     </p:spTree>
     <p:extLst>
       <p:ext uri="{BB962C8B-B14F-4D97-AF65-F5344CB8AC3E}">
-        <p14:creationId xmlns:p14="http://schemas.microsoft.com/office/powerpoint/2010/main" val="842676182"/>
+        <p14:creationId xmlns:p14="http://schemas.microsoft.com/office/powerpoint/2010/main" val="537212311"/>
       </p:ext>
     </p:extLst>
   </p:cSld>
@@ -6620,7 +10452,7 @@
           <p:cNvPr id="2" name="タイトル 1">
             <a:extLst>
               <a:ext uri="{FF2B5EF4-FFF2-40B4-BE49-F238E27FC236}">
-                <a16:creationId xmlns:a16="http://schemas.microsoft.com/office/drawing/2014/main" id="{DA6841C3-0E6C-BFA1-5D04-4112F1117102}"/>
+                <a16:creationId xmlns:a16="http://schemas.microsoft.com/office/drawing/2014/main" id="{551A4D2F-E3BC-D469-EA93-548744271DA7}"/>
               </a:ext>
             </a:extLst>
           </p:cNvPr>
@@ -6637,18 +10469,19 @@
           <a:lstStyle/>
           <a:p>
             <a:r>
-              <a:rPr kumimoji="1" lang="ja-JP" altLang="en-US"/>
-              <a:t>目次</a:t>
-            </a:r>
-          </a:p>
-        </p:txBody>
-      </p:sp>
-      <p:sp>
-        <p:nvSpPr>
-          <p:cNvPr id="4" name="スライド番号プレースホルダー 3">
-            <a:extLst>
-              <a:ext uri="{FF2B5EF4-FFF2-40B4-BE49-F238E27FC236}">
-                <a16:creationId xmlns:a16="http://schemas.microsoft.com/office/drawing/2014/main" id="{20D20625-8135-BA1D-11A0-E3466265CE7C}"/>
+              <a:rPr lang="ja-JP" altLang="en-US"/>
+              <a:t>畳み込みニューラルネットワーク</a:t>
+            </a:r>
+            <a:endParaRPr kumimoji="1" lang="ja-JP" altLang="en-US"/>
+          </a:p>
+        </p:txBody>
+      </p:sp>
+      <p:sp>
+        <p:nvSpPr>
+          <p:cNvPr id="5" name="スライド番号プレースホルダー 4">
+            <a:extLst>
+              <a:ext uri="{FF2B5EF4-FFF2-40B4-BE49-F238E27FC236}">
+                <a16:creationId xmlns:a16="http://schemas.microsoft.com/office/drawing/2014/main" id="{2D0400D8-CA31-3279-A200-2FD48F814A27}"/>
               </a:ext>
             </a:extLst>
           </p:cNvPr>
@@ -6675,10 +10508,10 @@
       </p:sp>
       <p:sp>
         <p:nvSpPr>
-          <p:cNvPr id="3" name="テキスト ボックス 2">
-            <a:extLst>
-              <a:ext uri="{FF2B5EF4-FFF2-40B4-BE49-F238E27FC236}">
-                <a16:creationId xmlns:a16="http://schemas.microsoft.com/office/drawing/2014/main" id="{CFCE3529-0348-FAC9-4C81-ACEA9BA72623}"/>
+          <p:cNvPr id="4" name="テキスト ボックス 3">
+            <a:extLst>
+              <a:ext uri="{FF2B5EF4-FFF2-40B4-BE49-F238E27FC236}">
+                <a16:creationId xmlns:a16="http://schemas.microsoft.com/office/drawing/2014/main" id="{CF9FE49C-3668-8B92-5FB0-12521E7B6B7B}"/>
               </a:ext>
             </a:extLst>
           </p:cNvPr>
@@ -6687,8 +10520,8 @@
         </p:nvSpPr>
         <p:spPr>
           <a:xfrm>
-            <a:off x="910166" y="1516254"/>
-            <a:ext cx="3877985" cy="3262111"/>
+            <a:off x="393452" y="1544212"/>
+            <a:ext cx="6032421" cy="1631216"/>
           </a:xfrm>
           <a:prstGeom prst="rect">
             <a:avLst/>
@@ -6702,121 +10535,53 @@
           <a:lstStyle/>
           <a:p>
             <a:pPr marL="457200" indent="-457200">
-              <a:lnSpc>
-                <a:spcPct val="150000"/>
-              </a:lnSpc>
               <a:buFont typeface="Wingdings" pitchFamily="2" charset="2"/>
-              <a:buChar char="Ø"/>
+              <a:buChar char="p"/>
             </a:pPr>
             <a:r>
-              <a:rPr lang="ja-JP" altLang="en-US" sz="2800">
-                <a:solidFill>
-                  <a:schemeClr val="bg2">
-                    <a:lumMod val="75000"/>
-                  </a:schemeClr>
-                </a:solidFill>
+              <a:rPr kumimoji="1" lang="ja-JP" altLang="en-US" sz="2400"/>
+              <a:t>畳み込みニューラルネットワーク</a:t>
+            </a:r>
+            <a:br>
+              <a:rPr kumimoji="1" lang="en-US" altLang="ja-JP" sz="2400" dirty="0"/>
+            </a:br>
+            <a:r>
+              <a:rPr lang="en-US" altLang="ja-JP" sz="2400" dirty="0">
+                <a:cs typeface="Times New Roman" panose="02020603050405020304" pitchFamily="18" charset="0"/>
               </a:rPr>
-              <a:t>はじめに</a:t>
-            </a:r>
-            <a:endParaRPr lang="en-US" altLang="ja-JP" sz="2800" dirty="0">
-              <a:solidFill>
-                <a:schemeClr val="bg2">
-                  <a:lumMod val="75000"/>
-                </a:schemeClr>
-              </a:solidFill>
+              <a:t>(Convolutional Neural Network: CNN)</a:t>
+            </a:r>
+          </a:p>
+          <a:p>
+            <a:pPr marL="914400" lvl="1" indent="-457200">
+              <a:buFont typeface="Wingdings" pitchFamily="2" charset="2"/>
+              <a:buChar char="p"/>
+            </a:pPr>
+            <a:r>
+              <a:rPr lang="ja-JP" altLang="en-US" sz="2400">
+                <a:latin typeface="Times New Roman" panose="02020603050405020304" pitchFamily="18" charset="0"/>
+                <a:cs typeface="Times New Roman" panose="02020603050405020304" pitchFamily="18" charset="0"/>
+              </a:rPr>
+              <a:t>画像認識分野で広く利用</a:t>
+            </a:r>
+            <a:endParaRPr lang="en-US" altLang="ja-JP" sz="2400" dirty="0">
+              <a:latin typeface="Times New Roman" panose="02020603050405020304" pitchFamily="18" charset="0"/>
+              <a:cs typeface="Times New Roman" panose="02020603050405020304" pitchFamily="18" charset="0"/>
             </a:endParaRPr>
           </a:p>
           <a:p>
             <a:pPr marL="457200" indent="-457200">
-              <a:lnSpc>
-                <a:spcPct val="150000"/>
-              </a:lnSpc>
-              <a:buFont typeface="Wingdings" pitchFamily="2" charset="2"/>
-              <a:buChar char="Ø"/>
+              <a:buFont typeface="Arial" panose="020B0604020202020204" pitchFamily="34" charset="0"/>
+              <a:buChar char="•"/>
             </a:pPr>
-            <a:r>
-              <a:rPr lang="ja-JP" altLang="en-US" sz="2800"/>
-              <a:t>要素技術</a:t>
-            </a:r>
-            <a:endParaRPr lang="en-US" altLang="ja-JP" sz="2800" dirty="0"/>
-          </a:p>
-          <a:p>
-            <a:pPr marL="457200" indent="-457200">
-              <a:lnSpc>
-                <a:spcPct val="150000"/>
-              </a:lnSpc>
-              <a:buFont typeface="Wingdings" pitchFamily="2" charset="2"/>
-              <a:buChar char="Ø"/>
-            </a:pPr>
-            <a:r>
-              <a:rPr lang="ja-JP" altLang="en-US" sz="2800">
-                <a:solidFill>
-                  <a:schemeClr val="bg2">
-                    <a:lumMod val="75000"/>
-                  </a:schemeClr>
-                </a:solidFill>
-              </a:rPr>
-              <a:t>提案手法</a:t>
-            </a:r>
-            <a:endParaRPr lang="en-US" altLang="ja-JP" sz="2800" dirty="0">
-              <a:solidFill>
-                <a:schemeClr val="bg2">
-                  <a:lumMod val="75000"/>
-                </a:schemeClr>
-              </a:solidFill>
-            </a:endParaRPr>
-          </a:p>
-          <a:p>
-            <a:pPr marL="457200" indent="-457200">
-              <a:lnSpc>
-                <a:spcPct val="150000"/>
-              </a:lnSpc>
-              <a:buFont typeface="Wingdings" pitchFamily="2" charset="2"/>
-              <a:buChar char="Ø"/>
-            </a:pPr>
-            <a:r>
-              <a:rPr lang="ja-JP" altLang="en-US" sz="2800">
-                <a:solidFill>
-                  <a:schemeClr val="bg2">
-                    <a:lumMod val="75000"/>
-                  </a:schemeClr>
-                </a:solidFill>
-              </a:rPr>
-              <a:t>実験結果</a:t>
-            </a:r>
-            <a:endParaRPr lang="en-US" altLang="ja-JP" sz="2800" dirty="0">
-              <a:solidFill>
-                <a:schemeClr val="bg2">
-                  <a:lumMod val="75000"/>
-                </a:schemeClr>
-              </a:solidFill>
-            </a:endParaRPr>
-          </a:p>
-          <a:p>
-            <a:pPr marL="457200" indent="-457200">
-              <a:lnSpc>
-                <a:spcPct val="150000"/>
-              </a:lnSpc>
-              <a:buFont typeface="Wingdings" pitchFamily="2" charset="2"/>
-              <a:buChar char="Ø"/>
-            </a:pPr>
-            <a:r>
-              <a:rPr lang="ja-JP" altLang="en-US" sz="2800">
-                <a:solidFill>
-                  <a:schemeClr val="bg2">
-                    <a:lumMod val="75000"/>
-                  </a:schemeClr>
-                </a:solidFill>
-              </a:rPr>
-              <a:t>まとめと今後の課題</a:t>
-            </a:r>
+            <a:endParaRPr kumimoji="1" lang="ja-JP" altLang="en-US" sz="2800"/>
           </a:p>
         </p:txBody>
       </p:sp>
     </p:spTree>
     <p:extLst>
       <p:ext uri="{BB962C8B-B14F-4D97-AF65-F5344CB8AC3E}">
-        <p14:creationId xmlns:p14="http://schemas.microsoft.com/office/powerpoint/2010/main" val="2172062085"/>
+        <p14:creationId xmlns:p14="http://schemas.microsoft.com/office/powerpoint/2010/main" val="3196433367"/>
       </p:ext>
     </p:extLst>
   </p:cSld>
@@ -6915,7 +10680,7 @@
         </p:nvSpPr>
         <p:spPr>
           <a:xfrm>
-            <a:off x="127101" y="1332858"/>
+            <a:off x="83018" y="1565028"/>
             <a:ext cx="6886822" cy="594522"/>
           </a:xfrm>
           <a:prstGeom prst="rect">
@@ -6959,8 +10724,8 @@
         </p:nvSpPr>
         <p:spPr>
           <a:xfrm>
-            <a:off x="519837" y="2035011"/>
-            <a:ext cx="6013185" cy="3123932"/>
+            <a:off x="519837" y="2656921"/>
+            <a:ext cx="6936514" cy="1708160"/>
           </a:xfrm>
           <a:prstGeom prst="rect">
             <a:avLst/>
@@ -7005,46 +10770,18 @@
               <a:rPr kumimoji="1" lang="ja-JP" altLang="en-US" sz="2400"/>
               <a:t>解の遺伝子を表現する配列に</a:t>
             </a:r>
+            <a:r>
+              <a:rPr lang="ja-JP" altLang="en-US" sz="2400"/>
+              <a:t>交叉，突然変異，</a:t>
+            </a:r>
             <a:br>
               <a:rPr lang="en-US" altLang="ja-JP" sz="2400" dirty="0"/>
             </a:br>
             <a:r>
               <a:rPr lang="ja-JP" altLang="en-US" sz="2400"/>
-              <a:t>交叉，突然変異，選択といった操作を</a:t>
-            </a:r>
-            <a:br>
-              <a:rPr lang="en-US" altLang="ja-JP" sz="2400" dirty="0"/>
-            </a:br>
-            <a:r>
-              <a:rPr lang="ja-JP" altLang="en-US" sz="2400"/>
-              <a:t>繰り返し適用する</a:t>
+              <a:t>選択といった操作を繰り返し適用</a:t>
             </a:r>
             <a:endParaRPr lang="en-US" altLang="ja-JP" sz="2400" dirty="0"/>
-          </a:p>
-          <a:p>
-            <a:pPr marL="285750" indent="-285750">
-              <a:buFont typeface="Wingdings" pitchFamily="2" charset="2"/>
-              <a:buChar char="p"/>
-            </a:pPr>
-            <a:endParaRPr lang="en-US" altLang="ja-JP" sz="1400" dirty="0"/>
-          </a:p>
-          <a:p>
-            <a:pPr marL="285750" indent="-285750">
-              <a:buFont typeface="Wingdings" pitchFamily="2" charset="2"/>
-              <a:buChar char="p"/>
-            </a:pPr>
-            <a:r>
-              <a:rPr kumimoji="1" lang="ja-JP" altLang="en-US" sz="2400"/>
-              <a:t>各個体について適応度を計算し，</a:t>
-            </a:r>
-            <a:br>
-              <a:rPr kumimoji="1" lang="en-US" altLang="ja-JP" sz="2400" dirty="0"/>
-            </a:br>
-            <a:r>
-              <a:rPr kumimoji="1" lang="ja-JP" altLang="en-US" sz="2400"/>
-              <a:t>低いものを淘汰</a:t>
-            </a:r>
-            <a:endParaRPr kumimoji="1" lang="en-US" altLang="ja-JP" sz="2400" dirty="0"/>
           </a:p>
         </p:txBody>
       </p:sp>
@@ -7101,7 +10838,7 @@
           <a:p>
             <a:r>
               <a:rPr kumimoji="1" lang="ja-JP" altLang="en-US"/>
-              <a:t>遺伝的アルゴリズムの問題点</a:t>
+              <a:t>遺伝的アルゴリズム</a:t>
             </a:r>
           </a:p>
         </p:txBody>
@@ -7150,8 +10887,8 @@
         </p:nvSpPr>
         <p:spPr>
           <a:xfrm>
-            <a:off x="225136" y="1707017"/>
-            <a:ext cx="6494085" cy="3046988"/>
+            <a:off x="83018" y="1565028"/>
+            <a:ext cx="6886822" cy="594522"/>
           </a:xfrm>
           <a:prstGeom prst="rect">
             <a:avLst/>
@@ -7164,88 +10901,98 @@
           </a:bodyPr>
           <a:lstStyle/>
           <a:p>
-            <a:pPr marL="914400" lvl="1" indent="-457200">
+            <a:pPr lvl="1">
               <a:lnSpc>
                 <a:spcPct val="150000"/>
               </a:lnSpc>
+            </a:pPr>
+            <a:r>
+              <a:rPr kumimoji="1" lang="ja-JP" altLang="en-US" sz="2400"/>
+              <a:t>遺伝的アルゴリズム</a:t>
+            </a:r>
+            <a:r>
+              <a:rPr kumimoji="1" lang="en-US" altLang="ja-JP" sz="2400" dirty="0"/>
+              <a:t> (Genetic Algorithm: GA)</a:t>
+            </a:r>
+          </a:p>
+        </p:txBody>
+      </p:sp>
+      <p:sp>
+        <p:nvSpPr>
+          <p:cNvPr id="5" name="テキスト ボックス 4">
+            <a:extLst>
+              <a:ext uri="{FF2B5EF4-FFF2-40B4-BE49-F238E27FC236}">
+                <a16:creationId xmlns:a16="http://schemas.microsoft.com/office/drawing/2014/main" id="{6552DF41-280F-EBD5-7E3B-875A243D0221}"/>
+              </a:ext>
+            </a:extLst>
+          </p:cNvPr>
+          <p:cNvSpPr txBox="1"/>
+          <p:nvPr/>
+        </p:nvSpPr>
+        <p:spPr>
+          <a:xfrm>
+            <a:off x="519837" y="2603319"/>
+            <a:ext cx="6628738" cy="1446550"/>
+          </a:xfrm>
+          <a:prstGeom prst="rect">
+            <a:avLst/>
+          </a:prstGeom>
+          <a:noFill/>
+        </p:spPr>
+        <p:txBody>
+          <a:bodyPr wrap="none" rtlCol="0">
+            <a:spAutoFit/>
+          </a:bodyPr>
+          <a:lstStyle/>
+          <a:p>
+            <a:pPr marL="285750" indent="-285750">
               <a:buFont typeface="Wingdings" pitchFamily="2" charset="2"/>
               <a:buChar char="p"/>
             </a:pPr>
             <a:r>
               <a:rPr kumimoji="1" lang="ja-JP" altLang="en-US" sz="2400"/>
-              <a:t>初期収束問題</a:t>
+              <a:t>各個体について適応度を計算し，</a:t>
+            </a:r>
+            <a:r>
+              <a:rPr lang="ja-JP" altLang="en-US" sz="2400"/>
+              <a:t>高いものを</a:t>
+            </a:r>
+            <a:br>
+              <a:rPr lang="en-US" altLang="ja-JP" sz="2400" dirty="0"/>
+            </a:br>
+            <a:r>
+              <a:rPr lang="ja-JP" altLang="en-US" sz="2400"/>
+              <a:t>次世代に残し，</a:t>
+            </a:r>
+            <a:r>
+              <a:rPr kumimoji="1" lang="ja-JP" altLang="en-US" sz="2400"/>
+              <a:t>低いものを淘汰</a:t>
             </a:r>
             <a:endParaRPr kumimoji="1" lang="en-US" altLang="ja-JP" sz="2400" dirty="0"/>
           </a:p>
           <a:p>
-            <a:pPr marL="1371600" lvl="2" indent="-457200">
-              <a:lnSpc>
-                <a:spcPct val="150000"/>
-              </a:lnSpc>
+            <a:pPr marL="285750" indent="-285750">
               <a:buFont typeface="Wingdings" pitchFamily="2" charset="2"/>
               <a:buChar char="p"/>
             </a:pPr>
-            <a:r>
-              <a:rPr lang="ja-JP" altLang="en-US" sz="2400"/>
-              <a:t>探索初期に個体の多様性が失われる</a:t>
-            </a:r>
-            <a:endParaRPr lang="en-US" altLang="ja-JP" sz="2400" dirty="0"/>
-          </a:p>
-          <a:p>
-            <a:pPr marL="1371600" lvl="2" indent="-457200">
-              <a:lnSpc>
-                <a:spcPct val="150000"/>
-              </a:lnSpc>
+            <a:endParaRPr lang="en-US" altLang="ja-JP" sz="1600" dirty="0"/>
+          </a:p>
+          <a:p>
+            <a:pPr marL="285750" indent="-285750">
               <a:buFont typeface="Wingdings" pitchFamily="2" charset="2"/>
               <a:buChar char="p"/>
             </a:pPr>
             <a:r>
               <a:rPr lang="ja-JP" altLang="en-US" sz="2400"/>
-              <a:t>個体群が同じ個体で埋め尽くされる</a:t>
-            </a:r>
-            <a:endParaRPr lang="en-US" altLang="ja-JP" sz="2400" dirty="0"/>
-          </a:p>
-          <a:p>
-            <a:pPr marL="1371600" lvl="2" indent="-457200">
-              <a:lnSpc>
-                <a:spcPct val="150000"/>
-              </a:lnSpc>
-              <a:buFont typeface="Wingdings" pitchFamily="2" charset="2"/>
-              <a:buChar char="p"/>
-            </a:pPr>
-            <a:r>
-              <a:rPr kumimoji="1" lang="ja-JP" altLang="en-US" sz="2400"/>
-              <a:t>局所最適解に陥る</a:t>
-            </a:r>
-            <a:endParaRPr kumimoji="1" lang="en-US" altLang="ja-JP" sz="2400" dirty="0"/>
-          </a:p>
-          <a:p>
-            <a:pPr marL="1371600" lvl="2" indent="-457200">
-              <a:buFont typeface="Wingdings" pitchFamily="2" charset="2"/>
-              <a:buChar char="p"/>
-            </a:pPr>
-            <a:r>
-              <a:rPr kumimoji="1" lang="en-US" altLang="ja-JP" sz="2400" dirty="0"/>
-              <a:t>GA </a:t>
-            </a:r>
-            <a:r>
-              <a:rPr kumimoji="1" lang="ja-JP" altLang="en-US" sz="2400"/>
-              <a:t>を</a:t>
-            </a:r>
-            <a:r>
-              <a:rPr kumimoji="1" lang="en-US" altLang="ja-JP" sz="2400" dirty="0"/>
+              <a:t>ここでの適応度は</a:t>
+            </a:r>
+            <a:r>
+              <a:rPr lang="en-US" altLang="ja-JP" sz="2400" dirty="0"/>
               <a:t> CNN </a:t>
             </a:r>
             <a:r>
-              <a:rPr kumimoji="1" lang="ja-JP" altLang="en-US" sz="2400"/>
-              <a:t>の最適化に用いるには</a:t>
-            </a:r>
-            <a:br>
-              <a:rPr kumimoji="1" lang="en-US" altLang="ja-JP" sz="2400" dirty="0"/>
-            </a:br>
-            <a:r>
-              <a:rPr kumimoji="1" lang="ja-JP" altLang="en-US" sz="2400"/>
-              <a:t>選択ルールの見直しが必要</a:t>
+              <a:rPr lang="ja-JP" altLang="en-US" sz="2400"/>
+              <a:t>の識別精度</a:t>
             </a:r>
             <a:endParaRPr kumimoji="1" lang="en-US" altLang="ja-JP" sz="2400" dirty="0"/>
           </a:p>
@@ -7254,7 +11001,7 @@
     </p:spTree>
     <p:extLst>
       <p:ext uri="{BB962C8B-B14F-4D97-AF65-F5344CB8AC3E}">
-        <p14:creationId xmlns:p14="http://schemas.microsoft.com/office/powerpoint/2010/main" val="4256581527"/>
+        <p14:creationId xmlns:p14="http://schemas.microsoft.com/office/powerpoint/2010/main" val="3589558548"/>
       </p:ext>
     </p:extLst>
   </p:cSld>

--- a/prsn/20221129.pptx
+++ b/prsn/20221129.pptx
@@ -5,10 +5,10 @@
     <p:sldMasterId id="2147484057" r:id="rId1"/>
   </p:sldMasterIdLst>
   <p:notesMasterIdLst>
-    <p:notesMasterId r:id="rId27"/>
+    <p:notesMasterId r:id="rId33"/>
   </p:notesMasterIdLst>
   <p:handoutMasterIdLst>
-    <p:handoutMasterId r:id="rId28"/>
+    <p:handoutMasterId r:id="rId34"/>
   </p:handoutMasterIdLst>
   <p:sldIdLst>
     <p:sldId id="259" r:id="rId2"/>
@@ -16,26 +16,32 @@
     <p:sldId id="285" r:id="rId4"/>
     <p:sldId id="284" r:id="rId5"/>
     <p:sldId id="264" r:id="rId6"/>
-    <p:sldId id="286" r:id="rId7"/>
-    <p:sldId id="262" r:id="rId8"/>
-    <p:sldId id="269" r:id="rId9"/>
-    <p:sldId id="295" r:id="rId10"/>
+    <p:sldId id="270" r:id="rId7"/>
+    <p:sldId id="286" r:id="rId8"/>
+    <p:sldId id="262" r:id="rId9"/>
+    <p:sldId id="269" r:id="rId10"/>
     <p:sldId id="296" r:id="rId11"/>
-    <p:sldId id="287" r:id="rId12"/>
-    <p:sldId id="270" r:id="rId13"/>
+    <p:sldId id="298" r:id="rId12"/>
+    <p:sldId id="287" r:id="rId13"/>
     <p:sldId id="266" r:id="rId14"/>
-    <p:sldId id="271" r:id="rId15"/>
-    <p:sldId id="273" r:id="rId16"/>
-    <p:sldId id="274" r:id="rId17"/>
-    <p:sldId id="288" r:id="rId18"/>
-    <p:sldId id="293" r:id="rId19"/>
-    <p:sldId id="291" r:id="rId20"/>
-    <p:sldId id="292" r:id="rId21"/>
-    <p:sldId id="289" r:id="rId22"/>
-    <p:sldId id="278" r:id="rId23"/>
-    <p:sldId id="282" r:id="rId24"/>
-    <p:sldId id="283" r:id="rId25"/>
-    <p:sldId id="290" r:id="rId26"/>
+    <p:sldId id="273" r:id="rId15"/>
+    <p:sldId id="274" r:id="rId16"/>
+    <p:sldId id="299" r:id="rId17"/>
+    <p:sldId id="301" r:id="rId18"/>
+    <p:sldId id="297" r:id="rId19"/>
+    <p:sldId id="288" r:id="rId20"/>
+    <p:sldId id="293" r:id="rId21"/>
+    <p:sldId id="291" r:id="rId22"/>
+    <p:sldId id="292" r:id="rId23"/>
+    <p:sldId id="304" r:id="rId24"/>
+    <p:sldId id="306" r:id="rId25"/>
+    <p:sldId id="289" r:id="rId26"/>
+    <p:sldId id="307" r:id="rId27"/>
+    <p:sldId id="278" r:id="rId28"/>
+    <p:sldId id="282" r:id="rId29"/>
+    <p:sldId id="283" r:id="rId30"/>
+    <p:sldId id="303" r:id="rId31"/>
+    <p:sldId id="290" r:id="rId32"/>
   </p:sldIdLst>
   <p:sldSz cx="7561263" cy="5670550"/>
   <p:notesSz cx="7559675" cy="10691813"/>
@@ -3020,7 +3026,12 @@
             <p:ph type="sldNum" sz="quarter" idx="12"/>
           </p:nvPr>
         </p:nvSpPr>
-        <p:spPr/>
+        <p:spPr>
+          <a:xfrm>
+            <a:off x="5800214" y="301905"/>
+            <a:ext cx="1701284" cy="301904"/>
+          </a:xfrm>
+        </p:spPr>
         <p:txBody>
           <a:bodyPr/>
           <a:lstStyle/>
@@ -4620,7 +4631,7 @@
         <p:spPr>
           <a:xfrm>
             <a:off x="402142" y="1800225"/>
-            <a:ext cx="6756978" cy="830997"/>
+            <a:ext cx="6449201" cy="1415772"/>
           </a:xfrm>
           <a:prstGeom prst="rect">
             <a:avLst/>
@@ -4639,11 +4650,33 @@
             </a:pPr>
             <a:r>
               <a:rPr kumimoji="1" lang="en-US" altLang="ja-JP" sz="2400" dirty="0"/>
+              <a:t>CNN </a:t>
+            </a:r>
+            <a:r>
+              <a:rPr kumimoji="1" lang="ja-JP" altLang="en-US" sz="2400"/>
+              <a:t>の構造を遺伝子符号化</a:t>
+            </a:r>
+            <a:endParaRPr kumimoji="1" lang="en-US" altLang="ja-JP" sz="2400" dirty="0"/>
+          </a:p>
+          <a:p>
+            <a:pPr marL="285750" indent="-285750">
+              <a:buFont typeface="Wingdings" pitchFamily="2" charset="2"/>
+              <a:buChar char="p"/>
+            </a:pPr>
+            <a:endParaRPr lang="en-US" altLang="ja-JP" sz="1400" dirty="0"/>
+          </a:p>
+          <a:p>
+            <a:pPr marL="285750" indent="-285750">
+              <a:buFont typeface="Wingdings" pitchFamily="2" charset="2"/>
+              <a:buChar char="p"/>
+            </a:pPr>
+            <a:r>
+              <a:rPr kumimoji="1" lang="en-US" altLang="ja-JP" sz="2400" dirty="0"/>
               <a:t>GA </a:t>
             </a:r>
             <a:r>
               <a:rPr kumimoji="1" lang="ja-JP" altLang="en-US" sz="2400"/>
-              <a:t>において遺伝子を</a:t>
+              <a:t>による探索でより良い</a:t>
             </a:r>
             <a:r>
               <a:rPr kumimoji="1" lang="en-US" altLang="ja-JP" sz="2400" dirty="0"/>
@@ -4651,7 +4684,7 @@
             </a:r>
             <a:r>
               <a:rPr kumimoji="1" lang="ja-JP" altLang="en-US" sz="2400"/>
-              <a:t>の構造として探索</a:t>
+              <a:t>構造を獲得</a:t>
             </a:r>
             <a:endParaRPr kumimoji="1" lang="en-US" altLang="ja-JP" sz="2400" dirty="0"/>
           </a:p>
@@ -4661,6 +4694,119 @@
               <a:buChar char="p"/>
             </a:pPr>
             <a:endParaRPr kumimoji="1" lang="ja-JP" altLang="en-US" sz="2400"/>
+          </a:p>
+        </p:txBody>
+      </p:sp>
+      <p:sp>
+        <p:nvSpPr>
+          <p:cNvPr id="5" name="下矢印 4">
+            <a:extLst>
+              <a:ext uri="{FF2B5EF4-FFF2-40B4-BE49-F238E27FC236}">
+                <a16:creationId xmlns:a16="http://schemas.microsoft.com/office/drawing/2014/main" id="{CF69F22C-543F-EC8D-58E2-2CAC31FC96BB}"/>
+              </a:ext>
+            </a:extLst>
+          </p:cNvPr>
+          <p:cNvSpPr/>
+          <p:nvPr/>
+        </p:nvSpPr>
+        <p:spPr>
+          <a:xfrm>
+            <a:off x="3332441" y="2940446"/>
+            <a:ext cx="896380" cy="551101"/>
+          </a:xfrm>
+          <a:prstGeom prst="downArrow">
+            <a:avLst/>
+          </a:prstGeom>
+          <a:solidFill>
+            <a:schemeClr val="bg1"/>
+          </a:solidFill>
+          <a:ln>
+            <a:solidFill>
+              <a:schemeClr val="tx1"/>
+            </a:solidFill>
+          </a:ln>
+        </p:spPr>
+        <p:style>
+          <a:lnRef idx="2">
+            <a:schemeClr val="accent1">
+              <a:shade val="50000"/>
+            </a:schemeClr>
+          </a:lnRef>
+          <a:fillRef idx="1">
+            <a:schemeClr val="accent1"/>
+          </a:fillRef>
+          <a:effectRef idx="0">
+            <a:schemeClr val="accent1"/>
+          </a:effectRef>
+          <a:fontRef idx="minor">
+            <a:schemeClr val="lt1"/>
+          </a:fontRef>
+        </p:style>
+        <p:txBody>
+          <a:bodyPr rtlCol="0" anchor="ctr"/>
+          <a:lstStyle/>
+          <a:p>
+            <a:pPr algn="ctr"/>
+            <a:endParaRPr kumimoji="1" lang="ja-JP" altLang="en-US"/>
+          </a:p>
+        </p:txBody>
+      </p:sp>
+      <p:sp>
+        <p:nvSpPr>
+          <p:cNvPr id="6" name="テキスト ボックス 5">
+            <a:extLst>
+              <a:ext uri="{FF2B5EF4-FFF2-40B4-BE49-F238E27FC236}">
+                <a16:creationId xmlns:a16="http://schemas.microsoft.com/office/drawing/2014/main" id="{AC4D8050-A0F0-4E1B-5D8E-C824CA9B90CF}"/>
+              </a:ext>
+            </a:extLst>
+          </p:cNvPr>
+          <p:cNvSpPr txBox="1"/>
+          <p:nvPr/>
+        </p:nvSpPr>
+        <p:spPr>
+          <a:xfrm>
+            <a:off x="519837" y="3656767"/>
+            <a:ext cx="6529851" cy="830997"/>
+          </a:xfrm>
+          <a:prstGeom prst="rect">
+            <a:avLst/>
+          </a:prstGeom>
+          <a:noFill/>
+        </p:spPr>
+        <p:txBody>
+          <a:bodyPr wrap="square" rtlCol="0">
+            <a:spAutoFit/>
+          </a:bodyPr>
+          <a:lstStyle/>
+          <a:p>
+            <a:r>
+              <a:rPr kumimoji="1" lang="en-US" altLang="ja-JP" sz="2400" dirty="0" err="1"/>
+              <a:t>FashionMNIST</a:t>
+            </a:r>
+            <a:r>
+              <a:rPr kumimoji="1" lang="en-US" altLang="ja-JP" sz="2400" dirty="0"/>
+              <a:t>, MNIST </a:t>
+            </a:r>
+            <a:r>
+              <a:rPr kumimoji="1" lang="ja-JP" altLang="en-US" sz="2400"/>
+              <a:t>で競合</a:t>
+            </a:r>
+            <a:r>
+              <a:rPr kumimoji="1" lang="en-US" altLang="ja-JP" sz="2400" dirty="0"/>
+              <a:t> 16 </a:t>
+            </a:r>
+            <a:r>
+              <a:rPr kumimoji="1" lang="ja-JP" altLang="en-US" sz="2400"/>
+              <a:t>手法のうち</a:t>
+            </a:r>
+            <a:r>
+              <a:rPr kumimoji="1" lang="en-US" altLang="ja-JP" sz="2400" dirty="0"/>
+              <a:t> 12 </a:t>
+            </a:r>
+            <a:r>
+              <a:rPr kumimoji="1" lang="ja-JP" altLang="en-US" sz="2400"/>
+              <a:t>手法の精度を凌駕</a:t>
+            </a:r>
           </a:p>
         </p:txBody>
       </p:sp>
@@ -4699,7 +4845,7 @@
           <p:cNvPr id="2" name="タイトル 1">
             <a:extLst>
               <a:ext uri="{FF2B5EF4-FFF2-40B4-BE49-F238E27FC236}">
-                <a16:creationId xmlns:a16="http://schemas.microsoft.com/office/drawing/2014/main" id="{DA6841C3-0E6C-BFA1-5D04-4112F1117102}"/>
+                <a16:creationId xmlns:a16="http://schemas.microsoft.com/office/drawing/2014/main" id="{14C0D46A-E4A0-0A32-4490-3AC098E6F952}"/>
               </a:ext>
             </a:extLst>
           </p:cNvPr>
@@ -4716,18 +4862,31 @@
           <a:lstStyle/>
           <a:p>
             <a:r>
-              <a:rPr kumimoji="1" lang="ja-JP" altLang="en-US"/>
-              <a:t>目次</a:t>
-            </a:r>
-          </a:p>
-        </p:txBody>
-      </p:sp>
-      <p:sp>
-        <p:nvSpPr>
-          <p:cNvPr id="4" name="スライド番号プレースホルダー 3">
-            <a:extLst>
-              <a:ext uri="{FF2B5EF4-FFF2-40B4-BE49-F238E27FC236}">
-                <a16:creationId xmlns:a16="http://schemas.microsoft.com/office/drawing/2014/main" id="{20D20625-8135-BA1D-11A0-E3466265CE7C}"/>
+              <a:rPr lang="en-US" altLang="ja-JP" dirty="0" err="1"/>
+              <a:t>gaCNN</a:t>
+            </a:r>
+            <a:r>
+              <a:rPr kumimoji="1" lang="en-US" altLang="ja-JP" dirty="0"/>
+              <a:t> </a:t>
+            </a:r>
+            <a:r>
+              <a:rPr lang="en-US" altLang="ja-JP" dirty="0"/>
+              <a:t>–––– </a:t>
+            </a:r>
+            <a:r>
+              <a:rPr lang="ja-JP" altLang="en-US"/>
+              <a:t>遺伝子初期化戦略</a:t>
+            </a:r>
+            <a:endParaRPr kumimoji="1" lang="ja-JP" altLang="en-US"/>
+          </a:p>
+        </p:txBody>
+      </p:sp>
+      <p:sp>
+        <p:nvSpPr>
+          <p:cNvPr id="3" name="スライド番号プレースホルダー 2">
+            <a:extLst>
+              <a:ext uri="{FF2B5EF4-FFF2-40B4-BE49-F238E27FC236}">
+                <a16:creationId xmlns:a16="http://schemas.microsoft.com/office/drawing/2014/main" id="{B757350F-562E-7637-11F8-4199B3630395}"/>
               </a:ext>
             </a:extLst>
           </p:cNvPr>
@@ -4752,12 +4911,465 @@
           </a:p>
         </p:txBody>
       </p:sp>
-      <p:sp>
-        <p:nvSpPr>
-          <p:cNvPr id="3" name="テキスト ボックス 2">
-            <a:extLst>
-              <a:ext uri="{FF2B5EF4-FFF2-40B4-BE49-F238E27FC236}">
-                <a16:creationId xmlns:a16="http://schemas.microsoft.com/office/drawing/2014/main" id="{CFCE3529-0348-FAC9-4C81-ACEA9BA72623}"/>
+      <p:grpSp>
+        <p:nvGrpSpPr>
+          <p:cNvPr id="12" name="グループ化 11">
+            <a:extLst>
+              <a:ext uri="{FF2B5EF4-FFF2-40B4-BE49-F238E27FC236}">
+                <a16:creationId xmlns:a16="http://schemas.microsoft.com/office/drawing/2014/main" id="{8932B65A-C2C2-D3D7-CFED-46E3B73C496A}"/>
+              </a:ext>
+            </a:extLst>
+          </p:cNvPr>
+          <p:cNvGrpSpPr/>
+          <p:nvPr/>
+        </p:nvGrpSpPr>
+        <p:grpSpPr>
+          <a:xfrm>
+            <a:off x="1095799" y="3472771"/>
+            <a:ext cx="5369664" cy="642027"/>
+            <a:chOff x="993843" y="1974712"/>
+            <a:chExt cx="5369664" cy="642027"/>
+          </a:xfrm>
+        </p:grpSpPr>
+        <p:sp>
+          <p:nvSpPr>
+            <p:cNvPr id="4" name="正方形/長方形 3">
+              <a:extLst>
+                <a:ext uri="{FF2B5EF4-FFF2-40B4-BE49-F238E27FC236}">
+                  <a16:creationId xmlns:a16="http://schemas.microsoft.com/office/drawing/2014/main" id="{23C93812-FEEF-50E1-DEED-5053B94E17B2}"/>
+                </a:ext>
+              </a:extLst>
+            </p:cNvPr>
+            <p:cNvSpPr/>
+            <p:nvPr/>
+          </p:nvSpPr>
+          <p:spPr>
+            <a:xfrm>
+              <a:off x="993843" y="1974714"/>
+              <a:ext cx="671208" cy="642025"/>
+            </a:xfrm>
+            <a:prstGeom prst="rect">
+              <a:avLst/>
+            </a:prstGeom>
+            <a:solidFill>
+              <a:schemeClr val="bg1"/>
+            </a:solidFill>
+            <a:ln>
+              <a:solidFill>
+                <a:schemeClr val="tx1"/>
+              </a:solidFill>
+            </a:ln>
+          </p:spPr>
+          <p:style>
+            <a:lnRef idx="2">
+              <a:schemeClr val="accent1">
+                <a:shade val="50000"/>
+              </a:schemeClr>
+            </a:lnRef>
+            <a:fillRef idx="1">
+              <a:schemeClr val="accent1"/>
+            </a:fillRef>
+            <a:effectRef idx="0">
+              <a:schemeClr val="accent1"/>
+            </a:effectRef>
+            <a:fontRef idx="minor">
+              <a:schemeClr val="lt1"/>
+            </a:fontRef>
+          </p:style>
+          <p:txBody>
+            <a:bodyPr rtlCol="0" anchor="ctr"/>
+            <a:lstStyle/>
+            <a:p>
+              <a:pPr algn="ctr"/>
+              <a:endParaRPr kumimoji="1" lang="ja-JP" altLang="en-US"/>
+            </a:p>
+          </p:txBody>
+        </p:sp>
+        <p:sp>
+          <p:nvSpPr>
+            <p:cNvPr id="5" name="正方形/長方形 4">
+              <a:extLst>
+                <a:ext uri="{FF2B5EF4-FFF2-40B4-BE49-F238E27FC236}">
+                  <a16:creationId xmlns:a16="http://schemas.microsoft.com/office/drawing/2014/main" id="{D39A4197-D588-DFF6-7043-388F10E1C6E5}"/>
+                </a:ext>
+              </a:extLst>
+            </p:cNvPr>
+            <p:cNvSpPr/>
+            <p:nvPr/>
+          </p:nvSpPr>
+          <p:spPr>
+            <a:xfrm>
+              <a:off x="1665051" y="1974712"/>
+              <a:ext cx="671208" cy="642025"/>
+            </a:xfrm>
+            <a:prstGeom prst="rect">
+              <a:avLst/>
+            </a:prstGeom>
+            <a:solidFill>
+              <a:schemeClr val="bg1"/>
+            </a:solidFill>
+            <a:ln>
+              <a:solidFill>
+                <a:schemeClr val="tx1"/>
+              </a:solidFill>
+            </a:ln>
+          </p:spPr>
+          <p:style>
+            <a:lnRef idx="2">
+              <a:schemeClr val="accent1">
+                <a:shade val="50000"/>
+              </a:schemeClr>
+            </a:lnRef>
+            <a:fillRef idx="1">
+              <a:schemeClr val="accent1"/>
+            </a:fillRef>
+            <a:effectRef idx="0">
+              <a:schemeClr val="accent1"/>
+            </a:effectRef>
+            <a:fontRef idx="minor">
+              <a:schemeClr val="lt1"/>
+            </a:fontRef>
+          </p:style>
+          <p:txBody>
+            <a:bodyPr rtlCol="0" anchor="ctr"/>
+            <a:lstStyle/>
+            <a:p>
+              <a:pPr algn="ctr"/>
+              <a:endParaRPr kumimoji="1" lang="ja-JP" altLang="en-US"/>
+            </a:p>
+          </p:txBody>
+        </p:sp>
+        <p:sp>
+          <p:nvSpPr>
+            <p:cNvPr id="6" name="正方形/長方形 5">
+              <a:extLst>
+                <a:ext uri="{FF2B5EF4-FFF2-40B4-BE49-F238E27FC236}">
+                  <a16:creationId xmlns:a16="http://schemas.microsoft.com/office/drawing/2014/main" id="{061855B3-6257-5DF6-AFC3-A963F2063F89}"/>
+                </a:ext>
+              </a:extLst>
+            </p:cNvPr>
+            <p:cNvSpPr/>
+            <p:nvPr/>
+          </p:nvSpPr>
+          <p:spPr>
+            <a:xfrm>
+              <a:off x="2336259" y="1974714"/>
+              <a:ext cx="671208" cy="642025"/>
+            </a:xfrm>
+            <a:prstGeom prst="rect">
+              <a:avLst/>
+            </a:prstGeom>
+            <a:solidFill>
+              <a:schemeClr val="bg1"/>
+            </a:solidFill>
+            <a:ln>
+              <a:solidFill>
+                <a:schemeClr val="tx1"/>
+              </a:solidFill>
+            </a:ln>
+          </p:spPr>
+          <p:style>
+            <a:lnRef idx="2">
+              <a:schemeClr val="accent1">
+                <a:shade val="50000"/>
+              </a:schemeClr>
+            </a:lnRef>
+            <a:fillRef idx="1">
+              <a:schemeClr val="accent1"/>
+            </a:fillRef>
+            <a:effectRef idx="0">
+              <a:schemeClr val="accent1"/>
+            </a:effectRef>
+            <a:fontRef idx="minor">
+              <a:schemeClr val="lt1"/>
+            </a:fontRef>
+          </p:style>
+          <p:txBody>
+            <a:bodyPr rtlCol="0" anchor="ctr"/>
+            <a:lstStyle/>
+            <a:p>
+              <a:pPr algn="ctr"/>
+              <a:endParaRPr kumimoji="1" lang="ja-JP" altLang="en-US"/>
+            </a:p>
+          </p:txBody>
+        </p:sp>
+        <p:sp>
+          <p:nvSpPr>
+            <p:cNvPr id="7" name="正方形/長方形 6">
+              <a:extLst>
+                <a:ext uri="{FF2B5EF4-FFF2-40B4-BE49-F238E27FC236}">
+                  <a16:creationId xmlns:a16="http://schemas.microsoft.com/office/drawing/2014/main" id="{2D3099DB-C931-E36B-8B5C-6CC723408FD3}"/>
+                </a:ext>
+              </a:extLst>
+            </p:cNvPr>
+            <p:cNvSpPr/>
+            <p:nvPr/>
+          </p:nvSpPr>
+          <p:spPr>
+            <a:xfrm>
+              <a:off x="3007467" y="1974714"/>
+              <a:ext cx="671208" cy="642025"/>
+            </a:xfrm>
+            <a:prstGeom prst="rect">
+              <a:avLst/>
+            </a:prstGeom>
+            <a:solidFill>
+              <a:schemeClr val="bg1"/>
+            </a:solidFill>
+            <a:ln>
+              <a:solidFill>
+                <a:schemeClr val="tx1"/>
+              </a:solidFill>
+            </a:ln>
+          </p:spPr>
+          <p:style>
+            <a:lnRef idx="2">
+              <a:schemeClr val="accent1">
+                <a:shade val="50000"/>
+              </a:schemeClr>
+            </a:lnRef>
+            <a:fillRef idx="1">
+              <a:schemeClr val="accent1"/>
+            </a:fillRef>
+            <a:effectRef idx="0">
+              <a:schemeClr val="accent1"/>
+            </a:effectRef>
+            <a:fontRef idx="minor">
+              <a:schemeClr val="lt1"/>
+            </a:fontRef>
+          </p:style>
+          <p:txBody>
+            <a:bodyPr rtlCol="0" anchor="ctr"/>
+            <a:lstStyle/>
+            <a:p>
+              <a:pPr algn="ctr"/>
+              <a:endParaRPr kumimoji="1" lang="ja-JP" altLang="en-US"/>
+            </a:p>
+          </p:txBody>
+        </p:sp>
+        <p:sp>
+          <p:nvSpPr>
+            <p:cNvPr id="8" name="正方形/長方形 7">
+              <a:extLst>
+                <a:ext uri="{FF2B5EF4-FFF2-40B4-BE49-F238E27FC236}">
+                  <a16:creationId xmlns:a16="http://schemas.microsoft.com/office/drawing/2014/main" id="{99F7D79D-6854-4325-DE8A-DDE2571D813A}"/>
+                </a:ext>
+              </a:extLst>
+            </p:cNvPr>
+            <p:cNvSpPr/>
+            <p:nvPr/>
+          </p:nvSpPr>
+          <p:spPr>
+            <a:xfrm>
+              <a:off x="5692299" y="1974712"/>
+              <a:ext cx="671208" cy="642025"/>
+            </a:xfrm>
+            <a:prstGeom prst="rect">
+              <a:avLst/>
+            </a:prstGeom>
+            <a:solidFill>
+              <a:schemeClr val="bg1"/>
+            </a:solidFill>
+            <a:ln>
+              <a:solidFill>
+                <a:schemeClr val="tx1"/>
+              </a:solidFill>
+            </a:ln>
+          </p:spPr>
+          <p:style>
+            <a:lnRef idx="2">
+              <a:schemeClr val="accent1">
+                <a:shade val="50000"/>
+              </a:schemeClr>
+            </a:lnRef>
+            <a:fillRef idx="1">
+              <a:schemeClr val="accent1"/>
+            </a:fillRef>
+            <a:effectRef idx="0">
+              <a:schemeClr val="accent1"/>
+            </a:effectRef>
+            <a:fontRef idx="minor">
+              <a:schemeClr val="lt1"/>
+            </a:fontRef>
+          </p:style>
+          <p:txBody>
+            <a:bodyPr rtlCol="0" anchor="ctr"/>
+            <a:lstStyle/>
+            <a:p>
+              <a:pPr algn="ctr"/>
+              <a:endParaRPr kumimoji="1" lang="ja-JP" altLang="en-US"/>
+            </a:p>
+          </p:txBody>
+        </p:sp>
+        <p:sp>
+          <p:nvSpPr>
+            <p:cNvPr id="9" name="正方形/長方形 8">
+              <a:extLst>
+                <a:ext uri="{FF2B5EF4-FFF2-40B4-BE49-F238E27FC236}">
+                  <a16:creationId xmlns:a16="http://schemas.microsoft.com/office/drawing/2014/main" id="{62DF2729-8349-2D5B-B52F-35B7C4797F13}"/>
+                </a:ext>
+              </a:extLst>
+            </p:cNvPr>
+            <p:cNvSpPr/>
+            <p:nvPr/>
+          </p:nvSpPr>
+          <p:spPr>
+            <a:xfrm>
+              <a:off x="5021091" y="1974712"/>
+              <a:ext cx="671208" cy="642025"/>
+            </a:xfrm>
+            <a:prstGeom prst="rect">
+              <a:avLst/>
+            </a:prstGeom>
+            <a:solidFill>
+              <a:schemeClr val="bg1"/>
+            </a:solidFill>
+            <a:ln>
+              <a:solidFill>
+                <a:schemeClr val="tx1"/>
+              </a:solidFill>
+            </a:ln>
+          </p:spPr>
+          <p:style>
+            <a:lnRef idx="2">
+              <a:schemeClr val="accent1">
+                <a:shade val="50000"/>
+              </a:schemeClr>
+            </a:lnRef>
+            <a:fillRef idx="1">
+              <a:schemeClr val="accent1"/>
+            </a:fillRef>
+            <a:effectRef idx="0">
+              <a:schemeClr val="accent1"/>
+            </a:effectRef>
+            <a:fontRef idx="minor">
+              <a:schemeClr val="lt1"/>
+            </a:fontRef>
+          </p:style>
+          <p:txBody>
+            <a:bodyPr rtlCol="0" anchor="ctr"/>
+            <a:lstStyle/>
+            <a:p>
+              <a:pPr algn="ctr"/>
+              <a:endParaRPr kumimoji="1" lang="ja-JP" altLang="en-US"/>
+            </a:p>
+          </p:txBody>
+        </p:sp>
+        <p:sp>
+          <p:nvSpPr>
+            <p:cNvPr id="10" name="正方形/長方形 9">
+              <a:extLst>
+                <a:ext uri="{FF2B5EF4-FFF2-40B4-BE49-F238E27FC236}">
+                  <a16:creationId xmlns:a16="http://schemas.microsoft.com/office/drawing/2014/main" id="{FD3E845C-67ED-CB6A-9677-66B24728A344}"/>
+                </a:ext>
+              </a:extLst>
+            </p:cNvPr>
+            <p:cNvSpPr/>
+            <p:nvPr/>
+          </p:nvSpPr>
+          <p:spPr>
+            <a:xfrm>
+              <a:off x="4349883" y="1974712"/>
+              <a:ext cx="671208" cy="642025"/>
+            </a:xfrm>
+            <a:prstGeom prst="rect">
+              <a:avLst/>
+            </a:prstGeom>
+            <a:solidFill>
+              <a:schemeClr val="bg1"/>
+            </a:solidFill>
+            <a:ln>
+              <a:solidFill>
+                <a:schemeClr val="tx1"/>
+              </a:solidFill>
+            </a:ln>
+          </p:spPr>
+          <p:style>
+            <a:lnRef idx="2">
+              <a:schemeClr val="accent1">
+                <a:shade val="50000"/>
+              </a:schemeClr>
+            </a:lnRef>
+            <a:fillRef idx="1">
+              <a:schemeClr val="accent1"/>
+            </a:fillRef>
+            <a:effectRef idx="0">
+              <a:schemeClr val="accent1"/>
+            </a:effectRef>
+            <a:fontRef idx="minor">
+              <a:schemeClr val="lt1"/>
+            </a:fontRef>
+          </p:style>
+          <p:txBody>
+            <a:bodyPr rtlCol="0" anchor="ctr"/>
+            <a:lstStyle/>
+            <a:p>
+              <a:pPr algn="ctr"/>
+              <a:endParaRPr kumimoji="1" lang="ja-JP" altLang="en-US"/>
+            </a:p>
+          </p:txBody>
+        </p:sp>
+        <p:sp>
+          <p:nvSpPr>
+            <p:cNvPr id="11" name="正方形/長方形 10">
+              <a:extLst>
+                <a:ext uri="{FF2B5EF4-FFF2-40B4-BE49-F238E27FC236}">
+                  <a16:creationId xmlns:a16="http://schemas.microsoft.com/office/drawing/2014/main" id="{4A20A457-8B55-E664-C4F9-D99B4F966F71}"/>
+                </a:ext>
+              </a:extLst>
+            </p:cNvPr>
+            <p:cNvSpPr/>
+            <p:nvPr/>
+          </p:nvSpPr>
+          <p:spPr>
+            <a:xfrm>
+              <a:off x="3678675" y="1974713"/>
+              <a:ext cx="671208" cy="642025"/>
+            </a:xfrm>
+            <a:prstGeom prst="rect">
+              <a:avLst/>
+            </a:prstGeom>
+            <a:solidFill>
+              <a:schemeClr val="bg1"/>
+            </a:solidFill>
+            <a:ln>
+              <a:solidFill>
+                <a:schemeClr val="tx1"/>
+              </a:solidFill>
+            </a:ln>
+          </p:spPr>
+          <p:style>
+            <a:lnRef idx="2">
+              <a:schemeClr val="accent1">
+                <a:shade val="50000"/>
+              </a:schemeClr>
+            </a:lnRef>
+            <a:fillRef idx="1">
+              <a:schemeClr val="accent1"/>
+            </a:fillRef>
+            <a:effectRef idx="0">
+              <a:schemeClr val="accent1"/>
+            </a:effectRef>
+            <a:fontRef idx="minor">
+              <a:schemeClr val="lt1"/>
+            </a:fontRef>
+          </p:style>
+          <p:txBody>
+            <a:bodyPr rtlCol="0" anchor="ctr"/>
+            <a:lstStyle/>
+            <a:p>
+              <a:pPr algn="ctr"/>
+              <a:endParaRPr kumimoji="1" lang="ja-JP" altLang="en-US"/>
+            </a:p>
+          </p:txBody>
+        </p:sp>
+      </p:grpSp>
+      <p:sp>
+        <p:nvSpPr>
+          <p:cNvPr id="13" name="テキスト ボックス 12">
+            <a:extLst>
+              <a:ext uri="{FF2B5EF4-FFF2-40B4-BE49-F238E27FC236}">
+                <a16:creationId xmlns:a16="http://schemas.microsoft.com/office/drawing/2014/main" id="{1E89D93C-E95C-0C1C-5270-BD4C7878DD1C}"/>
               </a:ext>
             </a:extLst>
           </p:cNvPr>
@@ -4766,8 +5378,8 @@
         </p:nvSpPr>
         <p:spPr>
           <a:xfrm>
-            <a:off x="919691" y="1259079"/>
-            <a:ext cx="3877985" cy="3909917"/>
+            <a:off x="3793787" y="2266545"/>
+            <a:ext cx="425116" cy="369332"/>
           </a:xfrm>
           <a:prstGeom prst="rect">
             <a:avLst/>
@@ -4780,148 +5392,18 @@
           </a:bodyPr>
           <a:lstStyle/>
           <a:p>
-            <a:pPr marL="457200" indent="-457200">
-              <a:lnSpc>
-                <a:spcPct val="150000"/>
-              </a:lnSpc>
-              <a:buFont typeface="Wingdings" pitchFamily="2" charset="2"/>
-              <a:buChar char="Ø"/>
-            </a:pPr>
-            <a:r>
-              <a:rPr lang="ja-JP" altLang="en-US" sz="2800">
-                <a:solidFill>
-                  <a:schemeClr val="bg2">
-                    <a:lumMod val="75000"/>
-                  </a:schemeClr>
-                </a:solidFill>
-              </a:rPr>
-              <a:t>はじめに</a:t>
-            </a:r>
-            <a:endParaRPr lang="en-US" altLang="ja-JP" sz="2800" dirty="0">
-              <a:solidFill>
-                <a:schemeClr val="bg2">
-                  <a:lumMod val="75000"/>
-                </a:schemeClr>
-              </a:solidFill>
-            </a:endParaRPr>
-          </a:p>
-          <a:p>
-            <a:pPr marL="457200" indent="-457200">
-              <a:lnSpc>
-                <a:spcPct val="150000"/>
-              </a:lnSpc>
-              <a:buFont typeface="Wingdings" pitchFamily="2" charset="2"/>
-              <a:buChar char="Ø"/>
-            </a:pPr>
-            <a:r>
-              <a:rPr lang="ja-JP" altLang="en-US" sz="2800">
-                <a:solidFill>
-                  <a:schemeClr val="bg2">
-                    <a:lumMod val="75000"/>
-                  </a:schemeClr>
-                </a:solidFill>
-              </a:rPr>
-              <a:t>要素技術</a:t>
-            </a:r>
-            <a:endParaRPr lang="en-US" altLang="ja-JP" sz="2800" dirty="0">
-              <a:solidFill>
-                <a:schemeClr val="bg2">
-                  <a:lumMod val="75000"/>
-                </a:schemeClr>
-              </a:solidFill>
-            </a:endParaRPr>
-          </a:p>
-          <a:p>
-            <a:pPr marL="457200" indent="-457200">
-              <a:lnSpc>
-                <a:spcPct val="150000"/>
-              </a:lnSpc>
-              <a:buFont typeface="Wingdings" pitchFamily="2" charset="2"/>
-              <a:buChar char="Ø"/>
-            </a:pPr>
-            <a:r>
-              <a:rPr lang="ja-JP" altLang="en-US" sz="2800"/>
-              <a:t>提案手法</a:t>
-            </a:r>
-            <a:endParaRPr lang="en-US" altLang="ja-JP" sz="2800" dirty="0"/>
-          </a:p>
-          <a:p>
-            <a:pPr marL="457200" indent="-457200">
-              <a:lnSpc>
-                <a:spcPct val="150000"/>
-              </a:lnSpc>
-              <a:buFont typeface="Wingdings" pitchFamily="2" charset="2"/>
-              <a:buChar char="Ø"/>
-            </a:pPr>
-            <a:r>
-              <a:rPr lang="ja-JP" altLang="en-US" sz="2800">
-                <a:solidFill>
-                  <a:schemeClr val="bg2">
-                    <a:lumMod val="75000"/>
-                  </a:schemeClr>
-                </a:solidFill>
-              </a:rPr>
-              <a:t>実験概要</a:t>
-            </a:r>
-            <a:endParaRPr lang="en-US" altLang="ja-JP" sz="2800" dirty="0">
-              <a:solidFill>
-                <a:schemeClr val="bg2">
-                  <a:lumMod val="75000"/>
-                </a:schemeClr>
-              </a:solidFill>
-            </a:endParaRPr>
-          </a:p>
-          <a:p>
-            <a:pPr marL="457200" indent="-457200">
-              <a:lnSpc>
-                <a:spcPct val="150000"/>
-              </a:lnSpc>
-              <a:buFont typeface="Wingdings" pitchFamily="2" charset="2"/>
-              <a:buChar char="Ø"/>
-            </a:pPr>
-            <a:r>
-              <a:rPr lang="ja-JP" altLang="en-US" sz="2800">
-                <a:solidFill>
-                  <a:schemeClr val="bg2">
-                    <a:lumMod val="75000"/>
-                  </a:schemeClr>
-                </a:solidFill>
-              </a:rPr>
-              <a:t>実験結果</a:t>
-            </a:r>
-            <a:endParaRPr lang="en-US" altLang="ja-JP" sz="2800" dirty="0">
-              <a:solidFill>
-                <a:schemeClr val="bg2">
-                  <a:lumMod val="75000"/>
-                </a:schemeClr>
-              </a:solidFill>
-            </a:endParaRPr>
-          </a:p>
-          <a:p>
-            <a:pPr marL="457200" indent="-457200">
-              <a:lnSpc>
-                <a:spcPct val="150000"/>
-              </a:lnSpc>
-              <a:buFont typeface="Wingdings" pitchFamily="2" charset="2"/>
-              <a:buChar char="Ø"/>
-            </a:pPr>
-            <a:r>
-              <a:rPr lang="ja-JP" altLang="en-US" sz="2800">
-                <a:solidFill>
-                  <a:schemeClr val="bg2">
-                    <a:lumMod val="75000"/>
-                  </a:schemeClr>
-                </a:solidFill>
-              </a:rPr>
-              <a:t>まとめと今後の課題</a:t>
-            </a:r>
+            <a:r>
+              <a:rPr kumimoji="1" lang="en-US" altLang="ja-JP" dirty="0"/>
+              <a:t>??</a:t>
+            </a:r>
+            <a:endParaRPr kumimoji="1" lang="ja-JP" altLang="en-US"/>
           </a:p>
         </p:txBody>
       </p:sp>
     </p:spTree>
     <p:extLst>
       <p:ext uri="{BB962C8B-B14F-4D97-AF65-F5344CB8AC3E}">
-        <p14:creationId xmlns:p14="http://schemas.microsoft.com/office/powerpoint/2010/main" val="574755821"/>
+        <p14:creationId xmlns:p14="http://schemas.microsoft.com/office/powerpoint/2010/main" val="394821776"/>
       </p:ext>
     </p:extLst>
   </p:cSld>
@@ -4953,7 +5435,7 @@
           <p:cNvPr id="2" name="タイトル 1">
             <a:extLst>
               <a:ext uri="{FF2B5EF4-FFF2-40B4-BE49-F238E27FC236}">
-                <a16:creationId xmlns:a16="http://schemas.microsoft.com/office/drawing/2014/main" id="{D159CF40-CD8C-21A6-0A3D-8CF370B562A6}"/>
+                <a16:creationId xmlns:a16="http://schemas.microsoft.com/office/drawing/2014/main" id="{DA6841C3-0E6C-BFA1-5D04-4112F1117102}"/>
               </a:ext>
             </a:extLst>
           </p:cNvPr>
@@ -4970,19 +5452,18 @@
           <a:lstStyle/>
           <a:p>
             <a:r>
-              <a:rPr lang="ja-JP" altLang="en-US"/>
-              <a:t>遺伝的アルゴリズムの問題点</a:t>
-            </a:r>
-            <a:endParaRPr kumimoji="1" lang="ja-JP" altLang="en-US"/>
-          </a:p>
-        </p:txBody>
-      </p:sp>
-      <p:sp>
-        <p:nvSpPr>
-          <p:cNvPr id="3" name="スライド番号プレースホルダー 2">
-            <a:extLst>
-              <a:ext uri="{FF2B5EF4-FFF2-40B4-BE49-F238E27FC236}">
-                <a16:creationId xmlns:a16="http://schemas.microsoft.com/office/drawing/2014/main" id="{37968868-915E-15E5-AB4E-1366F32A281D}"/>
+              <a:rPr kumimoji="1" lang="ja-JP" altLang="en-US"/>
+              <a:t>目次</a:t>
+            </a:r>
+          </a:p>
+        </p:txBody>
+      </p:sp>
+      <p:sp>
+        <p:nvSpPr>
+          <p:cNvPr id="4" name="スライド番号プレースホルダー 3">
+            <a:extLst>
+              <a:ext uri="{FF2B5EF4-FFF2-40B4-BE49-F238E27FC236}">
+                <a16:creationId xmlns:a16="http://schemas.microsoft.com/office/drawing/2014/main" id="{20D20625-8135-BA1D-11A0-E3466265CE7C}"/>
               </a:ext>
             </a:extLst>
           </p:cNvPr>
@@ -5009,10 +5490,10 @@
       </p:sp>
       <p:sp>
         <p:nvSpPr>
-          <p:cNvPr id="4" name="テキスト ボックス 3">
-            <a:extLst>
-              <a:ext uri="{FF2B5EF4-FFF2-40B4-BE49-F238E27FC236}">
-                <a16:creationId xmlns:a16="http://schemas.microsoft.com/office/drawing/2014/main" id="{C90B63DA-86FE-BCFD-909B-51617E6B3CDE}"/>
+          <p:cNvPr id="3" name="テキスト ボックス 2">
+            <a:extLst>
+              <a:ext uri="{FF2B5EF4-FFF2-40B4-BE49-F238E27FC236}">
+                <a16:creationId xmlns:a16="http://schemas.microsoft.com/office/drawing/2014/main" id="{CFCE3529-0348-FAC9-4C81-ACEA9BA72623}"/>
               </a:ext>
             </a:extLst>
           </p:cNvPr>
@@ -5021,8 +5502,8 @@
         </p:nvSpPr>
         <p:spPr>
           <a:xfrm>
-            <a:off x="215805" y="1508209"/>
-            <a:ext cx="6494085" cy="3364511"/>
+            <a:off x="919691" y="1259079"/>
+            <a:ext cx="3877985" cy="3909917"/>
           </a:xfrm>
           <a:prstGeom prst="rect">
             <a:avLst/>
@@ -5035,112 +5516,148 @@
           </a:bodyPr>
           <a:lstStyle/>
           <a:p>
-            <a:pPr marL="914400" lvl="1" indent="-457200">
+            <a:pPr marL="457200" indent="-457200">
               <a:lnSpc>
                 <a:spcPct val="150000"/>
               </a:lnSpc>
               <a:buFont typeface="Wingdings" pitchFamily="2" charset="2"/>
-              <a:buChar char="p"/>
+              <a:buChar char="Ø"/>
             </a:pPr>
             <a:r>
-              <a:rPr kumimoji="1" lang="en-US" altLang="ja-JP" sz="2400" dirty="0"/>
-              <a:t>GA </a:t>
-            </a:r>
-            <a:r>
-              <a:rPr kumimoji="1" lang="ja-JP" altLang="en-US" sz="2400"/>
-              <a:t>の初期収束問題</a:t>
-            </a:r>
-            <a:endParaRPr kumimoji="1" lang="en-US" altLang="ja-JP" sz="2400" dirty="0"/>
-          </a:p>
-          <a:p>
-            <a:pPr marL="1371600" lvl="2" indent="-457200">
+              <a:rPr lang="ja-JP" altLang="en-US" sz="2800">
+                <a:solidFill>
+                  <a:schemeClr val="bg2">
+                    <a:lumMod val="75000"/>
+                  </a:schemeClr>
+                </a:solidFill>
+              </a:rPr>
+              <a:t>はじめに</a:t>
+            </a:r>
+            <a:endParaRPr lang="en-US" altLang="ja-JP" sz="2800" dirty="0">
+              <a:solidFill>
+                <a:schemeClr val="bg2">
+                  <a:lumMod val="75000"/>
+                </a:schemeClr>
+              </a:solidFill>
+            </a:endParaRPr>
+          </a:p>
+          <a:p>
+            <a:pPr marL="457200" indent="-457200">
               <a:lnSpc>
                 <a:spcPct val="150000"/>
               </a:lnSpc>
               <a:buFont typeface="Wingdings" pitchFamily="2" charset="2"/>
-              <a:buChar char="p"/>
+              <a:buChar char="Ø"/>
             </a:pPr>
             <a:r>
-              <a:rPr lang="ja-JP" altLang="en-US" sz="2400"/>
-              <a:t>探索初期に個体の多様性が失われる</a:t>
-            </a:r>
-            <a:endParaRPr lang="en-US" altLang="ja-JP" sz="2400" dirty="0"/>
-          </a:p>
-          <a:p>
-            <a:pPr marL="1371600" lvl="2" indent="-457200">
+              <a:rPr lang="ja-JP" altLang="en-US" sz="2800">
+                <a:solidFill>
+                  <a:schemeClr val="bg2">
+                    <a:lumMod val="75000"/>
+                  </a:schemeClr>
+                </a:solidFill>
+              </a:rPr>
+              <a:t>要素技術</a:t>
+            </a:r>
+            <a:endParaRPr lang="en-US" altLang="ja-JP" sz="2800" dirty="0">
+              <a:solidFill>
+                <a:schemeClr val="bg2">
+                  <a:lumMod val="75000"/>
+                </a:schemeClr>
+              </a:solidFill>
+            </a:endParaRPr>
+          </a:p>
+          <a:p>
+            <a:pPr marL="457200" indent="-457200">
               <a:lnSpc>
                 <a:spcPct val="150000"/>
               </a:lnSpc>
               <a:buFont typeface="Wingdings" pitchFamily="2" charset="2"/>
-              <a:buChar char="p"/>
+              <a:buChar char="Ø"/>
             </a:pPr>
             <a:r>
-              <a:rPr lang="ja-JP" altLang="en-US" sz="2400"/>
-              <a:t>個体群が同じ個体で埋め尽くされる</a:t>
-            </a:r>
-            <a:endParaRPr lang="en-US" altLang="ja-JP" sz="2400" dirty="0"/>
-          </a:p>
-          <a:p>
-            <a:pPr marL="1371600" lvl="2" indent="-457200">
+              <a:rPr lang="ja-JP" altLang="en-US" sz="2800"/>
+              <a:t>提案手法</a:t>
+            </a:r>
+            <a:endParaRPr lang="en-US" altLang="ja-JP" sz="2800" dirty="0"/>
+          </a:p>
+          <a:p>
+            <a:pPr marL="457200" indent="-457200">
               <a:lnSpc>
                 <a:spcPct val="150000"/>
               </a:lnSpc>
               <a:buFont typeface="Wingdings" pitchFamily="2" charset="2"/>
-              <a:buChar char="p"/>
+              <a:buChar char="Ø"/>
             </a:pPr>
             <a:r>
-              <a:rPr kumimoji="1" lang="ja-JP" altLang="en-US" sz="2400"/>
-              <a:t>局所最適解に陥る</a:t>
-            </a:r>
-            <a:endParaRPr kumimoji="1" lang="en-US" altLang="ja-JP" sz="2400" dirty="0"/>
-          </a:p>
-          <a:p>
-            <a:pPr marL="1371600" lvl="2" indent="-457200">
+              <a:rPr lang="ja-JP" altLang="en-US" sz="2800">
+                <a:solidFill>
+                  <a:schemeClr val="bg2">
+                    <a:lumMod val="75000"/>
+                  </a:schemeClr>
+                </a:solidFill>
+              </a:rPr>
+              <a:t>実験概要</a:t>
+            </a:r>
+            <a:endParaRPr lang="en-US" altLang="ja-JP" sz="2800" dirty="0">
+              <a:solidFill>
+                <a:schemeClr val="bg2">
+                  <a:lumMod val="75000"/>
+                </a:schemeClr>
+              </a:solidFill>
+            </a:endParaRPr>
+          </a:p>
+          <a:p>
+            <a:pPr marL="457200" indent="-457200">
               <a:lnSpc>
                 <a:spcPct val="150000"/>
               </a:lnSpc>
               <a:buFont typeface="Wingdings" pitchFamily="2" charset="2"/>
-              <a:buChar char="p"/>
+              <a:buChar char="Ø"/>
             </a:pPr>
             <a:r>
-              <a:rPr kumimoji="1" lang="en-US" altLang="ja-JP" sz="2400" dirty="0"/>
-              <a:t>GA </a:t>
-            </a:r>
-            <a:r>
-              <a:rPr kumimoji="1" lang="ja-JP" altLang="en-US" sz="2400"/>
-              <a:t>を</a:t>
-            </a:r>
-            <a:r>
-              <a:rPr kumimoji="1" lang="en-US" altLang="ja-JP" sz="2400" dirty="0"/>
-              <a:t> CNN </a:t>
-            </a:r>
-            <a:r>
-              <a:rPr kumimoji="1" lang="ja-JP" altLang="en-US" sz="2400"/>
-              <a:t>の最適化に用いるには</a:t>
-            </a:r>
-            <a:br>
-              <a:rPr kumimoji="1" lang="en-US" altLang="ja-JP" sz="2400" dirty="0"/>
-            </a:br>
-            <a:r>
-              <a:rPr kumimoji="1" lang="ja-JP" altLang="en-US" sz="2400">
+              <a:rPr lang="ja-JP" altLang="en-US" sz="2800">
                 <a:solidFill>
-                  <a:srgbClr val="FF0000"/>
+                  <a:schemeClr val="bg2">
+                    <a:lumMod val="75000"/>
+                  </a:schemeClr>
                 </a:solidFill>
               </a:rPr>
-              <a:t>選択ルールの見直し</a:t>
-            </a:r>
-            <a:r>
-              <a:rPr kumimoji="1" lang="ja-JP" altLang="en-US" sz="2400"/>
-              <a:t>が必要である</a:t>
-            </a:r>
-            <a:endParaRPr kumimoji="1" lang="en-US" altLang="ja-JP" sz="2400" dirty="0"/>
+              <a:t>実験結果</a:t>
+            </a:r>
+            <a:endParaRPr lang="en-US" altLang="ja-JP" sz="2800" dirty="0">
+              <a:solidFill>
+                <a:schemeClr val="bg2">
+                  <a:lumMod val="75000"/>
+                </a:schemeClr>
+              </a:solidFill>
+            </a:endParaRPr>
+          </a:p>
+          <a:p>
+            <a:pPr marL="457200" indent="-457200">
+              <a:lnSpc>
+                <a:spcPct val="150000"/>
+              </a:lnSpc>
+              <a:buFont typeface="Wingdings" pitchFamily="2" charset="2"/>
+              <a:buChar char="Ø"/>
+            </a:pPr>
+            <a:r>
+              <a:rPr lang="ja-JP" altLang="en-US" sz="2800">
+                <a:solidFill>
+                  <a:schemeClr val="bg2">
+                    <a:lumMod val="75000"/>
+                  </a:schemeClr>
+                </a:solidFill>
+              </a:rPr>
+              <a:t>まとめと今後の課題</a:t>
+            </a:r>
           </a:p>
         </p:txBody>
       </p:sp>
     </p:spTree>
     <p:extLst>
       <p:ext uri="{BB962C8B-B14F-4D97-AF65-F5344CB8AC3E}">
-        <p14:creationId xmlns:p14="http://schemas.microsoft.com/office/powerpoint/2010/main" val="4256581527"/>
+        <p14:creationId xmlns:p14="http://schemas.microsoft.com/office/powerpoint/2010/main" val="574755821"/>
       </p:ext>
     </p:extLst>
   </p:cSld>
@@ -5239,8 +5756,8 @@
         </p:nvSpPr>
         <p:spPr>
           <a:xfrm>
-            <a:off x="72736" y="1424557"/>
-            <a:ext cx="7529625" cy="3918509"/>
+            <a:off x="246650" y="1541288"/>
+            <a:ext cx="7067961" cy="4241674"/>
           </a:xfrm>
           <a:prstGeom prst="rect">
             <a:avLst/>
@@ -5262,17 +5779,15 @@
             </a:pPr>
             <a:r>
               <a:rPr kumimoji="1" lang="ja-JP" altLang="en-US" sz="2400"/>
-              <a:t>提案手法</a:t>
-            </a:r>
-            <a:r>
+              <a:t>熱力学的遺伝アルゴリズム</a:t>
+            </a:r>
+            <a:br>
               <a:rPr kumimoji="1" lang="en-US" altLang="ja-JP" sz="2400" dirty="0"/>
-              <a:t>: </a:t>
-            </a:r>
-            <a:r>
-              <a:rPr kumimoji="1" lang="en-US" altLang="ja-JP" sz="2400" dirty="0" err="1"/>
-              <a:t>tdgaCNN</a:t>
-            </a:r>
-            <a:endParaRPr kumimoji="1" lang="en-US" altLang="ja-JP" sz="2400" dirty="0"/>
+            </a:br>
+            <a:r>
+              <a:rPr kumimoji="1" lang="en-US" altLang="ja-JP" sz="2400" dirty="0"/>
+              <a:t>(Thermodynamical Genetic Algorithm: TDGA)</a:t>
+            </a:r>
           </a:p>
           <a:p>
             <a:pPr marL="914400" lvl="1" indent="-457200">
@@ -5283,8 +5798,12 @@
               <a:buChar char="p"/>
             </a:pPr>
             <a:r>
+              <a:rPr lang="en-US" altLang="ja-JP" sz="2400" dirty="0"/>
+              <a:t>GA</a:t>
+            </a:r>
+            <a:r>
               <a:rPr kumimoji="1" lang="en-US" altLang="ja-JP" sz="2400" dirty="0"/>
-              <a:t>GA </a:t>
+              <a:t> </a:t>
             </a:r>
             <a:r>
               <a:rPr kumimoji="1" lang="ja-JP" altLang="en-US" sz="2400"/>
@@ -5300,17 +5819,7 @@
               <a:buFont typeface="Wingdings" pitchFamily="2" charset="2"/>
               <a:buChar char="p"/>
             </a:pPr>
-            <a:r>
-              <a:rPr kumimoji="1" lang="ja-JP" altLang="en-US" sz="2400"/>
-              <a:t>熱力学的遺伝アルゴリズム</a:t>
-            </a:r>
-            <a:br>
-              <a:rPr kumimoji="1" lang="en-US" altLang="ja-JP" sz="2400" dirty="0"/>
-            </a:br>
-            <a:r>
-              <a:rPr kumimoji="1" lang="en-US" altLang="ja-JP" sz="2400" dirty="0"/>
-              <a:t>(Thermodynamical Genetic Algorithm: TDGA)</a:t>
-            </a:r>
+            <a:endParaRPr kumimoji="1" lang="en-US" altLang="ja-JP" sz="1400" dirty="0"/>
           </a:p>
           <a:p>
             <a:pPr marL="914400" lvl="1" indent="-457200">
@@ -5321,8 +5830,15 @@
               <a:buChar char="p"/>
             </a:pPr>
             <a:r>
-              <a:rPr kumimoji="1" lang="ja-JP" altLang="en-US" sz="2400"/>
-              <a:t>個体の</a:t>
+              <a:rPr lang="ja-JP" altLang="en-US" sz="2400"/>
+              <a:t>個体の多様性を維持することがねらい</a:t>
+            </a:r>
+            <a:br>
+              <a:rPr lang="en-US" altLang="ja-JP" sz="2400" dirty="0"/>
+            </a:br>
+            <a:r>
+              <a:rPr lang="en-US" altLang="ja-JP" sz="2400" dirty="0"/>
+              <a:t>→ </a:t>
             </a:r>
             <a:r>
               <a:rPr kumimoji="1" lang="ja-JP" altLang="en-US" sz="2400">
@@ -5330,11 +5846,7 @@
                   <a:srgbClr val="FF0000"/>
                 </a:solidFill>
               </a:rPr>
-              <a:t>多様性の維持</a:t>
-            </a:r>
-            <a:r>
-              <a:rPr kumimoji="1" lang="ja-JP" altLang="en-US" sz="2400"/>
-              <a:t>を重視</a:t>
+              <a:t>初期収束問題の解消</a:t>
             </a:r>
             <a:endParaRPr kumimoji="1" lang="en-US" altLang="ja-JP" sz="2400" dirty="0"/>
           </a:p>
@@ -5346,27 +5858,7 @@
               <a:buFont typeface="Wingdings" pitchFamily="2" charset="2"/>
               <a:buChar char="p"/>
             </a:pPr>
-            <a:r>
-              <a:rPr kumimoji="1" lang="en-US" altLang="ja-JP" sz="2400" dirty="0"/>
-              <a:t>GA </a:t>
-            </a:r>
-            <a:r>
-              <a:rPr kumimoji="1" lang="ja-JP" altLang="en-US" sz="2400"/>
-              <a:t>における</a:t>
-            </a:r>
-            <a:r>
-              <a:rPr kumimoji="1" lang="ja-JP" altLang="en-US" sz="2400">
-                <a:solidFill>
-                  <a:srgbClr val="FF0000"/>
-                </a:solidFill>
-              </a:rPr>
-              <a:t>初期収束問題を解消</a:t>
-            </a:r>
-            <a:endParaRPr kumimoji="1" lang="en-US" altLang="ja-JP" sz="2400" dirty="0">
-              <a:solidFill>
-                <a:srgbClr val="FF0000"/>
-              </a:solidFill>
-            </a:endParaRPr>
+            <a:endParaRPr kumimoji="1" lang="en-US" altLang="ja-JP" sz="2400" dirty="0"/>
           </a:p>
           <a:p>
             <a:pPr marL="914400" lvl="1" indent="-457200">
@@ -5433,7 +5925,7 @@
           <a:p>
             <a:r>
               <a:rPr kumimoji="1" lang="ja-JP" altLang="en-US"/>
-              <a:t>熱力学的遺伝アルゴリズム</a:t>
+              <a:t>熱力学的選択ルール</a:t>
             </a:r>
           </a:p>
         </p:txBody>
@@ -5463,268 +5955,6 @@
             <a:fld id="{004900ED-2EFD-2142-93A1-1CBA90FDE07B}" type="slidenum">
               <a:rPr lang="en-US" altLang="ja-JP" smtClean="0"/>
               <a:t>14</a:t>
-            </a:fld>
-            <a:endParaRPr lang="ja-JP" altLang="en-US"/>
-          </a:p>
-        </p:txBody>
-      </p:sp>
-      <p:sp>
-        <p:nvSpPr>
-          <p:cNvPr id="4" name="テキスト ボックス 3">
-            <a:extLst>
-              <a:ext uri="{FF2B5EF4-FFF2-40B4-BE49-F238E27FC236}">
-                <a16:creationId xmlns:a16="http://schemas.microsoft.com/office/drawing/2014/main" id="{C90B63DA-86FE-BCFD-909B-51617E6B3CDE}"/>
-              </a:ext>
-            </a:extLst>
-          </p:cNvPr>
-          <p:cNvSpPr txBox="1"/>
-          <p:nvPr/>
-        </p:nvSpPr>
-        <p:spPr>
-          <a:xfrm>
-            <a:off x="189784" y="2296553"/>
-            <a:ext cx="7181694" cy="2523768"/>
-          </a:xfrm>
-          <a:prstGeom prst="rect">
-            <a:avLst/>
-          </a:prstGeom>
-          <a:noFill/>
-        </p:spPr>
-        <p:txBody>
-          <a:bodyPr wrap="square" rtlCol="0">
-            <a:spAutoFit/>
-          </a:bodyPr>
-          <a:lstStyle/>
-          <a:p>
-            <a:pPr lvl="1"/>
-            <a:endParaRPr kumimoji="1" lang="en-US" altLang="ja-JP" sz="2400" dirty="0"/>
-          </a:p>
-          <a:p>
-            <a:pPr marL="914400" lvl="1" indent="-457200">
-              <a:buFont typeface="Wingdings" pitchFamily="2" charset="2"/>
-              <a:buChar char="p"/>
-            </a:pPr>
-            <a:r>
-              <a:rPr kumimoji="1" lang="en-US" altLang="ja-JP" sz="2400" dirty="0"/>
-              <a:t>GA </a:t>
-            </a:r>
-            <a:r>
-              <a:rPr kumimoji="1" lang="ja-JP" altLang="en-US" sz="2400"/>
-              <a:t>の選択ルールに熱力学における自由</a:t>
-            </a:r>
-            <a:br>
-              <a:rPr kumimoji="1" lang="en-US" altLang="ja-JP" sz="2400" dirty="0"/>
-            </a:br>
-            <a:r>
-              <a:rPr kumimoji="1" lang="ja-JP" altLang="en-US" sz="2400"/>
-              <a:t>エネルギーの概念を取り入れた手法</a:t>
-            </a:r>
-            <a:endParaRPr lang="en-US" altLang="ja-JP" sz="2400" dirty="0"/>
-          </a:p>
-          <a:p>
-            <a:pPr marL="914400" lvl="1" indent="-457200">
-              <a:buFont typeface="Wingdings" pitchFamily="2" charset="2"/>
-              <a:buChar char="p"/>
-            </a:pPr>
-            <a:endParaRPr kumimoji="1" lang="en-US" altLang="ja-JP" sz="1400" dirty="0"/>
-          </a:p>
-          <a:p>
-            <a:pPr marL="914400" lvl="1" indent="-457200">
-              <a:buFont typeface="Wingdings" pitchFamily="2" charset="2"/>
-              <a:buChar char="p"/>
-            </a:pPr>
-            <a:r>
-              <a:rPr lang="ja-JP" altLang="en-US" sz="2400"/>
-              <a:t>個体の多様性を維持することがねらい</a:t>
-            </a:r>
-            <a:br>
-              <a:rPr lang="en-US" altLang="ja-JP" sz="2400" dirty="0"/>
-            </a:br>
-            <a:r>
-              <a:rPr lang="en-US" altLang="ja-JP" sz="2400" dirty="0"/>
-              <a:t>→ </a:t>
-            </a:r>
-            <a:r>
-              <a:rPr kumimoji="1" lang="ja-JP" altLang="en-US" sz="2400">
-                <a:solidFill>
-                  <a:srgbClr val="FF0000"/>
-                </a:solidFill>
-              </a:rPr>
-              <a:t>初期収束問題の解消</a:t>
-            </a:r>
-            <a:endParaRPr kumimoji="1" lang="en-US" altLang="ja-JP" sz="2400" dirty="0"/>
-          </a:p>
-          <a:p>
-            <a:pPr marL="914400" lvl="1" indent="-457200">
-              <a:buFont typeface="Wingdings" pitchFamily="2" charset="2"/>
-              <a:buChar char="p"/>
-            </a:pPr>
-            <a:endParaRPr kumimoji="1" lang="en-US" altLang="ja-JP" sz="2400" dirty="0"/>
-          </a:p>
-        </p:txBody>
-      </p:sp>
-      <p:sp>
-        <p:nvSpPr>
-          <p:cNvPr id="5" name="テキスト ボックス 4">
-            <a:extLst>
-              <a:ext uri="{FF2B5EF4-FFF2-40B4-BE49-F238E27FC236}">
-                <a16:creationId xmlns:a16="http://schemas.microsoft.com/office/drawing/2014/main" id="{A0DAC15A-B60A-53DD-DA6A-9DF6679A8EBC}"/>
-              </a:ext>
-            </a:extLst>
-          </p:cNvPr>
-          <p:cNvSpPr txBox="1"/>
-          <p:nvPr/>
-        </p:nvSpPr>
-        <p:spPr>
-          <a:xfrm>
-            <a:off x="519837" y="1464829"/>
-            <a:ext cx="6606296" cy="830997"/>
-          </a:xfrm>
-          <a:prstGeom prst="rect">
-            <a:avLst/>
-          </a:prstGeom>
-          <a:noFill/>
-        </p:spPr>
-        <p:txBody>
-          <a:bodyPr wrap="none" rtlCol="0">
-            <a:spAutoFit/>
-          </a:bodyPr>
-          <a:lstStyle/>
-          <a:p>
-            <a:r>
-              <a:rPr kumimoji="1" lang="ja-JP" altLang="en-US" sz="2400"/>
-              <a:t>熱力学的遺伝アルゴリズム</a:t>
-            </a:r>
-            <a:endParaRPr kumimoji="1" lang="en-US" altLang="ja-JP" sz="2400" dirty="0"/>
-          </a:p>
-          <a:p>
-            <a:r>
-              <a:rPr kumimoji="1" lang="en-US" altLang="ja-JP" sz="2400" dirty="0"/>
-              <a:t>(Thermodynamical Genetic Algorithm: TDGA)</a:t>
-            </a:r>
-            <a:endParaRPr kumimoji="1" lang="ja-JP" altLang="en-US" sz="2400"/>
-          </a:p>
-        </p:txBody>
-      </p:sp>
-      <p:sp>
-        <p:nvSpPr>
-          <p:cNvPr id="6" name="テキスト ボックス 5">
-            <a:extLst>
-              <a:ext uri="{FF2B5EF4-FFF2-40B4-BE49-F238E27FC236}">
-                <a16:creationId xmlns:a16="http://schemas.microsoft.com/office/drawing/2014/main" id="{6CAE7105-A7F6-24D0-BD6A-41C3CFFB09BD}"/>
-              </a:ext>
-            </a:extLst>
-          </p:cNvPr>
-          <p:cNvSpPr txBox="1"/>
-          <p:nvPr/>
-        </p:nvSpPr>
-        <p:spPr>
-          <a:xfrm>
-            <a:off x="1117600" y="4439943"/>
-            <a:ext cx="184731" cy="461665"/>
-          </a:xfrm>
-          <a:prstGeom prst="rect">
-            <a:avLst/>
-          </a:prstGeom>
-          <a:noFill/>
-        </p:spPr>
-        <p:txBody>
-          <a:bodyPr wrap="none" rtlCol="0">
-            <a:spAutoFit/>
-          </a:bodyPr>
-          <a:lstStyle/>
-          <a:p>
-            <a:endParaRPr kumimoji="1" lang="ja-JP" altLang="en-US" sz="2400">
-              <a:solidFill>
-                <a:srgbClr val="FF0000"/>
-              </a:solidFill>
-            </a:endParaRPr>
-          </a:p>
-        </p:txBody>
-      </p:sp>
-    </p:spTree>
-    <p:extLst>
-      <p:ext uri="{BB962C8B-B14F-4D97-AF65-F5344CB8AC3E}">
-        <p14:creationId xmlns:p14="http://schemas.microsoft.com/office/powerpoint/2010/main" val="1351504885"/>
-      </p:ext>
-    </p:extLst>
-  </p:cSld>
-  <p:clrMapOvr>
-    <a:masterClrMapping/>
-  </p:clrMapOvr>
-</p:sld>
-</file>
-
-<file path=ppt/slides/slide15.xml><?xml version="1.0" encoding="utf-8"?>
-<p:sld xmlns:a="http://schemas.openxmlformats.org/drawingml/2006/main" xmlns:r="http://schemas.openxmlformats.org/officeDocument/2006/relationships" xmlns:p="http://schemas.openxmlformats.org/presentationml/2006/main">
-  <p:cSld>
-    <p:spTree>
-      <p:nvGrpSpPr>
-        <p:cNvPr id="1" name=""/>
-        <p:cNvGrpSpPr/>
-        <p:nvPr/>
-      </p:nvGrpSpPr>
-      <p:grpSpPr>
-        <a:xfrm>
-          <a:off x="0" y="0"/>
-          <a:ext cx="0" cy="0"/>
-          <a:chOff x="0" y="0"/>
-          <a:chExt cx="0" cy="0"/>
-        </a:xfrm>
-      </p:grpSpPr>
-      <p:sp>
-        <p:nvSpPr>
-          <p:cNvPr id="2" name="タイトル 1">
-            <a:extLst>
-              <a:ext uri="{FF2B5EF4-FFF2-40B4-BE49-F238E27FC236}">
-                <a16:creationId xmlns:a16="http://schemas.microsoft.com/office/drawing/2014/main" id="{D159CF40-CD8C-21A6-0A3D-8CF370B562A6}"/>
-              </a:ext>
-            </a:extLst>
-          </p:cNvPr>
-          <p:cNvSpPr>
-            <a:spLocks noGrp="1"/>
-          </p:cNvSpPr>
-          <p:nvPr>
-            <p:ph type="title"/>
-          </p:nvPr>
-        </p:nvSpPr>
-        <p:spPr/>
-        <p:txBody>
-          <a:bodyPr/>
-          <a:lstStyle/>
-          <a:p>
-            <a:r>
-              <a:rPr kumimoji="1" lang="ja-JP" altLang="en-US"/>
-              <a:t>熱力学的遺伝アルゴリズム</a:t>
-            </a:r>
-          </a:p>
-        </p:txBody>
-      </p:sp>
-      <p:sp>
-        <p:nvSpPr>
-          <p:cNvPr id="3" name="スライド番号プレースホルダー 2">
-            <a:extLst>
-              <a:ext uri="{FF2B5EF4-FFF2-40B4-BE49-F238E27FC236}">
-                <a16:creationId xmlns:a16="http://schemas.microsoft.com/office/drawing/2014/main" id="{37968868-915E-15E5-AB4E-1366F32A281D}"/>
-              </a:ext>
-            </a:extLst>
-          </p:cNvPr>
-          <p:cNvSpPr>
-            <a:spLocks noGrp="1"/>
-          </p:cNvSpPr>
-          <p:nvPr>
-            <p:ph type="sldNum" sz="quarter" idx="12"/>
-          </p:nvPr>
-        </p:nvSpPr>
-        <p:spPr/>
-        <p:txBody>
-          <a:bodyPr/>
-          <a:lstStyle/>
-          <a:p>
-            <a:pPr lvl="0"/>
-            <a:fld id="{004900ED-2EFD-2142-93A1-1CBA90FDE07B}" type="slidenum">
-              <a:rPr lang="en-US" altLang="ja-JP" smtClean="0"/>
-              <a:t>15</a:t>
             </a:fld>
             <a:endParaRPr lang="ja-JP" altLang="en-US"/>
           </a:p>
@@ -6108,7 +6338,7 @@
 </p:sld>
 </file>
 
-<file path=ppt/slides/slide16.xml><?xml version="1.0" encoding="utf-8"?>
+<file path=ppt/slides/slide15.xml><?xml version="1.0" encoding="utf-8"?>
 <p:sld xmlns:a="http://schemas.openxmlformats.org/drawingml/2006/main" xmlns:r="http://schemas.openxmlformats.org/officeDocument/2006/relationships" xmlns:p="http://schemas.openxmlformats.org/presentationml/2006/main">
   <p:cSld>
     <p:spTree>
@@ -6148,7 +6378,7 @@
           <a:p>
             <a:r>
               <a:rPr kumimoji="1" lang="ja-JP" altLang="en-US"/>
-              <a:t>熱力学的遺伝アルゴリズム</a:t>
+              <a:t>熱力学的選択ルール</a:t>
             </a:r>
           </a:p>
         </p:txBody>
@@ -6177,7 +6407,7 @@
             <a:pPr lvl="0"/>
             <a:fld id="{004900ED-2EFD-2142-93A1-1CBA90FDE07B}" type="slidenum">
               <a:rPr lang="en-US" altLang="ja-JP" smtClean="0"/>
-              <a:t>16</a:t>
+              <a:t>15</a:t>
             </a:fld>
             <a:endParaRPr lang="ja-JP" altLang="en-US"/>
           </a:p>
@@ -6362,6 +6592,172 @@
 </p:sld>
 </file>
 
+<file path=ppt/slides/slide16.xml><?xml version="1.0" encoding="utf-8"?>
+<p:sld xmlns:a="http://schemas.openxmlformats.org/drawingml/2006/main" xmlns:r="http://schemas.openxmlformats.org/officeDocument/2006/relationships" xmlns:p="http://schemas.openxmlformats.org/presentationml/2006/main">
+  <p:cSld>
+    <p:spTree>
+      <p:nvGrpSpPr>
+        <p:cNvPr id="1" name=""/>
+        <p:cNvGrpSpPr/>
+        <p:nvPr/>
+      </p:nvGrpSpPr>
+      <p:grpSpPr>
+        <a:xfrm>
+          <a:off x="0" y="0"/>
+          <a:ext cx="0" cy="0"/>
+          <a:chOff x="0" y="0"/>
+          <a:chExt cx="0" cy="0"/>
+        </a:xfrm>
+      </p:grpSpPr>
+      <p:sp>
+        <p:nvSpPr>
+          <p:cNvPr id="2" name="タイトル 1">
+            <a:extLst>
+              <a:ext uri="{FF2B5EF4-FFF2-40B4-BE49-F238E27FC236}">
+                <a16:creationId xmlns:a16="http://schemas.microsoft.com/office/drawing/2014/main" id="{76443BED-D7A2-853C-9B3B-24E72CB78193}"/>
+              </a:ext>
+            </a:extLst>
+          </p:cNvPr>
+          <p:cNvSpPr>
+            <a:spLocks noGrp="1"/>
+          </p:cNvSpPr>
+          <p:nvPr>
+            <p:ph type="title"/>
+          </p:nvPr>
+        </p:nvSpPr>
+        <p:spPr/>
+        <p:txBody>
+          <a:bodyPr/>
+          <a:lstStyle/>
+          <a:p>
+            <a:r>
+              <a:rPr kumimoji="1" lang="ja-JP" altLang="en-US"/>
+              <a:t>提案手法</a:t>
+            </a:r>
+          </a:p>
+        </p:txBody>
+      </p:sp>
+      <p:sp>
+        <p:nvSpPr>
+          <p:cNvPr id="3" name="スライド番号プレースホルダー 2">
+            <a:extLst>
+              <a:ext uri="{FF2B5EF4-FFF2-40B4-BE49-F238E27FC236}">
+                <a16:creationId xmlns:a16="http://schemas.microsoft.com/office/drawing/2014/main" id="{D401D9D2-41F3-D84E-EF30-573B911C1397}"/>
+              </a:ext>
+            </a:extLst>
+          </p:cNvPr>
+          <p:cNvSpPr>
+            <a:spLocks noGrp="1"/>
+          </p:cNvSpPr>
+          <p:nvPr>
+            <p:ph type="sldNum" sz="quarter" idx="12"/>
+          </p:nvPr>
+        </p:nvSpPr>
+        <p:spPr/>
+        <p:txBody>
+          <a:bodyPr/>
+          <a:lstStyle/>
+          <a:p>
+            <a:pPr lvl="0"/>
+            <a:fld id="{004900ED-2EFD-2142-93A1-1CBA90FDE07B}" type="slidenum">
+              <a:rPr lang="en-US" altLang="ja-JP" smtClean="0"/>
+              <a:t>16</a:t>
+            </a:fld>
+            <a:endParaRPr lang="ja-JP" altLang="en-US"/>
+          </a:p>
+        </p:txBody>
+      </p:sp>
+      <p:sp>
+        <p:nvSpPr>
+          <p:cNvPr id="4" name="テキスト ボックス 3">
+            <a:extLst>
+              <a:ext uri="{FF2B5EF4-FFF2-40B4-BE49-F238E27FC236}">
+                <a16:creationId xmlns:a16="http://schemas.microsoft.com/office/drawing/2014/main" id="{F4FEDEF1-3E01-D785-EE03-B106E91601B1}"/>
+              </a:ext>
+            </a:extLst>
+          </p:cNvPr>
+          <p:cNvSpPr txBox="1"/>
+          <p:nvPr/>
+        </p:nvSpPr>
+        <p:spPr>
+          <a:xfrm>
+            <a:off x="498322" y="1799617"/>
+            <a:ext cx="6564618" cy="1077218"/>
+          </a:xfrm>
+          <a:prstGeom prst="rect">
+            <a:avLst/>
+          </a:prstGeom>
+          <a:noFill/>
+        </p:spPr>
+        <p:txBody>
+          <a:bodyPr wrap="none" rtlCol="0">
+            <a:spAutoFit/>
+          </a:bodyPr>
+          <a:lstStyle/>
+          <a:p>
+            <a:pPr marL="285750" indent="-285750">
+              <a:buFont typeface="Wingdings" pitchFamily="2" charset="2"/>
+              <a:buChar char="p"/>
+            </a:pPr>
+            <a:r>
+              <a:rPr kumimoji="1" lang="ja-JP" altLang="en-US" sz="2400"/>
+              <a:t>提案手法</a:t>
+            </a:r>
+            <a:r>
+              <a:rPr kumimoji="1" lang="en-US" altLang="ja-JP" sz="2400" dirty="0"/>
+              <a:t>: </a:t>
+            </a:r>
+            <a:r>
+              <a:rPr kumimoji="1" lang="en-US" altLang="ja-JP" sz="2400" dirty="0" err="1"/>
+              <a:t>tdgaCNN</a:t>
+            </a:r>
+            <a:endParaRPr kumimoji="1" lang="en-US" altLang="ja-JP" sz="2400" dirty="0"/>
+          </a:p>
+          <a:p>
+            <a:pPr marL="285750" indent="-285750">
+              <a:buFont typeface="Wingdings" pitchFamily="2" charset="2"/>
+              <a:buChar char="p"/>
+            </a:pPr>
+            <a:endParaRPr kumimoji="1" lang="en-US" altLang="ja-JP" sz="1600" dirty="0"/>
+          </a:p>
+          <a:p>
+            <a:pPr marL="285750" indent="-285750">
+              <a:buFont typeface="Wingdings" pitchFamily="2" charset="2"/>
+              <a:buChar char="p"/>
+            </a:pPr>
+            <a:r>
+              <a:rPr lang="en-US" altLang="ja-JP" sz="2400" dirty="0"/>
+              <a:t>CNN </a:t>
+            </a:r>
+            <a:r>
+              <a:rPr lang="ja-JP" altLang="en-US" sz="2400"/>
+              <a:t>アーキテクチャの探索に</a:t>
+            </a:r>
+            <a:r>
+              <a:rPr lang="en-US" altLang="ja-JP" sz="2400" dirty="0"/>
+              <a:t> TDGA </a:t>
+            </a:r>
+            <a:r>
+              <a:rPr lang="ja-JP" altLang="en-US" sz="2400"/>
+              <a:t>を利用</a:t>
+            </a:r>
+            <a:endParaRPr kumimoji="1" lang="ja-JP" altLang="en-US" sz="2400"/>
+          </a:p>
+        </p:txBody>
+      </p:sp>
+    </p:spTree>
+    <p:extLst>
+      <p:ext uri="{BB962C8B-B14F-4D97-AF65-F5344CB8AC3E}">
+        <p14:creationId xmlns:p14="http://schemas.microsoft.com/office/powerpoint/2010/main" val="2162904281"/>
+      </p:ext>
+    </p:extLst>
+  </p:cSld>
+  <p:clrMapOvr>
+    <a:masterClrMapping/>
+  </p:clrMapOvr>
+</p:sld>
+</file>
+
 <file path=ppt/slides/slide17.xml><?xml version="1.0" encoding="utf-8"?>
 <p:sld xmlns:a="http://schemas.openxmlformats.org/drawingml/2006/main" xmlns:r="http://schemas.openxmlformats.org/officeDocument/2006/relationships" xmlns:p="http://schemas.openxmlformats.org/presentationml/2006/main">
   <p:cSld>
@@ -6384,7 +6780,7 @@
           <p:cNvPr id="2" name="タイトル 1">
             <a:extLst>
               <a:ext uri="{FF2B5EF4-FFF2-40B4-BE49-F238E27FC236}">
-                <a16:creationId xmlns:a16="http://schemas.microsoft.com/office/drawing/2014/main" id="{DA6841C3-0E6C-BFA1-5D04-4112F1117102}"/>
+                <a16:creationId xmlns:a16="http://schemas.microsoft.com/office/drawing/2014/main" id="{C90BB530-5AC9-C1CB-F08E-50496361C5DB}"/>
               </a:ext>
             </a:extLst>
           </p:cNvPr>
@@ -6401,18 +6797,35 @@
           <a:lstStyle/>
           <a:p>
             <a:r>
-              <a:rPr kumimoji="1" lang="ja-JP" altLang="en-US"/>
-              <a:t>目次</a:t>
-            </a:r>
-          </a:p>
-        </p:txBody>
-      </p:sp>
-      <p:sp>
-        <p:nvSpPr>
-          <p:cNvPr id="4" name="スライド番号プレースホルダー 3">
-            <a:extLst>
-              <a:ext uri="{FF2B5EF4-FFF2-40B4-BE49-F238E27FC236}">
-                <a16:creationId xmlns:a16="http://schemas.microsoft.com/office/drawing/2014/main" id="{20D20625-8135-BA1D-11A0-E3466265CE7C}"/>
+              <a:rPr lang="en-US" altLang="ja-JP" dirty="0" err="1"/>
+              <a:t>t</a:t>
+            </a:r>
+            <a:r>
+              <a:rPr kumimoji="1" lang="en-US" altLang="ja-JP" dirty="0" err="1"/>
+              <a:t>dga</a:t>
+            </a:r>
+            <a:r>
+              <a:rPr lang="en-US" altLang="ja-JP" dirty="0" err="1"/>
+              <a:t>CNN</a:t>
+            </a:r>
+            <a:r>
+              <a:rPr lang="en-US" altLang="ja-JP" dirty="0"/>
+              <a:t> </a:t>
+            </a:r>
+            <a:r>
+              <a:rPr lang="ja-JP" altLang="en-US"/>
+              <a:t>の流れ</a:t>
+            </a:r>
+            <a:endParaRPr kumimoji="1" lang="ja-JP" altLang="en-US"/>
+          </a:p>
+        </p:txBody>
+      </p:sp>
+      <p:sp>
+        <p:nvSpPr>
+          <p:cNvPr id="3" name="スライド番号プレースホルダー 2">
+            <a:extLst>
+              <a:ext uri="{FF2B5EF4-FFF2-40B4-BE49-F238E27FC236}">
+                <a16:creationId xmlns:a16="http://schemas.microsoft.com/office/drawing/2014/main" id="{D4B14B84-3C24-2D1B-3DC6-AC568B15C965}"/>
               </a:ext>
             </a:extLst>
           </p:cNvPr>
@@ -6439,10 +6852,10 @@
       </p:sp>
       <p:sp>
         <p:nvSpPr>
-          <p:cNvPr id="3" name="テキスト ボックス 2">
-            <a:extLst>
-              <a:ext uri="{FF2B5EF4-FFF2-40B4-BE49-F238E27FC236}">
-                <a16:creationId xmlns:a16="http://schemas.microsoft.com/office/drawing/2014/main" id="{CFCE3529-0348-FAC9-4C81-ACEA9BA72623}"/>
+          <p:cNvPr id="4" name="テキスト ボックス 3">
+            <a:extLst>
+              <a:ext uri="{FF2B5EF4-FFF2-40B4-BE49-F238E27FC236}">
+                <a16:creationId xmlns:a16="http://schemas.microsoft.com/office/drawing/2014/main" id="{F597D62F-5B0E-F5A1-F4AB-B4D8182F2BB8}"/>
               </a:ext>
             </a:extLst>
           </p:cNvPr>
@@ -6451,8 +6864,8 @@
         </p:nvSpPr>
         <p:spPr>
           <a:xfrm>
-            <a:off x="919691" y="1259079"/>
-            <a:ext cx="3877985" cy="3909917"/>
+            <a:off x="437408" y="1904850"/>
+            <a:ext cx="6857968" cy="2308324"/>
           </a:xfrm>
           <a:prstGeom prst="rect">
             <a:avLst/>
@@ -6465,148 +6878,77 @@
           </a:bodyPr>
           <a:lstStyle/>
           <a:p>
-            <a:pPr marL="457200" indent="-457200">
-              <a:lnSpc>
-                <a:spcPct val="150000"/>
-              </a:lnSpc>
-              <a:buFont typeface="Wingdings" pitchFamily="2" charset="2"/>
-              <a:buChar char="Ø"/>
+            <a:pPr marL="342900" indent="-342900">
+              <a:buFont typeface="+mj-lt"/>
+              <a:buAutoNum type="arabicPeriod"/>
             </a:pPr>
             <a:r>
-              <a:rPr lang="ja-JP" altLang="en-US" sz="2800">
-                <a:solidFill>
-                  <a:schemeClr val="bg2">
-                    <a:lumMod val="75000"/>
-                  </a:schemeClr>
-                </a:solidFill>
-              </a:rPr>
-              <a:t>はじめに</a:t>
-            </a:r>
-            <a:endParaRPr lang="en-US" altLang="ja-JP" sz="2800" dirty="0">
-              <a:solidFill>
-                <a:schemeClr val="bg2">
-                  <a:lumMod val="75000"/>
-                </a:schemeClr>
-              </a:solidFill>
-            </a:endParaRPr>
-          </a:p>
-          <a:p>
-            <a:pPr marL="457200" indent="-457200">
-              <a:lnSpc>
-                <a:spcPct val="150000"/>
-              </a:lnSpc>
-              <a:buFont typeface="Wingdings" pitchFamily="2" charset="2"/>
-              <a:buChar char="Ø"/>
+              <a:rPr kumimoji="1" lang="ja-JP" altLang="en-US" sz="2400"/>
+              <a:t>初期母集団を生成</a:t>
+            </a:r>
+            <a:endParaRPr kumimoji="1" lang="en-US" altLang="ja-JP" sz="2400" dirty="0"/>
+          </a:p>
+          <a:p>
+            <a:pPr marL="342900" indent="-342900">
+              <a:buFont typeface="+mj-lt"/>
+              <a:buAutoNum type="arabicPeriod"/>
             </a:pPr>
             <a:r>
-              <a:rPr lang="ja-JP" altLang="en-US" sz="2800">
-                <a:solidFill>
-                  <a:schemeClr val="bg2">
-                    <a:lumMod val="75000"/>
-                  </a:schemeClr>
-                </a:solidFill>
-              </a:rPr>
-              <a:t>要素技術</a:t>
-            </a:r>
-            <a:endParaRPr lang="en-US" altLang="ja-JP" sz="2800" dirty="0">
-              <a:solidFill>
-                <a:schemeClr val="bg2">
-                  <a:lumMod val="75000"/>
-                </a:schemeClr>
-              </a:solidFill>
-            </a:endParaRPr>
-          </a:p>
-          <a:p>
-            <a:pPr marL="457200" indent="-457200">
-              <a:lnSpc>
-                <a:spcPct val="150000"/>
-              </a:lnSpc>
-              <a:buFont typeface="Wingdings" pitchFamily="2" charset="2"/>
-              <a:buChar char="Ø"/>
+              <a:rPr lang="ja-JP" altLang="en-US" sz="2400"/>
+              <a:t>母集団の個体の適応度を評価</a:t>
+            </a:r>
+            <a:endParaRPr lang="en-US" altLang="ja-JP" sz="2400" dirty="0"/>
+          </a:p>
+          <a:p>
+            <a:pPr marL="342900" indent="-342900">
+              <a:buFont typeface="+mj-lt"/>
+              <a:buAutoNum type="arabicPeriod"/>
             </a:pPr>
             <a:r>
-              <a:rPr lang="ja-JP" altLang="en-US" sz="2800">
-                <a:solidFill>
-                  <a:schemeClr val="bg2">
-                    <a:lumMod val="75000"/>
-                  </a:schemeClr>
-                </a:solidFill>
-              </a:rPr>
-              <a:t>提案手法</a:t>
-            </a:r>
-            <a:endParaRPr lang="en-US" altLang="ja-JP" sz="2800" dirty="0">
-              <a:solidFill>
-                <a:schemeClr val="bg2">
-                  <a:lumMod val="75000"/>
-                </a:schemeClr>
-              </a:solidFill>
-            </a:endParaRPr>
-          </a:p>
-          <a:p>
-            <a:pPr marL="457200" indent="-457200">
-              <a:lnSpc>
-                <a:spcPct val="150000"/>
-              </a:lnSpc>
-              <a:buFont typeface="Wingdings" pitchFamily="2" charset="2"/>
-              <a:buChar char="Ø"/>
+              <a:rPr kumimoji="1" lang="ja-JP" altLang="en-US" sz="2400"/>
+              <a:t>選択，交叉，突然変異による次世代の母集団</a:t>
+            </a:r>
+            <a:br>
+              <a:rPr kumimoji="1" lang="en-US" altLang="ja-JP" sz="2400" dirty="0"/>
+            </a:br>
+            <a:r>
+              <a:rPr kumimoji="1" lang="ja-JP" altLang="en-US" sz="2400"/>
+              <a:t>の生成</a:t>
+            </a:r>
+            <a:endParaRPr kumimoji="1" lang="en-US" altLang="ja-JP" sz="2400" dirty="0"/>
+          </a:p>
+          <a:p>
+            <a:pPr marL="342900" indent="-342900">
+              <a:buFont typeface="+mj-lt"/>
+              <a:buAutoNum type="arabicPeriod"/>
             </a:pPr>
             <a:r>
-              <a:rPr lang="ja-JP" altLang="en-US" sz="2800"/>
-              <a:t>実験概要</a:t>
-            </a:r>
-            <a:endParaRPr lang="en-US" altLang="ja-JP" sz="2800" dirty="0"/>
-          </a:p>
-          <a:p>
-            <a:pPr marL="457200" indent="-457200">
-              <a:lnSpc>
-                <a:spcPct val="150000"/>
-              </a:lnSpc>
-              <a:buFont typeface="Wingdings" pitchFamily="2" charset="2"/>
-              <a:buChar char="Ø"/>
+              <a:rPr lang="en-US" altLang="ja-JP" sz="2400" dirty="0"/>
+              <a:t>2 ~ 3 </a:t>
+            </a:r>
+            <a:r>
+              <a:rPr lang="ja-JP" altLang="en-US" sz="2400"/>
+              <a:t>を世代回数だけ反復</a:t>
+            </a:r>
+            <a:endParaRPr lang="en-US" altLang="ja-JP" sz="2400" dirty="0"/>
+          </a:p>
+          <a:p>
+            <a:pPr marL="342900" indent="-342900">
+              <a:buFont typeface="+mj-lt"/>
+              <a:buAutoNum type="arabicPeriod"/>
             </a:pPr>
             <a:r>
-              <a:rPr lang="ja-JP" altLang="en-US" sz="2800">
-                <a:solidFill>
-                  <a:schemeClr val="bg2">
-                    <a:lumMod val="75000"/>
-                  </a:schemeClr>
-                </a:solidFill>
-              </a:rPr>
-              <a:t>実験結果</a:t>
-            </a:r>
-            <a:endParaRPr lang="en-US" altLang="ja-JP" sz="2800" dirty="0">
-              <a:solidFill>
-                <a:schemeClr val="bg2">
-                  <a:lumMod val="75000"/>
-                </a:schemeClr>
-              </a:solidFill>
-            </a:endParaRPr>
-          </a:p>
-          <a:p>
-            <a:pPr marL="457200" indent="-457200">
-              <a:lnSpc>
-                <a:spcPct val="150000"/>
-              </a:lnSpc>
-              <a:buFont typeface="Wingdings" pitchFamily="2" charset="2"/>
-              <a:buChar char="Ø"/>
-            </a:pPr>
-            <a:r>
-              <a:rPr lang="ja-JP" altLang="en-US" sz="2800">
-                <a:solidFill>
-                  <a:schemeClr val="bg2">
-                    <a:lumMod val="75000"/>
-                  </a:schemeClr>
-                </a:solidFill>
-              </a:rPr>
-              <a:t>まとめと今後の課題</a:t>
-            </a:r>
+              <a:rPr kumimoji="1" lang="ja-JP" altLang="en-US" sz="2400"/>
+              <a:t>最終世代で最も適応度が高い個体を本学習</a:t>
+            </a:r>
+            <a:endParaRPr kumimoji="1" lang="en-US" altLang="ja-JP" sz="2400" dirty="0"/>
           </a:p>
         </p:txBody>
       </p:sp>
     </p:spTree>
     <p:extLst>
       <p:ext uri="{BB962C8B-B14F-4D97-AF65-F5344CB8AC3E}">
-        <p14:creationId xmlns:p14="http://schemas.microsoft.com/office/powerpoint/2010/main" val="4238712240"/>
+        <p14:creationId xmlns:p14="http://schemas.microsoft.com/office/powerpoint/2010/main" val="3049085771"/>
       </p:ext>
     </p:extLst>
   </p:cSld>
@@ -6638,7 +6980,7 @@
           <p:cNvPr id="2" name="タイトル 1">
             <a:extLst>
               <a:ext uri="{FF2B5EF4-FFF2-40B4-BE49-F238E27FC236}">
-                <a16:creationId xmlns:a16="http://schemas.microsoft.com/office/drawing/2014/main" id="{380966B7-59D9-D6A5-796F-E7163263C3A4}"/>
+                <a16:creationId xmlns:a16="http://schemas.microsoft.com/office/drawing/2014/main" id="{2569FC57-6D71-779F-E42A-A97CDA775201}"/>
               </a:ext>
             </a:extLst>
           </p:cNvPr>
@@ -6655,9 +6997,22 @@
           <a:lstStyle/>
           <a:p>
             <a:r>
-              <a:rPr kumimoji="1" lang="ja-JP" altLang="en-US"/>
-              <a:t>本実験の概要</a:t>
-            </a:r>
+              <a:rPr lang="en-US" altLang="ja-JP" dirty="0" err="1"/>
+              <a:t>tdgaCNN</a:t>
+            </a:r>
+            <a:r>
+              <a:rPr kumimoji="1" lang="en-US" altLang="ja-JP" dirty="0"/>
+              <a:t> </a:t>
+            </a:r>
+            <a:r>
+              <a:rPr lang="en-US" altLang="ja-JP" dirty="0"/>
+              <a:t>–––– </a:t>
+            </a:r>
+            <a:r>
+              <a:rPr lang="ja-JP" altLang="en-US"/>
+              <a:t>遺伝子符号化</a:t>
+            </a:r>
+            <a:endParaRPr kumimoji="1" lang="ja-JP" altLang="en-US"/>
           </a:p>
         </p:txBody>
       </p:sp>
@@ -6666,7 +7021,7 @@
           <p:cNvPr id="3" name="スライド番号プレースホルダー 2">
             <a:extLst>
               <a:ext uri="{FF2B5EF4-FFF2-40B4-BE49-F238E27FC236}">
-                <a16:creationId xmlns:a16="http://schemas.microsoft.com/office/drawing/2014/main" id="{8D8006A5-C467-DBF1-F858-499620021D06}"/>
+                <a16:creationId xmlns:a16="http://schemas.microsoft.com/office/drawing/2014/main" id="{6CC00B8C-81DD-663C-CA94-75367C1D6D61}"/>
               </a:ext>
             </a:extLst>
           </p:cNvPr>
@@ -6693,10 +7048,10 @@
       </p:sp>
       <p:sp>
         <p:nvSpPr>
-          <p:cNvPr id="4" name="テキスト ボックス 3">
-            <a:extLst>
-              <a:ext uri="{FF2B5EF4-FFF2-40B4-BE49-F238E27FC236}">
-                <a16:creationId xmlns:a16="http://schemas.microsoft.com/office/drawing/2014/main" id="{65921073-8658-6514-30A2-0483675975F4}"/>
+          <p:cNvPr id="12" name="テキスト ボックス 11">
+            <a:extLst>
+              <a:ext uri="{FF2B5EF4-FFF2-40B4-BE49-F238E27FC236}">
+                <a16:creationId xmlns:a16="http://schemas.microsoft.com/office/drawing/2014/main" id="{6095E266-D30D-702E-0575-2586F1538ABD}"/>
               </a:ext>
             </a:extLst>
           </p:cNvPr>
@@ -6705,8 +7060,8 @@
         </p:nvSpPr>
         <p:spPr>
           <a:xfrm>
-            <a:off x="519837" y="1809750"/>
-            <a:ext cx="6514925" cy="2985433"/>
+            <a:off x="522794" y="3345220"/>
+            <a:ext cx="5705408" cy="830997"/>
           </a:xfrm>
           <a:prstGeom prst="rect">
             <a:avLst/>
@@ -6724,142 +7079,82 @@
               <a:buChar char="p"/>
             </a:pPr>
             <a:r>
-              <a:rPr lang="ja-JP" altLang="en-US" sz="2400"/>
-              <a:t>先行研究</a:t>
-            </a:r>
-            <a:endParaRPr lang="en-US" altLang="ja-JP" sz="2400" dirty="0"/>
-          </a:p>
-          <a:p>
-            <a:pPr marL="742950" lvl="1" indent="-285750">
-              <a:buFont typeface="Wingdings" pitchFamily="2" charset="2"/>
-              <a:buChar char="p"/>
-            </a:pPr>
-            <a:r>
-              <a:rPr lang="ja-JP" altLang="en-US" sz="2400"/>
-              <a:t>適応度計算のために</a:t>
-            </a:r>
-            <a:r>
-              <a:rPr lang="en-US" altLang="ja-JP" sz="2400" dirty="0">
-                <a:solidFill>
-                  <a:srgbClr val="FF0000"/>
-                </a:solidFill>
-              </a:rPr>
-              <a:t> 1</a:t>
-            </a:r>
-            <a:r>
-              <a:rPr lang="ja-JP" altLang="en-US" sz="2400">
-                <a:solidFill>
-                  <a:srgbClr val="FF0000"/>
-                </a:solidFill>
-              </a:rPr>
-              <a:t> エポックのみ</a:t>
-            </a:r>
-            <a:r>
-              <a:rPr lang="ja-JP" altLang="en-US" sz="2400"/>
-              <a:t>学習</a:t>
-            </a:r>
-            <a:endParaRPr lang="en-US" altLang="ja-JP" sz="2400" dirty="0"/>
-          </a:p>
-          <a:p>
-            <a:pPr marL="742950" lvl="1" indent="-285750">
-              <a:buFont typeface="Wingdings" pitchFamily="2" charset="2"/>
-              <a:buChar char="p"/>
-            </a:pPr>
-            <a:endParaRPr lang="en-US" altLang="ja-JP" sz="2000" dirty="0"/>
-          </a:p>
+              <a:rPr kumimoji="1" lang="ja-JP" altLang="en-US" sz="2400"/>
+              <a:t>層の候補</a:t>
+            </a:r>
+            <a:r>
+              <a:rPr kumimoji="1" lang="en-US" altLang="ja-JP" sz="2400" dirty="0"/>
+              <a:t>: </a:t>
+            </a:r>
+            <a:br>
+              <a:rPr kumimoji="1" lang="en-US" altLang="ja-JP" sz="2400" dirty="0"/>
+            </a:br>
+            <a:r>
+              <a:rPr kumimoji="1" lang="ja-JP" altLang="en-US" sz="2400"/>
+              <a:t>畳み込み層，プーリング層，全結合層</a:t>
+            </a:r>
+          </a:p>
+        </p:txBody>
+      </p:sp>
+      <p:sp>
+        <p:nvSpPr>
+          <p:cNvPr id="13" name="テキスト ボックス 12">
+            <a:extLst>
+              <a:ext uri="{FF2B5EF4-FFF2-40B4-BE49-F238E27FC236}">
+                <a16:creationId xmlns:a16="http://schemas.microsoft.com/office/drawing/2014/main" id="{F8E16B91-98CE-F8A3-56F0-E0773AA8887F}"/>
+              </a:ext>
+            </a:extLst>
+          </p:cNvPr>
+          <p:cNvSpPr txBox="1"/>
+          <p:nvPr/>
+        </p:nvSpPr>
+        <p:spPr>
+          <a:xfrm>
+            <a:off x="519837" y="4440394"/>
+            <a:ext cx="3373039" cy="830997"/>
+          </a:xfrm>
+          <a:prstGeom prst="rect">
+            <a:avLst/>
+          </a:prstGeom>
+          <a:noFill/>
+        </p:spPr>
+        <p:txBody>
+          <a:bodyPr wrap="none" rtlCol="0">
+            <a:spAutoFit/>
+          </a:bodyPr>
+          <a:lstStyle/>
           <a:p>
             <a:pPr marL="285750" indent="-285750">
               <a:buFont typeface="Wingdings" pitchFamily="2" charset="2"/>
               <a:buChar char="p"/>
             </a:pPr>
             <a:r>
-              <a:rPr lang="ja-JP" altLang="en-US" sz="2400"/>
-              <a:t>本実験</a:t>
-            </a:r>
-            <a:endParaRPr lang="en-US" altLang="ja-JP" sz="2400" dirty="0"/>
-          </a:p>
-          <a:p>
-            <a:pPr marL="800100" lvl="1" indent="-342900">
-              <a:buFont typeface="Wingdings" pitchFamily="2" charset="2"/>
-              <a:buChar char="p"/>
-            </a:pPr>
-            <a:r>
-              <a:rPr lang="ja-JP" altLang="en-US" sz="2400"/>
-              <a:t>世代数</a:t>
-            </a:r>
-            <a:r>
-              <a:rPr lang="en-US" altLang="ja-JP" sz="2400" dirty="0"/>
-              <a:t> × </a:t>
-            </a:r>
-            <a:r>
-              <a:rPr lang="ja-JP" altLang="en-US" sz="2400"/>
-              <a:t>エポック数</a:t>
-            </a:r>
-            <a:r>
-              <a:rPr lang="en-US" altLang="ja-JP" sz="2400" dirty="0"/>
-              <a:t> = 80 </a:t>
-            </a:r>
-            <a:r>
-              <a:rPr lang="ja-JP" altLang="en-US" sz="2400"/>
-              <a:t>と，</a:t>
+              <a:rPr kumimoji="1" lang="ja-JP" altLang="en-US" sz="2400"/>
+              <a:t>活性化関数の候補</a:t>
+            </a:r>
+            <a:r>
+              <a:rPr kumimoji="1" lang="en-US" altLang="ja-JP" sz="2400" dirty="0"/>
+              <a:t>:</a:t>
             </a:r>
             <a:br>
               <a:rPr lang="en-US" altLang="ja-JP" sz="2400" dirty="0"/>
             </a:br>
             <a:r>
-              <a:rPr lang="ja-JP" altLang="en-US" sz="2400">
-                <a:solidFill>
-                  <a:srgbClr val="FF0000"/>
-                </a:solidFill>
-              </a:rPr>
-              <a:t>世代数</a:t>
-            </a:r>
-            <a:r>
-              <a:rPr lang="en-US" altLang="ja-JP" sz="2400" dirty="0">
-                <a:solidFill>
-                  <a:srgbClr val="FF0000"/>
-                </a:solidFill>
-              </a:rPr>
-              <a:t> × </a:t>
-            </a:r>
-            <a:r>
-              <a:rPr lang="ja-JP" altLang="en-US" sz="2400">
-                <a:solidFill>
-                  <a:srgbClr val="FF0000"/>
-                </a:solidFill>
-              </a:rPr>
-              <a:t>エポック数を固定</a:t>
-            </a:r>
-            <a:r>
-              <a:rPr lang="ja-JP" altLang="en-US" sz="2400"/>
-              <a:t>して学習</a:t>
-            </a:r>
-            <a:endParaRPr lang="en-US" altLang="ja-JP" sz="2400" dirty="0"/>
-          </a:p>
-          <a:p>
-            <a:pPr marL="800100" lvl="1" indent="-342900">
-              <a:buFont typeface="Wingdings" pitchFamily="2" charset="2"/>
-              <a:buChar char="p"/>
-            </a:pPr>
-            <a:r>
-              <a:rPr lang="ja-JP" altLang="en-US" sz="2400"/>
-              <a:t>さまざまなエポック数で実験</a:t>
-            </a:r>
-            <a:endParaRPr lang="en-US" altLang="ja-JP" sz="2400" dirty="0"/>
-          </a:p>
-          <a:p>
-            <a:pPr marL="285750" indent="-285750">
-              <a:buFont typeface="Wingdings" pitchFamily="2" charset="2"/>
-              <a:buChar char="p"/>
-            </a:pPr>
-            <a:endParaRPr lang="en-US" altLang="ja-JP" sz="2400" dirty="0"/>
+              <a:rPr lang="en-US" altLang="ja-JP" sz="2400" dirty="0" err="1"/>
+              <a:t>ReLU</a:t>
+            </a:r>
+            <a:r>
+              <a:rPr lang="en-US" altLang="ja-JP" sz="2400" dirty="0"/>
+              <a:t>, tanh, Sigmoid</a:t>
+            </a:r>
+            <a:endParaRPr kumimoji="1" lang="en-US" altLang="ja-JP" sz="2400" dirty="0"/>
           </a:p>
         </p:txBody>
       </p:sp>
     </p:spTree>
     <p:extLst>
       <p:ext uri="{BB962C8B-B14F-4D97-AF65-F5344CB8AC3E}">
-        <p14:creationId xmlns:p14="http://schemas.microsoft.com/office/powerpoint/2010/main" val="720086068"/>
+        <p14:creationId xmlns:p14="http://schemas.microsoft.com/office/powerpoint/2010/main" val="512246097"/>
       </p:ext>
     </p:extLst>
   </p:cSld>
@@ -6891,7 +7186,7 @@
           <p:cNvPr id="2" name="タイトル 1">
             <a:extLst>
               <a:ext uri="{FF2B5EF4-FFF2-40B4-BE49-F238E27FC236}">
-                <a16:creationId xmlns:a16="http://schemas.microsoft.com/office/drawing/2014/main" id="{B3856225-BF31-7C83-9113-9E3E30C19EB8}"/>
+                <a16:creationId xmlns:a16="http://schemas.microsoft.com/office/drawing/2014/main" id="{DA6841C3-0E6C-BFA1-5D04-4112F1117102}"/>
               </a:ext>
             </a:extLst>
           </p:cNvPr>
@@ -6907,23 +7202,19 @@
           <a:bodyPr/>
           <a:lstStyle/>
           <a:p>
-            <a:pPr marL="514350" indent="-514350">
-              <a:buFont typeface="+mj-lt"/>
-              <a:buAutoNum type="arabicPeriod"/>
-            </a:pPr>
             <a:r>
               <a:rPr kumimoji="1" lang="ja-JP" altLang="en-US"/>
-              <a:t>初期個体群の作成</a:t>
-            </a:r>
-          </a:p>
-        </p:txBody>
-      </p:sp>
-      <p:sp>
-        <p:nvSpPr>
-          <p:cNvPr id="3" name="スライド番号プレースホルダー 2">
-            <a:extLst>
-              <a:ext uri="{FF2B5EF4-FFF2-40B4-BE49-F238E27FC236}">
-                <a16:creationId xmlns:a16="http://schemas.microsoft.com/office/drawing/2014/main" id="{D54A1411-310B-5B77-D481-0D835AD0E47D}"/>
+              <a:t>目次</a:t>
+            </a:r>
+          </a:p>
+        </p:txBody>
+      </p:sp>
+      <p:sp>
+        <p:nvSpPr>
+          <p:cNvPr id="4" name="スライド番号プレースホルダー 3">
+            <a:extLst>
+              <a:ext uri="{FF2B5EF4-FFF2-40B4-BE49-F238E27FC236}">
+                <a16:creationId xmlns:a16="http://schemas.microsoft.com/office/drawing/2014/main" id="{20D20625-8135-BA1D-11A0-E3466265CE7C}"/>
               </a:ext>
             </a:extLst>
           </p:cNvPr>
@@ -6950,10 +7241,10 @@
       </p:sp>
       <p:sp>
         <p:nvSpPr>
-          <p:cNvPr id="7" name="テキスト ボックス 6">
-            <a:extLst>
-              <a:ext uri="{FF2B5EF4-FFF2-40B4-BE49-F238E27FC236}">
-                <a16:creationId xmlns:a16="http://schemas.microsoft.com/office/drawing/2014/main" id="{798FD77A-9BDB-91FE-7EE0-B3FF46539E04}"/>
+          <p:cNvPr id="3" name="テキスト ボックス 2">
+            <a:extLst>
+              <a:ext uri="{FF2B5EF4-FFF2-40B4-BE49-F238E27FC236}">
+                <a16:creationId xmlns:a16="http://schemas.microsoft.com/office/drawing/2014/main" id="{CFCE3529-0348-FAC9-4C81-ACEA9BA72623}"/>
               </a:ext>
             </a:extLst>
           </p:cNvPr>
@@ -6962,8 +7253,8 @@
         </p:nvSpPr>
         <p:spPr>
           <a:xfrm>
-            <a:off x="519837" y="1766555"/>
-            <a:ext cx="5376793" cy="461665"/>
+            <a:off x="919691" y="1259079"/>
+            <a:ext cx="3877985" cy="3909917"/>
           </a:xfrm>
           <a:prstGeom prst="rect">
             <a:avLst/>
@@ -6975,6 +7266,867 @@
             <a:spAutoFit/>
           </a:bodyPr>
           <a:lstStyle/>
+          <a:p>
+            <a:pPr marL="457200" indent="-457200">
+              <a:lnSpc>
+                <a:spcPct val="150000"/>
+              </a:lnSpc>
+              <a:buFont typeface="Wingdings" pitchFamily="2" charset="2"/>
+              <a:buChar char="Ø"/>
+            </a:pPr>
+            <a:r>
+              <a:rPr lang="ja-JP" altLang="en-US" sz="2800">
+                <a:solidFill>
+                  <a:schemeClr val="bg2">
+                    <a:lumMod val="75000"/>
+                  </a:schemeClr>
+                </a:solidFill>
+              </a:rPr>
+              <a:t>はじめに</a:t>
+            </a:r>
+            <a:endParaRPr lang="en-US" altLang="ja-JP" sz="2800" dirty="0">
+              <a:solidFill>
+                <a:schemeClr val="bg2">
+                  <a:lumMod val="75000"/>
+                </a:schemeClr>
+              </a:solidFill>
+            </a:endParaRPr>
+          </a:p>
+          <a:p>
+            <a:pPr marL="457200" indent="-457200">
+              <a:lnSpc>
+                <a:spcPct val="150000"/>
+              </a:lnSpc>
+              <a:buFont typeface="Wingdings" pitchFamily="2" charset="2"/>
+              <a:buChar char="Ø"/>
+            </a:pPr>
+            <a:r>
+              <a:rPr lang="ja-JP" altLang="en-US" sz="2800">
+                <a:solidFill>
+                  <a:schemeClr val="bg2">
+                    <a:lumMod val="75000"/>
+                  </a:schemeClr>
+                </a:solidFill>
+              </a:rPr>
+              <a:t>要素技術</a:t>
+            </a:r>
+            <a:endParaRPr lang="en-US" altLang="ja-JP" sz="2800" dirty="0">
+              <a:solidFill>
+                <a:schemeClr val="bg2">
+                  <a:lumMod val="75000"/>
+                </a:schemeClr>
+              </a:solidFill>
+            </a:endParaRPr>
+          </a:p>
+          <a:p>
+            <a:pPr marL="457200" indent="-457200">
+              <a:lnSpc>
+                <a:spcPct val="150000"/>
+              </a:lnSpc>
+              <a:buFont typeface="Wingdings" pitchFamily="2" charset="2"/>
+              <a:buChar char="Ø"/>
+            </a:pPr>
+            <a:r>
+              <a:rPr lang="ja-JP" altLang="en-US" sz="2800">
+                <a:solidFill>
+                  <a:schemeClr val="bg2">
+                    <a:lumMod val="75000"/>
+                  </a:schemeClr>
+                </a:solidFill>
+              </a:rPr>
+              <a:t>提案手法</a:t>
+            </a:r>
+            <a:endParaRPr lang="en-US" altLang="ja-JP" sz="2800" dirty="0">
+              <a:solidFill>
+                <a:schemeClr val="bg2">
+                  <a:lumMod val="75000"/>
+                </a:schemeClr>
+              </a:solidFill>
+            </a:endParaRPr>
+          </a:p>
+          <a:p>
+            <a:pPr marL="457200" indent="-457200">
+              <a:lnSpc>
+                <a:spcPct val="150000"/>
+              </a:lnSpc>
+              <a:buFont typeface="Wingdings" pitchFamily="2" charset="2"/>
+              <a:buChar char="Ø"/>
+            </a:pPr>
+            <a:r>
+              <a:rPr lang="ja-JP" altLang="en-US" sz="2800"/>
+              <a:t>実験概要</a:t>
+            </a:r>
+            <a:endParaRPr lang="en-US" altLang="ja-JP" sz="2800" dirty="0"/>
+          </a:p>
+          <a:p>
+            <a:pPr marL="457200" indent="-457200">
+              <a:lnSpc>
+                <a:spcPct val="150000"/>
+              </a:lnSpc>
+              <a:buFont typeface="Wingdings" pitchFamily="2" charset="2"/>
+              <a:buChar char="Ø"/>
+            </a:pPr>
+            <a:r>
+              <a:rPr lang="ja-JP" altLang="en-US" sz="2800">
+                <a:solidFill>
+                  <a:schemeClr val="bg2">
+                    <a:lumMod val="75000"/>
+                  </a:schemeClr>
+                </a:solidFill>
+              </a:rPr>
+              <a:t>実験結果</a:t>
+            </a:r>
+            <a:endParaRPr lang="en-US" altLang="ja-JP" sz="2800" dirty="0">
+              <a:solidFill>
+                <a:schemeClr val="bg2">
+                  <a:lumMod val="75000"/>
+                </a:schemeClr>
+              </a:solidFill>
+            </a:endParaRPr>
+          </a:p>
+          <a:p>
+            <a:pPr marL="457200" indent="-457200">
+              <a:lnSpc>
+                <a:spcPct val="150000"/>
+              </a:lnSpc>
+              <a:buFont typeface="Wingdings" pitchFamily="2" charset="2"/>
+              <a:buChar char="Ø"/>
+            </a:pPr>
+            <a:r>
+              <a:rPr lang="ja-JP" altLang="en-US" sz="2800">
+                <a:solidFill>
+                  <a:schemeClr val="bg2">
+                    <a:lumMod val="75000"/>
+                  </a:schemeClr>
+                </a:solidFill>
+              </a:rPr>
+              <a:t>まとめと今後の課題</a:t>
+            </a:r>
+          </a:p>
+        </p:txBody>
+      </p:sp>
+    </p:spTree>
+    <p:extLst>
+      <p:ext uri="{BB962C8B-B14F-4D97-AF65-F5344CB8AC3E}">
+        <p14:creationId xmlns:p14="http://schemas.microsoft.com/office/powerpoint/2010/main" val="4238712240"/>
+      </p:ext>
+    </p:extLst>
+  </p:cSld>
+  <p:clrMapOvr>
+    <a:masterClrMapping/>
+  </p:clrMapOvr>
+</p:sld>
+</file>
+
+<file path=ppt/slides/slide2.xml><?xml version="1.0" encoding="utf-8"?>
+<p:sld xmlns:a="http://schemas.openxmlformats.org/drawingml/2006/main" xmlns:r="http://schemas.openxmlformats.org/officeDocument/2006/relationships" xmlns:p="http://schemas.openxmlformats.org/presentationml/2006/main">
+  <p:cSld>
+    <p:spTree>
+      <p:nvGrpSpPr>
+        <p:cNvPr id="1" name=""/>
+        <p:cNvGrpSpPr/>
+        <p:nvPr/>
+      </p:nvGrpSpPr>
+      <p:grpSpPr>
+        <a:xfrm>
+          <a:off x="0" y="0"/>
+          <a:ext cx="0" cy="0"/>
+          <a:chOff x="0" y="0"/>
+          <a:chExt cx="0" cy="0"/>
+        </a:xfrm>
+      </p:grpSpPr>
+      <p:sp>
+        <p:nvSpPr>
+          <p:cNvPr id="2" name="タイトル 1">
+            <a:extLst>
+              <a:ext uri="{FF2B5EF4-FFF2-40B4-BE49-F238E27FC236}">
+                <a16:creationId xmlns:a16="http://schemas.microsoft.com/office/drawing/2014/main" id="{DA6841C3-0E6C-BFA1-5D04-4112F1117102}"/>
+              </a:ext>
+            </a:extLst>
+          </p:cNvPr>
+          <p:cNvSpPr>
+            <a:spLocks noGrp="1"/>
+          </p:cNvSpPr>
+          <p:nvPr>
+            <p:ph type="title"/>
+          </p:nvPr>
+        </p:nvSpPr>
+        <p:spPr/>
+        <p:txBody>
+          <a:bodyPr/>
+          <a:lstStyle/>
+          <a:p>
+            <a:r>
+              <a:rPr kumimoji="1" lang="ja-JP" altLang="en-US"/>
+              <a:t>目次</a:t>
+            </a:r>
+          </a:p>
+        </p:txBody>
+      </p:sp>
+      <p:sp>
+        <p:nvSpPr>
+          <p:cNvPr id="4" name="スライド番号プレースホルダー 3">
+            <a:extLst>
+              <a:ext uri="{FF2B5EF4-FFF2-40B4-BE49-F238E27FC236}">
+                <a16:creationId xmlns:a16="http://schemas.microsoft.com/office/drawing/2014/main" id="{20D20625-8135-BA1D-11A0-E3466265CE7C}"/>
+              </a:ext>
+            </a:extLst>
+          </p:cNvPr>
+          <p:cNvSpPr>
+            <a:spLocks noGrp="1"/>
+          </p:cNvSpPr>
+          <p:nvPr>
+            <p:ph type="sldNum" sz="quarter" idx="12"/>
+          </p:nvPr>
+        </p:nvSpPr>
+        <p:spPr/>
+        <p:txBody>
+          <a:bodyPr/>
+          <a:lstStyle/>
+          <a:p>
+            <a:pPr lvl="0"/>
+            <a:fld id="{004900ED-2EFD-2142-93A1-1CBA90FDE07B}" type="slidenum">
+              <a:rPr lang="en-US" altLang="ja-JP" smtClean="0"/>
+              <a:t>2</a:t>
+            </a:fld>
+            <a:endParaRPr lang="ja-JP" altLang="en-US"/>
+          </a:p>
+        </p:txBody>
+      </p:sp>
+      <p:sp>
+        <p:nvSpPr>
+          <p:cNvPr id="3" name="テキスト ボックス 2">
+            <a:extLst>
+              <a:ext uri="{FF2B5EF4-FFF2-40B4-BE49-F238E27FC236}">
+                <a16:creationId xmlns:a16="http://schemas.microsoft.com/office/drawing/2014/main" id="{CFCE3529-0348-FAC9-4C81-ACEA9BA72623}"/>
+              </a:ext>
+            </a:extLst>
+          </p:cNvPr>
+          <p:cNvSpPr txBox="1"/>
+          <p:nvPr/>
+        </p:nvSpPr>
+        <p:spPr>
+          <a:xfrm>
+            <a:off x="919691" y="1259079"/>
+            <a:ext cx="3877985" cy="3909917"/>
+          </a:xfrm>
+          <a:prstGeom prst="rect">
+            <a:avLst/>
+          </a:prstGeom>
+          <a:noFill/>
+        </p:spPr>
+        <p:txBody>
+          <a:bodyPr wrap="none" rtlCol="0">
+            <a:spAutoFit/>
+          </a:bodyPr>
+          <a:lstStyle/>
+          <a:p>
+            <a:pPr marL="457200" indent="-457200">
+              <a:lnSpc>
+                <a:spcPct val="150000"/>
+              </a:lnSpc>
+              <a:buFont typeface="Wingdings" pitchFamily="2" charset="2"/>
+              <a:buChar char="Ø"/>
+            </a:pPr>
+            <a:r>
+              <a:rPr lang="ja-JP" altLang="en-US" sz="2800"/>
+              <a:t>はじめに</a:t>
+            </a:r>
+            <a:endParaRPr lang="en-US" altLang="ja-JP" sz="2800" dirty="0"/>
+          </a:p>
+          <a:p>
+            <a:pPr marL="457200" indent="-457200">
+              <a:lnSpc>
+                <a:spcPct val="150000"/>
+              </a:lnSpc>
+              <a:buFont typeface="Wingdings" pitchFamily="2" charset="2"/>
+              <a:buChar char="Ø"/>
+            </a:pPr>
+            <a:r>
+              <a:rPr lang="ja-JP" altLang="en-US" sz="2800"/>
+              <a:t>要素技術</a:t>
+            </a:r>
+            <a:endParaRPr lang="en-US" altLang="ja-JP" sz="2800" dirty="0"/>
+          </a:p>
+          <a:p>
+            <a:pPr marL="457200" indent="-457200">
+              <a:lnSpc>
+                <a:spcPct val="150000"/>
+              </a:lnSpc>
+              <a:buFont typeface="Wingdings" pitchFamily="2" charset="2"/>
+              <a:buChar char="Ø"/>
+            </a:pPr>
+            <a:r>
+              <a:rPr lang="ja-JP" altLang="en-US" sz="2800"/>
+              <a:t>提案手法</a:t>
+            </a:r>
+            <a:endParaRPr lang="en-US" altLang="ja-JP" sz="2800" dirty="0"/>
+          </a:p>
+          <a:p>
+            <a:pPr marL="457200" indent="-457200">
+              <a:lnSpc>
+                <a:spcPct val="150000"/>
+              </a:lnSpc>
+              <a:buFont typeface="Wingdings" pitchFamily="2" charset="2"/>
+              <a:buChar char="Ø"/>
+            </a:pPr>
+            <a:r>
+              <a:rPr lang="ja-JP" altLang="en-US" sz="2800"/>
+              <a:t>実験概要</a:t>
+            </a:r>
+            <a:endParaRPr lang="en-US" altLang="ja-JP" sz="2800" dirty="0"/>
+          </a:p>
+          <a:p>
+            <a:pPr marL="457200" indent="-457200">
+              <a:lnSpc>
+                <a:spcPct val="150000"/>
+              </a:lnSpc>
+              <a:buFont typeface="Wingdings" pitchFamily="2" charset="2"/>
+              <a:buChar char="Ø"/>
+            </a:pPr>
+            <a:r>
+              <a:rPr lang="ja-JP" altLang="en-US" sz="2800"/>
+              <a:t>実験結果</a:t>
+            </a:r>
+            <a:endParaRPr lang="en-US" altLang="ja-JP" sz="2800" dirty="0"/>
+          </a:p>
+          <a:p>
+            <a:pPr marL="457200" indent="-457200">
+              <a:lnSpc>
+                <a:spcPct val="150000"/>
+              </a:lnSpc>
+              <a:buFont typeface="Wingdings" pitchFamily="2" charset="2"/>
+              <a:buChar char="Ø"/>
+            </a:pPr>
+            <a:r>
+              <a:rPr lang="ja-JP" altLang="en-US" sz="2800"/>
+              <a:t>まとめと今後の課題</a:t>
+            </a:r>
+          </a:p>
+        </p:txBody>
+      </p:sp>
+    </p:spTree>
+    <p:extLst>
+      <p:ext uri="{BB962C8B-B14F-4D97-AF65-F5344CB8AC3E}">
+        <p14:creationId xmlns:p14="http://schemas.microsoft.com/office/powerpoint/2010/main" val="934417076"/>
+      </p:ext>
+    </p:extLst>
+  </p:cSld>
+  <p:clrMapOvr>
+    <a:masterClrMapping/>
+  </p:clrMapOvr>
+</p:sld>
+</file>
+
+<file path=ppt/slides/slide20.xml><?xml version="1.0" encoding="utf-8"?>
+<p:sld xmlns:a="http://schemas.openxmlformats.org/drawingml/2006/main" xmlns:r="http://schemas.openxmlformats.org/officeDocument/2006/relationships" xmlns:p="http://schemas.openxmlformats.org/presentationml/2006/main">
+  <p:cSld>
+    <p:spTree>
+      <p:nvGrpSpPr>
+        <p:cNvPr id="1" name=""/>
+        <p:cNvGrpSpPr/>
+        <p:nvPr/>
+      </p:nvGrpSpPr>
+      <p:grpSpPr>
+        <a:xfrm>
+          <a:off x="0" y="0"/>
+          <a:ext cx="0" cy="0"/>
+          <a:chOff x="0" y="0"/>
+          <a:chExt cx="0" cy="0"/>
+        </a:xfrm>
+      </p:grpSpPr>
+      <p:sp>
+        <p:nvSpPr>
+          <p:cNvPr id="2" name="タイトル 1">
+            <a:extLst>
+              <a:ext uri="{FF2B5EF4-FFF2-40B4-BE49-F238E27FC236}">
+                <a16:creationId xmlns:a16="http://schemas.microsoft.com/office/drawing/2014/main" id="{380966B7-59D9-D6A5-796F-E7163263C3A4}"/>
+              </a:ext>
+            </a:extLst>
+          </p:cNvPr>
+          <p:cNvSpPr>
+            <a:spLocks noGrp="1"/>
+          </p:cNvSpPr>
+          <p:nvPr>
+            <p:ph type="title"/>
+          </p:nvPr>
+        </p:nvSpPr>
+        <p:spPr/>
+        <p:txBody>
+          <a:bodyPr/>
+          <a:lstStyle/>
+          <a:p>
+            <a:r>
+              <a:rPr kumimoji="1" lang="ja-JP" altLang="en-US"/>
+              <a:t>本実験の概要</a:t>
+            </a:r>
+          </a:p>
+        </p:txBody>
+      </p:sp>
+      <p:sp>
+        <p:nvSpPr>
+          <p:cNvPr id="3" name="スライド番号プレースホルダー 2">
+            <a:extLst>
+              <a:ext uri="{FF2B5EF4-FFF2-40B4-BE49-F238E27FC236}">
+                <a16:creationId xmlns:a16="http://schemas.microsoft.com/office/drawing/2014/main" id="{8D8006A5-C467-DBF1-F858-499620021D06}"/>
+              </a:ext>
+            </a:extLst>
+          </p:cNvPr>
+          <p:cNvSpPr>
+            <a:spLocks noGrp="1"/>
+          </p:cNvSpPr>
+          <p:nvPr>
+            <p:ph type="sldNum" sz="quarter" idx="12"/>
+          </p:nvPr>
+        </p:nvSpPr>
+        <p:spPr/>
+        <p:txBody>
+          <a:bodyPr/>
+          <a:lstStyle/>
+          <a:p>
+            <a:pPr lvl="0"/>
+            <a:fld id="{004900ED-2EFD-2142-93A1-1CBA90FDE07B}" type="slidenum">
+              <a:rPr lang="en-US" altLang="ja-JP" smtClean="0"/>
+              <a:t>20</a:t>
+            </a:fld>
+            <a:endParaRPr lang="ja-JP" altLang="en-US"/>
+          </a:p>
+        </p:txBody>
+      </p:sp>
+      <p:grpSp>
+        <p:nvGrpSpPr>
+          <p:cNvPr id="13" name="グループ化 12">
+            <a:extLst>
+              <a:ext uri="{FF2B5EF4-FFF2-40B4-BE49-F238E27FC236}">
+                <a16:creationId xmlns:a16="http://schemas.microsoft.com/office/drawing/2014/main" id="{F2C5A0EF-FCBF-6AE0-6064-1C63A009AB17}"/>
+              </a:ext>
+            </a:extLst>
+          </p:cNvPr>
+          <p:cNvGrpSpPr/>
+          <p:nvPr/>
+        </p:nvGrpSpPr>
+        <p:grpSpPr>
+          <a:xfrm>
+            <a:off x="519837" y="1537375"/>
+            <a:ext cx="6851773" cy="3724096"/>
+            <a:chOff x="519837" y="1537375"/>
+            <a:chExt cx="6851773" cy="3724096"/>
+          </a:xfrm>
+        </p:grpSpPr>
+        <p:sp>
+          <p:nvSpPr>
+            <p:cNvPr id="4" name="テキスト ボックス 3">
+              <a:extLst>
+                <a:ext uri="{FF2B5EF4-FFF2-40B4-BE49-F238E27FC236}">
+                  <a16:creationId xmlns:a16="http://schemas.microsoft.com/office/drawing/2014/main" id="{65921073-8658-6514-30A2-0483675975F4}"/>
+                </a:ext>
+              </a:extLst>
+            </p:cNvPr>
+            <p:cNvSpPr txBox="1"/>
+            <p:nvPr/>
+          </p:nvSpPr>
+          <p:spPr>
+            <a:xfrm>
+              <a:off x="526501" y="1537375"/>
+              <a:ext cx="6514925" cy="3724096"/>
+            </a:xfrm>
+            <a:prstGeom prst="rect">
+              <a:avLst/>
+            </a:prstGeom>
+            <a:noFill/>
+          </p:spPr>
+          <p:txBody>
+            <a:bodyPr wrap="none" rtlCol="0">
+              <a:spAutoFit/>
+            </a:bodyPr>
+            <a:lstStyle/>
+            <a:p>
+              <a:pPr marL="285750" indent="-285750">
+                <a:buFont typeface="Wingdings" pitchFamily="2" charset="2"/>
+                <a:buChar char="p"/>
+              </a:pPr>
+              <a:r>
+                <a:rPr lang="ja-JP" altLang="en-US" sz="2400"/>
+                <a:t>先行研究</a:t>
+              </a:r>
+              <a:endParaRPr lang="en-US" altLang="ja-JP" sz="2400" dirty="0"/>
+            </a:p>
+            <a:p>
+              <a:pPr marL="742950" lvl="1" indent="-285750">
+                <a:buFont typeface="Wingdings" pitchFamily="2" charset="2"/>
+                <a:buChar char="p"/>
+              </a:pPr>
+              <a:r>
+                <a:rPr lang="ja-JP" altLang="en-US" sz="2400"/>
+                <a:t>適応度計算のために</a:t>
+              </a:r>
+              <a:r>
+                <a:rPr lang="en-US" altLang="ja-JP" sz="2400" dirty="0">
+                  <a:solidFill>
+                    <a:srgbClr val="FF0000"/>
+                  </a:solidFill>
+                </a:rPr>
+                <a:t> 1</a:t>
+              </a:r>
+              <a:r>
+                <a:rPr lang="ja-JP" altLang="en-US" sz="2400">
+                  <a:solidFill>
+                    <a:srgbClr val="FF0000"/>
+                  </a:solidFill>
+                </a:rPr>
+                <a:t> エポックのみ</a:t>
+              </a:r>
+              <a:r>
+                <a:rPr lang="ja-JP" altLang="en-US" sz="2400"/>
+                <a:t>学習</a:t>
+              </a:r>
+              <a:endParaRPr lang="en-US" altLang="ja-JP" sz="2000" dirty="0"/>
+            </a:p>
+            <a:p>
+              <a:pPr marL="742950" lvl="1" indent="-285750">
+                <a:buFont typeface="Wingdings" pitchFamily="2" charset="2"/>
+                <a:buChar char="p"/>
+              </a:pPr>
+              <a:endParaRPr lang="en-US" altLang="ja-JP" sz="2000" dirty="0"/>
+            </a:p>
+            <a:p>
+              <a:pPr marL="285750" indent="-285750">
+                <a:buFont typeface="Wingdings" pitchFamily="2" charset="2"/>
+                <a:buChar char="p"/>
+              </a:pPr>
+              <a:r>
+                <a:rPr lang="ja-JP" altLang="en-US" sz="2400"/>
+                <a:t>本実験</a:t>
+              </a:r>
+              <a:endParaRPr lang="en-US" altLang="ja-JP" sz="2400" dirty="0"/>
+            </a:p>
+            <a:p>
+              <a:pPr lvl="1"/>
+              <a:endParaRPr lang="en-US" altLang="ja-JP" sz="2400" dirty="0"/>
+            </a:p>
+            <a:p>
+              <a:pPr lvl="1"/>
+              <a:endParaRPr lang="en-US" altLang="ja-JP" sz="2400" dirty="0"/>
+            </a:p>
+            <a:p>
+              <a:pPr lvl="1"/>
+              <a:endParaRPr lang="en-US" altLang="ja-JP" sz="2400" dirty="0"/>
+            </a:p>
+            <a:p>
+              <a:pPr lvl="1"/>
+              <a:br>
+                <a:rPr lang="en-US" altLang="ja-JP" sz="2400" dirty="0"/>
+              </a:br>
+              <a:endParaRPr lang="en-US" altLang="ja-JP" sz="2400" dirty="0"/>
+            </a:p>
+            <a:p>
+              <a:pPr marL="285750" indent="-285750">
+                <a:buFont typeface="Wingdings" pitchFamily="2" charset="2"/>
+                <a:buChar char="p"/>
+              </a:pPr>
+              <a:endParaRPr lang="en-US" altLang="ja-JP" sz="2400" dirty="0"/>
+            </a:p>
+          </p:txBody>
+        </p:sp>
+        <p:pic>
+          <p:nvPicPr>
+            <p:cNvPr id="6" name="図 5" descr="時計 が含まれている画像&#10;&#10;自動的に生成された説明">
+              <a:extLst>
+                <a:ext uri="{FF2B5EF4-FFF2-40B4-BE49-F238E27FC236}">
+                  <a16:creationId xmlns:a16="http://schemas.microsoft.com/office/drawing/2014/main" id="{E61A381D-1816-E857-D9FE-D75665C5AEA7}"/>
+                </a:ext>
+              </a:extLst>
+            </p:cNvPr>
+            <p:cNvPicPr>
+              <a:picLocks noChangeAspect="1"/>
+            </p:cNvPicPr>
+            <p:nvPr/>
+          </p:nvPicPr>
+          <p:blipFill>
+            <a:blip r:embed="rId2"/>
+            <a:stretch>
+              <a:fillRect/>
+            </a:stretch>
+          </p:blipFill>
+          <p:spPr>
+            <a:xfrm>
+              <a:off x="519837" y="3171427"/>
+              <a:ext cx="1932453" cy="844989"/>
+            </a:xfrm>
+            <a:prstGeom prst="rect">
+              <a:avLst/>
+            </a:prstGeom>
+          </p:spPr>
+        </p:pic>
+        <p:pic>
+          <p:nvPicPr>
+            <p:cNvPr id="8" name="図 7" descr="テキスト, 手紙&#10;&#10;自動的に生成された説明">
+              <a:extLst>
+                <a:ext uri="{FF2B5EF4-FFF2-40B4-BE49-F238E27FC236}">
+                  <a16:creationId xmlns:a16="http://schemas.microsoft.com/office/drawing/2014/main" id="{776B6F0A-A60E-311C-3C3A-D4CEBA6CBA53}"/>
+                </a:ext>
+              </a:extLst>
+            </p:cNvPr>
+            <p:cNvPicPr>
+              <a:picLocks noChangeAspect="1"/>
+            </p:cNvPicPr>
+            <p:nvPr/>
+          </p:nvPicPr>
+          <p:blipFill>
+            <a:blip r:embed="rId3"/>
+            <a:stretch>
+              <a:fillRect/>
+            </a:stretch>
+          </p:blipFill>
+          <p:spPr>
+            <a:xfrm>
+              <a:off x="2691459" y="2835275"/>
+              <a:ext cx="4680151" cy="1282839"/>
+            </a:xfrm>
+            <a:prstGeom prst="rect">
+              <a:avLst/>
+            </a:prstGeom>
+            <a:ln>
+              <a:solidFill>
+                <a:schemeClr val="tx1"/>
+              </a:solidFill>
+            </a:ln>
+          </p:spPr>
+        </p:pic>
+        <p:grpSp>
+          <p:nvGrpSpPr>
+            <p:cNvPr id="12" name="グループ化 11">
+              <a:extLst>
+                <a:ext uri="{FF2B5EF4-FFF2-40B4-BE49-F238E27FC236}">
+                  <a16:creationId xmlns:a16="http://schemas.microsoft.com/office/drawing/2014/main" id="{049F77A7-CC2F-E6E9-4F66-F4A62AB9A154}"/>
+                </a:ext>
+              </a:extLst>
+            </p:cNvPr>
+            <p:cNvGrpSpPr/>
+            <p:nvPr/>
+          </p:nvGrpSpPr>
+          <p:grpSpPr>
+            <a:xfrm>
+              <a:off x="526501" y="4278976"/>
+              <a:ext cx="4777270" cy="461665"/>
+              <a:chOff x="612843" y="4902738"/>
+              <a:chExt cx="4777270" cy="461665"/>
+            </a:xfrm>
+          </p:grpSpPr>
+          <p:sp>
+            <p:nvSpPr>
+              <p:cNvPr id="9" name="テキスト ボックス 8">
+                <a:extLst>
+                  <a:ext uri="{FF2B5EF4-FFF2-40B4-BE49-F238E27FC236}">
+                    <a16:creationId xmlns:a16="http://schemas.microsoft.com/office/drawing/2014/main" id="{EB5AED5E-D78D-22ED-2F79-46B98AA052FB}"/>
+                  </a:ext>
+                </a:extLst>
+              </p:cNvPr>
+              <p:cNvSpPr txBox="1"/>
+              <p:nvPr/>
+            </p:nvSpPr>
+            <p:spPr>
+              <a:xfrm>
+                <a:off x="612843" y="4902738"/>
+                <a:ext cx="4777270" cy="461665"/>
+              </a:xfrm>
+              <a:prstGeom prst="rect">
+                <a:avLst/>
+              </a:prstGeom>
+              <a:noFill/>
+            </p:spPr>
+            <p:txBody>
+              <a:bodyPr wrap="none" rtlCol="0">
+                <a:spAutoFit/>
+              </a:bodyPr>
+              <a:lstStyle/>
+              <a:p>
+                <a:pPr marL="800100" lvl="1" indent="-342900">
+                  <a:buFont typeface="Wingdings" pitchFamily="2" charset="2"/>
+                  <a:buChar char="p"/>
+                </a:pPr>
+                <a:r>
+                  <a:rPr kumimoji="1" lang="ja-JP" altLang="en-US" sz="2400"/>
+                  <a:t>今回は</a:t>
+                </a:r>
+                <a:r>
+                  <a:rPr kumimoji="1" lang="en-US" altLang="ja-JP" sz="2400" dirty="0"/>
+                  <a:t>              </a:t>
+                </a:r>
+                <a:r>
+                  <a:rPr kumimoji="1" lang="ja-JP" altLang="en-US" sz="2400"/>
+                  <a:t>として実験</a:t>
+                </a:r>
+                <a:r>
+                  <a:rPr kumimoji="1" lang="en-US" altLang="ja-JP" sz="2400" dirty="0"/>
+                  <a:t> </a:t>
+                </a:r>
+                <a:endParaRPr kumimoji="1" lang="ja-JP" altLang="en-US" sz="2400"/>
+              </a:p>
+            </p:txBody>
+          </p:sp>
+          <p:pic>
+            <p:nvPicPr>
+              <p:cNvPr id="11" name="図 10" descr="はさみ が含まれている画像&#10;&#10;自動的に生成された説明">
+                <a:extLst>
+                  <a:ext uri="{FF2B5EF4-FFF2-40B4-BE49-F238E27FC236}">
+                    <a16:creationId xmlns:a16="http://schemas.microsoft.com/office/drawing/2014/main" id="{35A10D85-0668-14FE-432E-50B2E3256DCD}"/>
+                  </a:ext>
+                </a:extLst>
+              </p:cNvPr>
+              <p:cNvPicPr>
+                <a:picLocks noChangeAspect="1"/>
+              </p:cNvPicPr>
+              <p:nvPr/>
+            </p:nvPicPr>
+            <p:blipFill>
+              <a:blip r:embed="rId4"/>
+              <a:stretch>
+                <a:fillRect/>
+              </a:stretch>
+            </p:blipFill>
+            <p:spPr>
+              <a:xfrm>
+                <a:off x="2538632" y="4949333"/>
+                <a:ext cx="1028029" cy="330757"/>
+              </a:xfrm>
+              <a:prstGeom prst="rect">
+                <a:avLst/>
+              </a:prstGeom>
+            </p:spPr>
+          </p:pic>
+        </p:grpSp>
+      </p:grpSp>
+    </p:spTree>
+    <p:extLst>
+      <p:ext uri="{BB962C8B-B14F-4D97-AF65-F5344CB8AC3E}">
+        <p14:creationId xmlns:p14="http://schemas.microsoft.com/office/powerpoint/2010/main" val="720086068"/>
+      </p:ext>
+    </p:extLst>
+  </p:cSld>
+  <p:clrMapOvr>
+    <a:masterClrMapping/>
+  </p:clrMapOvr>
+</p:sld>
+</file>
+
+<file path=ppt/slides/slide21.xml><?xml version="1.0" encoding="utf-8"?>
+<p:sld xmlns:a="http://schemas.openxmlformats.org/drawingml/2006/main" xmlns:r="http://schemas.openxmlformats.org/officeDocument/2006/relationships" xmlns:p="http://schemas.openxmlformats.org/presentationml/2006/main">
+  <p:cSld>
+    <p:spTree>
+      <p:nvGrpSpPr>
+        <p:cNvPr id="1" name=""/>
+        <p:cNvGrpSpPr/>
+        <p:nvPr/>
+      </p:nvGrpSpPr>
+      <p:grpSpPr>
+        <a:xfrm>
+          <a:off x="0" y="0"/>
+          <a:ext cx="0" cy="0"/>
+          <a:chOff x="0" y="0"/>
+          <a:chExt cx="0" cy="0"/>
+        </a:xfrm>
+      </p:grpSpPr>
+      <p:sp>
+        <p:nvSpPr>
+          <p:cNvPr id="2" name="タイトル 1">
+            <a:extLst>
+              <a:ext uri="{FF2B5EF4-FFF2-40B4-BE49-F238E27FC236}">
+                <a16:creationId xmlns:a16="http://schemas.microsoft.com/office/drawing/2014/main" id="{B3856225-BF31-7C83-9113-9E3E30C19EB8}"/>
+              </a:ext>
+            </a:extLst>
+          </p:cNvPr>
+          <p:cNvSpPr>
+            <a:spLocks noGrp="1"/>
+          </p:cNvSpPr>
+          <p:nvPr>
+            <p:ph type="title"/>
+          </p:nvPr>
+        </p:nvSpPr>
+        <p:spPr/>
+        <p:txBody>
+          <a:bodyPr/>
+          <a:lstStyle/>
+          <a:p>
+            <a:r>
+              <a:rPr kumimoji="1" lang="ja-JP" altLang="en-US"/>
+              <a:t>初期個体群の作成</a:t>
+            </a:r>
+          </a:p>
+        </p:txBody>
+      </p:sp>
+      <p:sp>
+        <p:nvSpPr>
+          <p:cNvPr id="3" name="スライド番号プレースホルダー 2">
+            <a:extLst>
+              <a:ext uri="{FF2B5EF4-FFF2-40B4-BE49-F238E27FC236}">
+                <a16:creationId xmlns:a16="http://schemas.microsoft.com/office/drawing/2014/main" id="{D54A1411-310B-5B77-D481-0D835AD0E47D}"/>
+              </a:ext>
+            </a:extLst>
+          </p:cNvPr>
+          <p:cNvSpPr>
+            <a:spLocks noGrp="1"/>
+          </p:cNvSpPr>
+          <p:nvPr>
+            <p:ph type="sldNum" sz="quarter" idx="12"/>
+          </p:nvPr>
+        </p:nvSpPr>
+        <p:spPr/>
+        <p:txBody>
+          <a:bodyPr/>
+          <a:lstStyle/>
+          <a:p>
+            <a:pPr lvl="0"/>
+            <a:fld id="{004900ED-2EFD-2142-93A1-1CBA90FDE07B}" type="slidenum">
+              <a:rPr lang="en-US" altLang="ja-JP" smtClean="0"/>
+              <a:t>21</a:t>
+            </a:fld>
+            <a:endParaRPr lang="ja-JP" altLang="en-US"/>
+          </a:p>
+        </p:txBody>
+      </p:sp>
+      <p:sp>
+        <p:nvSpPr>
+          <p:cNvPr id="7" name="テキスト ボックス 6">
+            <a:extLst>
+              <a:ext uri="{FF2B5EF4-FFF2-40B4-BE49-F238E27FC236}">
+                <a16:creationId xmlns:a16="http://schemas.microsoft.com/office/drawing/2014/main" id="{798FD77A-9BDB-91FE-7EE0-B3FF46539E04}"/>
+              </a:ext>
+            </a:extLst>
+          </p:cNvPr>
+          <p:cNvSpPr txBox="1"/>
+          <p:nvPr/>
+        </p:nvSpPr>
+        <p:spPr>
+          <a:xfrm>
+            <a:off x="519837" y="1533672"/>
+            <a:ext cx="5965095" cy="830997"/>
+          </a:xfrm>
+          <a:prstGeom prst="rect">
+            <a:avLst/>
+          </a:prstGeom>
+          <a:noFill/>
+        </p:spPr>
+        <p:txBody>
+          <a:bodyPr wrap="none" rtlCol="0">
+            <a:spAutoFit/>
+          </a:bodyPr>
+          <a:lstStyle/>
+          <a:p>
+            <a:pPr marL="285750" indent="-285750">
+              <a:buFont typeface="Wingdings" pitchFamily="2" charset="2"/>
+              <a:buChar char="p"/>
+            </a:pPr>
+            <a:r>
+              <a:rPr lang="en-US" altLang="ja-JP" sz="2400" dirty="0"/>
+              <a:t>1 </a:t>
+            </a:r>
+            <a:r>
+              <a:rPr lang="ja-JP" altLang="en-US" sz="2400"/>
+              <a:t>度の実験にかかる時間を短縮する目的</a:t>
+            </a:r>
+            <a:endParaRPr kumimoji="1" lang="en-US" altLang="ja-JP" sz="2400" dirty="0"/>
+          </a:p>
           <a:p>
             <a:pPr marL="285750" indent="-285750">
               <a:buFont typeface="Wingdings" pitchFamily="2" charset="2"/>
@@ -7149,7 +8301,7 @@
             </p:nvSpPr>
             <p:spPr>
               <a:xfrm>
-                <a:off x="2724150" y="3764335"/>
+                <a:off x="2938674" y="3751595"/>
                 <a:ext cx="1352549" cy="933450"/>
               </a:xfrm>
               <a:prstGeom prst="rightArrow">
@@ -7310,8 +8462,8 @@
           </p:nvSpPr>
           <p:spPr>
             <a:xfrm>
-              <a:off x="2125244" y="4812136"/>
-              <a:ext cx="2165978" cy="461665"/>
+              <a:off x="1804232" y="4839046"/>
+              <a:ext cx="2618024" cy="461665"/>
             </a:xfrm>
             <a:prstGeom prst="rect">
               <a:avLst/>
@@ -7325,8 +8477,12 @@
             <a:lstStyle/>
             <a:p>
               <a:r>
+                <a:rPr lang="en-US" altLang="ja-JP" sz="2400" dirty="0" err="1"/>
+                <a:t>tdgaCNN</a:t>
+              </a:r>
+              <a:r>
                 <a:rPr kumimoji="1" lang="en-US" altLang="ja-JP" sz="2400" dirty="0"/>
-                <a:t>TDGA 20 </a:t>
+                <a:t> 20 </a:t>
               </a:r>
               <a:r>
                 <a:rPr kumimoji="1" lang="ja-JP" altLang="en-US" sz="2400"/>
@@ -7340,560 +8496,6 @@
     <p:extLst>
       <p:ext uri="{BB962C8B-B14F-4D97-AF65-F5344CB8AC3E}">
         <p14:creationId xmlns:p14="http://schemas.microsoft.com/office/powerpoint/2010/main" val="4267159000"/>
-      </p:ext>
-    </p:extLst>
-  </p:cSld>
-  <p:clrMapOvr>
-    <a:masterClrMapping/>
-  </p:clrMapOvr>
-</p:sld>
-</file>
-
-<file path=ppt/slides/slide2.xml><?xml version="1.0" encoding="utf-8"?>
-<p:sld xmlns:a="http://schemas.openxmlformats.org/drawingml/2006/main" xmlns:r="http://schemas.openxmlformats.org/officeDocument/2006/relationships" xmlns:p="http://schemas.openxmlformats.org/presentationml/2006/main">
-  <p:cSld>
-    <p:spTree>
-      <p:nvGrpSpPr>
-        <p:cNvPr id="1" name=""/>
-        <p:cNvGrpSpPr/>
-        <p:nvPr/>
-      </p:nvGrpSpPr>
-      <p:grpSpPr>
-        <a:xfrm>
-          <a:off x="0" y="0"/>
-          <a:ext cx="0" cy="0"/>
-          <a:chOff x="0" y="0"/>
-          <a:chExt cx="0" cy="0"/>
-        </a:xfrm>
-      </p:grpSpPr>
-      <p:sp>
-        <p:nvSpPr>
-          <p:cNvPr id="2" name="タイトル 1">
-            <a:extLst>
-              <a:ext uri="{FF2B5EF4-FFF2-40B4-BE49-F238E27FC236}">
-                <a16:creationId xmlns:a16="http://schemas.microsoft.com/office/drawing/2014/main" id="{DA6841C3-0E6C-BFA1-5D04-4112F1117102}"/>
-              </a:ext>
-            </a:extLst>
-          </p:cNvPr>
-          <p:cNvSpPr>
-            <a:spLocks noGrp="1"/>
-          </p:cNvSpPr>
-          <p:nvPr>
-            <p:ph type="title"/>
-          </p:nvPr>
-        </p:nvSpPr>
-        <p:spPr/>
-        <p:txBody>
-          <a:bodyPr/>
-          <a:lstStyle/>
-          <a:p>
-            <a:r>
-              <a:rPr kumimoji="1" lang="ja-JP" altLang="en-US"/>
-              <a:t>目次</a:t>
-            </a:r>
-          </a:p>
-        </p:txBody>
-      </p:sp>
-      <p:sp>
-        <p:nvSpPr>
-          <p:cNvPr id="4" name="スライド番号プレースホルダー 3">
-            <a:extLst>
-              <a:ext uri="{FF2B5EF4-FFF2-40B4-BE49-F238E27FC236}">
-                <a16:creationId xmlns:a16="http://schemas.microsoft.com/office/drawing/2014/main" id="{20D20625-8135-BA1D-11A0-E3466265CE7C}"/>
-              </a:ext>
-            </a:extLst>
-          </p:cNvPr>
-          <p:cNvSpPr>
-            <a:spLocks noGrp="1"/>
-          </p:cNvSpPr>
-          <p:nvPr>
-            <p:ph type="sldNum" sz="quarter" idx="12"/>
-          </p:nvPr>
-        </p:nvSpPr>
-        <p:spPr/>
-        <p:txBody>
-          <a:bodyPr/>
-          <a:lstStyle/>
-          <a:p>
-            <a:pPr lvl="0"/>
-            <a:fld id="{004900ED-2EFD-2142-93A1-1CBA90FDE07B}" type="slidenum">
-              <a:rPr lang="en-US" altLang="ja-JP" smtClean="0"/>
-              <a:t>2</a:t>
-            </a:fld>
-            <a:endParaRPr lang="ja-JP" altLang="en-US"/>
-          </a:p>
-        </p:txBody>
-      </p:sp>
-      <p:sp>
-        <p:nvSpPr>
-          <p:cNvPr id="3" name="テキスト ボックス 2">
-            <a:extLst>
-              <a:ext uri="{FF2B5EF4-FFF2-40B4-BE49-F238E27FC236}">
-                <a16:creationId xmlns:a16="http://schemas.microsoft.com/office/drawing/2014/main" id="{CFCE3529-0348-FAC9-4C81-ACEA9BA72623}"/>
-              </a:ext>
-            </a:extLst>
-          </p:cNvPr>
-          <p:cNvSpPr txBox="1"/>
-          <p:nvPr/>
-        </p:nvSpPr>
-        <p:spPr>
-          <a:xfrm>
-            <a:off x="919691" y="1259079"/>
-            <a:ext cx="3877985" cy="3909917"/>
-          </a:xfrm>
-          <a:prstGeom prst="rect">
-            <a:avLst/>
-          </a:prstGeom>
-          <a:noFill/>
-        </p:spPr>
-        <p:txBody>
-          <a:bodyPr wrap="none" rtlCol="0">
-            <a:spAutoFit/>
-          </a:bodyPr>
-          <a:lstStyle/>
-          <a:p>
-            <a:pPr marL="457200" indent="-457200">
-              <a:lnSpc>
-                <a:spcPct val="150000"/>
-              </a:lnSpc>
-              <a:buFont typeface="Wingdings" pitchFamily="2" charset="2"/>
-              <a:buChar char="Ø"/>
-            </a:pPr>
-            <a:r>
-              <a:rPr lang="ja-JP" altLang="en-US" sz="2800"/>
-              <a:t>はじめに</a:t>
-            </a:r>
-            <a:endParaRPr lang="en-US" altLang="ja-JP" sz="2800" dirty="0"/>
-          </a:p>
-          <a:p>
-            <a:pPr marL="457200" indent="-457200">
-              <a:lnSpc>
-                <a:spcPct val="150000"/>
-              </a:lnSpc>
-              <a:buFont typeface="Wingdings" pitchFamily="2" charset="2"/>
-              <a:buChar char="Ø"/>
-            </a:pPr>
-            <a:r>
-              <a:rPr lang="ja-JP" altLang="en-US" sz="2800"/>
-              <a:t>要素技術</a:t>
-            </a:r>
-            <a:endParaRPr lang="en-US" altLang="ja-JP" sz="2800" dirty="0"/>
-          </a:p>
-          <a:p>
-            <a:pPr marL="457200" indent="-457200">
-              <a:lnSpc>
-                <a:spcPct val="150000"/>
-              </a:lnSpc>
-              <a:buFont typeface="Wingdings" pitchFamily="2" charset="2"/>
-              <a:buChar char="Ø"/>
-            </a:pPr>
-            <a:r>
-              <a:rPr lang="ja-JP" altLang="en-US" sz="2800"/>
-              <a:t>提案手法</a:t>
-            </a:r>
-            <a:endParaRPr lang="en-US" altLang="ja-JP" sz="2800" dirty="0"/>
-          </a:p>
-          <a:p>
-            <a:pPr marL="457200" indent="-457200">
-              <a:lnSpc>
-                <a:spcPct val="150000"/>
-              </a:lnSpc>
-              <a:buFont typeface="Wingdings" pitchFamily="2" charset="2"/>
-              <a:buChar char="Ø"/>
-            </a:pPr>
-            <a:r>
-              <a:rPr lang="ja-JP" altLang="en-US" sz="2800"/>
-              <a:t>実験概要</a:t>
-            </a:r>
-            <a:endParaRPr lang="en-US" altLang="ja-JP" sz="2800" dirty="0"/>
-          </a:p>
-          <a:p>
-            <a:pPr marL="457200" indent="-457200">
-              <a:lnSpc>
-                <a:spcPct val="150000"/>
-              </a:lnSpc>
-              <a:buFont typeface="Wingdings" pitchFamily="2" charset="2"/>
-              <a:buChar char="Ø"/>
-            </a:pPr>
-            <a:r>
-              <a:rPr lang="ja-JP" altLang="en-US" sz="2800"/>
-              <a:t>実験結果</a:t>
-            </a:r>
-            <a:endParaRPr lang="en-US" altLang="ja-JP" sz="2800" dirty="0"/>
-          </a:p>
-          <a:p>
-            <a:pPr marL="457200" indent="-457200">
-              <a:lnSpc>
-                <a:spcPct val="150000"/>
-              </a:lnSpc>
-              <a:buFont typeface="Wingdings" pitchFamily="2" charset="2"/>
-              <a:buChar char="Ø"/>
-            </a:pPr>
-            <a:r>
-              <a:rPr lang="ja-JP" altLang="en-US" sz="2800"/>
-              <a:t>まとめと今後の課題</a:t>
-            </a:r>
-          </a:p>
-        </p:txBody>
-      </p:sp>
-    </p:spTree>
-    <p:extLst>
-      <p:ext uri="{BB962C8B-B14F-4D97-AF65-F5344CB8AC3E}">
-        <p14:creationId xmlns:p14="http://schemas.microsoft.com/office/powerpoint/2010/main" val="934417076"/>
-      </p:ext>
-    </p:extLst>
-  </p:cSld>
-  <p:clrMapOvr>
-    <a:masterClrMapping/>
-  </p:clrMapOvr>
-</p:sld>
-</file>
-
-<file path=ppt/slides/slide20.xml><?xml version="1.0" encoding="utf-8"?>
-<p:sld xmlns:a="http://schemas.openxmlformats.org/drawingml/2006/main" xmlns:r="http://schemas.openxmlformats.org/officeDocument/2006/relationships" xmlns:p="http://schemas.openxmlformats.org/presentationml/2006/main">
-  <p:cSld>
-    <p:spTree>
-      <p:nvGrpSpPr>
-        <p:cNvPr id="1" name=""/>
-        <p:cNvGrpSpPr/>
-        <p:nvPr/>
-      </p:nvGrpSpPr>
-      <p:grpSpPr>
-        <a:xfrm>
-          <a:off x="0" y="0"/>
-          <a:ext cx="0" cy="0"/>
-          <a:chOff x="0" y="0"/>
-          <a:chExt cx="0" cy="0"/>
-        </a:xfrm>
-      </p:grpSpPr>
-      <p:sp>
-        <p:nvSpPr>
-          <p:cNvPr id="2" name="タイトル 1">
-            <a:extLst>
-              <a:ext uri="{FF2B5EF4-FFF2-40B4-BE49-F238E27FC236}">
-                <a16:creationId xmlns:a16="http://schemas.microsoft.com/office/drawing/2014/main" id="{F91DABD0-6E6F-20AC-E27E-DE4CB11AD443}"/>
-              </a:ext>
-            </a:extLst>
-          </p:cNvPr>
-          <p:cNvSpPr>
-            <a:spLocks noGrp="1"/>
-          </p:cNvSpPr>
-          <p:nvPr>
-            <p:ph type="title"/>
-          </p:nvPr>
-        </p:nvSpPr>
-        <p:spPr/>
-        <p:txBody>
-          <a:bodyPr/>
-          <a:lstStyle/>
-          <a:p>
-            <a:pPr marL="514350" indent="-514350">
-              <a:buFont typeface="+mj-lt"/>
-              <a:buAutoNum type="arabicPeriod" startAt="2"/>
-            </a:pPr>
-            <a:r>
-              <a:rPr kumimoji="1" lang="en-US" altLang="ja-JP" dirty="0" err="1"/>
-              <a:t>tdgaCNN</a:t>
-            </a:r>
-            <a:r>
-              <a:rPr kumimoji="1" lang="en-US" altLang="ja-JP" dirty="0"/>
-              <a:t> </a:t>
-            </a:r>
-            <a:r>
-              <a:rPr kumimoji="1" lang="ja-JP" altLang="en-US"/>
-              <a:t>の実行</a:t>
-            </a:r>
-          </a:p>
-        </p:txBody>
-      </p:sp>
-      <p:sp>
-        <p:nvSpPr>
-          <p:cNvPr id="3" name="スライド番号プレースホルダー 2">
-            <a:extLst>
-              <a:ext uri="{FF2B5EF4-FFF2-40B4-BE49-F238E27FC236}">
-                <a16:creationId xmlns:a16="http://schemas.microsoft.com/office/drawing/2014/main" id="{35677EC9-0504-1614-4950-D0D61AE8CD08}"/>
-              </a:ext>
-            </a:extLst>
-          </p:cNvPr>
-          <p:cNvSpPr>
-            <a:spLocks noGrp="1"/>
-          </p:cNvSpPr>
-          <p:nvPr>
-            <p:ph type="sldNum" sz="quarter" idx="12"/>
-          </p:nvPr>
-        </p:nvSpPr>
-        <p:spPr/>
-        <p:txBody>
-          <a:bodyPr/>
-          <a:lstStyle/>
-          <a:p>
-            <a:pPr lvl="0"/>
-            <a:fld id="{004900ED-2EFD-2142-93A1-1CBA90FDE07B}" type="slidenum">
-              <a:rPr lang="en-US" altLang="ja-JP" smtClean="0"/>
-              <a:t>20</a:t>
-            </a:fld>
-            <a:endParaRPr lang="ja-JP" altLang="en-US"/>
-          </a:p>
-        </p:txBody>
-      </p:sp>
-    </p:spTree>
-    <p:extLst>
-      <p:ext uri="{BB962C8B-B14F-4D97-AF65-F5344CB8AC3E}">
-        <p14:creationId xmlns:p14="http://schemas.microsoft.com/office/powerpoint/2010/main" val="4222497694"/>
-      </p:ext>
-    </p:extLst>
-  </p:cSld>
-  <p:clrMapOvr>
-    <a:masterClrMapping/>
-  </p:clrMapOvr>
-</p:sld>
-</file>
-
-<file path=ppt/slides/slide21.xml><?xml version="1.0" encoding="utf-8"?>
-<p:sld xmlns:a="http://schemas.openxmlformats.org/drawingml/2006/main" xmlns:r="http://schemas.openxmlformats.org/officeDocument/2006/relationships" xmlns:p="http://schemas.openxmlformats.org/presentationml/2006/main">
-  <p:cSld>
-    <p:spTree>
-      <p:nvGrpSpPr>
-        <p:cNvPr id="1" name=""/>
-        <p:cNvGrpSpPr/>
-        <p:nvPr/>
-      </p:nvGrpSpPr>
-      <p:grpSpPr>
-        <a:xfrm>
-          <a:off x="0" y="0"/>
-          <a:ext cx="0" cy="0"/>
-          <a:chOff x="0" y="0"/>
-          <a:chExt cx="0" cy="0"/>
-        </a:xfrm>
-      </p:grpSpPr>
-      <p:sp>
-        <p:nvSpPr>
-          <p:cNvPr id="2" name="タイトル 1">
-            <a:extLst>
-              <a:ext uri="{FF2B5EF4-FFF2-40B4-BE49-F238E27FC236}">
-                <a16:creationId xmlns:a16="http://schemas.microsoft.com/office/drawing/2014/main" id="{DA6841C3-0E6C-BFA1-5D04-4112F1117102}"/>
-              </a:ext>
-            </a:extLst>
-          </p:cNvPr>
-          <p:cNvSpPr>
-            <a:spLocks noGrp="1"/>
-          </p:cNvSpPr>
-          <p:nvPr>
-            <p:ph type="title"/>
-          </p:nvPr>
-        </p:nvSpPr>
-        <p:spPr/>
-        <p:txBody>
-          <a:bodyPr/>
-          <a:lstStyle/>
-          <a:p>
-            <a:r>
-              <a:rPr kumimoji="1" lang="ja-JP" altLang="en-US"/>
-              <a:t>目次</a:t>
-            </a:r>
-          </a:p>
-        </p:txBody>
-      </p:sp>
-      <p:sp>
-        <p:nvSpPr>
-          <p:cNvPr id="4" name="スライド番号プレースホルダー 3">
-            <a:extLst>
-              <a:ext uri="{FF2B5EF4-FFF2-40B4-BE49-F238E27FC236}">
-                <a16:creationId xmlns:a16="http://schemas.microsoft.com/office/drawing/2014/main" id="{20D20625-8135-BA1D-11A0-E3466265CE7C}"/>
-              </a:ext>
-            </a:extLst>
-          </p:cNvPr>
-          <p:cNvSpPr>
-            <a:spLocks noGrp="1"/>
-          </p:cNvSpPr>
-          <p:nvPr>
-            <p:ph type="sldNum" sz="quarter" idx="12"/>
-          </p:nvPr>
-        </p:nvSpPr>
-        <p:spPr/>
-        <p:txBody>
-          <a:bodyPr/>
-          <a:lstStyle/>
-          <a:p>
-            <a:pPr lvl="0"/>
-            <a:fld id="{004900ED-2EFD-2142-93A1-1CBA90FDE07B}" type="slidenum">
-              <a:rPr lang="en-US" altLang="ja-JP" smtClean="0"/>
-              <a:t>21</a:t>
-            </a:fld>
-            <a:endParaRPr lang="ja-JP" altLang="en-US"/>
-          </a:p>
-        </p:txBody>
-      </p:sp>
-      <p:sp>
-        <p:nvSpPr>
-          <p:cNvPr id="3" name="テキスト ボックス 2">
-            <a:extLst>
-              <a:ext uri="{FF2B5EF4-FFF2-40B4-BE49-F238E27FC236}">
-                <a16:creationId xmlns:a16="http://schemas.microsoft.com/office/drawing/2014/main" id="{CFCE3529-0348-FAC9-4C81-ACEA9BA72623}"/>
-              </a:ext>
-            </a:extLst>
-          </p:cNvPr>
-          <p:cNvSpPr txBox="1"/>
-          <p:nvPr/>
-        </p:nvSpPr>
-        <p:spPr>
-          <a:xfrm>
-            <a:off x="919691" y="1259079"/>
-            <a:ext cx="3877985" cy="3909917"/>
-          </a:xfrm>
-          <a:prstGeom prst="rect">
-            <a:avLst/>
-          </a:prstGeom>
-          <a:noFill/>
-        </p:spPr>
-        <p:txBody>
-          <a:bodyPr wrap="none" rtlCol="0">
-            <a:spAutoFit/>
-          </a:bodyPr>
-          <a:lstStyle/>
-          <a:p>
-            <a:pPr marL="457200" indent="-457200">
-              <a:lnSpc>
-                <a:spcPct val="150000"/>
-              </a:lnSpc>
-              <a:buFont typeface="Wingdings" pitchFamily="2" charset="2"/>
-              <a:buChar char="Ø"/>
-            </a:pPr>
-            <a:r>
-              <a:rPr lang="ja-JP" altLang="en-US" sz="2800">
-                <a:solidFill>
-                  <a:schemeClr val="bg2">
-                    <a:lumMod val="75000"/>
-                  </a:schemeClr>
-                </a:solidFill>
-              </a:rPr>
-              <a:t>はじめに</a:t>
-            </a:r>
-            <a:endParaRPr lang="en-US" altLang="ja-JP" sz="2800" dirty="0">
-              <a:solidFill>
-                <a:schemeClr val="bg2">
-                  <a:lumMod val="75000"/>
-                </a:schemeClr>
-              </a:solidFill>
-            </a:endParaRPr>
-          </a:p>
-          <a:p>
-            <a:pPr marL="457200" indent="-457200">
-              <a:lnSpc>
-                <a:spcPct val="150000"/>
-              </a:lnSpc>
-              <a:buFont typeface="Wingdings" pitchFamily="2" charset="2"/>
-              <a:buChar char="Ø"/>
-            </a:pPr>
-            <a:r>
-              <a:rPr lang="ja-JP" altLang="en-US" sz="2800">
-                <a:solidFill>
-                  <a:schemeClr val="bg2">
-                    <a:lumMod val="75000"/>
-                  </a:schemeClr>
-                </a:solidFill>
-              </a:rPr>
-              <a:t>要素技術</a:t>
-            </a:r>
-            <a:endParaRPr lang="en-US" altLang="ja-JP" sz="2800" dirty="0">
-              <a:solidFill>
-                <a:schemeClr val="bg2">
-                  <a:lumMod val="75000"/>
-                </a:schemeClr>
-              </a:solidFill>
-            </a:endParaRPr>
-          </a:p>
-          <a:p>
-            <a:pPr marL="457200" indent="-457200">
-              <a:lnSpc>
-                <a:spcPct val="150000"/>
-              </a:lnSpc>
-              <a:buFont typeface="Wingdings" pitchFamily="2" charset="2"/>
-              <a:buChar char="Ø"/>
-            </a:pPr>
-            <a:r>
-              <a:rPr lang="ja-JP" altLang="en-US" sz="2800">
-                <a:solidFill>
-                  <a:schemeClr val="bg2">
-                    <a:lumMod val="75000"/>
-                  </a:schemeClr>
-                </a:solidFill>
-              </a:rPr>
-              <a:t>提案手法</a:t>
-            </a:r>
-            <a:endParaRPr lang="en-US" altLang="ja-JP" sz="2800" dirty="0">
-              <a:solidFill>
-                <a:schemeClr val="bg2">
-                  <a:lumMod val="75000"/>
-                </a:schemeClr>
-              </a:solidFill>
-            </a:endParaRPr>
-          </a:p>
-          <a:p>
-            <a:pPr marL="457200" indent="-457200">
-              <a:lnSpc>
-                <a:spcPct val="150000"/>
-              </a:lnSpc>
-              <a:buFont typeface="Wingdings" pitchFamily="2" charset="2"/>
-              <a:buChar char="Ø"/>
-            </a:pPr>
-            <a:r>
-              <a:rPr lang="ja-JP" altLang="en-US" sz="2800">
-                <a:solidFill>
-                  <a:schemeClr val="bg2">
-                    <a:lumMod val="75000"/>
-                  </a:schemeClr>
-                </a:solidFill>
-              </a:rPr>
-              <a:t>実験概要</a:t>
-            </a:r>
-            <a:endParaRPr lang="en-US" altLang="ja-JP" sz="2800" dirty="0">
-              <a:solidFill>
-                <a:schemeClr val="bg2">
-                  <a:lumMod val="75000"/>
-                </a:schemeClr>
-              </a:solidFill>
-            </a:endParaRPr>
-          </a:p>
-          <a:p>
-            <a:pPr marL="457200" indent="-457200">
-              <a:lnSpc>
-                <a:spcPct val="150000"/>
-              </a:lnSpc>
-              <a:buFont typeface="Wingdings" pitchFamily="2" charset="2"/>
-              <a:buChar char="Ø"/>
-            </a:pPr>
-            <a:r>
-              <a:rPr lang="ja-JP" altLang="en-US" sz="2800"/>
-              <a:t>実験結果</a:t>
-            </a:r>
-            <a:endParaRPr lang="en-US" altLang="ja-JP" sz="2800" dirty="0"/>
-          </a:p>
-          <a:p>
-            <a:pPr marL="457200" indent="-457200">
-              <a:lnSpc>
-                <a:spcPct val="150000"/>
-              </a:lnSpc>
-              <a:buFont typeface="Wingdings" pitchFamily="2" charset="2"/>
-              <a:buChar char="Ø"/>
-            </a:pPr>
-            <a:r>
-              <a:rPr lang="ja-JP" altLang="en-US" sz="2800">
-                <a:solidFill>
-                  <a:schemeClr val="bg2">
-                    <a:lumMod val="75000"/>
-                  </a:schemeClr>
-                </a:solidFill>
-              </a:rPr>
-              <a:t>まとめと今後の課題</a:t>
-            </a:r>
-          </a:p>
-        </p:txBody>
-      </p:sp>
-    </p:spTree>
-    <p:extLst>
-      <p:ext uri="{BB962C8B-B14F-4D97-AF65-F5344CB8AC3E}">
-        <p14:creationId xmlns:p14="http://schemas.microsoft.com/office/powerpoint/2010/main" val="2689984932"/>
       </p:ext>
     </p:extLst>
   </p:cSld>
@@ -7925,7 +8527,7 @@
           <p:cNvPr id="2" name="タイトル 1">
             <a:extLst>
               <a:ext uri="{FF2B5EF4-FFF2-40B4-BE49-F238E27FC236}">
-                <a16:creationId xmlns:a16="http://schemas.microsoft.com/office/drawing/2014/main" id="{D159CF40-CD8C-21A6-0A3D-8CF370B562A6}"/>
+                <a16:creationId xmlns:a16="http://schemas.microsoft.com/office/drawing/2014/main" id="{F91DABD0-6E6F-20AC-E27E-DE4CB11AD443}"/>
               </a:ext>
             </a:extLst>
           </p:cNvPr>
@@ -7943,19 +8545,15 @@
           <a:p>
             <a:r>
               <a:rPr kumimoji="1" lang="ja-JP" altLang="en-US"/>
-              <a:t>実験結果</a:t>
+              <a:t>実験</a:t>
+            </a:r>
+            <a:r>
+              <a:rPr lang="en-US" altLang="ja-JP" dirty="0"/>
+              <a:t> </a:t>
             </a:r>
             <a:r>
               <a:rPr kumimoji="1" lang="en-US" altLang="ja-JP" dirty="0"/>
-              <a:t> </a:t>
-            </a:r>
-            <a:r>
-              <a:rPr lang="en-US" altLang="ja-JP" dirty="0"/>
-              <a:t>–––– </a:t>
-            </a:r>
-            <a:r>
-              <a:rPr lang="ja-JP" altLang="en-US"/>
-              <a:t>適応度推移</a:t>
+              <a:t>1</a:t>
             </a:r>
             <a:endParaRPr kumimoji="1" lang="ja-JP" altLang="en-US"/>
           </a:p>
@@ -7966,7 +8564,7 @@
           <p:cNvPr id="3" name="スライド番号プレースホルダー 2">
             <a:extLst>
               <a:ext uri="{FF2B5EF4-FFF2-40B4-BE49-F238E27FC236}">
-                <a16:creationId xmlns:a16="http://schemas.microsoft.com/office/drawing/2014/main" id="{37968868-915E-15E5-AB4E-1366F32A281D}"/>
+                <a16:creationId xmlns:a16="http://schemas.microsoft.com/office/drawing/2014/main" id="{35677EC9-0504-1614-4950-D0D61AE8CD08}"/>
               </a:ext>
             </a:extLst>
           </p:cNvPr>
@@ -7986,6 +8584,2576 @@
             <a:fld id="{004900ED-2EFD-2142-93A1-1CBA90FDE07B}" type="slidenum">
               <a:rPr lang="en-US" altLang="ja-JP" smtClean="0"/>
               <a:t>22</a:t>
+            </a:fld>
+            <a:endParaRPr lang="ja-JP" altLang="en-US"/>
+          </a:p>
+        </p:txBody>
+      </p:sp>
+      <p:sp>
+        <p:nvSpPr>
+          <p:cNvPr id="5" name="テキスト ボックス 4">
+            <a:extLst>
+              <a:ext uri="{FF2B5EF4-FFF2-40B4-BE49-F238E27FC236}">
+                <a16:creationId xmlns:a16="http://schemas.microsoft.com/office/drawing/2014/main" id="{6CAA3053-E694-209E-1241-52C339C47145}"/>
+              </a:ext>
+            </a:extLst>
+          </p:cNvPr>
+          <p:cNvSpPr txBox="1"/>
+          <p:nvPr/>
+        </p:nvSpPr>
+        <p:spPr>
+          <a:xfrm>
+            <a:off x="778212" y="1379521"/>
+            <a:ext cx="5455340" cy="830997"/>
+          </a:xfrm>
+          <a:prstGeom prst="rect">
+            <a:avLst/>
+          </a:prstGeom>
+          <a:noFill/>
+        </p:spPr>
+        <p:txBody>
+          <a:bodyPr wrap="none" rtlCol="0">
+            <a:spAutoFit/>
+          </a:bodyPr>
+          <a:lstStyle/>
+          <a:p>
+            <a:pPr marL="342900" indent="-342900">
+              <a:buFont typeface="Wingdings" pitchFamily="2" charset="2"/>
+              <a:buChar char="p"/>
+            </a:pPr>
+            <a:r>
+              <a:rPr kumimoji="1" lang="ja-JP" altLang="en-US" sz="2400"/>
+              <a:t>探索フェーズでのエポック数を固定</a:t>
+            </a:r>
+            <a:endParaRPr kumimoji="1" lang="en-US" altLang="ja-JP" sz="2400" dirty="0"/>
+          </a:p>
+          <a:p>
+            <a:pPr marL="800100" lvl="1" indent="-342900">
+              <a:buFont typeface="Wingdings" pitchFamily="2" charset="2"/>
+              <a:buChar char="p"/>
+            </a:pPr>
+            <a:endParaRPr kumimoji="1" lang="ja-JP" altLang="en-US" sz="2400"/>
+          </a:p>
+        </p:txBody>
+      </p:sp>
+      <p:graphicFrame>
+        <p:nvGraphicFramePr>
+          <p:cNvPr id="7" name="表 7">
+            <a:extLst>
+              <a:ext uri="{FF2B5EF4-FFF2-40B4-BE49-F238E27FC236}">
+                <a16:creationId xmlns:a16="http://schemas.microsoft.com/office/drawing/2014/main" id="{B58CAE38-B4D4-A24F-4B79-54820E7DBE40}"/>
+              </a:ext>
+            </a:extLst>
+          </p:cNvPr>
+          <p:cNvGraphicFramePr>
+            <a:graphicFrameLocks noGrp="1"/>
+          </p:cNvGraphicFramePr>
+          <p:nvPr>
+            <p:extLst>
+              <p:ext uri="{D42A27DB-BD31-4B8C-83A1-F6EECF244321}">
+                <p14:modId xmlns:p14="http://schemas.microsoft.com/office/powerpoint/2010/main" val="3242826142"/>
+              </p:ext>
+            </p:extLst>
+          </p:nvPr>
+        </p:nvGraphicFramePr>
+        <p:xfrm>
+          <a:off x="1260210" y="2001299"/>
+          <a:ext cx="5040842" cy="2773680"/>
+        </p:xfrm>
+        <a:graphic>
+          <a:graphicData uri="http://schemas.openxmlformats.org/drawingml/2006/table">
+            <a:tbl>
+              <a:tblPr firstRow="1" bandRow="1">
+                <a:tableStyleId>{5C22544A-7EE6-4342-B048-85BDC9FD1C3A}</a:tableStyleId>
+              </a:tblPr>
+              <a:tblGrid>
+                <a:gridCol w="2520421">
+                  <a:extLst>
+                    <a:ext uri="{9D8B030D-6E8A-4147-A177-3AD203B41FA5}">
+                      <a16:colId xmlns:a16="http://schemas.microsoft.com/office/drawing/2014/main" val="1796618978"/>
+                    </a:ext>
+                  </a:extLst>
+                </a:gridCol>
+                <a:gridCol w="2520421">
+                  <a:extLst>
+                    <a:ext uri="{9D8B030D-6E8A-4147-A177-3AD203B41FA5}">
+                      <a16:colId xmlns:a16="http://schemas.microsoft.com/office/drawing/2014/main" val="933054015"/>
+                    </a:ext>
+                  </a:extLst>
+                </a:gridCol>
+              </a:tblGrid>
+              <a:tr h="370840">
+                <a:tc>
+                  <a:txBody>
+                    <a:bodyPr/>
+                    <a:lstStyle/>
+                    <a:p>
+                      <a:r>
+                        <a:rPr kumimoji="1" lang="ja-JP" altLang="en-US" sz="2000"/>
+                        <a:t>世代数</a:t>
+                      </a:r>
+                    </a:p>
+                  </a:txBody>
+                  <a:tcPr/>
+                </a:tc>
+                <a:tc>
+                  <a:txBody>
+                    <a:bodyPr/>
+                    <a:lstStyle/>
+                    <a:p>
+                      <a:r>
+                        <a:rPr kumimoji="1" lang="ja-JP" altLang="en-US" sz="2000"/>
+                        <a:t>エポック数</a:t>
+                      </a:r>
+                    </a:p>
+                  </a:txBody>
+                  <a:tcPr/>
+                </a:tc>
+                <a:extLst>
+                  <a:ext uri="{0D108BD9-81ED-4DB2-BD59-A6C34878D82A}">
+                    <a16:rowId xmlns:a16="http://schemas.microsoft.com/office/drawing/2014/main" val="1072742043"/>
+                  </a:ext>
+                </a:extLst>
+              </a:tr>
+              <a:tr h="370840">
+                <a:tc>
+                  <a:txBody>
+                    <a:bodyPr/>
+                    <a:lstStyle/>
+                    <a:p>
+                      <a:r>
+                        <a:rPr kumimoji="1" lang="en-US" altLang="ja-JP" sz="2000" dirty="0"/>
+                        <a:t>80</a:t>
+                      </a:r>
+                      <a:endParaRPr kumimoji="1" lang="ja-JP" altLang="en-US" sz="2000"/>
+                    </a:p>
+                  </a:txBody>
+                  <a:tcPr/>
+                </a:tc>
+                <a:tc>
+                  <a:txBody>
+                    <a:bodyPr/>
+                    <a:lstStyle/>
+                    <a:p>
+                      <a:r>
+                        <a:rPr kumimoji="1" lang="en-US" altLang="ja-JP" sz="2000" dirty="0"/>
+                        <a:t>1</a:t>
+                      </a:r>
+                      <a:endParaRPr kumimoji="1" lang="ja-JP" altLang="en-US" sz="2000"/>
+                    </a:p>
+                  </a:txBody>
+                  <a:tcPr/>
+                </a:tc>
+                <a:extLst>
+                  <a:ext uri="{0D108BD9-81ED-4DB2-BD59-A6C34878D82A}">
+                    <a16:rowId xmlns:a16="http://schemas.microsoft.com/office/drawing/2014/main" val="1965069896"/>
+                  </a:ext>
+                </a:extLst>
+              </a:tr>
+              <a:tr h="370840">
+                <a:tc>
+                  <a:txBody>
+                    <a:bodyPr/>
+                    <a:lstStyle/>
+                    <a:p>
+                      <a:r>
+                        <a:rPr kumimoji="1" lang="en-US" altLang="ja-JP" sz="2000" dirty="0"/>
+                        <a:t>40</a:t>
+                      </a:r>
+                      <a:endParaRPr kumimoji="1" lang="ja-JP" altLang="en-US" sz="2000"/>
+                    </a:p>
+                  </a:txBody>
+                  <a:tcPr/>
+                </a:tc>
+                <a:tc>
+                  <a:txBody>
+                    <a:bodyPr/>
+                    <a:lstStyle/>
+                    <a:p>
+                      <a:r>
+                        <a:rPr kumimoji="1" lang="en-US" altLang="ja-JP" sz="2000" dirty="0"/>
+                        <a:t>2</a:t>
+                      </a:r>
+                      <a:endParaRPr kumimoji="1" lang="ja-JP" altLang="en-US" sz="2000"/>
+                    </a:p>
+                  </a:txBody>
+                  <a:tcPr/>
+                </a:tc>
+                <a:extLst>
+                  <a:ext uri="{0D108BD9-81ED-4DB2-BD59-A6C34878D82A}">
+                    <a16:rowId xmlns:a16="http://schemas.microsoft.com/office/drawing/2014/main" val="4203159158"/>
+                  </a:ext>
+                </a:extLst>
+              </a:tr>
+              <a:tr h="370840">
+                <a:tc>
+                  <a:txBody>
+                    <a:bodyPr/>
+                    <a:lstStyle/>
+                    <a:p>
+                      <a:r>
+                        <a:rPr kumimoji="1" lang="en-US" altLang="ja-JP" sz="2000" dirty="0"/>
+                        <a:t>20</a:t>
+                      </a:r>
+                      <a:endParaRPr kumimoji="1" lang="ja-JP" altLang="en-US" sz="2000"/>
+                    </a:p>
+                  </a:txBody>
+                  <a:tcPr/>
+                </a:tc>
+                <a:tc>
+                  <a:txBody>
+                    <a:bodyPr/>
+                    <a:lstStyle/>
+                    <a:p>
+                      <a:r>
+                        <a:rPr kumimoji="1" lang="en-US" altLang="ja-JP" sz="2000" dirty="0"/>
+                        <a:t>4</a:t>
+                      </a:r>
+                      <a:endParaRPr kumimoji="1" lang="ja-JP" altLang="en-US" sz="2000"/>
+                    </a:p>
+                  </a:txBody>
+                  <a:tcPr/>
+                </a:tc>
+                <a:extLst>
+                  <a:ext uri="{0D108BD9-81ED-4DB2-BD59-A6C34878D82A}">
+                    <a16:rowId xmlns:a16="http://schemas.microsoft.com/office/drawing/2014/main" val="422691959"/>
+                  </a:ext>
+                </a:extLst>
+              </a:tr>
+              <a:tr h="370840">
+                <a:tc>
+                  <a:txBody>
+                    <a:bodyPr/>
+                    <a:lstStyle/>
+                    <a:p>
+                      <a:r>
+                        <a:rPr kumimoji="1" lang="en-US" altLang="ja-JP" sz="2000" dirty="0"/>
+                        <a:t>16</a:t>
+                      </a:r>
+                      <a:endParaRPr kumimoji="1" lang="ja-JP" altLang="en-US" sz="2000"/>
+                    </a:p>
+                  </a:txBody>
+                  <a:tcPr/>
+                </a:tc>
+                <a:tc>
+                  <a:txBody>
+                    <a:bodyPr/>
+                    <a:lstStyle/>
+                    <a:p>
+                      <a:r>
+                        <a:rPr kumimoji="1" lang="en-US" altLang="ja-JP" sz="2000" dirty="0"/>
+                        <a:t>5</a:t>
+                      </a:r>
+                      <a:endParaRPr kumimoji="1" lang="ja-JP" altLang="en-US" sz="2000"/>
+                    </a:p>
+                  </a:txBody>
+                  <a:tcPr/>
+                </a:tc>
+                <a:extLst>
+                  <a:ext uri="{0D108BD9-81ED-4DB2-BD59-A6C34878D82A}">
+                    <a16:rowId xmlns:a16="http://schemas.microsoft.com/office/drawing/2014/main" val="1941882953"/>
+                  </a:ext>
+                </a:extLst>
+              </a:tr>
+              <a:tr h="370840">
+                <a:tc>
+                  <a:txBody>
+                    <a:bodyPr/>
+                    <a:lstStyle/>
+                    <a:p>
+                      <a:r>
+                        <a:rPr kumimoji="1" lang="en-US" altLang="ja-JP" sz="2000" dirty="0"/>
+                        <a:t>10</a:t>
+                      </a:r>
+                      <a:endParaRPr kumimoji="1" lang="ja-JP" altLang="en-US" sz="2000"/>
+                    </a:p>
+                  </a:txBody>
+                  <a:tcPr/>
+                </a:tc>
+                <a:tc>
+                  <a:txBody>
+                    <a:bodyPr/>
+                    <a:lstStyle/>
+                    <a:p>
+                      <a:r>
+                        <a:rPr kumimoji="1" lang="en-US" altLang="ja-JP" sz="2000" dirty="0"/>
+                        <a:t>8</a:t>
+                      </a:r>
+                      <a:endParaRPr kumimoji="1" lang="ja-JP" altLang="en-US" sz="2000"/>
+                    </a:p>
+                  </a:txBody>
+                  <a:tcPr/>
+                </a:tc>
+                <a:extLst>
+                  <a:ext uri="{0D108BD9-81ED-4DB2-BD59-A6C34878D82A}">
+                    <a16:rowId xmlns:a16="http://schemas.microsoft.com/office/drawing/2014/main" val="2591033253"/>
+                  </a:ext>
+                </a:extLst>
+              </a:tr>
+              <a:tr h="370840">
+                <a:tc>
+                  <a:txBody>
+                    <a:bodyPr/>
+                    <a:lstStyle/>
+                    <a:p>
+                      <a:r>
+                        <a:rPr kumimoji="1" lang="en-US" altLang="ja-JP" sz="2000" dirty="0"/>
+                        <a:t>8</a:t>
+                      </a:r>
+                      <a:endParaRPr kumimoji="1" lang="ja-JP" altLang="en-US" sz="2000"/>
+                    </a:p>
+                  </a:txBody>
+                  <a:tcPr/>
+                </a:tc>
+                <a:tc>
+                  <a:txBody>
+                    <a:bodyPr/>
+                    <a:lstStyle/>
+                    <a:p>
+                      <a:r>
+                        <a:rPr kumimoji="1" lang="en-US" altLang="ja-JP" sz="2000" dirty="0"/>
+                        <a:t>10</a:t>
+                      </a:r>
+                      <a:endParaRPr kumimoji="1" lang="ja-JP" altLang="en-US" sz="2000"/>
+                    </a:p>
+                  </a:txBody>
+                  <a:tcPr/>
+                </a:tc>
+                <a:extLst>
+                  <a:ext uri="{0D108BD9-81ED-4DB2-BD59-A6C34878D82A}">
+                    <a16:rowId xmlns:a16="http://schemas.microsoft.com/office/drawing/2014/main" val="4095819578"/>
+                  </a:ext>
+                </a:extLst>
+              </a:tr>
+            </a:tbl>
+          </a:graphicData>
+        </a:graphic>
+      </p:graphicFrame>
+      <p:sp>
+        <p:nvSpPr>
+          <p:cNvPr id="8" name="テキスト ボックス 7">
+            <a:extLst>
+              <a:ext uri="{FF2B5EF4-FFF2-40B4-BE49-F238E27FC236}">
+                <a16:creationId xmlns:a16="http://schemas.microsoft.com/office/drawing/2014/main" id="{231C5552-0372-88D2-08F8-A017C827BBEA}"/>
+              </a:ext>
+            </a:extLst>
+          </p:cNvPr>
+          <p:cNvSpPr txBox="1"/>
+          <p:nvPr/>
+        </p:nvSpPr>
+        <p:spPr>
+          <a:xfrm>
+            <a:off x="778212" y="4916664"/>
+            <a:ext cx="2975495" cy="461665"/>
+          </a:xfrm>
+          <a:prstGeom prst="rect">
+            <a:avLst/>
+          </a:prstGeom>
+          <a:noFill/>
+        </p:spPr>
+        <p:txBody>
+          <a:bodyPr wrap="none" rtlCol="0">
+            <a:spAutoFit/>
+          </a:bodyPr>
+          <a:lstStyle/>
+          <a:p>
+            <a:pPr marL="285750" indent="-285750">
+              <a:buFont typeface="Wingdings" pitchFamily="2" charset="2"/>
+              <a:buChar char="p"/>
+            </a:pPr>
+            <a:r>
+              <a:rPr lang="en-US" altLang="ja-JP" sz="2400" dirty="0"/>
+              <a:t> 6 </a:t>
+            </a:r>
+            <a:r>
+              <a:rPr lang="ja-JP" altLang="en-US" sz="2400"/>
+              <a:t>パターンで実験</a:t>
+            </a:r>
+            <a:endParaRPr kumimoji="1" lang="ja-JP" altLang="en-US" sz="2400"/>
+          </a:p>
+        </p:txBody>
+      </p:sp>
+    </p:spTree>
+    <p:extLst>
+      <p:ext uri="{BB962C8B-B14F-4D97-AF65-F5344CB8AC3E}">
+        <p14:creationId xmlns:p14="http://schemas.microsoft.com/office/powerpoint/2010/main" val="4222497694"/>
+      </p:ext>
+    </p:extLst>
+  </p:cSld>
+  <p:clrMapOvr>
+    <a:masterClrMapping/>
+  </p:clrMapOvr>
+</p:sld>
+</file>
+
+<file path=ppt/slides/slide23.xml><?xml version="1.0" encoding="utf-8"?>
+<p:sld xmlns:a="http://schemas.openxmlformats.org/drawingml/2006/main" xmlns:r="http://schemas.openxmlformats.org/officeDocument/2006/relationships" xmlns:p="http://schemas.openxmlformats.org/presentationml/2006/main">
+  <p:cSld>
+    <p:spTree>
+      <p:nvGrpSpPr>
+        <p:cNvPr id="1" name=""/>
+        <p:cNvGrpSpPr/>
+        <p:nvPr/>
+      </p:nvGrpSpPr>
+      <p:grpSpPr>
+        <a:xfrm>
+          <a:off x="0" y="0"/>
+          <a:ext cx="0" cy="0"/>
+          <a:chOff x="0" y="0"/>
+          <a:chExt cx="0" cy="0"/>
+        </a:xfrm>
+      </p:grpSpPr>
+      <p:sp>
+        <p:nvSpPr>
+          <p:cNvPr id="2" name="タイトル 1">
+            <a:extLst>
+              <a:ext uri="{FF2B5EF4-FFF2-40B4-BE49-F238E27FC236}">
+                <a16:creationId xmlns:a16="http://schemas.microsoft.com/office/drawing/2014/main" id="{F91DABD0-6E6F-20AC-E27E-DE4CB11AD443}"/>
+              </a:ext>
+            </a:extLst>
+          </p:cNvPr>
+          <p:cNvSpPr>
+            <a:spLocks noGrp="1"/>
+          </p:cNvSpPr>
+          <p:nvPr>
+            <p:ph type="title"/>
+          </p:nvPr>
+        </p:nvSpPr>
+        <p:spPr/>
+        <p:txBody>
+          <a:bodyPr/>
+          <a:lstStyle/>
+          <a:p>
+            <a:r>
+              <a:rPr kumimoji="1" lang="ja-JP" altLang="en-US"/>
+              <a:t>実験</a:t>
+            </a:r>
+            <a:r>
+              <a:rPr lang="en-US" altLang="ja-JP" dirty="0"/>
+              <a:t> 2</a:t>
+            </a:r>
+            <a:endParaRPr kumimoji="1" lang="ja-JP" altLang="en-US"/>
+          </a:p>
+        </p:txBody>
+      </p:sp>
+      <p:sp>
+        <p:nvSpPr>
+          <p:cNvPr id="3" name="スライド番号プレースホルダー 2">
+            <a:extLst>
+              <a:ext uri="{FF2B5EF4-FFF2-40B4-BE49-F238E27FC236}">
+                <a16:creationId xmlns:a16="http://schemas.microsoft.com/office/drawing/2014/main" id="{35677EC9-0504-1614-4950-D0D61AE8CD08}"/>
+              </a:ext>
+            </a:extLst>
+          </p:cNvPr>
+          <p:cNvSpPr>
+            <a:spLocks noGrp="1"/>
+          </p:cNvSpPr>
+          <p:nvPr>
+            <p:ph type="sldNum" sz="quarter" idx="12"/>
+          </p:nvPr>
+        </p:nvSpPr>
+        <p:spPr/>
+        <p:txBody>
+          <a:bodyPr/>
+          <a:lstStyle/>
+          <a:p>
+            <a:pPr lvl="0"/>
+            <a:fld id="{004900ED-2EFD-2142-93A1-1CBA90FDE07B}" type="slidenum">
+              <a:rPr lang="en-US" altLang="ja-JP" smtClean="0"/>
+              <a:t>23</a:t>
+            </a:fld>
+            <a:endParaRPr lang="ja-JP" altLang="en-US"/>
+          </a:p>
+        </p:txBody>
+      </p:sp>
+      <p:sp>
+        <p:nvSpPr>
+          <p:cNvPr id="5" name="テキスト ボックス 4">
+            <a:extLst>
+              <a:ext uri="{FF2B5EF4-FFF2-40B4-BE49-F238E27FC236}">
+                <a16:creationId xmlns:a16="http://schemas.microsoft.com/office/drawing/2014/main" id="{6CAA3053-E694-209E-1241-52C339C47145}"/>
+              </a:ext>
+            </a:extLst>
+          </p:cNvPr>
+          <p:cNvSpPr txBox="1"/>
+          <p:nvPr/>
+        </p:nvSpPr>
+        <p:spPr>
+          <a:xfrm>
+            <a:off x="778212" y="1379521"/>
+            <a:ext cx="5147563" cy="830997"/>
+          </a:xfrm>
+          <a:prstGeom prst="rect">
+            <a:avLst/>
+          </a:prstGeom>
+          <a:noFill/>
+        </p:spPr>
+        <p:txBody>
+          <a:bodyPr wrap="none" rtlCol="0">
+            <a:spAutoFit/>
+          </a:bodyPr>
+          <a:lstStyle/>
+          <a:p>
+            <a:pPr marL="342900" indent="-342900">
+              <a:buFont typeface="Wingdings" pitchFamily="2" charset="2"/>
+              <a:buChar char="p"/>
+            </a:pPr>
+            <a:r>
+              <a:rPr kumimoji="1" lang="ja-JP" altLang="en-US" sz="2400"/>
+              <a:t>エポック数を変化させながら探索</a:t>
+            </a:r>
+            <a:endParaRPr kumimoji="1" lang="en-US" altLang="ja-JP" sz="2400" dirty="0"/>
+          </a:p>
+          <a:p>
+            <a:pPr marL="800100" lvl="1" indent="-342900">
+              <a:buFont typeface="Wingdings" pitchFamily="2" charset="2"/>
+              <a:buChar char="p"/>
+            </a:pPr>
+            <a:endParaRPr kumimoji="1" lang="ja-JP" altLang="en-US" sz="2400"/>
+          </a:p>
+        </p:txBody>
+      </p:sp>
+      <p:graphicFrame>
+        <p:nvGraphicFramePr>
+          <p:cNvPr id="7" name="表 7">
+            <a:extLst>
+              <a:ext uri="{FF2B5EF4-FFF2-40B4-BE49-F238E27FC236}">
+                <a16:creationId xmlns:a16="http://schemas.microsoft.com/office/drawing/2014/main" id="{B58CAE38-B4D4-A24F-4B79-54820E7DBE40}"/>
+              </a:ext>
+            </a:extLst>
+          </p:cNvPr>
+          <p:cNvGraphicFramePr>
+            <a:graphicFrameLocks noGrp="1"/>
+          </p:cNvGraphicFramePr>
+          <p:nvPr>
+            <p:extLst>
+              <p:ext uri="{D42A27DB-BD31-4B8C-83A1-F6EECF244321}">
+                <p14:modId xmlns:p14="http://schemas.microsoft.com/office/powerpoint/2010/main" val="1857018496"/>
+              </p:ext>
+            </p:extLst>
+          </p:nvPr>
+        </p:nvGraphicFramePr>
+        <p:xfrm>
+          <a:off x="1010662" y="2192089"/>
+          <a:ext cx="4230918" cy="2377440"/>
+        </p:xfrm>
+        <a:graphic>
+          <a:graphicData uri="http://schemas.openxmlformats.org/drawingml/2006/table">
+            <a:tbl>
+              <a:tblPr firstRow="1" bandRow="1">
+                <a:tableStyleId>{5C22544A-7EE6-4342-B048-85BDC9FD1C3A}</a:tableStyleId>
+              </a:tblPr>
+              <a:tblGrid>
+                <a:gridCol w="2115459">
+                  <a:extLst>
+                    <a:ext uri="{9D8B030D-6E8A-4147-A177-3AD203B41FA5}">
+                      <a16:colId xmlns:a16="http://schemas.microsoft.com/office/drawing/2014/main" val="1796618978"/>
+                    </a:ext>
+                  </a:extLst>
+                </a:gridCol>
+                <a:gridCol w="2115459">
+                  <a:extLst>
+                    <a:ext uri="{9D8B030D-6E8A-4147-A177-3AD203B41FA5}">
+                      <a16:colId xmlns:a16="http://schemas.microsoft.com/office/drawing/2014/main" val="933054015"/>
+                    </a:ext>
+                  </a:extLst>
+                </a:gridCol>
+              </a:tblGrid>
+              <a:tr h="370840">
+                <a:tc>
+                  <a:txBody>
+                    <a:bodyPr/>
+                    <a:lstStyle/>
+                    <a:p>
+                      <a:r>
+                        <a:rPr kumimoji="1" lang="ja-JP" altLang="en-US" sz="2000"/>
+                        <a:t>世代数</a:t>
+                      </a:r>
+                    </a:p>
+                  </a:txBody>
+                  <a:tcPr/>
+                </a:tc>
+                <a:tc>
+                  <a:txBody>
+                    <a:bodyPr/>
+                    <a:lstStyle/>
+                    <a:p>
+                      <a:r>
+                        <a:rPr kumimoji="1" lang="ja-JP" altLang="en-US" sz="2000"/>
+                        <a:t>エポック数</a:t>
+                      </a:r>
+                    </a:p>
+                  </a:txBody>
+                  <a:tcPr/>
+                </a:tc>
+                <a:extLst>
+                  <a:ext uri="{0D108BD9-81ED-4DB2-BD59-A6C34878D82A}">
+                    <a16:rowId xmlns:a16="http://schemas.microsoft.com/office/drawing/2014/main" val="1072742043"/>
+                  </a:ext>
+                </a:extLst>
+              </a:tr>
+              <a:tr h="370840">
+                <a:tc>
+                  <a:txBody>
+                    <a:bodyPr/>
+                    <a:lstStyle/>
+                    <a:p>
+                      <a:r>
+                        <a:rPr kumimoji="1" lang="en-US" altLang="ja-JP" sz="2000" dirty="0"/>
+                        <a:t>16</a:t>
+                      </a:r>
+                      <a:endParaRPr kumimoji="1" lang="ja-JP" altLang="en-US" sz="2000"/>
+                    </a:p>
+                  </a:txBody>
+                  <a:tcPr/>
+                </a:tc>
+                <a:tc>
+                  <a:txBody>
+                    <a:bodyPr/>
+                    <a:lstStyle/>
+                    <a:p>
+                      <a:r>
+                        <a:rPr kumimoji="1" lang="en-US" altLang="ja-JP" sz="2000" dirty="0"/>
+                        <a:t>1</a:t>
+                      </a:r>
+                      <a:endParaRPr kumimoji="1" lang="ja-JP" altLang="en-US" sz="2000"/>
+                    </a:p>
+                  </a:txBody>
+                  <a:tcPr/>
+                </a:tc>
+                <a:extLst>
+                  <a:ext uri="{0D108BD9-81ED-4DB2-BD59-A6C34878D82A}">
+                    <a16:rowId xmlns:a16="http://schemas.microsoft.com/office/drawing/2014/main" val="1965069896"/>
+                  </a:ext>
+                </a:extLst>
+              </a:tr>
+              <a:tr h="370840">
+                <a:tc>
+                  <a:txBody>
+                    <a:bodyPr/>
+                    <a:lstStyle/>
+                    <a:p>
+                      <a:r>
+                        <a:rPr kumimoji="1" lang="en-US" altLang="ja-JP" sz="2000" dirty="0"/>
+                        <a:t>8</a:t>
+                      </a:r>
+                      <a:endParaRPr kumimoji="1" lang="ja-JP" altLang="en-US" sz="2000"/>
+                    </a:p>
+                  </a:txBody>
+                  <a:tcPr/>
+                </a:tc>
+                <a:tc>
+                  <a:txBody>
+                    <a:bodyPr/>
+                    <a:lstStyle/>
+                    <a:p>
+                      <a:r>
+                        <a:rPr kumimoji="1" lang="en-US" altLang="ja-JP" sz="2000" dirty="0"/>
+                        <a:t>2</a:t>
+                      </a:r>
+                      <a:endParaRPr kumimoji="1" lang="ja-JP" altLang="en-US" sz="2000"/>
+                    </a:p>
+                  </a:txBody>
+                  <a:tcPr/>
+                </a:tc>
+                <a:extLst>
+                  <a:ext uri="{0D108BD9-81ED-4DB2-BD59-A6C34878D82A}">
+                    <a16:rowId xmlns:a16="http://schemas.microsoft.com/office/drawing/2014/main" val="4203159158"/>
+                  </a:ext>
+                </a:extLst>
+              </a:tr>
+              <a:tr h="370840">
+                <a:tc>
+                  <a:txBody>
+                    <a:bodyPr/>
+                    <a:lstStyle/>
+                    <a:p>
+                      <a:r>
+                        <a:rPr kumimoji="1" lang="en-US" altLang="ja-JP" sz="2000" dirty="0"/>
+                        <a:t>4</a:t>
+                      </a:r>
+                      <a:endParaRPr kumimoji="1" lang="ja-JP" altLang="en-US" sz="2000"/>
+                    </a:p>
+                  </a:txBody>
+                  <a:tcPr/>
+                </a:tc>
+                <a:tc>
+                  <a:txBody>
+                    <a:bodyPr/>
+                    <a:lstStyle/>
+                    <a:p>
+                      <a:r>
+                        <a:rPr kumimoji="1" lang="en-US" altLang="ja-JP" sz="2000" dirty="0"/>
+                        <a:t>4</a:t>
+                      </a:r>
+                      <a:endParaRPr kumimoji="1" lang="ja-JP" altLang="en-US" sz="2000"/>
+                    </a:p>
+                  </a:txBody>
+                  <a:tcPr/>
+                </a:tc>
+                <a:extLst>
+                  <a:ext uri="{0D108BD9-81ED-4DB2-BD59-A6C34878D82A}">
+                    <a16:rowId xmlns:a16="http://schemas.microsoft.com/office/drawing/2014/main" val="422691959"/>
+                  </a:ext>
+                </a:extLst>
+              </a:tr>
+              <a:tr h="370840">
+                <a:tc>
+                  <a:txBody>
+                    <a:bodyPr/>
+                    <a:lstStyle/>
+                    <a:p>
+                      <a:r>
+                        <a:rPr kumimoji="1" lang="en-US" altLang="ja-JP" sz="2000" dirty="0"/>
+                        <a:t>2</a:t>
+                      </a:r>
+                      <a:endParaRPr kumimoji="1" lang="ja-JP" altLang="en-US" sz="2000"/>
+                    </a:p>
+                  </a:txBody>
+                  <a:tcPr/>
+                </a:tc>
+                <a:tc>
+                  <a:txBody>
+                    <a:bodyPr/>
+                    <a:lstStyle/>
+                    <a:p>
+                      <a:r>
+                        <a:rPr kumimoji="1" lang="en-US" altLang="ja-JP" sz="2000" dirty="0"/>
+                        <a:t>8</a:t>
+                      </a:r>
+                      <a:endParaRPr kumimoji="1" lang="ja-JP" altLang="en-US" sz="2000"/>
+                    </a:p>
+                  </a:txBody>
+                  <a:tcPr/>
+                </a:tc>
+                <a:extLst>
+                  <a:ext uri="{0D108BD9-81ED-4DB2-BD59-A6C34878D82A}">
+                    <a16:rowId xmlns:a16="http://schemas.microsoft.com/office/drawing/2014/main" val="1941882953"/>
+                  </a:ext>
+                </a:extLst>
+              </a:tr>
+              <a:tr h="370840">
+                <a:tc>
+                  <a:txBody>
+                    <a:bodyPr/>
+                    <a:lstStyle/>
+                    <a:p>
+                      <a:r>
+                        <a:rPr kumimoji="1" lang="en-US" altLang="ja-JP" sz="2000" dirty="0"/>
+                        <a:t>1</a:t>
+                      </a:r>
+                      <a:endParaRPr kumimoji="1" lang="ja-JP" altLang="en-US" sz="2000"/>
+                    </a:p>
+                  </a:txBody>
+                  <a:tcPr/>
+                </a:tc>
+                <a:tc>
+                  <a:txBody>
+                    <a:bodyPr/>
+                    <a:lstStyle/>
+                    <a:p>
+                      <a:r>
+                        <a:rPr kumimoji="1" lang="en-US" altLang="ja-JP" sz="2000" dirty="0"/>
+                        <a:t>16</a:t>
+                      </a:r>
+                      <a:endParaRPr kumimoji="1" lang="ja-JP" altLang="en-US" sz="2000"/>
+                    </a:p>
+                  </a:txBody>
+                  <a:tcPr/>
+                </a:tc>
+                <a:extLst>
+                  <a:ext uri="{0D108BD9-81ED-4DB2-BD59-A6C34878D82A}">
+                    <a16:rowId xmlns:a16="http://schemas.microsoft.com/office/drawing/2014/main" val="2591033253"/>
+                  </a:ext>
+                </a:extLst>
+              </a:tr>
+            </a:tbl>
+          </a:graphicData>
+        </a:graphic>
+      </p:graphicFrame>
+      <p:sp>
+        <p:nvSpPr>
+          <p:cNvPr id="8" name="テキスト ボックス 7">
+            <a:extLst>
+              <a:ext uri="{FF2B5EF4-FFF2-40B4-BE49-F238E27FC236}">
+                <a16:creationId xmlns:a16="http://schemas.microsoft.com/office/drawing/2014/main" id="{231C5552-0372-88D2-08F8-A017C827BBEA}"/>
+              </a:ext>
+            </a:extLst>
+          </p:cNvPr>
+          <p:cNvSpPr txBox="1"/>
+          <p:nvPr/>
+        </p:nvSpPr>
+        <p:spPr>
+          <a:xfrm>
+            <a:off x="778212" y="4916664"/>
+            <a:ext cx="6449201" cy="461665"/>
+          </a:xfrm>
+          <a:prstGeom prst="rect">
+            <a:avLst/>
+          </a:prstGeom>
+          <a:noFill/>
+        </p:spPr>
+        <p:txBody>
+          <a:bodyPr wrap="none" rtlCol="0">
+            <a:spAutoFit/>
+          </a:bodyPr>
+          <a:lstStyle/>
+          <a:p>
+            <a:pPr marL="285750" indent="-285750">
+              <a:buFont typeface="Wingdings" pitchFamily="2" charset="2"/>
+              <a:buChar char="p"/>
+            </a:pPr>
+            <a:r>
+              <a:rPr lang="en-US" altLang="ja-JP" sz="2400" dirty="0"/>
+              <a:t> </a:t>
+            </a:r>
+            <a:r>
+              <a:rPr lang="ja-JP" altLang="en-US" sz="2400"/>
+              <a:t>エポック数増加と減少の</a:t>
+            </a:r>
+            <a:r>
+              <a:rPr lang="en-US" altLang="ja-JP" sz="2400" dirty="0"/>
+              <a:t> 2 </a:t>
+            </a:r>
+            <a:r>
+              <a:rPr lang="ja-JP" altLang="en-US" sz="2400"/>
+              <a:t>パターンで実験</a:t>
+            </a:r>
+            <a:endParaRPr kumimoji="1" lang="ja-JP" altLang="en-US" sz="2400"/>
+          </a:p>
+        </p:txBody>
+      </p:sp>
+      <p:grpSp>
+        <p:nvGrpSpPr>
+          <p:cNvPr id="10" name="グループ化 9">
+            <a:extLst>
+              <a:ext uri="{FF2B5EF4-FFF2-40B4-BE49-F238E27FC236}">
+                <a16:creationId xmlns:a16="http://schemas.microsoft.com/office/drawing/2014/main" id="{E404D016-BEDC-4A8D-350C-B9BD713753E1}"/>
+              </a:ext>
+            </a:extLst>
+          </p:cNvPr>
+          <p:cNvGrpSpPr/>
+          <p:nvPr/>
+        </p:nvGrpSpPr>
+        <p:grpSpPr>
+          <a:xfrm>
+            <a:off x="5535039" y="2192089"/>
+            <a:ext cx="1577511" cy="2377441"/>
+            <a:chOff x="5398851" y="2173661"/>
+            <a:chExt cx="1577511" cy="2377441"/>
+          </a:xfrm>
+        </p:grpSpPr>
+        <p:sp>
+          <p:nvSpPr>
+            <p:cNvPr id="4" name="下矢印 3">
+              <a:extLst>
+                <a:ext uri="{FF2B5EF4-FFF2-40B4-BE49-F238E27FC236}">
+                  <a16:creationId xmlns:a16="http://schemas.microsoft.com/office/drawing/2014/main" id="{38A69690-ABC7-0B8E-84DD-71FE7116133F}"/>
+                </a:ext>
+              </a:extLst>
+            </p:cNvPr>
+            <p:cNvSpPr/>
+            <p:nvPr/>
+          </p:nvSpPr>
+          <p:spPr>
+            <a:xfrm>
+              <a:off x="5398851" y="2173662"/>
+              <a:ext cx="642026" cy="2377440"/>
+            </a:xfrm>
+            <a:prstGeom prst="downArrow">
+              <a:avLst/>
+            </a:prstGeom>
+            <a:solidFill>
+              <a:schemeClr val="bg1"/>
+            </a:solidFill>
+            <a:ln>
+              <a:solidFill>
+                <a:schemeClr val="tx1"/>
+              </a:solidFill>
+            </a:ln>
+          </p:spPr>
+          <p:style>
+            <a:lnRef idx="2">
+              <a:schemeClr val="accent1">
+                <a:shade val="50000"/>
+              </a:schemeClr>
+            </a:lnRef>
+            <a:fillRef idx="1">
+              <a:schemeClr val="accent1"/>
+            </a:fillRef>
+            <a:effectRef idx="0">
+              <a:schemeClr val="accent1"/>
+            </a:effectRef>
+            <a:fontRef idx="minor">
+              <a:schemeClr val="lt1"/>
+            </a:fontRef>
+          </p:style>
+          <p:txBody>
+            <a:bodyPr rtlCol="0" anchor="ctr"/>
+            <a:lstStyle/>
+            <a:p>
+              <a:pPr algn="ctr"/>
+              <a:r>
+                <a:rPr kumimoji="1" lang="ja-JP" altLang="en-US">
+                  <a:solidFill>
+                    <a:sysClr val="windowText" lastClr="000000"/>
+                  </a:solidFill>
+                </a:rPr>
+                <a:t>エポック数増加</a:t>
+              </a:r>
+            </a:p>
+          </p:txBody>
+        </p:sp>
+        <p:sp>
+          <p:nvSpPr>
+            <p:cNvPr id="9" name="上矢印 8">
+              <a:extLst>
+                <a:ext uri="{FF2B5EF4-FFF2-40B4-BE49-F238E27FC236}">
+                  <a16:creationId xmlns:a16="http://schemas.microsoft.com/office/drawing/2014/main" id="{78D99ECC-C3B3-D5F4-77C3-41098ED7EBE1}"/>
+                </a:ext>
+              </a:extLst>
+            </p:cNvPr>
+            <p:cNvSpPr/>
+            <p:nvPr/>
+          </p:nvSpPr>
+          <p:spPr>
+            <a:xfrm>
+              <a:off x="6334336" y="2173661"/>
+              <a:ext cx="642026" cy="2377440"/>
+            </a:xfrm>
+            <a:prstGeom prst="upArrow">
+              <a:avLst/>
+            </a:prstGeom>
+            <a:solidFill>
+              <a:schemeClr val="bg1"/>
+            </a:solidFill>
+            <a:ln>
+              <a:solidFill>
+                <a:schemeClr val="tx1"/>
+              </a:solidFill>
+            </a:ln>
+          </p:spPr>
+          <p:style>
+            <a:lnRef idx="2">
+              <a:schemeClr val="accent1">
+                <a:shade val="50000"/>
+              </a:schemeClr>
+            </a:lnRef>
+            <a:fillRef idx="1">
+              <a:schemeClr val="accent1"/>
+            </a:fillRef>
+            <a:effectRef idx="0">
+              <a:schemeClr val="accent1"/>
+            </a:effectRef>
+            <a:fontRef idx="minor">
+              <a:schemeClr val="lt1"/>
+            </a:fontRef>
+          </p:style>
+          <p:txBody>
+            <a:bodyPr rtlCol="0" anchor="ctr"/>
+            <a:lstStyle/>
+            <a:p>
+              <a:pPr algn="ctr"/>
+              <a:r>
+                <a:rPr kumimoji="1" lang="ja-JP" altLang="en-US">
+                  <a:solidFill>
+                    <a:sysClr val="windowText" lastClr="000000"/>
+                  </a:solidFill>
+                </a:rPr>
+                <a:t>エポック数減少</a:t>
+              </a:r>
+            </a:p>
+          </p:txBody>
+        </p:sp>
+      </p:grpSp>
+    </p:spTree>
+    <p:extLst>
+      <p:ext uri="{BB962C8B-B14F-4D97-AF65-F5344CB8AC3E}">
+        <p14:creationId xmlns:p14="http://schemas.microsoft.com/office/powerpoint/2010/main" val="3631908726"/>
+      </p:ext>
+    </p:extLst>
+  </p:cSld>
+  <p:clrMapOvr>
+    <a:masterClrMapping/>
+  </p:clrMapOvr>
+</p:sld>
+</file>
+
+<file path=ppt/slides/slide24.xml><?xml version="1.0" encoding="utf-8"?>
+<p:sld xmlns:a="http://schemas.openxmlformats.org/drawingml/2006/main" xmlns:r="http://schemas.openxmlformats.org/officeDocument/2006/relationships" xmlns:p="http://schemas.openxmlformats.org/presentationml/2006/main">
+  <p:cSld>
+    <p:spTree>
+      <p:nvGrpSpPr>
+        <p:cNvPr id="1" name=""/>
+        <p:cNvGrpSpPr/>
+        <p:nvPr/>
+      </p:nvGrpSpPr>
+      <p:grpSpPr>
+        <a:xfrm>
+          <a:off x="0" y="0"/>
+          <a:ext cx="0" cy="0"/>
+          <a:chOff x="0" y="0"/>
+          <a:chExt cx="0" cy="0"/>
+        </a:xfrm>
+      </p:grpSpPr>
+      <p:sp>
+        <p:nvSpPr>
+          <p:cNvPr id="2" name="タイトル 1">
+            <a:extLst>
+              <a:ext uri="{FF2B5EF4-FFF2-40B4-BE49-F238E27FC236}">
+                <a16:creationId xmlns:a16="http://schemas.microsoft.com/office/drawing/2014/main" id="{16D30AA2-93ED-9994-99AF-211B7383BACC}"/>
+              </a:ext>
+            </a:extLst>
+          </p:cNvPr>
+          <p:cNvSpPr>
+            <a:spLocks noGrp="1"/>
+          </p:cNvSpPr>
+          <p:nvPr>
+            <p:ph type="title"/>
+          </p:nvPr>
+        </p:nvSpPr>
+        <p:spPr/>
+        <p:txBody>
+          <a:bodyPr/>
+          <a:lstStyle/>
+          <a:p>
+            <a:r>
+              <a:rPr kumimoji="1" lang="ja-JP" altLang="en-US"/>
+              <a:t>データセット</a:t>
+            </a:r>
+          </a:p>
+        </p:txBody>
+      </p:sp>
+      <p:sp>
+        <p:nvSpPr>
+          <p:cNvPr id="3" name="スライド番号プレースホルダー 2">
+            <a:extLst>
+              <a:ext uri="{FF2B5EF4-FFF2-40B4-BE49-F238E27FC236}">
+                <a16:creationId xmlns:a16="http://schemas.microsoft.com/office/drawing/2014/main" id="{AA627FC1-BFDC-40C5-2762-5BAAE7F51B96}"/>
+              </a:ext>
+            </a:extLst>
+          </p:cNvPr>
+          <p:cNvSpPr>
+            <a:spLocks noGrp="1"/>
+          </p:cNvSpPr>
+          <p:nvPr>
+            <p:ph type="sldNum" sz="quarter" idx="12"/>
+          </p:nvPr>
+        </p:nvSpPr>
+        <p:spPr/>
+        <p:txBody>
+          <a:bodyPr/>
+          <a:lstStyle/>
+          <a:p>
+            <a:pPr lvl="0"/>
+            <a:fld id="{004900ED-2EFD-2142-93A1-1CBA90FDE07B}" type="slidenum">
+              <a:rPr lang="en-US" altLang="ja-JP" smtClean="0"/>
+              <a:t>24</a:t>
+            </a:fld>
+            <a:endParaRPr lang="ja-JP" altLang="en-US"/>
+          </a:p>
+        </p:txBody>
+      </p:sp>
+      <p:sp>
+        <p:nvSpPr>
+          <p:cNvPr id="4" name="テキスト ボックス 3">
+            <a:extLst>
+              <a:ext uri="{FF2B5EF4-FFF2-40B4-BE49-F238E27FC236}">
+                <a16:creationId xmlns:a16="http://schemas.microsoft.com/office/drawing/2014/main" id="{4E8AE922-3050-2A6E-B78E-49B4B2CA70F7}"/>
+              </a:ext>
+            </a:extLst>
+          </p:cNvPr>
+          <p:cNvSpPr txBox="1"/>
+          <p:nvPr/>
+        </p:nvSpPr>
+        <p:spPr>
+          <a:xfrm>
+            <a:off x="519837" y="1614791"/>
+            <a:ext cx="5227713" cy="830997"/>
+          </a:xfrm>
+          <a:prstGeom prst="rect">
+            <a:avLst/>
+          </a:prstGeom>
+          <a:noFill/>
+        </p:spPr>
+        <p:txBody>
+          <a:bodyPr wrap="none" rtlCol="0">
+            <a:spAutoFit/>
+          </a:bodyPr>
+          <a:lstStyle/>
+          <a:p>
+            <a:pPr marL="285750" indent="-285750">
+              <a:buFont typeface="Wingdings" pitchFamily="2" charset="2"/>
+              <a:buChar char="p"/>
+            </a:pPr>
+            <a:r>
+              <a:rPr kumimoji="1" lang="ja-JP" altLang="en-US" sz="2400"/>
+              <a:t>使用データセット</a:t>
+            </a:r>
+            <a:r>
+              <a:rPr kumimoji="1" lang="en-US" altLang="ja-JP" sz="2400" dirty="0"/>
+              <a:t>: </a:t>
+            </a:r>
+            <a:r>
+              <a:rPr kumimoji="1" lang="en-US" altLang="ja-JP" sz="2400" dirty="0" err="1"/>
+              <a:t>FashionMNIST</a:t>
+            </a:r>
+            <a:endParaRPr kumimoji="1" lang="en-US" altLang="ja-JP" sz="2400" dirty="0"/>
+          </a:p>
+          <a:p>
+            <a:pPr marL="285750" indent="-285750">
+              <a:buFont typeface="Wingdings" pitchFamily="2" charset="2"/>
+              <a:buChar char="p"/>
+            </a:pPr>
+            <a:endParaRPr kumimoji="1" lang="ja-JP" altLang="en-US" sz="2400"/>
+          </a:p>
+        </p:txBody>
+      </p:sp>
+      <p:grpSp>
+        <p:nvGrpSpPr>
+          <p:cNvPr id="19" name="グループ化 18">
+            <a:extLst>
+              <a:ext uri="{FF2B5EF4-FFF2-40B4-BE49-F238E27FC236}">
+                <a16:creationId xmlns:a16="http://schemas.microsoft.com/office/drawing/2014/main" id="{C339E9A7-8098-4C4D-4BB9-77C806600C07}"/>
+              </a:ext>
+            </a:extLst>
+          </p:cNvPr>
+          <p:cNvGrpSpPr/>
+          <p:nvPr/>
+        </p:nvGrpSpPr>
+        <p:grpSpPr>
+          <a:xfrm>
+            <a:off x="717524" y="2445788"/>
+            <a:ext cx="5933332" cy="2679472"/>
+            <a:chOff x="823179" y="2518866"/>
+            <a:chExt cx="5933332" cy="2679472"/>
+          </a:xfrm>
+        </p:grpSpPr>
+        <p:grpSp>
+          <p:nvGrpSpPr>
+            <p:cNvPr id="14" name="グループ化 13">
+              <a:extLst>
+                <a:ext uri="{FF2B5EF4-FFF2-40B4-BE49-F238E27FC236}">
+                  <a16:creationId xmlns:a16="http://schemas.microsoft.com/office/drawing/2014/main" id="{C3B871CF-BB1E-4C6E-3062-2206D2D3EBD3}"/>
+                </a:ext>
+              </a:extLst>
+            </p:cNvPr>
+            <p:cNvGrpSpPr/>
+            <p:nvPr/>
+          </p:nvGrpSpPr>
+          <p:grpSpPr>
+            <a:xfrm>
+              <a:off x="1032108" y="2518866"/>
+              <a:ext cx="5574996" cy="2133962"/>
+              <a:chOff x="1032108" y="2518866"/>
+              <a:chExt cx="5574996" cy="2133962"/>
+            </a:xfrm>
+          </p:grpSpPr>
+          <p:grpSp>
+            <p:nvGrpSpPr>
+              <p:cNvPr id="8" name="グループ化 7">
+                <a:extLst>
+                  <a:ext uri="{FF2B5EF4-FFF2-40B4-BE49-F238E27FC236}">
+                    <a16:creationId xmlns:a16="http://schemas.microsoft.com/office/drawing/2014/main" id="{E97A4207-60E9-8A32-34B2-7CF93108DC24}"/>
+                  </a:ext>
+                </a:extLst>
+              </p:cNvPr>
+              <p:cNvGrpSpPr/>
+              <p:nvPr/>
+            </p:nvGrpSpPr>
+            <p:grpSpPr>
+              <a:xfrm>
+                <a:off x="1032108" y="3469436"/>
+                <a:ext cx="5574994" cy="758758"/>
+                <a:chOff x="904672" y="2966936"/>
+                <a:chExt cx="5574994" cy="758758"/>
+              </a:xfrm>
+            </p:grpSpPr>
+            <p:sp>
+              <p:nvSpPr>
+                <p:cNvPr id="5" name="正方形/長方形 4">
+                  <a:extLst>
+                    <a:ext uri="{FF2B5EF4-FFF2-40B4-BE49-F238E27FC236}">
+                      <a16:creationId xmlns:a16="http://schemas.microsoft.com/office/drawing/2014/main" id="{7BBF8828-EDCC-A510-E063-38AABDD4537E}"/>
+                    </a:ext>
+                  </a:extLst>
+                </p:cNvPr>
+                <p:cNvSpPr/>
+                <p:nvPr/>
+              </p:nvSpPr>
+              <p:spPr>
+                <a:xfrm>
+                  <a:off x="904672" y="2966936"/>
+                  <a:ext cx="2229021" cy="758758"/>
+                </a:xfrm>
+                <a:prstGeom prst="rect">
+                  <a:avLst/>
+                </a:prstGeom>
+                <a:solidFill>
+                  <a:schemeClr val="bg1"/>
+                </a:solidFill>
+                <a:ln>
+                  <a:solidFill>
+                    <a:schemeClr val="tx1"/>
+                  </a:solidFill>
+                </a:ln>
+              </p:spPr>
+              <p:style>
+                <a:lnRef idx="2">
+                  <a:schemeClr val="accent1">
+                    <a:shade val="50000"/>
+                  </a:schemeClr>
+                </a:lnRef>
+                <a:fillRef idx="1">
+                  <a:schemeClr val="accent1"/>
+                </a:fillRef>
+                <a:effectRef idx="0">
+                  <a:schemeClr val="accent1"/>
+                </a:effectRef>
+                <a:fontRef idx="minor">
+                  <a:schemeClr val="lt1"/>
+                </a:fontRef>
+              </p:style>
+              <p:txBody>
+                <a:bodyPr rtlCol="0" anchor="ctr"/>
+                <a:lstStyle/>
+                <a:p>
+                  <a:pPr algn="ctr"/>
+                  <a:r>
+                    <a:rPr lang="en-US" altLang="ja-JP" sz="2400" dirty="0">
+                      <a:solidFill>
+                        <a:sysClr val="windowText" lastClr="000000"/>
+                      </a:solidFill>
+                    </a:rPr>
+                    <a:t>3 </a:t>
+                  </a:r>
+                  <a:r>
+                    <a:rPr lang="ja-JP" altLang="en-US" sz="2400">
+                      <a:solidFill>
+                        <a:sysClr val="windowText" lastClr="000000"/>
+                      </a:solidFill>
+                    </a:rPr>
+                    <a:t>万枚</a:t>
+                  </a:r>
+                  <a:endParaRPr kumimoji="1" lang="ja-JP" altLang="en-US" sz="2400">
+                    <a:solidFill>
+                      <a:sysClr val="windowText" lastClr="000000"/>
+                    </a:solidFill>
+                  </a:endParaRPr>
+                </a:p>
+              </p:txBody>
+            </p:sp>
+            <p:sp>
+              <p:nvSpPr>
+                <p:cNvPr id="6" name="正方形/長方形 5">
+                  <a:extLst>
+                    <a:ext uri="{FF2B5EF4-FFF2-40B4-BE49-F238E27FC236}">
+                      <a16:creationId xmlns:a16="http://schemas.microsoft.com/office/drawing/2014/main" id="{AB9DC1B0-ED98-499C-32FB-EA3636300F0E}"/>
+                    </a:ext>
+                  </a:extLst>
+                </p:cNvPr>
+                <p:cNvSpPr/>
+                <p:nvPr/>
+              </p:nvSpPr>
+              <p:spPr>
+                <a:xfrm>
+                  <a:off x="3133693" y="2966936"/>
+                  <a:ext cx="2229021" cy="758758"/>
+                </a:xfrm>
+                <a:prstGeom prst="rect">
+                  <a:avLst/>
+                </a:prstGeom>
+                <a:solidFill>
+                  <a:schemeClr val="bg1"/>
+                </a:solidFill>
+                <a:ln>
+                  <a:solidFill>
+                    <a:schemeClr val="tx1"/>
+                  </a:solidFill>
+                </a:ln>
+              </p:spPr>
+              <p:style>
+                <a:lnRef idx="2">
+                  <a:schemeClr val="accent1">
+                    <a:shade val="50000"/>
+                  </a:schemeClr>
+                </a:lnRef>
+                <a:fillRef idx="1">
+                  <a:schemeClr val="accent1"/>
+                </a:fillRef>
+                <a:effectRef idx="0">
+                  <a:schemeClr val="accent1"/>
+                </a:effectRef>
+                <a:fontRef idx="minor">
+                  <a:schemeClr val="lt1"/>
+                </a:fontRef>
+              </p:style>
+              <p:txBody>
+                <a:bodyPr rtlCol="0" anchor="ctr"/>
+                <a:lstStyle/>
+                <a:p>
+                  <a:pPr algn="ctr"/>
+                  <a:r>
+                    <a:rPr lang="en-US" altLang="ja-JP" sz="2400" dirty="0">
+                      <a:solidFill>
+                        <a:sysClr val="windowText" lastClr="000000"/>
+                      </a:solidFill>
+                    </a:rPr>
+                    <a:t>3 </a:t>
+                  </a:r>
+                  <a:r>
+                    <a:rPr lang="ja-JP" altLang="en-US" sz="2400">
+                      <a:solidFill>
+                        <a:sysClr val="windowText" lastClr="000000"/>
+                      </a:solidFill>
+                    </a:rPr>
+                    <a:t>万枚</a:t>
+                  </a:r>
+                  <a:endParaRPr kumimoji="1" lang="ja-JP" altLang="en-US" sz="2400">
+                    <a:solidFill>
+                      <a:sysClr val="windowText" lastClr="000000"/>
+                    </a:solidFill>
+                  </a:endParaRPr>
+                </a:p>
+              </p:txBody>
+            </p:sp>
+            <p:sp>
+              <p:nvSpPr>
+                <p:cNvPr id="7" name="正方形/長方形 6">
+                  <a:extLst>
+                    <a:ext uri="{FF2B5EF4-FFF2-40B4-BE49-F238E27FC236}">
+                      <a16:creationId xmlns:a16="http://schemas.microsoft.com/office/drawing/2014/main" id="{05B946C9-BBAB-D770-B976-F18F07527989}"/>
+                    </a:ext>
+                  </a:extLst>
+                </p:cNvPr>
+                <p:cNvSpPr/>
+                <p:nvPr/>
+              </p:nvSpPr>
+              <p:spPr>
+                <a:xfrm>
+                  <a:off x="5362713" y="2966936"/>
+                  <a:ext cx="1116953" cy="758758"/>
+                </a:xfrm>
+                <a:prstGeom prst="rect">
+                  <a:avLst/>
+                </a:prstGeom>
+                <a:solidFill>
+                  <a:schemeClr val="bg1"/>
+                </a:solidFill>
+                <a:ln>
+                  <a:solidFill>
+                    <a:schemeClr val="tx1"/>
+                  </a:solidFill>
+                </a:ln>
+              </p:spPr>
+              <p:style>
+                <a:lnRef idx="2">
+                  <a:schemeClr val="accent1">
+                    <a:shade val="50000"/>
+                  </a:schemeClr>
+                </a:lnRef>
+                <a:fillRef idx="1">
+                  <a:schemeClr val="accent1"/>
+                </a:fillRef>
+                <a:effectRef idx="0">
+                  <a:schemeClr val="accent1"/>
+                </a:effectRef>
+                <a:fontRef idx="minor">
+                  <a:schemeClr val="lt1"/>
+                </a:fontRef>
+              </p:style>
+              <p:txBody>
+                <a:bodyPr rtlCol="0" anchor="ctr"/>
+                <a:lstStyle/>
+                <a:p>
+                  <a:pPr algn="ctr"/>
+                  <a:r>
+                    <a:rPr lang="en-US" altLang="ja-JP" sz="2400" dirty="0">
+                      <a:solidFill>
+                        <a:sysClr val="windowText" lastClr="000000"/>
+                      </a:solidFill>
+                    </a:rPr>
+                    <a:t>1 </a:t>
+                  </a:r>
+                  <a:r>
+                    <a:rPr lang="ja-JP" altLang="en-US" sz="2400">
+                      <a:solidFill>
+                        <a:sysClr val="windowText" lastClr="000000"/>
+                      </a:solidFill>
+                    </a:rPr>
+                    <a:t>万枚</a:t>
+                  </a:r>
+                  <a:endParaRPr kumimoji="1" lang="ja-JP" altLang="en-US" sz="2400">
+                    <a:solidFill>
+                      <a:sysClr val="windowText" lastClr="000000"/>
+                    </a:solidFill>
+                  </a:endParaRPr>
+                </a:p>
+              </p:txBody>
+            </p:sp>
+          </p:grpSp>
+          <p:sp>
+            <p:nvSpPr>
+              <p:cNvPr id="9" name="左中かっこ 8">
+                <a:extLst>
+                  <a:ext uri="{FF2B5EF4-FFF2-40B4-BE49-F238E27FC236}">
+                    <a16:creationId xmlns:a16="http://schemas.microsoft.com/office/drawing/2014/main" id="{7E4CF203-EC37-9DC8-81C3-E8BAC6DFE56C}"/>
+                  </a:ext>
+                </a:extLst>
+              </p:cNvPr>
+              <p:cNvSpPr/>
+              <p:nvPr/>
+            </p:nvSpPr>
+            <p:spPr>
+              <a:xfrm rot="5400000">
+                <a:off x="3600669" y="476240"/>
+                <a:ext cx="359923" cy="5497046"/>
+              </a:xfrm>
+              <a:prstGeom prst="leftBrace">
+                <a:avLst>
+                  <a:gd name="adj1" fmla="val 78603"/>
+                  <a:gd name="adj2" fmla="val 50000"/>
+                </a:avLst>
+              </a:prstGeom>
+              <a:ln/>
+            </p:spPr>
+            <p:style>
+              <a:lnRef idx="2">
+                <a:schemeClr val="dk1"/>
+              </a:lnRef>
+              <a:fillRef idx="0">
+                <a:schemeClr val="dk1"/>
+              </a:fillRef>
+              <a:effectRef idx="1">
+                <a:schemeClr val="dk1"/>
+              </a:effectRef>
+              <a:fontRef idx="minor">
+                <a:schemeClr val="tx1"/>
+              </a:fontRef>
+            </p:style>
+            <p:txBody>
+              <a:bodyPr rtlCol="0" anchor="ctr"/>
+              <a:lstStyle/>
+              <a:p>
+                <a:pPr algn="ctr"/>
+                <a:endParaRPr kumimoji="1" lang="ja-JP" altLang="en-US">
+                  <a:ln w="0"/>
+                  <a:effectLst>
+                    <a:outerShdw blurRad="38100" dist="19050" dir="2700000" algn="tl" rotWithShape="0">
+                      <a:schemeClr val="dk1">
+                        <a:alpha val="40000"/>
+                      </a:schemeClr>
+                    </a:outerShdw>
+                  </a:effectLst>
+                </a:endParaRPr>
+              </a:p>
+            </p:txBody>
+          </p:sp>
+          <p:sp>
+            <p:nvSpPr>
+              <p:cNvPr id="10" name="テキスト ボックス 9">
+                <a:extLst>
+                  <a:ext uri="{FF2B5EF4-FFF2-40B4-BE49-F238E27FC236}">
+                    <a16:creationId xmlns:a16="http://schemas.microsoft.com/office/drawing/2014/main" id="{C6F89D36-DA1B-5BE2-A692-9047DB58D4EA}"/>
+                  </a:ext>
+                </a:extLst>
+              </p:cNvPr>
+              <p:cNvSpPr txBox="1"/>
+              <p:nvPr/>
+            </p:nvSpPr>
+            <p:spPr>
+              <a:xfrm>
+                <a:off x="2898818" y="2518866"/>
+                <a:ext cx="1763624" cy="461665"/>
+              </a:xfrm>
+              <a:prstGeom prst="rect">
+                <a:avLst/>
+              </a:prstGeom>
+              <a:noFill/>
+            </p:spPr>
+            <p:txBody>
+              <a:bodyPr wrap="none" rtlCol="0">
+                <a:spAutoFit/>
+              </a:bodyPr>
+              <a:lstStyle/>
+              <a:p>
+                <a:r>
+                  <a:rPr kumimoji="1" lang="ja-JP" altLang="en-US" sz="2400"/>
+                  <a:t>合計</a:t>
+                </a:r>
+                <a:r>
+                  <a:rPr kumimoji="1" lang="en-US" altLang="ja-JP" sz="2400" dirty="0"/>
+                  <a:t> 7 </a:t>
+                </a:r>
+                <a:r>
+                  <a:rPr kumimoji="1" lang="ja-JP" altLang="en-US" sz="2400"/>
+                  <a:t>万枚</a:t>
+                </a:r>
+              </a:p>
+            </p:txBody>
+          </p:sp>
+          <p:sp>
+            <p:nvSpPr>
+              <p:cNvPr id="11" name="左中かっこ 10">
+                <a:extLst>
+                  <a:ext uri="{FF2B5EF4-FFF2-40B4-BE49-F238E27FC236}">
+                    <a16:creationId xmlns:a16="http://schemas.microsoft.com/office/drawing/2014/main" id="{97C5C7CC-0B5A-2E11-FA7A-2DF7DDC1B478}"/>
+                  </a:ext>
+                </a:extLst>
+              </p:cNvPr>
+              <p:cNvSpPr/>
+              <p:nvPr/>
+            </p:nvSpPr>
+            <p:spPr>
+              <a:xfrm rot="16200000">
+                <a:off x="1966658" y="3358355"/>
+                <a:ext cx="359923" cy="2229022"/>
+              </a:xfrm>
+              <a:prstGeom prst="leftBrace">
+                <a:avLst>
+                  <a:gd name="adj1" fmla="val 78603"/>
+                  <a:gd name="adj2" fmla="val 50000"/>
+                </a:avLst>
+              </a:prstGeom>
+              <a:ln/>
+            </p:spPr>
+            <p:style>
+              <a:lnRef idx="2">
+                <a:schemeClr val="dk1"/>
+              </a:lnRef>
+              <a:fillRef idx="0">
+                <a:schemeClr val="dk1"/>
+              </a:fillRef>
+              <a:effectRef idx="1">
+                <a:schemeClr val="dk1"/>
+              </a:effectRef>
+              <a:fontRef idx="minor">
+                <a:schemeClr val="tx1"/>
+              </a:fontRef>
+            </p:style>
+            <p:txBody>
+              <a:bodyPr rtlCol="0" anchor="ctr"/>
+              <a:lstStyle/>
+              <a:p>
+                <a:pPr algn="ctr"/>
+                <a:endParaRPr kumimoji="1" lang="ja-JP" altLang="en-US">
+                  <a:ln w="0"/>
+                  <a:effectLst>
+                    <a:outerShdw blurRad="38100" dist="19050" dir="2700000" algn="tl" rotWithShape="0">
+                      <a:schemeClr val="dk1">
+                        <a:alpha val="40000"/>
+                      </a:schemeClr>
+                    </a:outerShdw>
+                  </a:effectLst>
+                </a:endParaRPr>
+              </a:p>
+            </p:txBody>
+          </p:sp>
+          <p:sp>
+            <p:nvSpPr>
+              <p:cNvPr id="12" name="左中かっこ 11">
+                <a:extLst>
+                  <a:ext uri="{FF2B5EF4-FFF2-40B4-BE49-F238E27FC236}">
+                    <a16:creationId xmlns:a16="http://schemas.microsoft.com/office/drawing/2014/main" id="{2CA52890-5724-E375-491B-AD4B7EED631D}"/>
+                  </a:ext>
+                </a:extLst>
+              </p:cNvPr>
+              <p:cNvSpPr/>
+              <p:nvPr/>
+            </p:nvSpPr>
+            <p:spPr>
+              <a:xfrm rot="16200000">
+                <a:off x="4195679" y="3358356"/>
+                <a:ext cx="359923" cy="2229022"/>
+              </a:xfrm>
+              <a:prstGeom prst="leftBrace">
+                <a:avLst>
+                  <a:gd name="adj1" fmla="val 78603"/>
+                  <a:gd name="adj2" fmla="val 50000"/>
+                </a:avLst>
+              </a:prstGeom>
+              <a:ln/>
+            </p:spPr>
+            <p:style>
+              <a:lnRef idx="2">
+                <a:schemeClr val="dk1"/>
+              </a:lnRef>
+              <a:fillRef idx="0">
+                <a:schemeClr val="dk1"/>
+              </a:fillRef>
+              <a:effectRef idx="1">
+                <a:schemeClr val="dk1"/>
+              </a:effectRef>
+              <a:fontRef idx="minor">
+                <a:schemeClr val="tx1"/>
+              </a:fontRef>
+            </p:style>
+            <p:txBody>
+              <a:bodyPr rtlCol="0" anchor="ctr"/>
+              <a:lstStyle/>
+              <a:p>
+                <a:pPr algn="ctr"/>
+                <a:endParaRPr kumimoji="1" lang="ja-JP" altLang="en-US">
+                  <a:ln w="0"/>
+                  <a:effectLst>
+                    <a:outerShdw blurRad="38100" dist="19050" dir="2700000" algn="tl" rotWithShape="0">
+                      <a:schemeClr val="dk1">
+                        <a:alpha val="40000"/>
+                      </a:schemeClr>
+                    </a:outerShdw>
+                  </a:effectLst>
+                </a:endParaRPr>
+              </a:p>
+            </p:txBody>
+          </p:sp>
+          <p:sp>
+            <p:nvSpPr>
+              <p:cNvPr id="13" name="左中かっこ 12">
+                <a:extLst>
+                  <a:ext uri="{FF2B5EF4-FFF2-40B4-BE49-F238E27FC236}">
+                    <a16:creationId xmlns:a16="http://schemas.microsoft.com/office/drawing/2014/main" id="{D91906F3-FF4F-FC03-09BB-651DC7868A73}"/>
+                  </a:ext>
+                </a:extLst>
+              </p:cNvPr>
+              <p:cNvSpPr/>
+              <p:nvPr/>
+            </p:nvSpPr>
+            <p:spPr>
+              <a:xfrm rot="16200000">
+                <a:off x="5868666" y="3914391"/>
+                <a:ext cx="359923" cy="1116952"/>
+              </a:xfrm>
+              <a:prstGeom prst="leftBrace">
+                <a:avLst>
+                  <a:gd name="adj1" fmla="val 78603"/>
+                  <a:gd name="adj2" fmla="val 50000"/>
+                </a:avLst>
+              </a:prstGeom>
+              <a:ln/>
+            </p:spPr>
+            <p:style>
+              <a:lnRef idx="2">
+                <a:schemeClr val="dk1"/>
+              </a:lnRef>
+              <a:fillRef idx="0">
+                <a:schemeClr val="dk1"/>
+              </a:fillRef>
+              <a:effectRef idx="1">
+                <a:schemeClr val="dk1"/>
+              </a:effectRef>
+              <a:fontRef idx="minor">
+                <a:schemeClr val="tx1"/>
+              </a:fontRef>
+            </p:style>
+            <p:txBody>
+              <a:bodyPr rtlCol="0" anchor="ctr"/>
+              <a:lstStyle/>
+              <a:p>
+                <a:pPr algn="ctr"/>
+                <a:endParaRPr kumimoji="1" lang="ja-JP" altLang="en-US">
+                  <a:ln w="0"/>
+                  <a:effectLst>
+                    <a:outerShdw blurRad="38100" dist="19050" dir="2700000" algn="tl" rotWithShape="0">
+                      <a:schemeClr val="dk1">
+                        <a:alpha val="40000"/>
+                      </a:schemeClr>
+                    </a:outerShdw>
+                  </a:effectLst>
+                </a:endParaRPr>
+              </a:p>
+            </p:txBody>
+          </p:sp>
+        </p:grpSp>
+        <p:sp>
+          <p:nvSpPr>
+            <p:cNvPr id="15" name="テキスト ボックス 14">
+              <a:extLst>
+                <a:ext uri="{FF2B5EF4-FFF2-40B4-BE49-F238E27FC236}">
+                  <a16:creationId xmlns:a16="http://schemas.microsoft.com/office/drawing/2014/main" id="{9FE5AB73-AA71-240A-8689-717655A9E4BC}"/>
+                </a:ext>
+              </a:extLst>
+            </p:cNvPr>
+            <p:cNvSpPr txBox="1"/>
+            <p:nvPr/>
+          </p:nvSpPr>
+          <p:spPr>
+            <a:xfrm>
+              <a:off x="823179" y="4717538"/>
+              <a:ext cx="2646878" cy="461665"/>
+            </a:xfrm>
+            <a:prstGeom prst="rect">
+              <a:avLst/>
+            </a:prstGeom>
+            <a:noFill/>
+          </p:spPr>
+          <p:txBody>
+            <a:bodyPr wrap="none" rtlCol="0">
+              <a:spAutoFit/>
+            </a:bodyPr>
+            <a:lstStyle/>
+            <a:p>
+              <a:r>
+                <a:rPr kumimoji="1" lang="ja-JP" altLang="en-US" sz="2400"/>
+                <a:t>初期母集団作成用</a:t>
+              </a:r>
+            </a:p>
+          </p:txBody>
+        </p:sp>
+        <p:sp>
+          <p:nvSpPr>
+            <p:cNvPr id="17" name="テキスト ボックス 16">
+              <a:extLst>
+                <a:ext uri="{FF2B5EF4-FFF2-40B4-BE49-F238E27FC236}">
+                  <a16:creationId xmlns:a16="http://schemas.microsoft.com/office/drawing/2014/main" id="{5D692F09-DD29-3CBA-9FAA-83A06A22F281}"/>
+                </a:ext>
+              </a:extLst>
+            </p:cNvPr>
+            <p:cNvSpPr txBox="1"/>
+            <p:nvPr/>
+          </p:nvSpPr>
+          <p:spPr>
+            <a:xfrm>
+              <a:off x="3477797" y="4717540"/>
+              <a:ext cx="1795684" cy="461665"/>
+            </a:xfrm>
+            <a:prstGeom prst="rect">
+              <a:avLst/>
+            </a:prstGeom>
+            <a:noFill/>
+          </p:spPr>
+          <p:txBody>
+            <a:bodyPr wrap="none" rtlCol="0">
+              <a:spAutoFit/>
+            </a:bodyPr>
+            <a:lstStyle/>
+            <a:p>
+              <a:r>
+                <a:rPr kumimoji="1" lang="ja-JP" altLang="en-US" sz="2400"/>
+                <a:t>実験</a:t>
+              </a:r>
+              <a:r>
+                <a:rPr kumimoji="1" lang="en-US" altLang="ja-JP" sz="2400" dirty="0"/>
+                <a:t> 1, 2 </a:t>
+              </a:r>
+              <a:r>
+                <a:rPr kumimoji="1" lang="ja-JP" altLang="en-US" sz="2400"/>
+                <a:t>用</a:t>
+              </a:r>
+            </a:p>
+          </p:txBody>
+        </p:sp>
+        <p:sp>
+          <p:nvSpPr>
+            <p:cNvPr id="18" name="テキスト ボックス 17">
+              <a:extLst>
+                <a:ext uri="{FF2B5EF4-FFF2-40B4-BE49-F238E27FC236}">
+                  <a16:creationId xmlns:a16="http://schemas.microsoft.com/office/drawing/2014/main" id="{BE12FFF5-AA18-77F5-A2B6-D32D81BE885F}"/>
+                </a:ext>
+              </a:extLst>
+            </p:cNvPr>
+            <p:cNvSpPr txBox="1"/>
+            <p:nvPr/>
+          </p:nvSpPr>
+          <p:spPr>
+            <a:xfrm>
+              <a:off x="5340739" y="4736673"/>
+              <a:ext cx="1415772" cy="461665"/>
+            </a:xfrm>
+            <a:prstGeom prst="rect">
+              <a:avLst/>
+            </a:prstGeom>
+            <a:noFill/>
+          </p:spPr>
+          <p:txBody>
+            <a:bodyPr wrap="none" rtlCol="0">
+              <a:spAutoFit/>
+            </a:bodyPr>
+            <a:lstStyle/>
+            <a:p>
+              <a:r>
+                <a:rPr kumimoji="1" lang="ja-JP" altLang="en-US" sz="2400"/>
+                <a:t>テスト用</a:t>
+              </a:r>
+              <a:endParaRPr kumimoji="1" lang="ja-JP" altLang="en-US" sz="2000"/>
+            </a:p>
+          </p:txBody>
+        </p:sp>
+      </p:grpSp>
+    </p:spTree>
+    <p:extLst>
+      <p:ext uri="{BB962C8B-B14F-4D97-AF65-F5344CB8AC3E}">
+        <p14:creationId xmlns:p14="http://schemas.microsoft.com/office/powerpoint/2010/main" val="2393576502"/>
+      </p:ext>
+    </p:extLst>
+  </p:cSld>
+  <p:clrMapOvr>
+    <a:masterClrMapping/>
+  </p:clrMapOvr>
+</p:sld>
+</file>
+
+<file path=ppt/slides/slide25.xml><?xml version="1.0" encoding="utf-8"?>
+<p:sld xmlns:a="http://schemas.openxmlformats.org/drawingml/2006/main" xmlns:r="http://schemas.openxmlformats.org/officeDocument/2006/relationships" xmlns:p="http://schemas.openxmlformats.org/presentationml/2006/main">
+  <p:cSld>
+    <p:spTree>
+      <p:nvGrpSpPr>
+        <p:cNvPr id="1" name=""/>
+        <p:cNvGrpSpPr/>
+        <p:nvPr/>
+      </p:nvGrpSpPr>
+      <p:grpSpPr>
+        <a:xfrm>
+          <a:off x="0" y="0"/>
+          <a:ext cx="0" cy="0"/>
+          <a:chOff x="0" y="0"/>
+          <a:chExt cx="0" cy="0"/>
+        </a:xfrm>
+      </p:grpSpPr>
+      <p:sp>
+        <p:nvSpPr>
+          <p:cNvPr id="2" name="タイトル 1">
+            <a:extLst>
+              <a:ext uri="{FF2B5EF4-FFF2-40B4-BE49-F238E27FC236}">
+                <a16:creationId xmlns:a16="http://schemas.microsoft.com/office/drawing/2014/main" id="{DA6841C3-0E6C-BFA1-5D04-4112F1117102}"/>
+              </a:ext>
+            </a:extLst>
+          </p:cNvPr>
+          <p:cNvSpPr>
+            <a:spLocks noGrp="1"/>
+          </p:cNvSpPr>
+          <p:nvPr>
+            <p:ph type="title"/>
+          </p:nvPr>
+        </p:nvSpPr>
+        <p:spPr/>
+        <p:txBody>
+          <a:bodyPr/>
+          <a:lstStyle/>
+          <a:p>
+            <a:r>
+              <a:rPr kumimoji="1" lang="ja-JP" altLang="en-US"/>
+              <a:t>目次</a:t>
+            </a:r>
+          </a:p>
+        </p:txBody>
+      </p:sp>
+      <p:sp>
+        <p:nvSpPr>
+          <p:cNvPr id="4" name="スライド番号プレースホルダー 3">
+            <a:extLst>
+              <a:ext uri="{FF2B5EF4-FFF2-40B4-BE49-F238E27FC236}">
+                <a16:creationId xmlns:a16="http://schemas.microsoft.com/office/drawing/2014/main" id="{20D20625-8135-BA1D-11A0-E3466265CE7C}"/>
+              </a:ext>
+            </a:extLst>
+          </p:cNvPr>
+          <p:cNvSpPr>
+            <a:spLocks noGrp="1"/>
+          </p:cNvSpPr>
+          <p:nvPr>
+            <p:ph type="sldNum" sz="quarter" idx="12"/>
+          </p:nvPr>
+        </p:nvSpPr>
+        <p:spPr/>
+        <p:txBody>
+          <a:bodyPr/>
+          <a:lstStyle/>
+          <a:p>
+            <a:pPr lvl="0"/>
+            <a:fld id="{004900ED-2EFD-2142-93A1-1CBA90FDE07B}" type="slidenum">
+              <a:rPr lang="en-US" altLang="ja-JP" smtClean="0"/>
+              <a:t>25</a:t>
+            </a:fld>
+            <a:endParaRPr lang="ja-JP" altLang="en-US"/>
+          </a:p>
+        </p:txBody>
+      </p:sp>
+      <p:sp>
+        <p:nvSpPr>
+          <p:cNvPr id="3" name="テキスト ボックス 2">
+            <a:extLst>
+              <a:ext uri="{FF2B5EF4-FFF2-40B4-BE49-F238E27FC236}">
+                <a16:creationId xmlns:a16="http://schemas.microsoft.com/office/drawing/2014/main" id="{CFCE3529-0348-FAC9-4C81-ACEA9BA72623}"/>
+              </a:ext>
+            </a:extLst>
+          </p:cNvPr>
+          <p:cNvSpPr txBox="1"/>
+          <p:nvPr/>
+        </p:nvSpPr>
+        <p:spPr>
+          <a:xfrm>
+            <a:off x="919691" y="1259079"/>
+            <a:ext cx="3877985" cy="3909917"/>
+          </a:xfrm>
+          <a:prstGeom prst="rect">
+            <a:avLst/>
+          </a:prstGeom>
+          <a:noFill/>
+        </p:spPr>
+        <p:txBody>
+          <a:bodyPr wrap="none" rtlCol="0">
+            <a:spAutoFit/>
+          </a:bodyPr>
+          <a:lstStyle/>
+          <a:p>
+            <a:pPr marL="457200" indent="-457200">
+              <a:lnSpc>
+                <a:spcPct val="150000"/>
+              </a:lnSpc>
+              <a:buFont typeface="Wingdings" pitchFamily="2" charset="2"/>
+              <a:buChar char="Ø"/>
+            </a:pPr>
+            <a:r>
+              <a:rPr lang="ja-JP" altLang="en-US" sz="2800">
+                <a:solidFill>
+                  <a:schemeClr val="bg2">
+                    <a:lumMod val="75000"/>
+                  </a:schemeClr>
+                </a:solidFill>
+              </a:rPr>
+              <a:t>はじめに</a:t>
+            </a:r>
+            <a:endParaRPr lang="en-US" altLang="ja-JP" sz="2800" dirty="0">
+              <a:solidFill>
+                <a:schemeClr val="bg2">
+                  <a:lumMod val="75000"/>
+                </a:schemeClr>
+              </a:solidFill>
+            </a:endParaRPr>
+          </a:p>
+          <a:p>
+            <a:pPr marL="457200" indent="-457200">
+              <a:lnSpc>
+                <a:spcPct val="150000"/>
+              </a:lnSpc>
+              <a:buFont typeface="Wingdings" pitchFamily="2" charset="2"/>
+              <a:buChar char="Ø"/>
+            </a:pPr>
+            <a:r>
+              <a:rPr lang="ja-JP" altLang="en-US" sz="2800">
+                <a:solidFill>
+                  <a:schemeClr val="bg2">
+                    <a:lumMod val="75000"/>
+                  </a:schemeClr>
+                </a:solidFill>
+              </a:rPr>
+              <a:t>要素技術</a:t>
+            </a:r>
+            <a:endParaRPr lang="en-US" altLang="ja-JP" sz="2800" dirty="0">
+              <a:solidFill>
+                <a:schemeClr val="bg2">
+                  <a:lumMod val="75000"/>
+                </a:schemeClr>
+              </a:solidFill>
+            </a:endParaRPr>
+          </a:p>
+          <a:p>
+            <a:pPr marL="457200" indent="-457200">
+              <a:lnSpc>
+                <a:spcPct val="150000"/>
+              </a:lnSpc>
+              <a:buFont typeface="Wingdings" pitchFamily="2" charset="2"/>
+              <a:buChar char="Ø"/>
+            </a:pPr>
+            <a:r>
+              <a:rPr lang="ja-JP" altLang="en-US" sz="2800">
+                <a:solidFill>
+                  <a:schemeClr val="bg2">
+                    <a:lumMod val="75000"/>
+                  </a:schemeClr>
+                </a:solidFill>
+              </a:rPr>
+              <a:t>提案手法</a:t>
+            </a:r>
+            <a:endParaRPr lang="en-US" altLang="ja-JP" sz="2800" dirty="0">
+              <a:solidFill>
+                <a:schemeClr val="bg2">
+                  <a:lumMod val="75000"/>
+                </a:schemeClr>
+              </a:solidFill>
+            </a:endParaRPr>
+          </a:p>
+          <a:p>
+            <a:pPr marL="457200" indent="-457200">
+              <a:lnSpc>
+                <a:spcPct val="150000"/>
+              </a:lnSpc>
+              <a:buFont typeface="Wingdings" pitchFamily="2" charset="2"/>
+              <a:buChar char="Ø"/>
+            </a:pPr>
+            <a:r>
+              <a:rPr lang="ja-JP" altLang="en-US" sz="2800">
+                <a:solidFill>
+                  <a:schemeClr val="bg2">
+                    <a:lumMod val="75000"/>
+                  </a:schemeClr>
+                </a:solidFill>
+              </a:rPr>
+              <a:t>実験概要</a:t>
+            </a:r>
+            <a:endParaRPr lang="en-US" altLang="ja-JP" sz="2800" dirty="0">
+              <a:solidFill>
+                <a:schemeClr val="bg2">
+                  <a:lumMod val="75000"/>
+                </a:schemeClr>
+              </a:solidFill>
+            </a:endParaRPr>
+          </a:p>
+          <a:p>
+            <a:pPr marL="457200" indent="-457200">
+              <a:lnSpc>
+                <a:spcPct val="150000"/>
+              </a:lnSpc>
+              <a:buFont typeface="Wingdings" pitchFamily="2" charset="2"/>
+              <a:buChar char="Ø"/>
+            </a:pPr>
+            <a:r>
+              <a:rPr lang="ja-JP" altLang="en-US" sz="2800"/>
+              <a:t>実験結果</a:t>
+            </a:r>
+            <a:endParaRPr lang="en-US" altLang="ja-JP" sz="2800" dirty="0"/>
+          </a:p>
+          <a:p>
+            <a:pPr marL="457200" indent="-457200">
+              <a:lnSpc>
+                <a:spcPct val="150000"/>
+              </a:lnSpc>
+              <a:buFont typeface="Wingdings" pitchFamily="2" charset="2"/>
+              <a:buChar char="Ø"/>
+            </a:pPr>
+            <a:r>
+              <a:rPr lang="ja-JP" altLang="en-US" sz="2800">
+                <a:solidFill>
+                  <a:schemeClr val="bg2">
+                    <a:lumMod val="75000"/>
+                  </a:schemeClr>
+                </a:solidFill>
+              </a:rPr>
+              <a:t>まとめと今後の課題</a:t>
+            </a:r>
+          </a:p>
+        </p:txBody>
+      </p:sp>
+    </p:spTree>
+    <p:extLst>
+      <p:ext uri="{BB962C8B-B14F-4D97-AF65-F5344CB8AC3E}">
+        <p14:creationId xmlns:p14="http://schemas.microsoft.com/office/powerpoint/2010/main" val="2689984932"/>
+      </p:ext>
+    </p:extLst>
+  </p:cSld>
+  <p:clrMapOvr>
+    <a:masterClrMapping/>
+  </p:clrMapOvr>
+</p:sld>
+</file>
+
+<file path=ppt/slides/slide26.xml><?xml version="1.0" encoding="utf-8"?>
+<p:sld xmlns:a="http://schemas.openxmlformats.org/drawingml/2006/main" xmlns:r="http://schemas.openxmlformats.org/officeDocument/2006/relationships" xmlns:p="http://schemas.openxmlformats.org/presentationml/2006/main">
+  <p:cSld>
+    <p:spTree>
+      <p:nvGrpSpPr>
+        <p:cNvPr id="1" name=""/>
+        <p:cNvGrpSpPr/>
+        <p:nvPr/>
+      </p:nvGrpSpPr>
+      <p:grpSpPr>
+        <a:xfrm>
+          <a:off x="0" y="0"/>
+          <a:ext cx="0" cy="0"/>
+          <a:chOff x="0" y="0"/>
+          <a:chExt cx="0" cy="0"/>
+        </a:xfrm>
+      </p:grpSpPr>
+      <p:sp>
+        <p:nvSpPr>
+          <p:cNvPr id="2" name="タイトル 1">
+            <a:extLst>
+              <a:ext uri="{FF2B5EF4-FFF2-40B4-BE49-F238E27FC236}">
+                <a16:creationId xmlns:a16="http://schemas.microsoft.com/office/drawing/2014/main" id="{B3856225-BF31-7C83-9113-9E3E30C19EB8}"/>
+              </a:ext>
+            </a:extLst>
+          </p:cNvPr>
+          <p:cNvSpPr>
+            <a:spLocks noGrp="1"/>
+          </p:cNvSpPr>
+          <p:nvPr>
+            <p:ph type="title"/>
+          </p:nvPr>
+        </p:nvSpPr>
+        <p:spPr/>
+        <p:txBody>
+          <a:bodyPr/>
+          <a:lstStyle/>
+          <a:p>
+            <a:r>
+              <a:rPr kumimoji="1" lang="ja-JP" altLang="en-US"/>
+              <a:t>初期個体群の作成</a:t>
+            </a:r>
+          </a:p>
+        </p:txBody>
+      </p:sp>
+      <p:sp>
+        <p:nvSpPr>
+          <p:cNvPr id="3" name="スライド番号プレースホルダー 2">
+            <a:extLst>
+              <a:ext uri="{FF2B5EF4-FFF2-40B4-BE49-F238E27FC236}">
+                <a16:creationId xmlns:a16="http://schemas.microsoft.com/office/drawing/2014/main" id="{D54A1411-310B-5B77-D481-0D835AD0E47D}"/>
+              </a:ext>
+            </a:extLst>
+          </p:cNvPr>
+          <p:cNvSpPr>
+            <a:spLocks noGrp="1"/>
+          </p:cNvSpPr>
+          <p:nvPr>
+            <p:ph type="sldNum" sz="quarter" idx="12"/>
+          </p:nvPr>
+        </p:nvSpPr>
+        <p:spPr/>
+        <p:txBody>
+          <a:bodyPr/>
+          <a:lstStyle/>
+          <a:p>
+            <a:pPr lvl="0"/>
+            <a:fld id="{004900ED-2EFD-2142-93A1-1CBA90FDE07B}" type="slidenum">
+              <a:rPr lang="en-US" altLang="ja-JP" smtClean="0"/>
+              <a:t>26</a:t>
+            </a:fld>
+            <a:endParaRPr lang="ja-JP" altLang="en-US"/>
+          </a:p>
+        </p:txBody>
+      </p:sp>
+      <p:grpSp>
+        <p:nvGrpSpPr>
+          <p:cNvPr id="11" name="グループ化 10">
+            <a:extLst>
+              <a:ext uri="{FF2B5EF4-FFF2-40B4-BE49-F238E27FC236}">
+                <a16:creationId xmlns:a16="http://schemas.microsoft.com/office/drawing/2014/main" id="{FC14CCC5-584D-0EEC-F11C-4B19CCFD22AA}"/>
+              </a:ext>
+            </a:extLst>
+          </p:cNvPr>
+          <p:cNvGrpSpPr/>
+          <p:nvPr/>
+        </p:nvGrpSpPr>
+        <p:grpSpPr>
+          <a:xfrm>
+            <a:off x="156300" y="1722220"/>
+            <a:ext cx="7248661" cy="2907045"/>
+            <a:chOff x="156300" y="2568280"/>
+            <a:chExt cx="7248661" cy="2907045"/>
+          </a:xfrm>
+        </p:grpSpPr>
+        <p:grpSp>
+          <p:nvGrpSpPr>
+            <p:cNvPr id="8" name="グループ化 7">
+              <a:extLst>
+                <a:ext uri="{FF2B5EF4-FFF2-40B4-BE49-F238E27FC236}">
+                  <a16:creationId xmlns:a16="http://schemas.microsoft.com/office/drawing/2014/main" id="{37E3653E-202D-9D7F-32C1-53BA4CC62FB3}"/>
+                </a:ext>
+              </a:extLst>
+            </p:cNvPr>
+            <p:cNvGrpSpPr/>
+            <p:nvPr/>
+          </p:nvGrpSpPr>
+          <p:grpSpPr>
+            <a:xfrm>
+              <a:off x="156300" y="2568280"/>
+              <a:ext cx="7248661" cy="2907045"/>
+              <a:chOff x="156301" y="2559050"/>
+              <a:chExt cx="7248661" cy="2907045"/>
+            </a:xfrm>
+          </p:grpSpPr>
+          <p:sp>
+            <p:nvSpPr>
+              <p:cNvPr id="4" name="円/楕円 3">
+                <a:extLst>
+                  <a:ext uri="{FF2B5EF4-FFF2-40B4-BE49-F238E27FC236}">
+                    <a16:creationId xmlns:a16="http://schemas.microsoft.com/office/drawing/2014/main" id="{7F156D9E-39C7-6B02-2DC6-C27DA03BDF99}"/>
+                  </a:ext>
+                </a:extLst>
+              </p:cNvPr>
+              <p:cNvSpPr/>
+              <p:nvPr/>
+            </p:nvSpPr>
+            <p:spPr>
+              <a:xfrm>
+                <a:off x="156301" y="2559050"/>
+                <a:ext cx="3080613" cy="1562100"/>
+              </a:xfrm>
+              <a:prstGeom prst="ellipse">
+                <a:avLst/>
+              </a:prstGeom>
+              <a:solidFill>
+                <a:schemeClr val="bg1"/>
+              </a:solidFill>
+              <a:ln>
+                <a:solidFill>
+                  <a:schemeClr val="tx1"/>
+                </a:solidFill>
+              </a:ln>
+            </p:spPr>
+            <p:style>
+              <a:lnRef idx="2">
+                <a:schemeClr val="accent1">
+                  <a:shade val="50000"/>
+                </a:schemeClr>
+              </a:lnRef>
+              <a:fillRef idx="1">
+                <a:schemeClr val="accent1"/>
+              </a:fillRef>
+              <a:effectRef idx="0">
+                <a:schemeClr val="accent1"/>
+              </a:effectRef>
+              <a:fontRef idx="minor">
+                <a:schemeClr val="lt1"/>
+              </a:fontRef>
+            </p:style>
+            <p:txBody>
+              <a:bodyPr rtlCol="0" anchor="ctr"/>
+              <a:lstStyle/>
+              <a:p>
+                <a:pPr algn="ctr"/>
+                <a:r>
+                  <a:rPr kumimoji="1" lang="ja-JP" altLang="en-US" sz="2800">
+                    <a:ln>
+                      <a:solidFill>
+                        <a:schemeClr val="tx1"/>
+                      </a:solidFill>
+                    </a:ln>
+                    <a:solidFill>
+                      <a:schemeClr val="tx1"/>
+                    </a:solidFill>
+                  </a:rPr>
+                  <a:t>ランダムな</a:t>
+                </a:r>
+                <a:endParaRPr kumimoji="1" lang="en-US" altLang="ja-JP" sz="2800" dirty="0">
+                  <a:ln>
+                    <a:solidFill>
+                      <a:schemeClr val="tx1"/>
+                    </a:solidFill>
+                  </a:ln>
+                  <a:solidFill>
+                    <a:schemeClr val="tx1"/>
+                  </a:solidFill>
+                </a:endParaRPr>
+              </a:p>
+              <a:p>
+                <a:pPr algn="ctr"/>
+                <a:r>
+                  <a:rPr kumimoji="1" lang="ja-JP" altLang="en-US" sz="2800">
+                    <a:ln>
+                      <a:solidFill>
+                        <a:schemeClr val="tx1"/>
+                      </a:solidFill>
+                    </a:ln>
+                    <a:solidFill>
+                      <a:schemeClr val="tx1"/>
+                    </a:solidFill>
+                  </a:rPr>
+                  <a:t>初期個体群</a:t>
+                </a:r>
+              </a:p>
+            </p:txBody>
+          </p:sp>
+          <p:sp>
+            <p:nvSpPr>
+              <p:cNvPr id="5" name="右矢印 4">
+                <a:extLst>
+                  <a:ext uri="{FF2B5EF4-FFF2-40B4-BE49-F238E27FC236}">
+                    <a16:creationId xmlns:a16="http://schemas.microsoft.com/office/drawing/2014/main" id="{3D190AF5-D790-B873-4F64-FBA7C3DB2DAD}"/>
+                  </a:ext>
+                </a:extLst>
+              </p:cNvPr>
+              <p:cNvSpPr/>
+              <p:nvPr/>
+            </p:nvSpPr>
+            <p:spPr>
+              <a:xfrm>
+                <a:off x="2938674" y="3751595"/>
+                <a:ext cx="1352549" cy="933450"/>
+              </a:xfrm>
+              <a:prstGeom prst="rightArrow">
+                <a:avLst/>
+              </a:prstGeom>
+              <a:solidFill>
+                <a:schemeClr val="bg1"/>
+              </a:solidFill>
+              <a:ln>
+                <a:solidFill>
+                  <a:schemeClr val="tx1"/>
+                </a:solidFill>
+              </a:ln>
+            </p:spPr>
+            <p:style>
+              <a:lnRef idx="2">
+                <a:schemeClr val="accent1">
+                  <a:shade val="50000"/>
+                </a:schemeClr>
+              </a:lnRef>
+              <a:fillRef idx="1">
+                <a:schemeClr val="accent1"/>
+              </a:fillRef>
+              <a:effectRef idx="0">
+                <a:schemeClr val="accent1"/>
+              </a:effectRef>
+              <a:fontRef idx="minor">
+                <a:schemeClr val="lt1"/>
+              </a:fontRef>
+            </p:style>
+            <p:txBody>
+              <a:bodyPr rtlCol="0" anchor="ctr"/>
+              <a:lstStyle/>
+              <a:p>
+                <a:pPr algn="ctr"/>
+                <a:endParaRPr kumimoji="1" lang="ja-JP" altLang="en-US" sz="2400">
+                  <a:solidFill>
+                    <a:schemeClr val="tx1"/>
+                  </a:solidFill>
+                </a:endParaRPr>
+              </a:p>
+            </p:txBody>
+          </p:sp>
+          <p:sp>
+            <p:nvSpPr>
+              <p:cNvPr id="6" name="円/楕円 5">
+                <a:extLst>
+                  <a:ext uri="{FF2B5EF4-FFF2-40B4-BE49-F238E27FC236}">
+                    <a16:creationId xmlns:a16="http://schemas.microsoft.com/office/drawing/2014/main" id="{5848BBD1-F696-182B-35BF-AB88D5F2CCCE}"/>
+                  </a:ext>
+                </a:extLst>
+              </p:cNvPr>
+              <p:cNvSpPr/>
+              <p:nvPr/>
+            </p:nvSpPr>
+            <p:spPr>
+              <a:xfrm>
+                <a:off x="4324349" y="3903995"/>
+                <a:ext cx="3080613" cy="1562100"/>
+              </a:xfrm>
+              <a:prstGeom prst="ellipse">
+                <a:avLst/>
+              </a:prstGeom>
+              <a:solidFill>
+                <a:schemeClr val="bg1"/>
+              </a:solidFill>
+              <a:ln>
+                <a:solidFill>
+                  <a:schemeClr val="tx1"/>
+                </a:solidFill>
+              </a:ln>
+            </p:spPr>
+            <p:style>
+              <a:lnRef idx="2">
+                <a:schemeClr val="accent1">
+                  <a:shade val="50000"/>
+                </a:schemeClr>
+              </a:lnRef>
+              <a:fillRef idx="1">
+                <a:schemeClr val="accent1"/>
+              </a:fillRef>
+              <a:effectRef idx="0">
+                <a:schemeClr val="accent1"/>
+              </a:effectRef>
+              <a:fontRef idx="minor">
+                <a:schemeClr val="lt1"/>
+              </a:fontRef>
+            </p:style>
+            <p:txBody>
+              <a:bodyPr rtlCol="0" anchor="ctr"/>
+              <a:lstStyle/>
+              <a:p>
+                <a:pPr algn="ctr"/>
+                <a:r>
+                  <a:rPr kumimoji="1" lang="ja-JP" altLang="en-US" sz="2800">
+                    <a:ln>
+                      <a:solidFill>
+                        <a:schemeClr val="tx1"/>
+                      </a:solidFill>
+                    </a:ln>
+                    <a:solidFill>
+                      <a:schemeClr val="tx1"/>
+                    </a:solidFill>
+                  </a:rPr>
+                  <a:t>実験用の</a:t>
+                </a:r>
+                <a:endParaRPr kumimoji="1" lang="en-US" altLang="ja-JP" sz="2800" dirty="0">
+                  <a:ln>
+                    <a:solidFill>
+                      <a:schemeClr val="tx1"/>
+                    </a:solidFill>
+                  </a:ln>
+                  <a:solidFill>
+                    <a:schemeClr val="tx1"/>
+                  </a:solidFill>
+                </a:endParaRPr>
+              </a:p>
+              <a:p>
+                <a:pPr algn="ctr"/>
+                <a:r>
+                  <a:rPr kumimoji="1" lang="ja-JP" altLang="en-US" sz="2800">
+                    <a:ln>
+                      <a:solidFill>
+                        <a:schemeClr val="tx1"/>
+                      </a:solidFill>
+                    </a:ln>
+                    <a:solidFill>
+                      <a:schemeClr val="tx1"/>
+                    </a:solidFill>
+                  </a:rPr>
+                  <a:t>初期個体群</a:t>
+                </a:r>
+                <a:endParaRPr kumimoji="1" lang="en-US" altLang="ja-JP" sz="2800" dirty="0">
+                  <a:ln>
+                    <a:solidFill>
+                      <a:schemeClr val="tx1"/>
+                    </a:solidFill>
+                  </a:ln>
+                  <a:solidFill>
+                    <a:schemeClr val="tx1"/>
+                  </a:solidFill>
+                </a:endParaRPr>
+              </a:p>
+            </p:txBody>
+          </p:sp>
+        </p:grpSp>
+        <p:sp>
+          <p:nvSpPr>
+            <p:cNvPr id="9" name="テキスト ボックス 8">
+              <a:extLst>
+                <a:ext uri="{FF2B5EF4-FFF2-40B4-BE49-F238E27FC236}">
+                  <a16:creationId xmlns:a16="http://schemas.microsoft.com/office/drawing/2014/main" id="{A0C81114-2165-8442-28E5-0EFFBE2B8687}"/>
+                </a:ext>
+              </a:extLst>
+            </p:cNvPr>
+            <p:cNvSpPr txBox="1"/>
+            <p:nvPr/>
+          </p:nvSpPr>
+          <p:spPr>
+            <a:xfrm>
+              <a:off x="1804232" y="4839046"/>
+              <a:ext cx="2618024" cy="461665"/>
+            </a:xfrm>
+            <a:prstGeom prst="rect">
+              <a:avLst/>
+            </a:prstGeom>
+            <a:noFill/>
+          </p:spPr>
+          <p:txBody>
+            <a:bodyPr wrap="none" rtlCol="0">
+              <a:spAutoFit/>
+            </a:bodyPr>
+            <a:lstStyle/>
+            <a:p>
+              <a:r>
+                <a:rPr lang="en-US" altLang="ja-JP" sz="2400" dirty="0" err="1"/>
+                <a:t>tdgaCNN</a:t>
+              </a:r>
+              <a:r>
+                <a:rPr kumimoji="1" lang="en-US" altLang="ja-JP" sz="2400" dirty="0"/>
+                <a:t> 20 </a:t>
+              </a:r>
+              <a:r>
+                <a:rPr kumimoji="1" lang="ja-JP" altLang="en-US" sz="2400"/>
+                <a:t>世代</a:t>
+              </a:r>
+            </a:p>
+          </p:txBody>
+        </p:sp>
+      </p:grpSp>
+    </p:spTree>
+    <p:extLst>
+      <p:ext uri="{BB962C8B-B14F-4D97-AF65-F5344CB8AC3E}">
+        <p14:creationId xmlns:p14="http://schemas.microsoft.com/office/powerpoint/2010/main" val="2868586895"/>
+      </p:ext>
+    </p:extLst>
+  </p:cSld>
+  <p:clrMapOvr>
+    <a:masterClrMapping/>
+  </p:clrMapOvr>
+</p:sld>
+</file>
+
+<file path=ppt/slides/slide27.xml><?xml version="1.0" encoding="utf-8"?>
+<p:sld xmlns:a="http://schemas.openxmlformats.org/drawingml/2006/main" xmlns:r="http://schemas.openxmlformats.org/officeDocument/2006/relationships" xmlns:p="http://schemas.openxmlformats.org/presentationml/2006/main">
+  <p:cSld>
+    <p:spTree>
+      <p:nvGrpSpPr>
+        <p:cNvPr id="1" name=""/>
+        <p:cNvGrpSpPr/>
+        <p:nvPr/>
+      </p:nvGrpSpPr>
+      <p:grpSpPr>
+        <a:xfrm>
+          <a:off x="0" y="0"/>
+          <a:ext cx="0" cy="0"/>
+          <a:chOff x="0" y="0"/>
+          <a:chExt cx="0" cy="0"/>
+        </a:xfrm>
+      </p:grpSpPr>
+      <p:sp>
+        <p:nvSpPr>
+          <p:cNvPr id="2" name="タイトル 1">
+            <a:extLst>
+              <a:ext uri="{FF2B5EF4-FFF2-40B4-BE49-F238E27FC236}">
+                <a16:creationId xmlns:a16="http://schemas.microsoft.com/office/drawing/2014/main" id="{D159CF40-CD8C-21A6-0A3D-8CF370B562A6}"/>
+              </a:ext>
+            </a:extLst>
+          </p:cNvPr>
+          <p:cNvSpPr>
+            <a:spLocks noGrp="1"/>
+          </p:cNvSpPr>
+          <p:nvPr>
+            <p:ph type="title"/>
+          </p:nvPr>
+        </p:nvSpPr>
+        <p:spPr/>
+        <p:txBody>
+          <a:bodyPr/>
+          <a:lstStyle/>
+          <a:p>
+            <a:r>
+              <a:rPr kumimoji="1" lang="ja-JP" altLang="en-US"/>
+              <a:t>実験結果</a:t>
+            </a:r>
+            <a:r>
+              <a:rPr kumimoji="1" lang="en-US" altLang="ja-JP" dirty="0"/>
+              <a:t> </a:t>
+            </a:r>
+            <a:r>
+              <a:rPr lang="en-US" altLang="ja-JP" dirty="0"/>
+              <a:t>–––– </a:t>
+            </a:r>
+            <a:r>
+              <a:rPr lang="ja-JP" altLang="en-US"/>
+              <a:t>適応度推移</a:t>
+            </a:r>
+            <a:endParaRPr kumimoji="1" lang="ja-JP" altLang="en-US"/>
+          </a:p>
+        </p:txBody>
+      </p:sp>
+      <p:sp>
+        <p:nvSpPr>
+          <p:cNvPr id="3" name="スライド番号プレースホルダー 2">
+            <a:extLst>
+              <a:ext uri="{FF2B5EF4-FFF2-40B4-BE49-F238E27FC236}">
+                <a16:creationId xmlns:a16="http://schemas.microsoft.com/office/drawing/2014/main" id="{37968868-915E-15E5-AB4E-1366F32A281D}"/>
+              </a:ext>
+            </a:extLst>
+          </p:cNvPr>
+          <p:cNvSpPr>
+            <a:spLocks noGrp="1"/>
+          </p:cNvSpPr>
+          <p:nvPr>
+            <p:ph type="sldNum" sz="quarter" idx="12"/>
+          </p:nvPr>
+        </p:nvSpPr>
+        <p:spPr/>
+        <p:txBody>
+          <a:bodyPr/>
+          <a:lstStyle/>
+          <a:p>
+            <a:pPr lvl="0"/>
+            <a:fld id="{004900ED-2EFD-2142-93A1-1CBA90FDE07B}" type="slidenum">
+              <a:rPr lang="en-US" altLang="ja-JP" smtClean="0"/>
+              <a:t>27</a:t>
             </a:fld>
             <a:endParaRPr lang="ja-JP" altLang="en-US"/>
           </a:p>
@@ -8131,7 +11299,7 @@
 </p:sld>
 </file>
 
-<file path=ppt/slides/slide23.xml><?xml version="1.0" encoding="utf-8"?>
+<file path=ppt/slides/slide28.xml><?xml version="1.0" encoding="utf-8"?>
 <p:sld xmlns:a="http://schemas.openxmlformats.org/drawingml/2006/main" xmlns:r="http://schemas.openxmlformats.org/officeDocument/2006/relationships" xmlns:p="http://schemas.openxmlformats.org/presentationml/2006/main">
   <p:cSld>
     <p:spTree>
@@ -8213,7 +11381,7 @@
             <a:pPr lvl="0"/>
             <a:fld id="{004900ED-2EFD-2142-93A1-1CBA90FDE07B}" type="slidenum">
               <a:rPr lang="en-US" altLang="ja-JP" smtClean="0"/>
-              <a:t>23</a:t>
+              <a:t>28</a:t>
             </a:fld>
             <a:endParaRPr lang="ja-JP" altLang="en-US"/>
           </a:p>
@@ -8234,7 +11402,7 @@
         <p:spPr>
           <a:xfrm>
             <a:off x="360464" y="1439189"/>
-            <a:ext cx="5828840" cy="830997"/>
+            <a:ext cx="4022255" cy="461665"/>
           </a:xfrm>
           <a:prstGeom prst="rect">
             <a:avLst/>
@@ -8252,27 +11420,20 @@
               <a:buChar char="p"/>
             </a:pPr>
             <a:r>
-              <a:rPr kumimoji="1" lang="en-US" altLang="ja-JP" sz="2400" dirty="0"/>
-              <a:t>20 </a:t>
-            </a:r>
-            <a:r>
-              <a:rPr kumimoji="1" lang="ja-JP" altLang="en-US" sz="2400"/>
-              <a:t>世代探索済みの個体群が初期母集団</a:t>
-            </a:r>
-            <a:endParaRPr kumimoji="1" lang="en-US" altLang="ja-JP" sz="2400" dirty="0"/>
-          </a:p>
-          <a:p>
-            <a:pPr marL="285750" indent="-285750">
-              <a:buFont typeface="Wingdings" pitchFamily="2" charset="2"/>
-              <a:buChar char="p"/>
-            </a:pPr>
-            <a:r>
               <a:rPr lang="en-US" altLang="ja-JP" sz="2400" dirty="0"/>
               <a:t>80 </a:t>
             </a:r>
             <a:r>
               <a:rPr lang="ja-JP" altLang="en-US" sz="2400"/>
-              <a:t>世代探索</a:t>
+              <a:t>世代</a:t>
+            </a:r>
+            <a:r>
+              <a:rPr lang="en-US" altLang="ja-JP" sz="2400" dirty="0"/>
+              <a:t> 1 </a:t>
+            </a:r>
+            <a:r>
+              <a:rPr lang="ja-JP" altLang="en-US" sz="2400"/>
+              <a:t>エポックで探索</a:t>
             </a:r>
             <a:endParaRPr kumimoji="1" lang="en-US" altLang="ja-JP" sz="2400" dirty="0"/>
           </a:p>
@@ -8292,7 +11453,7 @@
         </p:nvGrpSpPr>
         <p:grpSpPr>
           <a:xfrm>
-            <a:off x="110268" y="2449329"/>
+            <a:off x="110268" y="2365169"/>
             <a:ext cx="7340726" cy="2809056"/>
             <a:chOff x="76074" y="2409948"/>
             <a:chExt cx="7340726" cy="2809056"/>
@@ -8370,7 +11531,7 @@
 </p:sld>
 </file>
 
-<file path=ppt/slides/slide24.xml><?xml version="1.0" encoding="utf-8"?>
+<file path=ppt/slides/slide29.xml><?xml version="1.0" encoding="utf-8"?>
 <p:sld xmlns:a="http://schemas.openxmlformats.org/drawingml/2006/main" xmlns:r="http://schemas.openxmlformats.org/officeDocument/2006/relationships" xmlns:p="http://schemas.openxmlformats.org/presentationml/2006/main">
   <p:cSld>
     <p:spTree>
@@ -8403,14 +11564,27 @@
             <p:ph type="title"/>
           </p:nvPr>
         </p:nvSpPr>
-        <p:spPr/>
+        <p:spPr>
+          <a:xfrm>
+            <a:off x="519836" y="166047"/>
+            <a:ext cx="6521589" cy="1096044"/>
+          </a:xfrm>
+        </p:spPr>
         <p:txBody>
           <a:bodyPr/>
           <a:lstStyle/>
           <a:p>
             <a:r>
               <a:rPr kumimoji="1" lang="ja-JP" altLang="en-US"/>
-              <a:t>実験結果</a:t>
+              <a:t>実験</a:t>
+            </a:r>
+            <a:r>
+              <a:rPr kumimoji="1" lang="en-US" altLang="ja-JP" dirty="0"/>
+              <a:t> 1 </a:t>
+            </a:r>
+            <a:r>
+              <a:rPr kumimoji="1" lang="ja-JP" altLang="en-US"/>
+              <a:t>の結果</a:t>
             </a:r>
             <a:r>
               <a:rPr kumimoji="1" lang="en-US" altLang="ja-JP" dirty="0"/>
@@ -8452,7 +11626,7 @@
             <a:pPr lvl="0"/>
             <a:fld id="{004900ED-2EFD-2142-93A1-1CBA90FDE07B}" type="slidenum">
               <a:rPr lang="en-US" altLang="ja-JP" smtClean="0"/>
-              <a:t>24</a:t>
+              <a:t>29</a:t>
             </a:fld>
             <a:endParaRPr lang="ja-JP" altLang="en-US"/>
           </a:p>
@@ -8473,14 +11647,14 @@
           <p:nvPr>
             <p:extLst>
               <p:ext uri="{D42A27DB-BD31-4B8C-83A1-F6EECF244321}">
-                <p14:modId xmlns:p14="http://schemas.microsoft.com/office/powerpoint/2010/main" val="3659114346"/>
+                <p14:modId xmlns:p14="http://schemas.microsoft.com/office/powerpoint/2010/main" val="172390235"/>
               </p:ext>
             </p:extLst>
           </p:nvPr>
         </p:nvGraphicFramePr>
         <p:xfrm>
-          <a:off x="762881" y="2348180"/>
-          <a:ext cx="6035500" cy="2568928"/>
+          <a:off x="753248" y="1721999"/>
+          <a:ext cx="6035500" cy="3810000"/>
         </p:xfrm>
         <a:graphic>
           <a:graphicData uri="http://schemas.openxmlformats.org/drawingml/2006/table">
@@ -8518,7 +11692,7 @@
                   </a:extLst>
                 </a:gridCol>
               </a:tblGrid>
-              <a:tr h="642232">
+              <a:tr h="333408">
                 <a:tc>
                   <a:txBody>
                     <a:bodyPr/>
@@ -8710,7 +11884,7 @@
                   </a:ext>
                 </a:extLst>
               </a:tr>
-              <a:tr h="642232">
+              <a:tr h="521100">
                 <a:tc>
                   <a:txBody>
                     <a:bodyPr/>
@@ -8831,6 +12005,10 @@
                     <a:bodyPr/>
                     <a:lstStyle/>
                     <a:p>
+                      <a:r>
+                        <a:rPr kumimoji="1" lang="en-US" altLang="ja-JP" sz="1600" dirty="0"/>
+                        <a:t>89.42</a:t>
+                      </a:r>
                       <a:endParaRPr kumimoji="1" lang="ja-JP" altLang="en-US" sz="1600"/>
                     </a:p>
                   </a:txBody>
@@ -8869,6 +12047,10 @@
                     <a:bodyPr/>
                     <a:lstStyle/>
                     <a:p>
+                      <a:r>
+                        <a:rPr kumimoji="1" lang="en-US" altLang="ja-JP" sz="1600" dirty="0"/>
+                        <a:t>90.73</a:t>
+                      </a:r>
                       <a:endParaRPr kumimoji="1" lang="ja-JP" altLang="en-US" sz="1600"/>
                     </a:p>
                   </a:txBody>
@@ -8899,7 +12081,7 @@
                   </a:ext>
                 </a:extLst>
               </a:tr>
-              <a:tr h="642232">
+              <a:tr h="521100">
                 <a:tc>
                   <a:txBody>
                     <a:bodyPr/>
@@ -9052,7 +12234,7 @@
                   </a:ext>
                 </a:extLst>
               </a:tr>
-              <a:tr h="642232">
+              <a:tr h="521100">
                 <a:tc>
                   <a:txBody>
                     <a:bodyPr/>
@@ -9205,6 +12387,456 @@
                   </a:ext>
                 </a:extLst>
               </a:tr>
+              <a:tr h="521100">
+                <a:tc>
+                  <a:txBody>
+                    <a:bodyPr/>
+                    <a:lstStyle/>
+                    <a:p>
+                      <a:r>
+                        <a:rPr kumimoji="1" lang="en-US" altLang="ja-JP" sz="1600" b="1" dirty="0">
+                          <a:solidFill>
+                            <a:schemeClr val="bg1"/>
+                          </a:solidFill>
+                        </a:rPr>
+                        <a:t>16 </a:t>
+                      </a:r>
+                      <a:r>
+                        <a:rPr kumimoji="1" lang="ja-JP" altLang="en-US" sz="1600" b="1">
+                          <a:solidFill>
+                            <a:schemeClr val="bg1"/>
+                          </a:solidFill>
+                        </a:rPr>
+                        <a:t>世代</a:t>
+                      </a:r>
+                      <a:endParaRPr kumimoji="1" lang="en-US" altLang="ja-JP" sz="1600" b="1" dirty="0">
+                        <a:solidFill>
+                          <a:schemeClr val="bg1"/>
+                        </a:solidFill>
+                      </a:endParaRPr>
+                    </a:p>
+                    <a:p>
+                      <a:r>
+                        <a:rPr kumimoji="1" lang="en-US" altLang="ja-JP" sz="1600" b="1" dirty="0">
+                          <a:solidFill>
+                            <a:schemeClr val="bg1"/>
+                          </a:solidFill>
+                        </a:rPr>
+                        <a:t>5 </a:t>
+                      </a:r>
+                      <a:r>
+                        <a:rPr kumimoji="1" lang="ja-JP" altLang="en-US" sz="1600" b="1">
+                          <a:solidFill>
+                            <a:schemeClr val="bg1"/>
+                          </a:solidFill>
+                        </a:rPr>
+                        <a:t>エポック</a:t>
+                      </a:r>
+                    </a:p>
+                  </a:txBody>
+                  <a:tcPr>
+                    <a:lnR w="28575" cap="flat" cmpd="sng" algn="ctr">
+                      <a:solidFill>
+                        <a:schemeClr val="bg1"/>
+                      </a:solidFill>
+                      <a:prstDash val="solid"/>
+                      <a:round/>
+                      <a:headEnd type="none" w="med" len="med"/>
+                      <a:tailEnd type="none" w="med" len="med"/>
+                    </a:lnR>
+                    <a:solidFill>
+                      <a:schemeClr val="accent1"/>
+                    </a:solidFill>
+                  </a:tcPr>
+                </a:tc>
+                <a:tc>
+                  <a:txBody>
+                    <a:bodyPr/>
+                    <a:lstStyle/>
+                    <a:p>
+                      <a:r>
+                        <a:rPr kumimoji="1" lang="en-US" altLang="ja-JP" sz="1600" dirty="0"/>
+                        <a:t>93.09</a:t>
+                      </a:r>
+                      <a:endParaRPr kumimoji="1" lang="ja-JP" altLang="en-US" sz="1600"/>
+                    </a:p>
+                  </a:txBody>
+                  <a:tcPr>
+                    <a:lnL w="28575" cap="flat" cmpd="sng" algn="ctr">
+                      <a:solidFill>
+                        <a:schemeClr val="bg1"/>
+                      </a:solidFill>
+                      <a:prstDash val="solid"/>
+                      <a:round/>
+                      <a:headEnd type="none" w="med" len="med"/>
+                      <a:tailEnd type="none" w="med" len="med"/>
+                    </a:lnL>
+                    <a:lnR w="28575" cap="flat" cmpd="sng" algn="ctr">
+                      <a:solidFill>
+                        <a:schemeClr val="bg1"/>
+                      </a:solidFill>
+                      <a:prstDash val="solid"/>
+                      <a:round/>
+                      <a:headEnd type="none" w="med" len="med"/>
+                      <a:tailEnd type="none" w="med" len="med"/>
+                    </a:lnR>
+                  </a:tcPr>
+                </a:tc>
+                <a:tc>
+                  <a:txBody>
+                    <a:bodyPr/>
+                    <a:lstStyle/>
+                    <a:p>
+                      <a:endParaRPr kumimoji="1" lang="ja-JP" altLang="en-US" sz="1600"/>
+                    </a:p>
+                  </a:txBody>
+                  <a:tcPr>
+                    <a:lnL w="28575" cap="flat" cmpd="sng" algn="ctr">
+                      <a:solidFill>
+                        <a:schemeClr val="bg1"/>
+                      </a:solidFill>
+                      <a:prstDash val="solid"/>
+                      <a:round/>
+                      <a:headEnd type="none" w="med" len="med"/>
+                      <a:tailEnd type="none" w="med" len="med"/>
+                    </a:lnL>
+                    <a:lnR w="28575" cap="flat" cmpd="sng" algn="ctr">
+                      <a:solidFill>
+                        <a:schemeClr val="bg1"/>
+                      </a:solidFill>
+                      <a:prstDash val="solid"/>
+                      <a:round/>
+                      <a:headEnd type="none" w="med" len="med"/>
+                      <a:tailEnd type="none" w="med" len="med"/>
+                    </a:lnR>
+                  </a:tcPr>
+                </a:tc>
+                <a:tc>
+                  <a:txBody>
+                    <a:bodyPr/>
+                    <a:lstStyle/>
+                    <a:p>
+                      <a:endParaRPr kumimoji="1" lang="ja-JP" altLang="en-US" sz="1600"/>
+                    </a:p>
+                  </a:txBody>
+                  <a:tcPr>
+                    <a:lnL w="28575" cap="flat" cmpd="sng" algn="ctr">
+                      <a:solidFill>
+                        <a:schemeClr val="bg1"/>
+                      </a:solidFill>
+                      <a:prstDash val="solid"/>
+                      <a:round/>
+                      <a:headEnd type="none" w="med" len="med"/>
+                      <a:tailEnd type="none" w="med" len="med"/>
+                    </a:lnL>
+                  </a:tcPr>
+                </a:tc>
+                <a:extLst>
+                  <a:ext uri="{0D108BD9-81ED-4DB2-BD59-A6C34878D82A}">
+                    <a16:rowId xmlns:a16="http://schemas.microsoft.com/office/drawing/2014/main" val="3367081697"/>
+                  </a:ext>
+                </a:extLst>
+              </a:tr>
+              <a:tr h="521100">
+                <a:tc>
+                  <a:txBody>
+                    <a:bodyPr/>
+                    <a:lstStyle/>
+                    <a:p>
+                      <a:r>
+                        <a:rPr kumimoji="1" lang="en-US" altLang="ja-JP" sz="1600" b="1" dirty="0">
+                          <a:solidFill>
+                            <a:schemeClr val="bg1"/>
+                          </a:solidFill>
+                        </a:rPr>
+                        <a:t>10 </a:t>
+                      </a:r>
+                      <a:r>
+                        <a:rPr kumimoji="1" lang="ja-JP" altLang="en-US" sz="1600" b="1">
+                          <a:solidFill>
+                            <a:schemeClr val="bg1"/>
+                          </a:solidFill>
+                        </a:rPr>
+                        <a:t>世代</a:t>
+                      </a:r>
+                      <a:endParaRPr kumimoji="1" lang="en-US" altLang="ja-JP" sz="1600" b="1" dirty="0">
+                        <a:solidFill>
+                          <a:schemeClr val="bg1"/>
+                        </a:solidFill>
+                      </a:endParaRPr>
+                    </a:p>
+                    <a:p>
+                      <a:r>
+                        <a:rPr kumimoji="1" lang="en-US" altLang="ja-JP" sz="1600" b="1" dirty="0">
+                          <a:solidFill>
+                            <a:schemeClr val="bg1"/>
+                          </a:solidFill>
+                        </a:rPr>
+                        <a:t>8 </a:t>
+                      </a:r>
+                      <a:r>
+                        <a:rPr kumimoji="1" lang="ja-JP" altLang="en-US" sz="1600" b="1">
+                          <a:solidFill>
+                            <a:schemeClr val="bg1"/>
+                          </a:solidFill>
+                        </a:rPr>
+                        <a:t>エポック</a:t>
+                      </a:r>
+                    </a:p>
+                  </a:txBody>
+                  <a:tcPr>
+                    <a:lnR w="28575" cap="flat" cmpd="sng" algn="ctr">
+                      <a:solidFill>
+                        <a:schemeClr val="bg1"/>
+                      </a:solidFill>
+                      <a:prstDash val="solid"/>
+                      <a:round/>
+                      <a:headEnd type="none" w="med" len="med"/>
+                      <a:tailEnd type="none" w="med" len="med"/>
+                    </a:lnR>
+                    <a:solidFill>
+                      <a:schemeClr val="accent1"/>
+                    </a:solidFill>
+                  </a:tcPr>
+                </a:tc>
+                <a:tc>
+                  <a:txBody>
+                    <a:bodyPr/>
+                    <a:lstStyle/>
+                    <a:p>
+                      <a:r>
+                        <a:rPr kumimoji="1" lang="en-US" altLang="ja-JP" sz="1600" dirty="0"/>
+                        <a:t>90.00</a:t>
+                      </a:r>
+                      <a:endParaRPr kumimoji="1" lang="ja-JP" altLang="en-US" sz="1600"/>
+                    </a:p>
+                  </a:txBody>
+                  <a:tcPr>
+                    <a:lnL w="28575" cap="flat" cmpd="sng" algn="ctr">
+                      <a:solidFill>
+                        <a:schemeClr val="bg1"/>
+                      </a:solidFill>
+                      <a:prstDash val="solid"/>
+                      <a:round/>
+                      <a:headEnd type="none" w="med" len="med"/>
+                      <a:tailEnd type="none" w="med" len="med"/>
+                    </a:lnL>
+                    <a:lnR w="28575" cap="flat" cmpd="sng" algn="ctr">
+                      <a:solidFill>
+                        <a:schemeClr val="bg1"/>
+                      </a:solidFill>
+                      <a:prstDash val="solid"/>
+                      <a:round/>
+                      <a:headEnd type="none" w="med" len="med"/>
+                      <a:tailEnd type="none" w="med" len="med"/>
+                    </a:lnR>
+                  </a:tcPr>
+                </a:tc>
+                <a:tc>
+                  <a:txBody>
+                    <a:bodyPr/>
+                    <a:lstStyle/>
+                    <a:p>
+                      <a:endParaRPr kumimoji="1" lang="ja-JP" altLang="en-US" sz="1600"/>
+                    </a:p>
+                  </a:txBody>
+                  <a:tcPr>
+                    <a:lnL w="28575" cap="flat" cmpd="sng" algn="ctr">
+                      <a:solidFill>
+                        <a:schemeClr val="bg1"/>
+                      </a:solidFill>
+                      <a:prstDash val="solid"/>
+                      <a:round/>
+                      <a:headEnd type="none" w="med" len="med"/>
+                      <a:tailEnd type="none" w="med" len="med"/>
+                    </a:lnL>
+                    <a:lnR w="28575" cap="flat" cmpd="sng" algn="ctr">
+                      <a:solidFill>
+                        <a:schemeClr val="bg1"/>
+                      </a:solidFill>
+                      <a:prstDash val="solid"/>
+                      <a:round/>
+                      <a:headEnd type="none" w="med" len="med"/>
+                      <a:tailEnd type="none" w="med" len="med"/>
+                    </a:lnR>
+                  </a:tcPr>
+                </a:tc>
+                <a:tc>
+                  <a:txBody>
+                    <a:bodyPr/>
+                    <a:lstStyle/>
+                    <a:p>
+                      <a:endParaRPr kumimoji="1" lang="ja-JP" altLang="en-US" sz="1600"/>
+                    </a:p>
+                  </a:txBody>
+                  <a:tcPr>
+                    <a:lnL w="28575" cap="flat" cmpd="sng" algn="ctr">
+                      <a:solidFill>
+                        <a:schemeClr val="bg1"/>
+                      </a:solidFill>
+                      <a:prstDash val="solid"/>
+                      <a:round/>
+                      <a:headEnd type="none" w="med" len="med"/>
+                      <a:tailEnd type="none" w="med" len="med"/>
+                    </a:lnL>
+                  </a:tcPr>
+                </a:tc>
+                <a:extLst>
+                  <a:ext uri="{0D108BD9-81ED-4DB2-BD59-A6C34878D82A}">
+                    <a16:rowId xmlns:a16="http://schemas.microsoft.com/office/drawing/2014/main" val="40153207"/>
+                  </a:ext>
+                </a:extLst>
+              </a:tr>
+              <a:tr h="521100">
+                <a:tc>
+                  <a:txBody>
+                    <a:bodyPr/>
+                    <a:lstStyle/>
+                    <a:p>
+                      <a:r>
+                        <a:rPr kumimoji="1" lang="en-US" altLang="ja-JP" sz="1600" b="1" dirty="0">
+                          <a:solidFill>
+                            <a:schemeClr val="bg1"/>
+                          </a:solidFill>
+                        </a:rPr>
+                        <a:t>8 </a:t>
+                      </a:r>
+                      <a:r>
+                        <a:rPr kumimoji="1" lang="ja-JP" altLang="en-US" sz="1600" b="1">
+                          <a:solidFill>
+                            <a:schemeClr val="bg1"/>
+                          </a:solidFill>
+                        </a:rPr>
+                        <a:t>世代</a:t>
+                      </a:r>
+                      <a:endParaRPr kumimoji="1" lang="en-US" altLang="ja-JP" sz="1600" b="1" dirty="0">
+                        <a:solidFill>
+                          <a:schemeClr val="bg1"/>
+                        </a:solidFill>
+                      </a:endParaRPr>
+                    </a:p>
+                    <a:p>
+                      <a:r>
+                        <a:rPr kumimoji="1" lang="en-US" altLang="ja-JP" sz="1600" b="1" dirty="0">
+                          <a:solidFill>
+                            <a:schemeClr val="bg1"/>
+                          </a:solidFill>
+                        </a:rPr>
+                        <a:t>10 </a:t>
+                      </a:r>
+                      <a:r>
+                        <a:rPr kumimoji="1" lang="ja-JP" altLang="en-US" sz="1600" b="1">
+                          <a:solidFill>
+                            <a:schemeClr val="bg1"/>
+                          </a:solidFill>
+                        </a:rPr>
+                        <a:t>エポック</a:t>
+                      </a:r>
+                    </a:p>
+                  </a:txBody>
+                  <a:tcPr>
+                    <a:lnR w="28575" cap="flat" cmpd="sng" algn="ctr">
+                      <a:solidFill>
+                        <a:schemeClr val="bg1"/>
+                      </a:solidFill>
+                      <a:prstDash val="solid"/>
+                      <a:round/>
+                      <a:headEnd type="none" w="med" len="med"/>
+                      <a:tailEnd type="none" w="med" len="med"/>
+                    </a:lnR>
+                    <a:solidFill>
+                      <a:schemeClr val="accent1"/>
+                    </a:solidFill>
+                  </a:tcPr>
+                </a:tc>
+                <a:tc>
+                  <a:txBody>
+                    <a:bodyPr/>
+                    <a:lstStyle/>
+                    <a:p>
+                      <a:r>
+                        <a:rPr kumimoji="1" lang="en-US" altLang="ja-JP" sz="1600" dirty="0"/>
+                        <a:t>92.29</a:t>
+                      </a:r>
+                      <a:endParaRPr kumimoji="1" lang="ja-JP" altLang="en-US" sz="1600"/>
+                    </a:p>
+                  </a:txBody>
+                  <a:tcPr>
+                    <a:lnL w="28575" cap="flat" cmpd="sng" algn="ctr">
+                      <a:solidFill>
+                        <a:schemeClr val="bg1"/>
+                      </a:solidFill>
+                      <a:prstDash val="solid"/>
+                      <a:round/>
+                      <a:headEnd type="none" w="med" len="med"/>
+                      <a:tailEnd type="none" w="med" len="med"/>
+                    </a:lnL>
+                    <a:lnR w="28575" cap="flat" cmpd="sng" algn="ctr">
+                      <a:solidFill>
+                        <a:schemeClr val="bg1"/>
+                      </a:solidFill>
+                      <a:prstDash val="solid"/>
+                      <a:round/>
+                      <a:headEnd type="none" w="med" len="med"/>
+                      <a:tailEnd type="none" w="med" len="med"/>
+                    </a:lnR>
+                  </a:tcPr>
+                </a:tc>
+                <a:tc>
+                  <a:txBody>
+                    <a:bodyPr/>
+                    <a:lstStyle/>
+                    <a:p>
+                      <a:endParaRPr kumimoji="1" lang="ja-JP" altLang="en-US" sz="1600"/>
+                    </a:p>
+                  </a:txBody>
+                  <a:tcPr>
+                    <a:lnL w="28575" cap="flat" cmpd="sng" algn="ctr">
+                      <a:solidFill>
+                        <a:schemeClr val="bg1"/>
+                      </a:solidFill>
+                      <a:prstDash val="solid"/>
+                      <a:round/>
+                      <a:headEnd type="none" w="med" len="med"/>
+                      <a:tailEnd type="none" w="med" len="med"/>
+                    </a:lnL>
+                    <a:lnR w="28575" cap="flat" cmpd="sng" algn="ctr">
+                      <a:solidFill>
+                        <a:schemeClr val="bg1"/>
+                      </a:solidFill>
+                      <a:prstDash val="solid"/>
+                      <a:round/>
+                      <a:headEnd type="none" w="med" len="med"/>
+                      <a:tailEnd type="none" w="med" len="med"/>
+                    </a:lnR>
+                  </a:tcPr>
+                </a:tc>
+                <a:tc>
+                  <a:txBody>
+                    <a:bodyPr/>
+                    <a:lstStyle/>
+                    <a:p>
+                      <a:endParaRPr kumimoji="1" lang="ja-JP" altLang="en-US" sz="1600"/>
+                    </a:p>
+                  </a:txBody>
+                  <a:tcPr>
+                    <a:lnL w="28575" cap="flat" cmpd="sng" algn="ctr">
+                      <a:solidFill>
+                        <a:schemeClr val="bg1"/>
+                      </a:solidFill>
+                      <a:prstDash val="solid"/>
+                      <a:round/>
+                      <a:headEnd type="none" w="med" len="med"/>
+                      <a:tailEnd type="none" w="med" len="med"/>
+                    </a:lnL>
+                  </a:tcPr>
+                </a:tc>
+                <a:extLst>
+                  <a:ext uri="{0D108BD9-81ED-4DB2-BD59-A6C34878D82A}">
+                    <a16:rowId xmlns:a16="http://schemas.microsoft.com/office/drawing/2014/main" val="1450582312"/>
+                  </a:ext>
+                </a:extLst>
+              </a:tr>
             </a:tbl>
           </a:graphicData>
         </a:graphic>
@@ -9223,7 +12855,7 @@
         </p:nvSpPr>
         <p:spPr>
           <a:xfrm>
-            <a:off x="647700" y="1397949"/>
+            <a:off x="628244" y="947608"/>
             <a:ext cx="6013185" cy="830997"/>
           </a:xfrm>
           <a:prstGeom prst="rect">
@@ -9260,266 +12892,6 @@
     <p:extLst>
       <p:ext uri="{BB962C8B-B14F-4D97-AF65-F5344CB8AC3E}">
         <p14:creationId xmlns:p14="http://schemas.microsoft.com/office/powerpoint/2010/main" val="3255661543"/>
-      </p:ext>
-    </p:extLst>
-  </p:cSld>
-  <p:clrMapOvr>
-    <a:masterClrMapping/>
-  </p:clrMapOvr>
-</p:sld>
-</file>
-
-<file path=ppt/slides/slide25.xml><?xml version="1.0" encoding="utf-8"?>
-<p:sld xmlns:a="http://schemas.openxmlformats.org/drawingml/2006/main" xmlns:r="http://schemas.openxmlformats.org/officeDocument/2006/relationships" xmlns:p="http://schemas.openxmlformats.org/presentationml/2006/main">
-  <p:cSld>
-    <p:spTree>
-      <p:nvGrpSpPr>
-        <p:cNvPr id="1" name=""/>
-        <p:cNvGrpSpPr/>
-        <p:nvPr/>
-      </p:nvGrpSpPr>
-      <p:grpSpPr>
-        <a:xfrm>
-          <a:off x="0" y="0"/>
-          <a:ext cx="0" cy="0"/>
-          <a:chOff x="0" y="0"/>
-          <a:chExt cx="0" cy="0"/>
-        </a:xfrm>
-      </p:grpSpPr>
-      <p:sp>
-        <p:nvSpPr>
-          <p:cNvPr id="2" name="タイトル 1">
-            <a:extLst>
-              <a:ext uri="{FF2B5EF4-FFF2-40B4-BE49-F238E27FC236}">
-                <a16:creationId xmlns:a16="http://schemas.microsoft.com/office/drawing/2014/main" id="{DA6841C3-0E6C-BFA1-5D04-4112F1117102}"/>
-              </a:ext>
-            </a:extLst>
-          </p:cNvPr>
-          <p:cNvSpPr>
-            <a:spLocks noGrp="1"/>
-          </p:cNvSpPr>
-          <p:nvPr>
-            <p:ph type="title"/>
-          </p:nvPr>
-        </p:nvSpPr>
-        <p:spPr/>
-        <p:txBody>
-          <a:bodyPr/>
-          <a:lstStyle/>
-          <a:p>
-            <a:r>
-              <a:rPr kumimoji="1" lang="ja-JP" altLang="en-US"/>
-              <a:t>目次</a:t>
-            </a:r>
-          </a:p>
-        </p:txBody>
-      </p:sp>
-      <p:sp>
-        <p:nvSpPr>
-          <p:cNvPr id="4" name="スライド番号プレースホルダー 3">
-            <a:extLst>
-              <a:ext uri="{FF2B5EF4-FFF2-40B4-BE49-F238E27FC236}">
-                <a16:creationId xmlns:a16="http://schemas.microsoft.com/office/drawing/2014/main" id="{20D20625-8135-BA1D-11A0-E3466265CE7C}"/>
-              </a:ext>
-            </a:extLst>
-          </p:cNvPr>
-          <p:cNvSpPr>
-            <a:spLocks noGrp="1"/>
-          </p:cNvSpPr>
-          <p:nvPr>
-            <p:ph type="sldNum" sz="quarter" idx="12"/>
-          </p:nvPr>
-        </p:nvSpPr>
-        <p:spPr/>
-        <p:txBody>
-          <a:bodyPr/>
-          <a:lstStyle/>
-          <a:p>
-            <a:pPr lvl="0"/>
-            <a:fld id="{004900ED-2EFD-2142-93A1-1CBA90FDE07B}" type="slidenum">
-              <a:rPr lang="en-US" altLang="ja-JP" smtClean="0"/>
-              <a:t>25</a:t>
-            </a:fld>
-            <a:endParaRPr lang="ja-JP" altLang="en-US"/>
-          </a:p>
-        </p:txBody>
-      </p:sp>
-      <p:sp>
-        <p:nvSpPr>
-          <p:cNvPr id="3" name="テキスト ボックス 2">
-            <a:extLst>
-              <a:ext uri="{FF2B5EF4-FFF2-40B4-BE49-F238E27FC236}">
-                <a16:creationId xmlns:a16="http://schemas.microsoft.com/office/drawing/2014/main" id="{CFCE3529-0348-FAC9-4C81-ACEA9BA72623}"/>
-              </a:ext>
-            </a:extLst>
-          </p:cNvPr>
-          <p:cNvSpPr txBox="1"/>
-          <p:nvPr/>
-        </p:nvSpPr>
-        <p:spPr>
-          <a:xfrm>
-            <a:off x="919691" y="1259079"/>
-            <a:ext cx="3877985" cy="3909917"/>
-          </a:xfrm>
-          <a:prstGeom prst="rect">
-            <a:avLst/>
-          </a:prstGeom>
-          <a:noFill/>
-        </p:spPr>
-        <p:txBody>
-          <a:bodyPr wrap="none" rtlCol="0">
-            <a:spAutoFit/>
-          </a:bodyPr>
-          <a:lstStyle/>
-          <a:p>
-            <a:pPr marL="457200" indent="-457200">
-              <a:lnSpc>
-                <a:spcPct val="150000"/>
-              </a:lnSpc>
-              <a:buFont typeface="Wingdings" pitchFamily="2" charset="2"/>
-              <a:buChar char="Ø"/>
-            </a:pPr>
-            <a:r>
-              <a:rPr lang="ja-JP" altLang="en-US" sz="2800">
-                <a:solidFill>
-                  <a:schemeClr val="bg2">
-                    <a:lumMod val="75000"/>
-                  </a:schemeClr>
-                </a:solidFill>
-              </a:rPr>
-              <a:t>はじめに</a:t>
-            </a:r>
-            <a:endParaRPr lang="en-US" altLang="ja-JP" sz="2800" dirty="0">
-              <a:solidFill>
-                <a:schemeClr val="bg2">
-                  <a:lumMod val="75000"/>
-                </a:schemeClr>
-              </a:solidFill>
-            </a:endParaRPr>
-          </a:p>
-          <a:p>
-            <a:pPr marL="457200" indent="-457200">
-              <a:lnSpc>
-                <a:spcPct val="150000"/>
-              </a:lnSpc>
-              <a:buFont typeface="Wingdings" pitchFamily="2" charset="2"/>
-              <a:buChar char="Ø"/>
-            </a:pPr>
-            <a:r>
-              <a:rPr lang="ja-JP" altLang="en-US" sz="2800">
-                <a:solidFill>
-                  <a:schemeClr val="bg2">
-                    <a:lumMod val="75000"/>
-                  </a:schemeClr>
-                </a:solidFill>
-              </a:rPr>
-              <a:t>要素技術</a:t>
-            </a:r>
-            <a:endParaRPr lang="en-US" altLang="ja-JP" sz="2800" dirty="0">
-              <a:solidFill>
-                <a:schemeClr val="bg2">
-                  <a:lumMod val="75000"/>
-                </a:schemeClr>
-              </a:solidFill>
-            </a:endParaRPr>
-          </a:p>
-          <a:p>
-            <a:pPr marL="457200" indent="-457200">
-              <a:lnSpc>
-                <a:spcPct val="150000"/>
-              </a:lnSpc>
-              <a:buFont typeface="Wingdings" pitchFamily="2" charset="2"/>
-              <a:buChar char="Ø"/>
-            </a:pPr>
-            <a:r>
-              <a:rPr lang="ja-JP" altLang="en-US" sz="2800">
-                <a:solidFill>
-                  <a:schemeClr val="bg2">
-                    <a:lumMod val="75000"/>
-                  </a:schemeClr>
-                </a:solidFill>
-              </a:rPr>
-              <a:t>提案手法</a:t>
-            </a:r>
-            <a:endParaRPr lang="en-US" altLang="ja-JP" sz="2800" dirty="0">
-              <a:solidFill>
-                <a:schemeClr val="bg2">
-                  <a:lumMod val="75000"/>
-                </a:schemeClr>
-              </a:solidFill>
-            </a:endParaRPr>
-          </a:p>
-          <a:p>
-            <a:pPr marL="457200" indent="-457200">
-              <a:lnSpc>
-                <a:spcPct val="150000"/>
-              </a:lnSpc>
-              <a:buFont typeface="Wingdings" pitchFamily="2" charset="2"/>
-              <a:buChar char="Ø"/>
-            </a:pPr>
-            <a:r>
-              <a:rPr lang="ja-JP" altLang="en-US" sz="2800">
-                <a:solidFill>
-                  <a:schemeClr val="bg2">
-                    <a:lumMod val="75000"/>
-                  </a:schemeClr>
-                </a:solidFill>
-              </a:rPr>
-              <a:t>実験概要</a:t>
-            </a:r>
-            <a:endParaRPr lang="en-US" altLang="ja-JP" sz="2800" dirty="0">
-              <a:solidFill>
-                <a:schemeClr val="bg2">
-                  <a:lumMod val="75000"/>
-                </a:schemeClr>
-              </a:solidFill>
-            </a:endParaRPr>
-          </a:p>
-          <a:p>
-            <a:pPr marL="457200" indent="-457200">
-              <a:lnSpc>
-                <a:spcPct val="150000"/>
-              </a:lnSpc>
-              <a:buFont typeface="Wingdings" pitchFamily="2" charset="2"/>
-              <a:buChar char="Ø"/>
-            </a:pPr>
-            <a:r>
-              <a:rPr lang="ja-JP" altLang="en-US" sz="2800">
-                <a:solidFill>
-                  <a:schemeClr val="bg2">
-                    <a:lumMod val="75000"/>
-                  </a:schemeClr>
-                </a:solidFill>
-              </a:rPr>
-              <a:t>実験結果</a:t>
-            </a:r>
-            <a:endParaRPr lang="en-US" altLang="ja-JP" sz="2800" dirty="0">
-              <a:solidFill>
-                <a:schemeClr val="bg2">
-                  <a:lumMod val="75000"/>
-                </a:schemeClr>
-              </a:solidFill>
-            </a:endParaRPr>
-          </a:p>
-          <a:p>
-            <a:pPr marL="457200" indent="-457200">
-              <a:lnSpc>
-                <a:spcPct val="150000"/>
-              </a:lnSpc>
-              <a:buFont typeface="Wingdings" pitchFamily="2" charset="2"/>
-              <a:buChar char="Ø"/>
-            </a:pPr>
-            <a:r>
-              <a:rPr lang="ja-JP" altLang="en-US" sz="2800"/>
-              <a:t>まとめと今後の課題</a:t>
-            </a:r>
-          </a:p>
-        </p:txBody>
-      </p:sp>
-    </p:spTree>
-    <p:extLst>
-      <p:ext uri="{BB962C8B-B14F-4D97-AF65-F5344CB8AC3E}">
-        <p14:creationId xmlns:p14="http://schemas.microsoft.com/office/powerpoint/2010/main" val="3541049465"/>
       </p:ext>
     </p:extLst>
   </p:cSld>
@@ -9783,6 +13155,995 @@
 </p:sld>
 </file>
 
+<file path=ppt/slides/slide30.xml><?xml version="1.0" encoding="utf-8"?>
+<p:sld xmlns:a="http://schemas.openxmlformats.org/drawingml/2006/main" xmlns:r="http://schemas.openxmlformats.org/officeDocument/2006/relationships" xmlns:p="http://schemas.openxmlformats.org/presentationml/2006/main">
+  <p:cSld>
+    <p:spTree>
+      <p:nvGrpSpPr>
+        <p:cNvPr id="1" name=""/>
+        <p:cNvGrpSpPr/>
+        <p:nvPr/>
+      </p:nvGrpSpPr>
+      <p:grpSpPr>
+        <a:xfrm>
+          <a:off x="0" y="0"/>
+          <a:ext cx="0" cy="0"/>
+          <a:chOff x="0" y="0"/>
+          <a:chExt cx="0" cy="0"/>
+        </a:xfrm>
+      </p:grpSpPr>
+      <p:sp>
+        <p:nvSpPr>
+          <p:cNvPr id="2" name="タイトル 1">
+            <a:extLst>
+              <a:ext uri="{FF2B5EF4-FFF2-40B4-BE49-F238E27FC236}">
+                <a16:creationId xmlns:a16="http://schemas.microsoft.com/office/drawing/2014/main" id="{D159CF40-CD8C-21A6-0A3D-8CF370B562A6}"/>
+              </a:ext>
+            </a:extLst>
+          </p:cNvPr>
+          <p:cNvSpPr>
+            <a:spLocks noGrp="1"/>
+          </p:cNvSpPr>
+          <p:nvPr>
+            <p:ph type="title"/>
+          </p:nvPr>
+        </p:nvSpPr>
+        <p:spPr>
+          <a:xfrm>
+            <a:off x="519836" y="166047"/>
+            <a:ext cx="6521589" cy="1096044"/>
+          </a:xfrm>
+        </p:spPr>
+        <p:txBody>
+          <a:bodyPr/>
+          <a:lstStyle/>
+          <a:p>
+            <a:r>
+              <a:rPr kumimoji="1" lang="ja-JP" altLang="en-US"/>
+              <a:t>実験</a:t>
+            </a:r>
+            <a:r>
+              <a:rPr kumimoji="1" lang="en-US" altLang="ja-JP" dirty="0"/>
+              <a:t> </a:t>
+            </a:r>
+            <a:r>
+              <a:rPr lang="en-US" altLang="ja-JP" dirty="0"/>
+              <a:t>2 </a:t>
+            </a:r>
+            <a:r>
+              <a:rPr lang="ja-JP" altLang="en-US"/>
+              <a:t>の</a:t>
+            </a:r>
+            <a:r>
+              <a:rPr kumimoji="1" lang="ja-JP" altLang="en-US"/>
+              <a:t>結果</a:t>
+            </a:r>
+            <a:r>
+              <a:rPr kumimoji="1" lang="en-US" altLang="ja-JP" dirty="0"/>
+              <a:t> </a:t>
+            </a:r>
+            <a:r>
+              <a:rPr lang="en-US" altLang="ja-JP" dirty="0"/>
+              <a:t>–––– </a:t>
+            </a:r>
+            <a:r>
+              <a:rPr lang="ja-JP" altLang="en-US"/>
+              <a:t>最終的な識別精度</a:t>
+            </a:r>
+            <a:endParaRPr kumimoji="1" lang="ja-JP" altLang="en-US"/>
+          </a:p>
+        </p:txBody>
+      </p:sp>
+      <p:sp>
+        <p:nvSpPr>
+          <p:cNvPr id="3" name="スライド番号プレースホルダー 2">
+            <a:extLst>
+              <a:ext uri="{FF2B5EF4-FFF2-40B4-BE49-F238E27FC236}">
+                <a16:creationId xmlns:a16="http://schemas.microsoft.com/office/drawing/2014/main" id="{37968868-915E-15E5-AB4E-1366F32A281D}"/>
+              </a:ext>
+            </a:extLst>
+          </p:cNvPr>
+          <p:cNvSpPr>
+            <a:spLocks noGrp="1"/>
+          </p:cNvSpPr>
+          <p:nvPr>
+            <p:ph type="sldNum" sz="quarter" idx="12"/>
+          </p:nvPr>
+        </p:nvSpPr>
+        <p:spPr/>
+        <p:txBody>
+          <a:bodyPr/>
+          <a:lstStyle/>
+          <a:p>
+            <a:pPr lvl="0"/>
+            <a:fld id="{004900ED-2EFD-2142-93A1-1CBA90FDE07B}" type="slidenum">
+              <a:rPr lang="en-US" altLang="ja-JP" smtClean="0"/>
+              <a:t>30</a:t>
+            </a:fld>
+            <a:endParaRPr lang="ja-JP" altLang="en-US"/>
+          </a:p>
+        </p:txBody>
+      </p:sp>
+      <p:graphicFrame>
+        <p:nvGraphicFramePr>
+          <p:cNvPr id="8" name="表 8">
+            <a:extLst>
+              <a:ext uri="{FF2B5EF4-FFF2-40B4-BE49-F238E27FC236}">
+                <a16:creationId xmlns:a16="http://schemas.microsoft.com/office/drawing/2014/main" id="{8D065B8F-4368-85BF-36FC-40372B61F2A6}"/>
+              </a:ext>
+            </a:extLst>
+          </p:cNvPr>
+          <p:cNvGraphicFramePr>
+            <a:graphicFrameLocks noGrp="1"/>
+          </p:cNvGraphicFramePr>
+          <p:nvPr>
+            <p:extLst>
+              <p:ext uri="{D42A27DB-BD31-4B8C-83A1-F6EECF244321}">
+                <p14:modId xmlns:p14="http://schemas.microsoft.com/office/powerpoint/2010/main" val="4071683366"/>
+              </p:ext>
+            </p:extLst>
+          </p:nvPr>
+        </p:nvGraphicFramePr>
+        <p:xfrm>
+          <a:off x="762880" y="2657294"/>
+          <a:ext cx="6035500" cy="1493520"/>
+        </p:xfrm>
+        <a:graphic>
+          <a:graphicData uri="http://schemas.openxmlformats.org/drawingml/2006/table">
+            <a:tbl>
+              <a:tblPr firstRow="1" bandRow="1">
+                <a:tableStyleId>{5C22544A-7EE6-4342-B048-85BDC9FD1C3A}</a:tableStyleId>
+              </a:tblPr>
+              <a:tblGrid>
+                <a:gridCol w="1508875">
+                  <a:extLst>
+                    <a:ext uri="{9D8B030D-6E8A-4147-A177-3AD203B41FA5}">
+                      <a16:colId xmlns:a16="http://schemas.microsoft.com/office/drawing/2014/main" val="1654953595"/>
+                    </a:ext>
+                  </a:extLst>
+                </a:gridCol>
+                <a:gridCol w="1508875">
+                  <a:extLst>
+                    <a:ext uri="{9D8B030D-6E8A-4147-A177-3AD203B41FA5}">
+                      <a16:colId xmlns:a16="http://schemas.microsoft.com/office/drawing/2014/main" val="4201951181"/>
+                    </a:ext>
+                  </a:extLst>
+                </a:gridCol>
+                <a:gridCol w="1508875">
+                  <a:extLst>
+                    <a:ext uri="{9D8B030D-6E8A-4147-A177-3AD203B41FA5}">
+                      <a16:colId xmlns:a16="http://schemas.microsoft.com/office/drawing/2014/main" val="2620093049"/>
+                    </a:ext>
+                  </a:extLst>
+                </a:gridCol>
+                <a:gridCol w="1508875">
+                  <a:extLst>
+                    <a:ext uri="{9D8B030D-6E8A-4147-A177-3AD203B41FA5}">
+                      <a16:colId xmlns:a16="http://schemas.microsoft.com/office/drawing/2014/main" val="1937366628"/>
+                    </a:ext>
+                  </a:extLst>
+                </a:gridCol>
+              </a:tblGrid>
+              <a:tr h="333408">
+                <a:tc>
+                  <a:txBody>
+                    <a:bodyPr/>
+                    <a:lstStyle/>
+                    <a:p>
+                      <a:endParaRPr kumimoji="1" lang="ja-JP" altLang="en-US" sz="1600"/>
+                    </a:p>
+                  </a:txBody>
+                  <a:tcPr>
+                    <a:lnR w="28575" cap="flat" cmpd="sng" algn="ctr">
+                      <a:solidFill>
+                        <a:schemeClr val="bg1"/>
+                      </a:solidFill>
+                      <a:prstDash val="solid"/>
+                      <a:round/>
+                      <a:headEnd type="none" w="med" len="med"/>
+                      <a:tailEnd type="none" w="med" len="med"/>
+                    </a:lnR>
+                    <a:lnB w="28575" cap="flat" cmpd="sng" algn="ctr">
+                      <a:solidFill>
+                        <a:schemeClr val="bg1"/>
+                      </a:solidFill>
+                      <a:prstDash val="solid"/>
+                      <a:round/>
+                      <a:headEnd type="none" w="med" len="med"/>
+                      <a:tailEnd type="none" w="med" len="med"/>
+                    </a:lnB>
+                    <a:solidFill>
+                      <a:schemeClr val="accent1"/>
+                    </a:solidFill>
+                  </a:tcPr>
+                </a:tc>
+                <a:tc>
+                  <a:txBody>
+                    <a:bodyPr/>
+                    <a:lstStyle/>
+                    <a:p>
+                      <a:r>
+                        <a:rPr kumimoji="1" lang="en-US" altLang="ja-JP" sz="1600" dirty="0"/>
+                        <a:t>1 </a:t>
+                      </a:r>
+                      <a:r>
+                        <a:rPr kumimoji="1" lang="ja-JP" altLang="en-US" sz="1600"/>
+                        <a:t>回目</a:t>
+                      </a:r>
+                      <a:r>
+                        <a:rPr kumimoji="1" lang="en-US" altLang="ja-JP" sz="1600" dirty="0"/>
+                        <a:t> [%]</a:t>
+                      </a:r>
+                      <a:endParaRPr kumimoji="1" lang="ja-JP" altLang="en-US" sz="1600"/>
+                    </a:p>
+                  </a:txBody>
+                  <a:tcPr>
+                    <a:lnL w="28575" cap="flat" cmpd="sng" algn="ctr">
+                      <a:solidFill>
+                        <a:schemeClr val="bg1"/>
+                      </a:solidFill>
+                      <a:prstDash val="solid"/>
+                      <a:round/>
+                      <a:headEnd type="none" w="med" len="med"/>
+                      <a:tailEnd type="none" w="med" len="med"/>
+                    </a:lnL>
+                    <a:lnR w="28575" cap="flat" cmpd="sng" algn="ctr">
+                      <a:solidFill>
+                        <a:schemeClr val="bg1"/>
+                      </a:solidFill>
+                      <a:prstDash val="solid"/>
+                      <a:round/>
+                      <a:headEnd type="none" w="med" len="med"/>
+                      <a:tailEnd type="none" w="med" len="med"/>
+                    </a:lnR>
+                    <a:lnB w="28575" cap="flat" cmpd="sng" algn="ctr">
+                      <a:solidFill>
+                        <a:schemeClr val="bg1"/>
+                      </a:solidFill>
+                      <a:prstDash val="solid"/>
+                      <a:round/>
+                      <a:headEnd type="none" w="med" len="med"/>
+                      <a:tailEnd type="none" w="med" len="med"/>
+                    </a:lnB>
+                  </a:tcPr>
+                </a:tc>
+                <a:tc>
+                  <a:txBody>
+                    <a:bodyPr/>
+                    <a:lstStyle/>
+                    <a:p>
+                      <a:pPr marL="0" marR="0" lvl="0" indent="0" algn="l" defTabSz="567111" rtl="0" eaLnBrk="1" fontAlgn="auto" latinLnBrk="0" hangingPunct="1">
+                        <a:lnSpc>
+                          <a:spcPct val="100000"/>
+                        </a:lnSpc>
+                        <a:spcBef>
+                          <a:spcPts val="0"/>
+                        </a:spcBef>
+                        <a:spcAft>
+                          <a:spcPts val="0"/>
+                        </a:spcAft>
+                        <a:buClrTx/>
+                        <a:buSzTx/>
+                        <a:buFontTx/>
+                        <a:buNone/>
+                        <a:tabLst/>
+                        <a:defRPr/>
+                      </a:pPr>
+                      <a:r>
+                        <a:rPr kumimoji="1" lang="en-US" altLang="ja-JP" sz="1600" dirty="0"/>
+                        <a:t>2 </a:t>
+                      </a:r>
+                      <a:r>
+                        <a:rPr kumimoji="1" lang="ja-JP" altLang="en-US" sz="1600"/>
+                        <a:t>回目</a:t>
+                      </a:r>
+                      <a:r>
+                        <a:rPr kumimoji="1" lang="en-US" altLang="ja-JP" sz="1600" dirty="0"/>
+                        <a:t> [%]</a:t>
+                      </a:r>
+                      <a:endParaRPr kumimoji="1" lang="ja-JP" altLang="en-US" sz="1600"/>
+                    </a:p>
+                  </a:txBody>
+                  <a:tcPr>
+                    <a:lnL w="28575" cap="flat" cmpd="sng" algn="ctr">
+                      <a:solidFill>
+                        <a:schemeClr val="bg1"/>
+                      </a:solidFill>
+                      <a:prstDash val="solid"/>
+                      <a:round/>
+                      <a:headEnd type="none" w="med" len="med"/>
+                      <a:tailEnd type="none" w="med" len="med"/>
+                    </a:lnL>
+                    <a:lnR w="28575" cap="flat" cmpd="sng" algn="ctr">
+                      <a:solidFill>
+                        <a:schemeClr val="bg1"/>
+                      </a:solidFill>
+                      <a:prstDash val="solid"/>
+                      <a:round/>
+                      <a:headEnd type="none" w="med" len="med"/>
+                      <a:tailEnd type="none" w="med" len="med"/>
+                    </a:lnR>
+                    <a:lnB w="28575" cap="flat" cmpd="sng" algn="ctr">
+                      <a:solidFill>
+                        <a:schemeClr val="bg1"/>
+                      </a:solidFill>
+                      <a:prstDash val="solid"/>
+                      <a:round/>
+                      <a:headEnd type="none" w="med" len="med"/>
+                      <a:tailEnd type="none" w="med" len="med"/>
+                    </a:lnB>
+                  </a:tcPr>
+                </a:tc>
+                <a:tc>
+                  <a:txBody>
+                    <a:bodyPr/>
+                    <a:lstStyle/>
+                    <a:p>
+                      <a:r>
+                        <a:rPr kumimoji="1" lang="ja-JP" altLang="en-US" sz="1600"/>
+                        <a:t>平均</a:t>
+                      </a:r>
+                      <a:r>
+                        <a:rPr kumimoji="1" lang="en-US" altLang="ja-JP" sz="1600" dirty="0"/>
+                        <a:t> [%]</a:t>
+                      </a:r>
+                    </a:p>
+                  </a:txBody>
+                  <a:tcPr>
+                    <a:lnL w="28575" cap="flat" cmpd="sng" algn="ctr">
+                      <a:solidFill>
+                        <a:schemeClr val="bg1"/>
+                      </a:solidFill>
+                      <a:prstDash val="solid"/>
+                      <a:round/>
+                      <a:headEnd type="none" w="med" len="med"/>
+                      <a:tailEnd type="none" w="med" len="med"/>
+                    </a:lnL>
+                    <a:lnB w="28575" cap="flat" cmpd="sng" algn="ctr">
+                      <a:solidFill>
+                        <a:schemeClr val="bg1"/>
+                      </a:solidFill>
+                      <a:prstDash val="solid"/>
+                      <a:round/>
+                      <a:headEnd type="none" w="med" len="med"/>
+                      <a:tailEnd type="none" w="med" len="med"/>
+                    </a:lnB>
+                  </a:tcPr>
+                </a:tc>
+                <a:extLst>
+                  <a:ext uri="{0D108BD9-81ED-4DB2-BD59-A6C34878D82A}">
+                    <a16:rowId xmlns:a16="http://schemas.microsoft.com/office/drawing/2014/main" val="488762656"/>
+                  </a:ext>
+                </a:extLst>
+              </a:tr>
+              <a:tr h="521100">
+                <a:tc>
+                  <a:txBody>
+                    <a:bodyPr/>
+                    <a:lstStyle/>
+                    <a:p>
+                      <a:r>
+                        <a:rPr kumimoji="1" lang="ja-JP" altLang="en-US" sz="1600" b="1">
+                          <a:solidFill>
+                            <a:schemeClr val="bg1"/>
+                          </a:solidFill>
+                        </a:rPr>
+                        <a:t>エポック数を</a:t>
+                      </a:r>
+                      <a:endParaRPr kumimoji="1" lang="en-US" altLang="ja-JP" sz="1600" b="1" dirty="0">
+                        <a:solidFill>
+                          <a:schemeClr val="bg1"/>
+                        </a:solidFill>
+                      </a:endParaRPr>
+                    </a:p>
+                    <a:p>
+                      <a:r>
+                        <a:rPr kumimoji="1" lang="ja-JP" altLang="en-US" sz="1600" b="1">
+                          <a:solidFill>
+                            <a:schemeClr val="bg1"/>
+                          </a:solidFill>
+                        </a:rPr>
+                        <a:t>増加させた時</a:t>
+                      </a:r>
+                    </a:p>
+                  </a:txBody>
+                  <a:tcPr>
+                    <a:lnR w="28575" cap="flat" cmpd="sng" algn="ctr">
+                      <a:solidFill>
+                        <a:schemeClr val="bg1"/>
+                      </a:solidFill>
+                      <a:prstDash val="solid"/>
+                      <a:round/>
+                      <a:headEnd type="none" w="med" len="med"/>
+                      <a:tailEnd type="none" w="med" len="med"/>
+                    </a:lnR>
+                    <a:lnT w="28575" cap="flat" cmpd="sng" algn="ctr">
+                      <a:solidFill>
+                        <a:schemeClr val="bg1"/>
+                      </a:solidFill>
+                      <a:prstDash val="solid"/>
+                      <a:round/>
+                      <a:headEnd type="none" w="med" len="med"/>
+                      <a:tailEnd type="none" w="med" len="med"/>
+                    </a:lnT>
+                    <a:solidFill>
+                      <a:schemeClr val="accent1"/>
+                    </a:solidFill>
+                  </a:tcPr>
+                </a:tc>
+                <a:tc>
+                  <a:txBody>
+                    <a:bodyPr/>
+                    <a:lstStyle/>
+                    <a:p>
+                      <a:r>
+                        <a:rPr kumimoji="1" lang="en-US" altLang="ja-JP" sz="1600" dirty="0"/>
+                        <a:t>91.36</a:t>
+                      </a:r>
+                      <a:endParaRPr kumimoji="1" lang="ja-JP" altLang="en-US" sz="1600"/>
+                    </a:p>
+                  </a:txBody>
+                  <a:tcPr>
+                    <a:lnL w="28575" cap="flat" cmpd="sng" algn="ctr">
+                      <a:solidFill>
+                        <a:schemeClr val="bg1"/>
+                      </a:solidFill>
+                      <a:prstDash val="solid"/>
+                      <a:round/>
+                      <a:headEnd type="none" w="med" len="med"/>
+                      <a:tailEnd type="none" w="med" len="med"/>
+                    </a:lnL>
+                    <a:lnR w="28575" cap="flat" cmpd="sng" algn="ctr">
+                      <a:solidFill>
+                        <a:schemeClr val="bg1"/>
+                      </a:solidFill>
+                      <a:prstDash val="solid"/>
+                      <a:round/>
+                      <a:headEnd type="none" w="med" len="med"/>
+                      <a:tailEnd type="none" w="med" len="med"/>
+                    </a:lnR>
+                    <a:lnT w="28575" cap="flat" cmpd="sng" algn="ctr">
+                      <a:solidFill>
+                        <a:schemeClr val="bg1"/>
+                      </a:solidFill>
+                      <a:prstDash val="solid"/>
+                      <a:round/>
+                      <a:headEnd type="none" w="med" len="med"/>
+                      <a:tailEnd type="none" w="med" len="med"/>
+                    </a:lnT>
+                  </a:tcPr>
+                </a:tc>
+                <a:tc>
+                  <a:txBody>
+                    <a:bodyPr/>
+                    <a:lstStyle/>
+                    <a:p>
+                      <a:endParaRPr kumimoji="1" lang="ja-JP" altLang="en-US" sz="1600"/>
+                    </a:p>
+                  </a:txBody>
+                  <a:tcPr>
+                    <a:lnL w="28575" cap="flat" cmpd="sng" algn="ctr">
+                      <a:solidFill>
+                        <a:schemeClr val="bg1"/>
+                      </a:solidFill>
+                      <a:prstDash val="solid"/>
+                      <a:round/>
+                      <a:headEnd type="none" w="med" len="med"/>
+                      <a:tailEnd type="none" w="med" len="med"/>
+                    </a:lnL>
+                    <a:lnR w="28575" cap="flat" cmpd="sng" algn="ctr">
+                      <a:solidFill>
+                        <a:schemeClr val="bg1"/>
+                      </a:solidFill>
+                      <a:prstDash val="solid"/>
+                      <a:round/>
+                      <a:headEnd type="none" w="med" len="med"/>
+                      <a:tailEnd type="none" w="med" len="med"/>
+                    </a:lnR>
+                    <a:lnT w="28575" cap="flat" cmpd="sng" algn="ctr">
+                      <a:solidFill>
+                        <a:schemeClr val="bg1"/>
+                      </a:solidFill>
+                      <a:prstDash val="solid"/>
+                      <a:round/>
+                      <a:headEnd type="none" w="med" len="med"/>
+                      <a:tailEnd type="none" w="med" len="med"/>
+                    </a:lnT>
+                  </a:tcPr>
+                </a:tc>
+                <a:tc>
+                  <a:txBody>
+                    <a:bodyPr/>
+                    <a:lstStyle/>
+                    <a:p>
+                      <a:endParaRPr kumimoji="1" lang="ja-JP" altLang="en-US" sz="1600"/>
+                    </a:p>
+                  </a:txBody>
+                  <a:tcPr>
+                    <a:lnL w="28575" cap="flat" cmpd="sng" algn="ctr">
+                      <a:solidFill>
+                        <a:schemeClr val="bg1"/>
+                      </a:solidFill>
+                      <a:prstDash val="solid"/>
+                      <a:round/>
+                      <a:headEnd type="none" w="med" len="med"/>
+                      <a:tailEnd type="none" w="med" len="med"/>
+                    </a:lnL>
+                    <a:lnT w="28575" cap="flat" cmpd="sng" algn="ctr">
+                      <a:solidFill>
+                        <a:schemeClr val="bg1"/>
+                      </a:solidFill>
+                      <a:prstDash val="solid"/>
+                      <a:round/>
+                      <a:headEnd type="none" w="med" len="med"/>
+                      <a:tailEnd type="none" w="med" len="med"/>
+                    </a:lnT>
+                  </a:tcPr>
+                </a:tc>
+                <a:extLst>
+                  <a:ext uri="{0D108BD9-81ED-4DB2-BD59-A6C34878D82A}">
+                    <a16:rowId xmlns:a16="http://schemas.microsoft.com/office/drawing/2014/main" val="1572047690"/>
+                  </a:ext>
+                </a:extLst>
+              </a:tr>
+              <a:tr h="521100">
+                <a:tc>
+                  <a:txBody>
+                    <a:bodyPr/>
+                    <a:lstStyle/>
+                    <a:p>
+                      <a:r>
+                        <a:rPr kumimoji="1" lang="ja-JP" altLang="en-US" sz="1600" b="1">
+                          <a:solidFill>
+                            <a:schemeClr val="bg1"/>
+                          </a:solidFill>
+                        </a:rPr>
+                        <a:t>エポック数を</a:t>
+                      </a:r>
+                      <a:endParaRPr kumimoji="1" lang="en-US" altLang="ja-JP" sz="1600" b="1" dirty="0">
+                        <a:solidFill>
+                          <a:schemeClr val="bg1"/>
+                        </a:solidFill>
+                      </a:endParaRPr>
+                    </a:p>
+                    <a:p>
+                      <a:r>
+                        <a:rPr kumimoji="1" lang="ja-JP" altLang="en-US" sz="1600" b="1">
+                          <a:solidFill>
+                            <a:schemeClr val="bg1"/>
+                          </a:solidFill>
+                        </a:rPr>
+                        <a:t>減少させた時</a:t>
+                      </a:r>
+                    </a:p>
+                  </a:txBody>
+                  <a:tcPr>
+                    <a:lnR w="28575" cap="flat" cmpd="sng" algn="ctr">
+                      <a:solidFill>
+                        <a:schemeClr val="bg1"/>
+                      </a:solidFill>
+                      <a:prstDash val="solid"/>
+                      <a:round/>
+                      <a:headEnd type="none" w="med" len="med"/>
+                      <a:tailEnd type="none" w="med" len="med"/>
+                    </a:lnR>
+                    <a:solidFill>
+                      <a:schemeClr val="accent1"/>
+                    </a:solidFill>
+                  </a:tcPr>
+                </a:tc>
+                <a:tc>
+                  <a:txBody>
+                    <a:bodyPr/>
+                    <a:lstStyle/>
+                    <a:p>
+                      <a:r>
+                        <a:rPr kumimoji="1" lang="en-US" altLang="ja-JP" sz="1600" dirty="0"/>
+                        <a:t>91.93</a:t>
+                      </a:r>
+                      <a:endParaRPr kumimoji="1" lang="ja-JP" altLang="en-US" sz="1600"/>
+                    </a:p>
+                  </a:txBody>
+                  <a:tcPr>
+                    <a:lnL w="28575" cap="flat" cmpd="sng" algn="ctr">
+                      <a:solidFill>
+                        <a:schemeClr val="bg1"/>
+                      </a:solidFill>
+                      <a:prstDash val="solid"/>
+                      <a:round/>
+                      <a:headEnd type="none" w="med" len="med"/>
+                      <a:tailEnd type="none" w="med" len="med"/>
+                    </a:lnL>
+                    <a:lnR w="28575" cap="flat" cmpd="sng" algn="ctr">
+                      <a:solidFill>
+                        <a:schemeClr val="bg1"/>
+                      </a:solidFill>
+                      <a:prstDash val="solid"/>
+                      <a:round/>
+                      <a:headEnd type="none" w="med" len="med"/>
+                      <a:tailEnd type="none" w="med" len="med"/>
+                    </a:lnR>
+                  </a:tcPr>
+                </a:tc>
+                <a:tc>
+                  <a:txBody>
+                    <a:bodyPr/>
+                    <a:lstStyle/>
+                    <a:p>
+                      <a:endParaRPr kumimoji="1" lang="ja-JP" altLang="en-US" sz="1600"/>
+                    </a:p>
+                  </a:txBody>
+                  <a:tcPr>
+                    <a:lnL w="28575" cap="flat" cmpd="sng" algn="ctr">
+                      <a:solidFill>
+                        <a:schemeClr val="bg1"/>
+                      </a:solidFill>
+                      <a:prstDash val="solid"/>
+                      <a:round/>
+                      <a:headEnd type="none" w="med" len="med"/>
+                      <a:tailEnd type="none" w="med" len="med"/>
+                    </a:lnL>
+                    <a:lnR w="28575" cap="flat" cmpd="sng" algn="ctr">
+                      <a:solidFill>
+                        <a:schemeClr val="bg1"/>
+                      </a:solidFill>
+                      <a:prstDash val="solid"/>
+                      <a:round/>
+                      <a:headEnd type="none" w="med" len="med"/>
+                      <a:tailEnd type="none" w="med" len="med"/>
+                    </a:lnR>
+                  </a:tcPr>
+                </a:tc>
+                <a:tc>
+                  <a:txBody>
+                    <a:bodyPr/>
+                    <a:lstStyle/>
+                    <a:p>
+                      <a:endParaRPr kumimoji="1" lang="ja-JP" altLang="en-US" sz="1600"/>
+                    </a:p>
+                  </a:txBody>
+                  <a:tcPr>
+                    <a:lnL w="28575" cap="flat" cmpd="sng" algn="ctr">
+                      <a:solidFill>
+                        <a:schemeClr val="bg1"/>
+                      </a:solidFill>
+                      <a:prstDash val="solid"/>
+                      <a:round/>
+                      <a:headEnd type="none" w="med" len="med"/>
+                      <a:tailEnd type="none" w="med" len="med"/>
+                    </a:lnL>
+                  </a:tcPr>
+                </a:tc>
+                <a:extLst>
+                  <a:ext uri="{0D108BD9-81ED-4DB2-BD59-A6C34878D82A}">
+                    <a16:rowId xmlns:a16="http://schemas.microsoft.com/office/drawing/2014/main" val="2194053407"/>
+                  </a:ext>
+                </a:extLst>
+              </a:tr>
+            </a:tbl>
+          </a:graphicData>
+        </a:graphic>
+      </p:graphicFrame>
+      <p:sp>
+        <p:nvSpPr>
+          <p:cNvPr id="4" name="テキスト ボックス 3">
+            <a:extLst>
+              <a:ext uri="{FF2B5EF4-FFF2-40B4-BE49-F238E27FC236}">
+                <a16:creationId xmlns:a16="http://schemas.microsoft.com/office/drawing/2014/main" id="{799D0DA2-1768-3B9F-A829-166A6428AB05}"/>
+              </a:ext>
+            </a:extLst>
+          </p:cNvPr>
+          <p:cNvSpPr txBox="1"/>
+          <p:nvPr/>
+        </p:nvSpPr>
+        <p:spPr>
+          <a:xfrm>
+            <a:off x="637671" y="1622015"/>
+            <a:ext cx="6013185" cy="830997"/>
+          </a:xfrm>
+          <a:prstGeom prst="rect">
+            <a:avLst/>
+          </a:prstGeom>
+          <a:noFill/>
+        </p:spPr>
+        <p:txBody>
+          <a:bodyPr wrap="none" rtlCol="0">
+            <a:spAutoFit/>
+          </a:bodyPr>
+          <a:lstStyle/>
+          <a:p>
+            <a:pPr marL="285750" indent="-285750">
+              <a:buFont typeface="Wingdings" pitchFamily="2" charset="2"/>
+              <a:buChar char="p"/>
+            </a:pPr>
+            <a:r>
+              <a:rPr lang="ja-JP" altLang="en-US" sz="2400"/>
+              <a:t>本学習後の最良個体をテストしたときの</a:t>
+            </a:r>
+            <a:br>
+              <a:rPr lang="en-US" altLang="ja-JP" sz="2400" dirty="0"/>
+            </a:br>
+            <a:r>
+              <a:rPr lang="ja-JP" altLang="en-US" sz="2400"/>
+              <a:t>最良識別精度</a:t>
+            </a:r>
+            <a:endParaRPr kumimoji="1" lang="ja-JP" altLang="en-US" sz="2400"/>
+          </a:p>
+        </p:txBody>
+      </p:sp>
+    </p:spTree>
+    <p:extLst>
+      <p:ext uri="{BB962C8B-B14F-4D97-AF65-F5344CB8AC3E}">
+        <p14:creationId xmlns:p14="http://schemas.microsoft.com/office/powerpoint/2010/main" val="3670316197"/>
+      </p:ext>
+    </p:extLst>
+  </p:cSld>
+  <p:clrMapOvr>
+    <a:masterClrMapping/>
+  </p:clrMapOvr>
+</p:sld>
+</file>
+
+<file path=ppt/slides/slide31.xml><?xml version="1.0" encoding="utf-8"?>
+<p:sld xmlns:a="http://schemas.openxmlformats.org/drawingml/2006/main" xmlns:r="http://schemas.openxmlformats.org/officeDocument/2006/relationships" xmlns:p="http://schemas.openxmlformats.org/presentationml/2006/main">
+  <p:cSld>
+    <p:spTree>
+      <p:nvGrpSpPr>
+        <p:cNvPr id="1" name=""/>
+        <p:cNvGrpSpPr/>
+        <p:nvPr/>
+      </p:nvGrpSpPr>
+      <p:grpSpPr>
+        <a:xfrm>
+          <a:off x="0" y="0"/>
+          <a:ext cx="0" cy="0"/>
+          <a:chOff x="0" y="0"/>
+          <a:chExt cx="0" cy="0"/>
+        </a:xfrm>
+      </p:grpSpPr>
+      <p:sp>
+        <p:nvSpPr>
+          <p:cNvPr id="2" name="タイトル 1">
+            <a:extLst>
+              <a:ext uri="{FF2B5EF4-FFF2-40B4-BE49-F238E27FC236}">
+                <a16:creationId xmlns:a16="http://schemas.microsoft.com/office/drawing/2014/main" id="{DA6841C3-0E6C-BFA1-5D04-4112F1117102}"/>
+              </a:ext>
+            </a:extLst>
+          </p:cNvPr>
+          <p:cNvSpPr>
+            <a:spLocks noGrp="1"/>
+          </p:cNvSpPr>
+          <p:nvPr>
+            <p:ph type="title"/>
+          </p:nvPr>
+        </p:nvSpPr>
+        <p:spPr/>
+        <p:txBody>
+          <a:bodyPr/>
+          <a:lstStyle/>
+          <a:p>
+            <a:r>
+              <a:rPr kumimoji="1" lang="ja-JP" altLang="en-US"/>
+              <a:t>目次</a:t>
+            </a:r>
+          </a:p>
+        </p:txBody>
+      </p:sp>
+      <p:sp>
+        <p:nvSpPr>
+          <p:cNvPr id="4" name="スライド番号プレースホルダー 3">
+            <a:extLst>
+              <a:ext uri="{FF2B5EF4-FFF2-40B4-BE49-F238E27FC236}">
+                <a16:creationId xmlns:a16="http://schemas.microsoft.com/office/drawing/2014/main" id="{20D20625-8135-BA1D-11A0-E3466265CE7C}"/>
+              </a:ext>
+            </a:extLst>
+          </p:cNvPr>
+          <p:cNvSpPr>
+            <a:spLocks noGrp="1"/>
+          </p:cNvSpPr>
+          <p:nvPr>
+            <p:ph type="sldNum" sz="quarter" idx="12"/>
+          </p:nvPr>
+        </p:nvSpPr>
+        <p:spPr/>
+        <p:txBody>
+          <a:bodyPr/>
+          <a:lstStyle/>
+          <a:p>
+            <a:pPr lvl="0"/>
+            <a:fld id="{004900ED-2EFD-2142-93A1-1CBA90FDE07B}" type="slidenum">
+              <a:rPr lang="en-US" altLang="ja-JP" smtClean="0"/>
+              <a:t>31</a:t>
+            </a:fld>
+            <a:endParaRPr lang="ja-JP" altLang="en-US"/>
+          </a:p>
+        </p:txBody>
+      </p:sp>
+      <p:sp>
+        <p:nvSpPr>
+          <p:cNvPr id="3" name="テキスト ボックス 2">
+            <a:extLst>
+              <a:ext uri="{FF2B5EF4-FFF2-40B4-BE49-F238E27FC236}">
+                <a16:creationId xmlns:a16="http://schemas.microsoft.com/office/drawing/2014/main" id="{CFCE3529-0348-FAC9-4C81-ACEA9BA72623}"/>
+              </a:ext>
+            </a:extLst>
+          </p:cNvPr>
+          <p:cNvSpPr txBox="1"/>
+          <p:nvPr/>
+        </p:nvSpPr>
+        <p:spPr>
+          <a:xfrm>
+            <a:off x="919691" y="1259079"/>
+            <a:ext cx="3877985" cy="3909917"/>
+          </a:xfrm>
+          <a:prstGeom prst="rect">
+            <a:avLst/>
+          </a:prstGeom>
+          <a:noFill/>
+        </p:spPr>
+        <p:txBody>
+          <a:bodyPr wrap="none" rtlCol="0">
+            <a:spAutoFit/>
+          </a:bodyPr>
+          <a:lstStyle/>
+          <a:p>
+            <a:pPr marL="457200" indent="-457200">
+              <a:lnSpc>
+                <a:spcPct val="150000"/>
+              </a:lnSpc>
+              <a:buFont typeface="Wingdings" pitchFamily="2" charset="2"/>
+              <a:buChar char="Ø"/>
+            </a:pPr>
+            <a:r>
+              <a:rPr lang="ja-JP" altLang="en-US" sz="2800">
+                <a:solidFill>
+                  <a:schemeClr val="bg2">
+                    <a:lumMod val="75000"/>
+                  </a:schemeClr>
+                </a:solidFill>
+              </a:rPr>
+              <a:t>はじめに</a:t>
+            </a:r>
+            <a:endParaRPr lang="en-US" altLang="ja-JP" sz="2800" dirty="0">
+              <a:solidFill>
+                <a:schemeClr val="bg2">
+                  <a:lumMod val="75000"/>
+                </a:schemeClr>
+              </a:solidFill>
+            </a:endParaRPr>
+          </a:p>
+          <a:p>
+            <a:pPr marL="457200" indent="-457200">
+              <a:lnSpc>
+                <a:spcPct val="150000"/>
+              </a:lnSpc>
+              <a:buFont typeface="Wingdings" pitchFamily="2" charset="2"/>
+              <a:buChar char="Ø"/>
+            </a:pPr>
+            <a:r>
+              <a:rPr lang="ja-JP" altLang="en-US" sz="2800">
+                <a:solidFill>
+                  <a:schemeClr val="bg2">
+                    <a:lumMod val="75000"/>
+                  </a:schemeClr>
+                </a:solidFill>
+              </a:rPr>
+              <a:t>要素技術</a:t>
+            </a:r>
+            <a:endParaRPr lang="en-US" altLang="ja-JP" sz="2800" dirty="0">
+              <a:solidFill>
+                <a:schemeClr val="bg2">
+                  <a:lumMod val="75000"/>
+                </a:schemeClr>
+              </a:solidFill>
+            </a:endParaRPr>
+          </a:p>
+          <a:p>
+            <a:pPr marL="457200" indent="-457200">
+              <a:lnSpc>
+                <a:spcPct val="150000"/>
+              </a:lnSpc>
+              <a:buFont typeface="Wingdings" pitchFamily="2" charset="2"/>
+              <a:buChar char="Ø"/>
+            </a:pPr>
+            <a:r>
+              <a:rPr lang="ja-JP" altLang="en-US" sz="2800">
+                <a:solidFill>
+                  <a:schemeClr val="bg2">
+                    <a:lumMod val="75000"/>
+                  </a:schemeClr>
+                </a:solidFill>
+              </a:rPr>
+              <a:t>提案手法</a:t>
+            </a:r>
+            <a:endParaRPr lang="en-US" altLang="ja-JP" sz="2800" dirty="0">
+              <a:solidFill>
+                <a:schemeClr val="bg2">
+                  <a:lumMod val="75000"/>
+                </a:schemeClr>
+              </a:solidFill>
+            </a:endParaRPr>
+          </a:p>
+          <a:p>
+            <a:pPr marL="457200" indent="-457200">
+              <a:lnSpc>
+                <a:spcPct val="150000"/>
+              </a:lnSpc>
+              <a:buFont typeface="Wingdings" pitchFamily="2" charset="2"/>
+              <a:buChar char="Ø"/>
+            </a:pPr>
+            <a:r>
+              <a:rPr lang="ja-JP" altLang="en-US" sz="2800">
+                <a:solidFill>
+                  <a:schemeClr val="bg2">
+                    <a:lumMod val="75000"/>
+                  </a:schemeClr>
+                </a:solidFill>
+              </a:rPr>
+              <a:t>実験概要</a:t>
+            </a:r>
+            <a:endParaRPr lang="en-US" altLang="ja-JP" sz="2800" dirty="0">
+              <a:solidFill>
+                <a:schemeClr val="bg2">
+                  <a:lumMod val="75000"/>
+                </a:schemeClr>
+              </a:solidFill>
+            </a:endParaRPr>
+          </a:p>
+          <a:p>
+            <a:pPr marL="457200" indent="-457200">
+              <a:lnSpc>
+                <a:spcPct val="150000"/>
+              </a:lnSpc>
+              <a:buFont typeface="Wingdings" pitchFamily="2" charset="2"/>
+              <a:buChar char="Ø"/>
+            </a:pPr>
+            <a:r>
+              <a:rPr lang="ja-JP" altLang="en-US" sz="2800">
+                <a:solidFill>
+                  <a:schemeClr val="bg2">
+                    <a:lumMod val="75000"/>
+                  </a:schemeClr>
+                </a:solidFill>
+              </a:rPr>
+              <a:t>実験結果</a:t>
+            </a:r>
+            <a:endParaRPr lang="en-US" altLang="ja-JP" sz="2800" dirty="0">
+              <a:solidFill>
+                <a:schemeClr val="bg2">
+                  <a:lumMod val="75000"/>
+                </a:schemeClr>
+              </a:solidFill>
+            </a:endParaRPr>
+          </a:p>
+          <a:p>
+            <a:pPr marL="457200" indent="-457200">
+              <a:lnSpc>
+                <a:spcPct val="150000"/>
+              </a:lnSpc>
+              <a:buFont typeface="Wingdings" pitchFamily="2" charset="2"/>
+              <a:buChar char="Ø"/>
+            </a:pPr>
+            <a:r>
+              <a:rPr lang="ja-JP" altLang="en-US" sz="2800"/>
+              <a:t>まとめと今後の課題</a:t>
+            </a:r>
+          </a:p>
+        </p:txBody>
+      </p:sp>
+    </p:spTree>
+    <p:extLst>
+      <p:ext uri="{BB962C8B-B14F-4D97-AF65-F5344CB8AC3E}">
+        <p14:creationId xmlns:p14="http://schemas.microsoft.com/office/powerpoint/2010/main" val="3541049465"/>
+      </p:ext>
+    </p:extLst>
+  </p:cSld>
+  <p:clrMapOvr>
+    <a:masterClrMapping/>
+  </p:clrMapOvr>
+</p:sld>
+</file>
+
 <file path=ppt/slides/slide4.xml><?xml version="1.0" encoding="utf-8"?>
 <p:sld xmlns:a="http://schemas.openxmlformats.org/drawingml/2006/main" xmlns:r="http://schemas.openxmlformats.org/officeDocument/2006/relationships" xmlns:p="http://schemas.openxmlformats.org/presentationml/2006/main">
   <p:cSld>
@@ -9872,8 +14233,8 @@
         </p:nvSpPr>
         <p:spPr>
           <a:xfrm>
-            <a:off x="205594" y="1959428"/>
-            <a:ext cx="7290353" cy="1477328"/>
+            <a:off x="135454" y="1696781"/>
+            <a:ext cx="7290353" cy="3293209"/>
           </a:xfrm>
           <a:prstGeom prst="rect">
             <a:avLst/>
@@ -9892,7 +14253,7 @@
             </a:pPr>
             <a:r>
               <a:rPr kumimoji="1" lang="ja-JP" altLang="en-US" sz="2400"/>
-              <a:t>近年，機械学習が発展</a:t>
+              <a:t>近年，機械学習を用いた画像識別に注目</a:t>
             </a:r>
             <a:endParaRPr kumimoji="1" lang="en-US" altLang="ja-JP" sz="2400" dirty="0"/>
           </a:p>
@@ -9908,6 +14269,13 @@
               <a:buFont typeface="Wingdings" pitchFamily="2" charset="2"/>
               <a:buChar char="p"/>
             </a:pPr>
+            <a:endParaRPr lang="en-US" altLang="ja-JP" sz="1400" dirty="0"/>
+          </a:p>
+          <a:p>
+            <a:pPr marL="285750" indent="-285750">
+              <a:buFont typeface="Wingdings" pitchFamily="2" charset="2"/>
+              <a:buChar char="p"/>
+            </a:pPr>
             <a:r>
               <a:rPr kumimoji="1" lang="ja-JP" altLang="en-US" sz="2400"/>
               <a:t>畳み込みニューラルネットワークによる画像識別</a:t>
@@ -9919,7 +14287,61 @@
               <a:rPr lang="en-US" altLang="ja-JP" sz="2400" dirty="0"/>
               <a:t>(Convolutional Neural Network: CNN)</a:t>
             </a:r>
-            <a:endParaRPr kumimoji="1" lang="ja-JP" altLang="en-US"/>
+          </a:p>
+          <a:p>
+            <a:pPr marL="285750" indent="-285750">
+              <a:buFont typeface="Wingdings" pitchFamily="2" charset="2"/>
+              <a:buChar char="p"/>
+            </a:pPr>
+            <a:endParaRPr kumimoji="1" lang="en-US" altLang="ja-JP" sz="1400" dirty="0"/>
+          </a:p>
+          <a:p>
+            <a:pPr marL="285750" indent="-285750">
+              <a:buFont typeface="Wingdings" pitchFamily="2" charset="2"/>
+              <a:buChar char="p"/>
+            </a:pPr>
+            <a:endParaRPr kumimoji="1" lang="en-US" altLang="ja-JP" sz="1400" dirty="0"/>
+          </a:p>
+          <a:p>
+            <a:pPr marL="285750" indent="-285750">
+              <a:buFont typeface="Wingdings" pitchFamily="2" charset="2"/>
+              <a:buChar char="p"/>
+            </a:pPr>
+            <a:r>
+              <a:rPr lang="ja-JP" altLang="en-US" sz="2400"/>
+              <a:t>問題の高度化により，</a:t>
+            </a:r>
+            <a:r>
+              <a:rPr kumimoji="1" lang="en-US" altLang="ja-JP" sz="2400" dirty="0"/>
+              <a:t>CNN </a:t>
+            </a:r>
+            <a:r>
+              <a:rPr kumimoji="1" lang="ja-JP" altLang="en-US" sz="2400"/>
+              <a:t>の構造が複雑化</a:t>
+            </a:r>
+            <a:br>
+              <a:rPr kumimoji="1" lang="en-US" altLang="ja-JP" sz="2400" dirty="0"/>
+            </a:br>
+            <a:r>
+              <a:rPr kumimoji="1" lang="en-US" altLang="ja-JP" sz="2400" dirty="0"/>
+              <a:t>→ </a:t>
+            </a:r>
+            <a:r>
+              <a:rPr kumimoji="1" lang="ja-JP" altLang="en-US" sz="2400"/>
+              <a:t>人手で最適化することは</a:t>
+            </a:r>
+            <a:r>
+              <a:rPr lang="ja-JP" altLang="en-US" sz="2400"/>
+              <a:t>難しい</a:t>
+            </a:r>
+            <a:endParaRPr kumimoji="1" lang="ja-JP" altLang="en-US" sz="2400"/>
+          </a:p>
+          <a:p>
+            <a:pPr marL="285750" indent="-285750">
+              <a:buFont typeface="Wingdings" pitchFamily="2" charset="2"/>
+              <a:buChar char="p"/>
+            </a:pPr>
+            <a:endParaRPr kumimoji="1" lang="ja-JP" altLang="en-US" sz="2400"/>
           </a:p>
         </p:txBody>
       </p:sp>
@@ -10013,10 +14435,10 @@
       </p:sp>
       <p:sp>
         <p:nvSpPr>
-          <p:cNvPr id="4" name="テキスト ボックス 3">
-            <a:extLst>
-              <a:ext uri="{FF2B5EF4-FFF2-40B4-BE49-F238E27FC236}">
-                <a16:creationId xmlns:a16="http://schemas.microsoft.com/office/drawing/2014/main" id="{C90B63DA-86FE-BCFD-909B-51617E6B3CDE}"/>
+          <p:cNvPr id="5" name="テキスト ボックス 4">
+            <a:extLst>
+              <a:ext uri="{FF2B5EF4-FFF2-40B4-BE49-F238E27FC236}">
+                <a16:creationId xmlns:a16="http://schemas.microsoft.com/office/drawing/2014/main" id="{B5E926CE-E6A3-15F0-0F1B-D31D8E1A2C0F}"/>
               </a:ext>
             </a:extLst>
           </p:cNvPr>
@@ -10025,70 +14447,7 @@
         </p:nvSpPr>
         <p:spPr>
           <a:xfrm>
-            <a:off x="225136" y="1519870"/>
-            <a:ext cx="6638356" cy="830997"/>
-          </a:xfrm>
-          <a:prstGeom prst="rect">
-            <a:avLst/>
-          </a:prstGeom>
-          <a:noFill/>
-        </p:spPr>
-        <p:txBody>
-          <a:bodyPr wrap="none" rtlCol="0">
-            <a:spAutoFit/>
-          </a:bodyPr>
-          <a:lstStyle/>
-          <a:p>
-            <a:pPr marL="457200" indent="-457200">
-              <a:buFont typeface="Wingdings" pitchFamily="2" charset="2"/>
-              <a:buChar char="p"/>
-            </a:pPr>
-            <a:r>
-              <a:rPr lang="ja-JP" altLang="en-US" sz="2400"/>
-              <a:t>問題の高度化により，</a:t>
-            </a:r>
-            <a:r>
-              <a:rPr kumimoji="1" lang="en-US" altLang="ja-JP" sz="2400" dirty="0"/>
-              <a:t>CNN </a:t>
-            </a:r>
-            <a:r>
-              <a:rPr kumimoji="1" lang="ja-JP" altLang="en-US" sz="2400"/>
-              <a:t>の構造が複雑化</a:t>
-            </a:r>
-            <a:br>
-              <a:rPr kumimoji="1" lang="en-US" altLang="ja-JP" sz="2400" dirty="0"/>
-            </a:br>
-            <a:r>
-              <a:rPr kumimoji="1" lang="en-US" altLang="ja-JP" sz="2400" dirty="0"/>
-              <a:t>→ </a:t>
-            </a:r>
-            <a:r>
-              <a:rPr kumimoji="1" lang="ja-JP" altLang="en-US" sz="2400"/>
-              <a:t>人手で最適化することは</a:t>
-            </a:r>
-            <a:r>
-              <a:rPr lang="ja-JP" altLang="en-US" sz="2400"/>
-              <a:t>難しい</a:t>
-            </a:r>
-            <a:endParaRPr kumimoji="1" lang="ja-JP" altLang="en-US" sz="2400"/>
-          </a:p>
-        </p:txBody>
-      </p:sp>
-      <p:sp>
-        <p:nvSpPr>
-          <p:cNvPr id="5" name="テキスト ボックス 4">
-            <a:extLst>
-              <a:ext uri="{FF2B5EF4-FFF2-40B4-BE49-F238E27FC236}">
-                <a16:creationId xmlns:a16="http://schemas.microsoft.com/office/drawing/2014/main" id="{B5E926CE-E6A3-15F0-0F1B-D31D8E1A2C0F}"/>
-              </a:ext>
-            </a:extLst>
-          </p:cNvPr>
-          <p:cNvSpPr txBox="1"/>
-          <p:nvPr/>
-        </p:nvSpPr>
-        <p:spPr>
-          <a:xfrm>
-            <a:off x="225136" y="2426642"/>
+            <a:off x="353250" y="1508209"/>
             <a:ext cx="6854762" cy="2255233"/>
           </a:xfrm>
           <a:prstGeom prst="rect">
@@ -10198,7 +14557,7 @@
           <p:cNvPr id="2" name="タイトル 1">
             <a:extLst>
               <a:ext uri="{FF2B5EF4-FFF2-40B4-BE49-F238E27FC236}">
-                <a16:creationId xmlns:a16="http://schemas.microsoft.com/office/drawing/2014/main" id="{DA6841C3-0E6C-BFA1-5D04-4112F1117102}"/>
+                <a16:creationId xmlns:a16="http://schemas.microsoft.com/office/drawing/2014/main" id="{D159CF40-CD8C-21A6-0A3D-8CF370B562A6}"/>
               </a:ext>
             </a:extLst>
           </p:cNvPr>
@@ -10216,17 +14575,17 @@
           <a:p>
             <a:r>
               <a:rPr kumimoji="1" lang="ja-JP" altLang="en-US"/>
-              <a:t>目次</a:t>
-            </a:r>
-          </a:p>
-        </p:txBody>
-      </p:sp>
-      <p:sp>
-        <p:nvSpPr>
-          <p:cNvPr id="4" name="スライド番号プレースホルダー 3">
-            <a:extLst>
-              <a:ext uri="{FF2B5EF4-FFF2-40B4-BE49-F238E27FC236}">
-                <a16:creationId xmlns:a16="http://schemas.microsoft.com/office/drawing/2014/main" id="{20D20625-8135-BA1D-11A0-E3466265CE7C}"/>
+              <a:t>はじめに</a:t>
+            </a:r>
+          </a:p>
+        </p:txBody>
+      </p:sp>
+      <p:sp>
+        <p:nvSpPr>
+          <p:cNvPr id="3" name="スライド番号プレースホルダー 2">
+            <a:extLst>
+              <a:ext uri="{FF2B5EF4-FFF2-40B4-BE49-F238E27FC236}">
+                <a16:creationId xmlns:a16="http://schemas.microsoft.com/office/drawing/2014/main" id="{37968868-915E-15E5-AB4E-1366F32A281D}"/>
               </a:ext>
             </a:extLst>
           </p:cNvPr>
@@ -10251,176 +14610,240 @@
           </a:p>
         </p:txBody>
       </p:sp>
-      <p:sp>
-        <p:nvSpPr>
-          <p:cNvPr id="3" name="テキスト ボックス 2">
-            <a:extLst>
-              <a:ext uri="{FF2B5EF4-FFF2-40B4-BE49-F238E27FC236}">
-                <a16:creationId xmlns:a16="http://schemas.microsoft.com/office/drawing/2014/main" id="{CFCE3529-0348-FAC9-4C81-ACEA9BA72623}"/>
-              </a:ext>
-            </a:extLst>
-          </p:cNvPr>
-          <p:cNvSpPr txBox="1"/>
+      <p:grpSp>
+        <p:nvGrpSpPr>
+          <p:cNvPr id="9" name="グループ化 8">
+            <a:extLst>
+              <a:ext uri="{FF2B5EF4-FFF2-40B4-BE49-F238E27FC236}">
+                <a16:creationId xmlns:a16="http://schemas.microsoft.com/office/drawing/2014/main" id="{0761B48F-FD65-EDE8-7BBE-9EB7BE0E6142}"/>
+              </a:ext>
+            </a:extLst>
+          </p:cNvPr>
+          <p:cNvGrpSpPr/>
           <p:nvPr/>
-        </p:nvSpPr>
-        <p:spPr>
+        </p:nvGrpSpPr>
+        <p:grpSpPr>
           <a:xfrm>
-            <a:off x="919691" y="1259079"/>
-            <a:ext cx="3877985" cy="3909917"/>
+            <a:off x="215805" y="1508209"/>
+            <a:ext cx="7268453" cy="3512320"/>
+            <a:chOff x="215805" y="1508209"/>
+            <a:chExt cx="7268453" cy="3512320"/>
           </a:xfrm>
-          <a:prstGeom prst="rect">
-            <a:avLst/>
-          </a:prstGeom>
-          <a:noFill/>
-        </p:spPr>
-        <p:txBody>
-          <a:bodyPr wrap="none" rtlCol="0">
-            <a:spAutoFit/>
-          </a:bodyPr>
-          <a:lstStyle/>
-          <a:p>
-            <a:pPr marL="457200" indent="-457200">
-              <a:lnSpc>
-                <a:spcPct val="150000"/>
-              </a:lnSpc>
-              <a:buFont typeface="Wingdings" pitchFamily="2" charset="2"/>
-              <a:buChar char="Ø"/>
-            </a:pPr>
-            <a:r>
-              <a:rPr lang="ja-JP" altLang="en-US" sz="2800">
+        </p:grpSpPr>
+        <p:sp>
+          <p:nvSpPr>
+            <p:cNvPr id="4" name="テキスト ボックス 3">
+              <a:extLst>
+                <a:ext uri="{FF2B5EF4-FFF2-40B4-BE49-F238E27FC236}">
+                  <a16:creationId xmlns:a16="http://schemas.microsoft.com/office/drawing/2014/main" id="{C90B63DA-86FE-BCFD-909B-51617E6B3CDE}"/>
+                </a:ext>
+              </a:extLst>
+            </p:cNvPr>
+            <p:cNvSpPr txBox="1"/>
+            <p:nvPr/>
+          </p:nvSpPr>
+          <p:spPr>
+            <a:xfrm>
+              <a:off x="215805" y="1508209"/>
+              <a:ext cx="5878532" cy="2256515"/>
+            </a:xfrm>
+            <a:prstGeom prst="rect">
+              <a:avLst/>
+            </a:prstGeom>
+            <a:noFill/>
+          </p:spPr>
+          <p:txBody>
+            <a:bodyPr wrap="none" rtlCol="0">
+              <a:spAutoFit/>
+            </a:bodyPr>
+            <a:lstStyle/>
+            <a:p>
+              <a:pPr marL="914400" lvl="1" indent="-457200">
+                <a:lnSpc>
+                  <a:spcPct val="150000"/>
+                </a:lnSpc>
+                <a:buFont typeface="Wingdings" pitchFamily="2" charset="2"/>
+                <a:buChar char="p"/>
+              </a:pPr>
+              <a:r>
+                <a:rPr kumimoji="1" lang="en-US" altLang="ja-JP" sz="2400" dirty="0"/>
+                <a:t>GA </a:t>
+              </a:r>
+              <a:r>
+                <a:rPr kumimoji="1" lang="ja-JP" altLang="en-US" sz="2400"/>
+                <a:t>の初期収束問題</a:t>
+              </a:r>
+              <a:endParaRPr kumimoji="1" lang="en-US" altLang="ja-JP" sz="2400" dirty="0"/>
+            </a:p>
+            <a:p>
+              <a:pPr marL="1371600" lvl="2" indent="-457200">
+                <a:lnSpc>
+                  <a:spcPct val="150000"/>
+                </a:lnSpc>
+                <a:buFont typeface="Wingdings" pitchFamily="2" charset="2"/>
+                <a:buChar char="p"/>
+              </a:pPr>
+              <a:r>
+                <a:rPr lang="ja-JP" altLang="en-US" sz="2400"/>
+                <a:t>探索初期に個体の多様性が消失</a:t>
+              </a:r>
+              <a:br>
+                <a:rPr lang="en-US" altLang="ja-JP" sz="2400" dirty="0"/>
+              </a:br>
+              <a:r>
+                <a:rPr lang="en-US" altLang="ja-JP" sz="2400" dirty="0"/>
+                <a:t>→ </a:t>
+              </a:r>
+              <a:r>
+                <a:rPr lang="ja-JP" altLang="en-US" sz="2400"/>
+                <a:t>個体群が同じ個体で埋没</a:t>
+              </a:r>
+              <a:endParaRPr lang="en-US" altLang="ja-JP" sz="2400" dirty="0"/>
+            </a:p>
+            <a:p>
+              <a:pPr marL="1371600" lvl="2" indent="-457200">
+                <a:lnSpc>
+                  <a:spcPct val="150000"/>
+                </a:lnSpc>
+                <a:buFont typeface="Wingdings" pitchFamily="2" charset="2"/>
+                <a:buChar char="p"/>
+              </a:pPr>
+              <a:r>
+                <a:rPr kumimoji="1" lang="ja-JP" altLang="en-US" sz="2400"/>
+                <a:t>局所最適解</a:t>
+              </a:r>
+              <a:r>
+                <a:rPr lang="ja-JP" altLang="en-US" sz="2400"/>
+                <a:t>へと収束</a:t>
+              </a:r>
+              <a:endParaRPr kumimoji="1" lang="en-US" altLang="ja-JP" sz="2400" dirty="0"/>
+            </a:p>
+          </p:txBody>
+        </p:sp>
+        <p:grpSp>
+          <p:nvGrpSpPr>
+            <p:cNvPr id="8" name="グループ化 7">
+              <a:extLst>
+                <a:ext uri="{FF2B5EF4-FFF2-40B4-BE49-F238E27FC236}">
+                  <a16:creationId xmlns:a16="http://schemas.microsoft.com/office/drawing/2014/main" id="{E10EB885-B0A6-EB9E-320D-E864B720C16C}"/>
+                </a:ext>
+              </a:extLst>
+            </p:cNvPr>
+            <p:cNvGrpSpPr/>
+            <p:nvPr/>
+          </p:nvGrpSpPr>
+          <p:grpSpPr>
+            <a:xfrm>
+              <a:off x="284851" y="3874984"/>
+              <a:ext cx="7199407" cy="1145545"/>
+              <a:chOff x="284851" y="3874984"/>
+              <a:chExt cx="7199407" cy="1145545"/>
+            </a:xfrm>
+          </p:grpSpPr>
+          <p:sp>
+            <p:nvSpPr>
+              <p:cNvPr id="6" name="下矢印 5">
+                <a:extLst>
+                  <a:ext uri="{FF2B5EF4-FFF2-40B4-BE49-F238E27FC236}">
+                    <a16:creationId xmlns:a16="http://schemas.microsoft.com/office/drawing/2014/main" id="{641D2C59-30AC-2F7B-EB61-C4D45AA61F8A}"/>
+                  </a:ext>
+                </a:extLst>
+              </p:cNvPr>
+              <p:cNvSpPr/>
+              <p:nvPr/>
+            </p:nvSpPr>
+            <p:spPr>
+              <a:xfrm>
+                <a:off x="3212628" y="3874984"/>
+                <a:ext cx="896380" cy="551101"/>
+              </a:xfrm>
+              <a:prstGeom prst="downArrow">
+                <a:avLst/>
+              </a:prstGeom>
+              <a:solidFill>
+                <a:schemeClr val="bg1"/>
+              </a:solidFill>
+              <a:ln>
                 <a:solidFill>
-                  <a:schemeClr val="bg2">
-                    <a:lumMod val="75000"/>
-                  </a:schemeClr>
+                  <a:schemeClr val="tx1"/>
                 </a:solidFill>
-              </a:rPr>
-              <a:t>はじめに</a:t>
-            </a:r>
-            <a:endParaRPr lang="en-US" altLang="ja-JP" sz="2800" dirty="0">
-              <a:solidFill>
-                <a:schemeClr val="bg2">
-                  <a:lumMod val="75000"/>
+              </a:ln>
+            </p:spPr>
+            <p:style>
+              <a:lnRef idx="2">
+                <a:schemeClr val="accent1">
+                  <a:shade val="50000"/>
                 </a:schemeClr>
-              </a:solidFill>
-            </a:endParaRPr>
-          </a:p>
-          <a:p>
-            <a:pPr marL="457200" indent="-457200">
-              <a:lnSpc>
-                <a:spcPct val="150000"/>
-              </a:lnSpc>
-              <a:buFont typeface="Wingdings" pitchFamily="2" charset="2"/>
-              <a:buChar char="Ø"/>
-            </a:pPr>
-            <a:r>
-              <a:rPr lang="ja-JP" altLang="en-US" sz="2800"/>
-              <a:t>要素技術</a:t>
-            </a:r>
-            <a:endParaRPr lang="en-US" altLang="ja-JP" sz="2800" dirty="0"/>
-          </a:p>
-          <a:p>
-            <a:pPr marL="457200" indent="-457200">
-              <a:lnSpc>
-                <a:spcPct val="150000"/>
-              </a:lnSpc>
-              <a:buFont typeface="Wingdings" pitchFamily="2" charset="2"/>
-              <a:buChar char="Ø"/>
-            </a:pPr>
-            <a:r>
-              <a:rPr lang="ja-JP" altLang="en-US" sz="2800">
-                <a:solidFill>
-                  <a:schemeClr val="bg2">
-                    <a:lumMod val="75000"/>
-                  </a:schemeClr>
-                </a:solidFill>
-              </a:rPr>
-              <a:t>提案手法</a:t>
-            </a:r>
-            <a:endParaRPr lang="en-US" altLang="ja-JP" sz="2800" dirty="0">
-              <a:solidFill>
-                <a:schemeClr val="bg2">
-                  <a:lumMod val="75000"/>
-                </a:schemeClr>
-              </a:solidFill>
-            </a:endParaRPr>
-          </a:p>
-          <a:p>
-            <a:pPr marL="457200" indent="-457200">
-              <a:lnSpc>
-                <a:spcPct val="150000"/>
-              </a:lnSpc>
-              <a:buFont typeface="Wingdings" pitchFamily="2" charset="2"/>
-              <a:buChar char="Ø"/>
-            </a:pPr>
-            <a:r>
-              <a:rPr lang="ja-JP" altLang="en-US" sz="2800">
-                <a:solidFill>
-                  <a:schemeClr val="bg2">
-                    <a:lumMod val="75000"/>
-                  </a:schemeClr>
-                </a:solidFill>
-              </a:rPr>
-              <a:t>実験概要</a:t>
-            </a:r>
-            <a:endParaRPr lang="en-US" altLang="ja-JP" sz="2800" dirty="0">
-              <a:solidFill>
-                <a:schemeClr val="bg2">
-                  <a:lumMod val="75000"/>
-                </a:schemeClr>
-              </a:solidFill>
-            </a:endParaRPr>
-          </a:p>
-          <a:p>
-            <a:pPr marL="457200" indent="-457200">
-              <a:lnSpc>
-                <a:spcPct val="150000"/>
-              </a:lnSpc>
-              <a:buFont typeface="Wingdings" pitchFamily="2" charset="2"/>
-              <a:buChar char="Ø"/>
-            </a:pPr>
-            <a:r>
-              <a:rPr lang="ja-JP" altLang="en-US" sz="2800">
-                <a:solidFill>
-                  <a:schemeClr val="bg2">
-                    <a:lumMod val="75000"/>
-                  </a:schemeClr>
-                </a:solidFill>
-              </a:rPr>
-              <a:t>実験結果</a:t>
-            </a:r>
-            <a:endParaRPr lang="en-US" altLang="ja-JP" sz="2800" dirty="0">
-              <a:solidFill>
-                <a:schemeClr val="bg2">
-                  <a:lumMod val="75000"/>
-                </a:schemeClr>
-              </a:solidFill>
-            </a:endParaRPr>
-          </a:p>
-          <a:p>
-            <a:pPr marL="457200" indent="-457200">
-              <a:lnSpc>
-                <a:spcPct val="150000"/>
-              </a:lnSpc>
-              <a:buFont typeface="Wingdings" pitchFamily="2" charset="2"/>
-              <a:buChar char="Ø"/>
-            </a:pPr>
-            <a:r>
-              <a:rPr lang="ja-JP" altLang="en-US" sz="2800">
-                <a:solidFill>
-                  <a:schemeClr val="bg2">
-                    <a:lumMod val="75000"/>
-                  </a:schemeClr>
-                </a:solidFill>
-              </a:rPr>
-              <a:t>まとめと今後の課題</a:t>
-            </a:r>
-          </a:p>
-        </p:txBody>
-      </p:sp>
+              </a:lnRef>
+              <a:fillRef idx="1">
+                <a:schemeClr val="accent1"/>
+              </a:fillRef>
+              <a:effectRef idx="0">
+                <a:schemeClr val="accent1"/>
+              </a:effectRef>
+              <a:fontRef idx="minor">
+                <a:schemeClr val="lt1"/>
+              </a:fontRef>
+            </p:style>
+            <p:txBody>
+              <a:bodyPr rtlCol="0" anchor="ctr"/>
+              <a:lstStyle/>
+              <a:p>
+                <a:pPr algn="ctr"/>
+                <a:endParaRPr kumimoji="1" lang="ja-JP" altLang="en-US"/>
+              </a:p>
+            </p:txBody>
+          </p:sp>
+          <p:sp>
+            <p:nvSpPr>
+              <p:cNvPr id="7" name="テキスト ボックス 6">
+                <a:extLst>
+                  <a:ext uri="{FF2B5EF4-FFF2-40B4-BE49-F238E27FC236}">
+                    <a16:creationId xmlns:a16="http://schemas.microsoft.com/office/drawing/2014/main" id="{66E60276-A68F-1DA5-0667-D1BAF2B75ABA}"/>
+                  </a:ext>
+                </a:extLst>
+              </p:cNvPr>
+              <p:cNvSpPr txBox="1"/>
+              <p:nvPr/>
+            </p:nvSpPr>
+            <p:spPr>
+              <a:xfrm>
+                <a:off x="284851" y="4558864"/>
+                <a:ext cx="7199407" cy="461665"/>
+              </a:xfrm>
+              <a:prstGeom prst="rect">
+                <a:avLst/>
+              </a:prstGeom>
+              <a:noFill/>
+            </p:spPr>
+            <p:txBody>
+              <a:bodyPr wrap="none" rtlCol="0">
+                <a:spAutoFit/>
+              </a:bodyPr>
+              <a:lstStyle/>
+              <a:p>
+                <a:r>
+                  <a:rPr kumimoji="1" lang="ja-JP" altLang="en-US" sz="2400"/>
+                  <a:t>多様性を考慮した選択ルールを採用した</a:t>
+                </a:r>
+                <a:r>
+                  <a:rPr kumimoji="1" lang="en-US" altLang="ja-JP" sz="2400" dirty="0"/>
+                  <a:t> </a:t>
+                </a:r>
+                <a:r>
+                  <a:rPr kumimoji="1" lang="en-US" altLang="ja-JP" sz="2400" dirty="0" err="1"/>
+                  <a:t>tdgaCNN</a:t>
+                </a:r>
+                <a:endParaRPr kumimoji="1" lang="ja-JP" altLang="en-US" sz="2400"/>
+              </a:p>
+            </p:txBody>
+          </p:sp>
+        </p:grpSp>
+      </p:grpSp>
     </p:spTree>
     <p:extLst>
       <p:ext uri="{BB962C8B-B14F-4D97-AF65-F5344CB8AC3E}">
-        <p14:creationId xmlns:p14="http://schemas.microsoft.com/office/powerpoint/2010/main" val="537212311"/>
+        <p14:creationId xmlns:p14="http://schemas.microsoft.com/office/powerpoint/2010/main" val="1464039338"/>
       </p:ext>
     </p:extLst>
   </p:cSld>
@@ -10452,7 +14875,7 @@
           <p:cNvPr id="2" name="タイトル 1">
             <a:extLst>
               <a:ext uri="{FF2B5EF4-FFF2-40B4-BE49-F238E27FC236}">
-                <a16:creationId xmlns:a16="http://schemas.microsoft.com/office/drawing/2014/main" id="{551A4D2F-E3BC-D469-EA93-548744271DA7}"/>
+                <a16:creationId xmlns:a16="http://schemas.microsoft.com/office/drawing/2014/main" id="{DA6841C3-0E6C-BFA1-5D04-4112F1117102}"/>
               </a:ext>
             </a:extLst>
           </p:cNvPr>
@@ -10469,19 +14892,18 @@
           <a:lstStyle/>
           <a:p>
             <a:r>
-              <a:rPr lang="ja-JP" altLang="en-US"/>
-              <a:t>畳み込みニューラルネットワーク</a:t>
-            </a:r>
-            <a:endParaRPr kumimoji="1" lang="ja-JP" altLang="en-US"/>
-          </a:p>
-        </p:txBody>
-      </p:sp>
-      <p:sp>
-        <p:nvSpPr>
-          <p:cNvPr id="5" name="スライド番号プレースホルダー 4">
-            <a:extLst>
-              <a:ext uri="{FF2B5EF4-FFF2-40B4-BE49-F238E27FC236}">
-                <a16:creationId xmlns:a16="http://schemas.microsoft.com/office/drawing/2014/main" id="{2D0400D8-CA31-3279-A200-2FD48F814A27}"/>
+              <a:rPr kumimoji="1" lang="ja-JP" altLang="en-US"/>
+              <a:t>目次</a:t>
+            </a:r>
+          </a:p>
+        </p:txBody>
+      </p:sp>
+      <p:sp>
+        <p:nvSpPr>
+          <p:cNvPr id="4" name="スライド番号プレースホルダー 3">
+            <a:extLst>
+              <a:ext uri="{FF2B5EF4-FFF2-40B4-BE49-F238E27FC236}">
+                <a16:creationId xmlns:a16="http://schemas.microsoft.com/office/drawing/2014/main" id="{20D20625-8135-BA1D-11A0-E3466265CE7C}"/>
               </a:ext>
             </a:extLst>
           </p:cNvPr>
@@ -10508,10 +14930,10 @@
       </p:sp>
       <p:sp>
         <p:nvSpPr>
-          <p:cNvPr id="4" name="テキスト ボックス 3">
-            <a:extLst>
-              <a:ext uri="{FF2B5EF4-FFF2-40B4-BE49-F238E27FC236}">
-                <a16:creationId xmlns:a16="http://schemas.microsoft.com/office/drawing/2014/main" id="{CF9FE49C-3668-8B92-5FB0-12521E7B6B7B}"/>
+          <p:cNvPr id="3" name="テキスト ボックス 2">
+            <a:extLst>
+              <a:ext uri="{FF2B5EF4-FFF2-40B4-BE49-F238E27FC236}">
+                <a16:creationId xmlns:a16="http://schemas.microsoft.com/office/drawing/2014/main" id="{CFCE3529-0348-FAC9-4C81-ACEA9BA72623}"/>
               </a:ext>
             </a:extLst>
           </p:cNvPr>
@@ -10520,8 +14942,8 @@
         </p:nvSpPr>
         <p:spPr>
           <a:xfrm>
-            <a:off x="393452" y="1544212"/>
-            <a:ext cx="6032421" cy="1631216"/>
+            <a:off x="919691" y="1259079"/>
+            <a:ext cx="3877985" cy="3909917"/>
           </a:xfrm>
           <a:prstGeom prst="rect">
             <a:avLst/>
@@ -10535,53 +14957,147 @@
           <a:lstStyle/>
           <a:p>
             <a:pPr marL="457200" indent="-457200">
+              <a:lnSpc>
+                <a:spcPct val="150000"/>
+              </a:lnSpc>
               <a:buFont typeface="Wingdings" pitchFamily="2" charset="2"/>
-              <a:buChar char="p"/>
+              <a:buChar char="Ø"/>
             </a:pPr>
             <a:r>
-              <a:rPr kumimoji="1" lang="ja-JP" altLang="en-US" sz="2400"/>
-              <a:t>畳み込みニューラルネットワーク</a:t>
-            </a:r>
-            <a:br>
-              <a:rPr kumimoji="1" lang="en-US" altLang="ja-JP" sz="2400" dirty="0"/>
-            </a:br>
-            <a:r>
-              <a:rPr lang="en-US" altLang="ja-JP" sz="2400" dirty="0">
-                <a:cs typeface="Times New Roman" panose="02020603050405020304" pitchFamily="18" charset="0"/>
+              <a:rPr lang="ja-JP" altLang="en-US" sz="2800">
+                <a:solidFill>
+                  <a:schemeClr val="bg2">
+                    <a:lumMod val="75000"/>
+                  </a:schemeClr>
+                </a:solidFill>
               </a:rPr>
-              <a:t>(Convolutional Neural Network: CNN)</a:t>
-            </a:r>
-          </a:p>
-          <a:p>
-            <a:pPr marL="914400" lvl="1" indent="-457200">
+              <a:t>はじめに</a:t>
+            </a:r>
+            <a:endParaRPr lang="en-US" altLang="ja-JP" sz="2800" dirty="0">
+              <a:solidFill>
+                <a:schemeClr val="bg2">
+                  <a:lumMod val="75000"/>
+                </a:schemeClr>
+              </a:solidFill>
+            </a:endParaRPr>
+          </a:p>
+          <a:p>
+            <a:pPr marL="457200" indent="-457200">
+              <a:lnSpc>
+                <a:spcPct val="150000"/>
+              </a:lnSpc>
               <a:buFont typeface="Wingdings" pitchFamily="2" charset="2"/>
-              <a:buChar char="p"/>
+              <a:buChar char="Ø"/>
             </a:pPr>
             <a:r>
-              <a:rPr lang="ja-JP" altLang="en-US" sz="2400">
-                <a:latin typeface="Times New Roman" panose="02020603050405020304" pitchFamily="18" charset="0"/>
-                <a:cs typeface="Times New Roman" panose="02020603050405020304" pitchFamily="18" charset="0"/>
+              <a:rPr lang="ja-JP" altLang="en-US" sz="2800"/>
+              <a:t>要素技術</a:t>
+            </a:r>
+            <a:endParaRPr lang="en-US" altLang="ja-JP" sz="2800" dirty="0"/>
+          </a:p>
+          <a:p>
+            <a:pPr marL="457200" indent="-457200">
+              <a:lnSpc>
+                <a:spcPct val="150000"/>
+              </a:lnSpc>
+              <a:buFont typeface="Wingdings" pitchFamily="2" charset="2"/>
+              <a:buChar char="Ø"/>
+            </a:pPr>
+            <a:r>
+              <a:rPr lang="ja-JP" altLang="en-US" sz="2800">
+                <a:solidFill>
+                  <a:schemeClr val="bg2">
+                    <a:lumMod val="75000"/>
+                  </a:schemeClr>
+                </a:solidFill>
               </a:rPr>
-              <a:t>画像認識分野で広く利用</a:t>
-            </a:r>
-            <a:endParaRPr lang="en-US" altLang="ja-JP" sz="2400" dirty="0">
-              <a:latin typeface="Times New Roman" panose="02020603050405020304" pitchFamily="18" charset="0"/>
-              <a:cs typeface="Times New Roman" panose="02020603050405020304" pitchFamily="18" charset="0"/>
+              <a:t>提案手法</a:t>
+            </a:r>
+            <a:endParaRPr lang="en-US" altLang="ja-JP" sz="2800" dirty="0">
+              <a:solidFill>
+                <a:schemeClr val="bg2">
+                  <a:lumMod val="75000"/>
+                </a:schemeClr>
+              </a:solidFill>
             </a:endParaRPr>
           </a:p>
           <a:p>
             <a:pPr marL="457200" indent="-457200">
-              <a:buFont typeface="Arial" panose="020B0604020202020204" pitchFamily="34" charset="0"/>
-              <a:buChar char="•"/>
+              <a:lnSpc>
+                <a:spcPct val="150000"/>
+              </a:lnSpc>
+              <a:buFont typeface="Wingdings" pitchFamily="2" charset="2"/>
+              <a:buChar char="Ø"/>
             </a:pPr>
-            <a:endParaRPr kumimoji="1" lang="ja-JP" altLang="en-US" sz="2800"/>
+            <a:r>
+              <a:rPr lang="ja-JP" altLang="en-US" sz="2800">
+                <a:solidFill>
+                  <a:schemeClr val="bg2">
+                    <a:lumMod val="75000"/>
+                  </a:schemeClr>
+                </a:solidFill>
+              </a:rPr>
+              <a:t>実験概要</a:t>
+            </a:r>
+            <a:endParaRPr lang="en-US" altLang="ja-JP" sz="2800" dirty="0">
+              <a:solidFill>
+                <a:schemeClr val="bg2">
+                  <a:lumMod val="75000"/>
+                </a:schemeClr>
+              </a:solidFill>
+            </a:endParaRPr>
+          </a:p>
+          <a:p>
+            <a:pPr marL="457200" indent="-457200">
+              <a:lnSpc>
+                <a:spcPct val="150000"/>
+              </a:lnSpc>
+              <a:buFont typeface="Wingdings" pitchFamily="2" charset="2"/>
+              <a:buChar char="Ø"/>
+            </a:pPr>
+            <a:r>
+              <a:rPr lang="ja-JP" altLang="en-US" sz="2800">
+                <a:solidFill>
+                  <a:schemeClr val="bg2">
+                    <a:lumMod val="75000"/>
+                  </a:schemeClr>
+                </a:solidFill>
+              </a:rPr>
+              <a:t>実験結果</a:t>
+            </a:r>
+            <a:endParaRPr lang="en-US" altLang="ja-JP" sz="2800" dirty="0">
+              <a:solidFill>
+                <a:schemeClr val="bg2">
+                  <a:lumMod val="75000"/>
+                </a:schemeClr>
+              </a:solidFill>
+            </a:endParaRPr>
+          </a:p>
+          <a:p>
+            <a:pPr marL="457200" indent="-457200">
+              <a:lnSpc>
+                <a:spcPct val="150000"/>
+              </a:lnSpc>
+              <a:buFont typeface="Wingdings" pitchFamily="2" charset="2"/>
+              <a:buChar char="Ø"/>
+            </a:pPr>
+            <a:r>
+              <a:rPr lang="ja-JP" altLang="en-US" sz="2800">
+                <a:solidFill>
+                  <a:schemeClr val="bg2">
+                    <a:lumMod val="75000"/>
+                  </a:schemeClr>
+                </a:solidFill>
+              </a:rPr>
+              <a:t>まとめと今後の課題</a:t>
+            </a:r>
           </a:p>
         </p:txBody>
       </p:sp>
     </p:spTree>
     <p:extLst>
       <p:ext uri="{BB962C8B-B14F-4D97-AF65-F5344CB8AC3E}">
-        <p14:creationId xmlns:p14="http://schemas.microsoft.com/office/powerpoint/2010/main" val="3196433367"/>
+        <p14:creationId xmlns:p14="http://schemas.microsoft.com/office/powerpoint/2010/main" val="537212311"/>
       </p:ext>
     </p:extLst>
   </p:cSld>
@@ -10613,7 +15129,7 @@
           <p:cNvPr id="2" name="タイトル 1">
             <a:extLst>
               <a:ext uri="{FF2B5EF4-FFF2-40B4-BE49-F238E27FC236}">
-                <a16:creationId xmlns:a16="http://schemas.microsoft.com/office/drawing/2014/main" id="{D159CF40-CD8C-21A6-0A3D-8CF370B562A6}"/>
+                <a16:creationId xmlns:a16="http://schemas.microsoft.com/office/drawing/2014/main" id="{551A4D2F-E3BC-D469-EA93-548744271DA7}"/>
               </a:ext>
             </a:extLst>
           </p:cNvPr>
@@ -10630,18 +15146,19 @@
           <a:lstStyle/>
           <a:p>
             <a:r>
-              <a:rPr kumimoji="1" lang="ja-JP" altLang="en-US"/>
-              <a:t>遺伝的アルゴリズム</a:t>
-            </a:r>
-          </a:p>
-        </p:txBody>
-      </p:sp>
-      <p:sp>
-        <p:nvSpPr>
-          <p:cNvPr id="3" name="スライド番号プレースホルダー 2">
-            <a:extLst>
-              <a:ext uri="{FF2B5EF4-FFF2-40B4-BE49-F238E27FC236}">
-                <a16:creationId xmlns:a16="http://schemas.microsoft.com/office/drawing/2014/main" id="{37968868-915E-15E5-AB4E-1366F32A281D}"/>
+              <a:rPr lang="ja-JP" altLang="en-US"/>
+              <a:t>畳み込みニューラルネットワーク</a:t>
+            </a:r>
+            <a:endParaRPr kumimoji="1" lang="ja-JP" altLang="en-US"/>
+          </a:p>
+        </p:txBody>
+      </p:sp>
+      <p:sp>
+        <p:nvSpPr>
+          <p:cNvPr id="5" name="スライド番号プレースホルダー 4">
+            <a:extLst>
+              <a:ext uri="{FF2B5EF4-FFF2-40B4-BE49-F238E27FC236}">
+                <a16:creationId xmlns:a16="http://schemas.microsoft.com/office/drawing/2014/main" id="{2D0400D8-CA31-3279-A200-2FD48F814A27}"/>
               </a:ext>
             </a:extLst>
           </p:cNvPr>
@@ -10671,7 +15188,7 @@
           <p:cNvPr id="4" name="テキスト ボックス 3">
             <a:extLst>
               <a:ext uri="{FF2B5EF4-FFF2-40B4-BE49-F238E27FC236}">
-                <a16:creationId xmlns:a16="http://schemas.microsoft.com/office/drawing/2014/main" id="{C90B63DA-86FE-BCFD-909B-51617E6B3CDE}"/>
+                <a16:creationId xmlns:a16="http://schemas.microsoft.com/office/drawing/2014/main" id="{CF9FE49C-3668-8B92-5FB0-12521E7B6B7B}"/>
               </a:ext>
             </a:extLst>
           </p:cNvPr>
@@ -10680,8 +15197,8 @@
         </p:nvSpPr>
         <p:spPr>
           <a:xfrm>
-            <a:off x="83018" y="1565028"/>
-            <a:ext cx="6886822" cy="594522"/>
+            <a:off x="393452" y="1544212"/>
+            <a:ext cx="6032421" cy="1631216"/>
           </a:xfrm>
           <a:prstGeom prst="rect">
             <a:avLst/>
@@ -10694,101 +15211,362 @@
           </a:bodyPr>
           <a:lstStyle/>
           <a:p>
-            <a:pPr lvl="1">
-              <a:lnSpc>
-                <a:spcPct val="150000"/>
-              </a:lnSpc>
-            </a:pPr>
-            <a:r>
-              <a:rPr kumimoji="1" lang="ja-JP" altLang="en-US" sz="2400"/>
-              <a:t>遺伝的アルゴリズム</a:t>
-            </a:r>
-            <a:r>
-              <a:rPr kumimoji="1" lang="en-US" altLang="ja-JP" sz="2400" dirty="0"/>
-              <a:t> (Genetic Algorithm: GA)</a:t>
-            </a:r>
-          </a:p>
-        </p:txBody>
-      </p:sp>
-      <p:sp>
-        <p:nvSpPr>
-          <p:cNvPr id="5" name="テキスト ボックス 4">
-            <a:extLst>
-              <a:ext uri="{FF2B5EF4-FFF2-40B4-BE49-F238E27FC236}">
-                <a16:creationId xmlns:a16="http://schemas.microsoft.com/office/drawing/2014/main" id="{6552DF41-280F-EBD5-7E3B-875A243D0221}"/>
-              </a:ext>
-            </a:extLst>
-          </p:cNvPr>
-          <p:cNvSpPr txBox="1"/>
-          <p:nvPr/>
-        </p:nvSpPr>
-        <p:spPr>
-          <a:xfrm>
-            <a:off x="519837" y="2656921"/>
-            <a:ext cx="6936514" cy="1708160"/>
-          </a:xfrm>
-          <a:prstGeom prst="rect">
-            <a:avLst/>
-          </a:prstGeom>
-          <a:noFill/>
-        </p:spPr>
-        <p:txBody>
-          <a:bodyPr wrap="none" rtlCol="0">
-            <a:spAutoFit/>
-          </a:bodyPr>
-          <a:lstStyle/>
-          <a:p>
-            <a:pPr marL="285750" indent="-285750">
-              <a:lnSpc>
-                <a:spcPct val="150000"/>
-              </a:lnSpc>
+            <a:pPr marL="457200" indent="-457200">
               <a:buFont typeface="Wingdings" pitchFamily="2" charset="2"/>
               <a:buChar char="p"/>
             </a:pPr>
             <a:r>
               <a:rPr kumimoji="1" lang="ja-JP" altLang="en-US" sz="2400"/>
-              <a:t>生物の進化からヒントを得た最適化手法</a:t>
-            </a:r>
-            <a:endParaRPr kumimoji="1" lang="en-US" altLang="ja-JP" sz="2400" dirty="0"/>
-          </a:p>
-          <a:p>
-            <a:pPr marL="285750" indent="-285750">
-              <a:lnSpc>
-                <a:spcPct val="150000"/>
-              </a:lnSpc>
+              <a:t>畳み込みニューラルネットワーク</a:t>
+            </a:r>
+            <a:br>
+              <a:rPr kumimoji="1" lang="en-US" altLang="ja-JP" sz="2400" dirty="0"/>
+            </a:br>
+            <a:r>
+              <a:rPr lang="en-US" altLang="ja-JP" sz="2400" dirty="0">
+                <a:cs typeface="Times New Roman" panose="02020603050405020304" pitchFamily="18" charset="0"/>
+              </a:rPr>
+              <a:t>(Convolutional Neural Network: CNN)</a:t>
+            </a:r>
+          </a:p>
+          <a:p>
+            <a:pPr marL="914400" lvl="1" indent="-457200">
               <a:buFont typeface="Wingdings" pitchFamily="2" charset="2"/>
               <a:buChar char="p"/>
             </a:pPr>
-            <a:endParaRPr kumimoji="1" lang="en-US" altLang="ja-JP" sz="1400" dirty="0"/>
-          </a:p>
-          <a:p>
-            <a:pPr marL="285750" indent="-285750">
-              <a:buFont typeface="Wingdings" pitchFamily="2" charset="2"/>
-              <a:buChar char="p"/>
+            <a:r>
+              <a:rPr lang="ja-JP" altLang="en-US" sz="2400">
+                <a:latin typeface="Times New Roman" panose="02020603050405020304" pitchFamily="18" charset="0"/>
+                <a:cs typeface="Times New Roman" panose="02020603050405020304" pitchFamily="18" charset="0"/>
+              </a:rPr>
+              <a:t>画像認識分野で広く利用</a:t>
+            </a:r>
+            <a:endParaRPr lang="en-US" altLang="ja-JP" sz="2400" dirty="0">
+              <a:latin typeface="Times New Roman" panose="02020603050405020304" pitchFamily="18" charset="0"/>
+              <a:cs typeface="Times New Roman" panose="02020603050405020304" pitchFamily="18" charset="0"/>
+            </a:endParaRPr>
+          </a:p>
+          <a:p>
+            <a:pPr marL="457200" indent="-457200">
+              <a:buFont typeface="Arial" panose="020B0604020202020204" pitchFamily="34" charset="0"/>
+              <a:buChar char="•"/>
             </a:pPr>
-            <a:r>
-              <a:rPr kumimoji="1" lang="ja-JP" altLang="en-US" sz="2400"/>
-              <a:t>解の遺伝子を表現する配列に</a:t>
-            </a:r>
-            <a:r>
-              <a:rPr lang="ja-JP" altLang="en-US" sz="2400"/>
-              <a:t>交叉，突然変異，</a:t>
-            </a:r>
-            <a:br>
-              <a:rPr lang="en-US" altLang="ja-JP" sz="2400" dirty="0"/>
-            </a:br>
-            <a:r>
-              <a:rPr lang="ja-JP" altLang="en-US" sz="2400"/>
-              <a:t>選択といった操作を繰り返し適用</a:t>
-            </a:r>
-            <a:endParaRPr lang="en-US" altLang="ja-JP" sz="2400" dirty="0"/>
-          </a:p>
-        </p:txBody>
-      </p:sp>
+            <a:endParaRPr kumimoji="1" lang="ja-JP" altLang="en-US" sz="2800"/>
+          </a:p>
+        </p:txBody>
+      </p:sp>
+      <p:grpSp>
+        <p:nvGrpSpPr>
+          <p:cNvPr id="8" name="グループ化 7">
+            <a:extLst>
+              <a:ext uri="{FF2B5EF4-FFF2-40B4-BE49-F238E27FC236}">
+                <a16:creationId xmlns:a16="http://schemas.microsoft.com/office/drawing/2014/main" id="{DBB3FE59-5E31-4085-64BD-9823C469ADAB}"/>
+              </a:ext>
+            </a:extLst>
+          </p:cNvPr>
+          <p:cNvGrpSpPr/>
+          <p:nvPr/>
+        </p:nvGrpSpPr>
+        <p:grpSpPr>
+          <a:xfrm>
+            <a:off x="192881" y="2835275"/>
+            <a:ext cx="7175500" cy="2764202"/>
+            <a:chOff x="192881" y="2835275"/>
+            <a:chExt cx="7175500" cy="2764202"/>
+          </a:xfrm>
+        </p:grpSpPr>
+        <p:sp>
+          <p:nvSpPr>
+            <p:cNvPr id="3" name="テキスト ボックス 2">
+              <a:extLst>
+                <a:ext uri="{FF2B5EF4-FFF2-40B4-BE49-F238E27FC236}">
+                  <a16:creationId xmlns:a16="http://schemas.microsoft.com/office/drawing/2014/main" id="{85C213AE-320D-6482-D65E-A887E6DF2576}"/>
+                </a:ext>
+              </a:extLst>
+            </p:cNvPr>
+            <p:cNvSpPr txBox="1"/>
+            <p:nvPr/>
+          </p:nvSpPr>
+          <p:spPr>
+            <a:xfrm>
+              <a:off x="400969" y="5137812"/>
+              <a:ext cx="6759324" cy="461665"/>
+            </a:xfrm>
+            <a:prstGeom prst="rect">
+              <a:avLst/>
+            </a:prstGeom>
+            <a:solidFill>
+              <a:schemeClr val="bg1"/>
+            </a:solidFill>
+            <a:ln>
+              <a:solidFill>
+                <a:schemeClr val="tx1"/>
+              </a:solidFill>
+            </a:ln>
+          </p:spPr>
+          <p:txBody>
+            <a:bodyPr wrap="square" rtlCol="0">
+              <a:spAutoFit/>
+            </a:bodyPr>
+            <a:lstStyle/>
+            <a:p>
+              <a:r>
+                <a:rPr lang="ja-JP" altLang="en-US" sz="1200" b="0" i="0">
+                  <a:solidFill>
+                    <a:srgbClr val="000000"/>
+                  </a:solidFill>
+                  <a:effectLst/>
+                  <a:latin typeface="Hiragino Kaku Gothic ProN" panose="020B0300000000000000" pitchFamily="34" charset="-128"/>
+                  <a:ea typeface="Hiragino Kaku Gothic ProN" panose="020B0300000000000000" pitchFamily="34" charset="-128"/>
+                </a:rPr>
+                <a:t>野村 泰稔</a:t>
+              </a:r>
+              <a:r>
+                <a:rPr lang="en-US" altLang="ja-JP" sz="1200" b="0" i="0" dirty="0">
+                  <a:solidFill>
+                    <a:srgbClr val="000000"/>
+                  </a:solidFill>
+                  <a:effectLst/>
+                  <a:latin typeface="Hiragino Kaku Gothic ProN" panose="020B0300000000000000" pitchFamily="34" charset="-128"/>
+                  <a:ea typeface="Hiragino Kaku Gothic ProN" panose="020B0300000000000000" pitchFamily="34" charset="-128"/>
+                </a:rPr>
+                <a:t>, </a:t>
+              </a:r>
+              <a:r>
+                <a:rPr lang="ja-JP" altLang="en-US" sz="1200" b="0" i="0">
+                  <a:solidFill>
+                    <a:srgbClr val="000000"/>
+                  </a:solidFill>
+                  <a:effectLst/>
+                  <a:latin typeface="Hiragino Kaku Gothic ProN" panose="020B0300000000000000" pitchFamily="34" charset="-128"/>
+                  <a:ea typeface="Hiragino Kaku Gothic ProN" panose="020B0300000000000000" pitchFamily="34" charset="-128"/>
+                </a:rPr>
+                <a:t>村尾 彩希</a:t>
+              </a:r>
+              <a:r>
+                <a:rPr lang="en-US" altLang="ja-JP" sz="1200" b="0" i="0" dirty="0">
+                  <a:solidFill>
+                    <a:srgbClr val="000000"/>
+                  </a:solidFill>
+                  <a:effectLst/>
+                  <a:latin typeface="Hiragino Kaku Gothic ProN" panose="020B0300000000000000" pitchFamily="34" charset="-128"/>
+                  <a:ea typeface="Hiragino Kaku Gothic ProN" panose="020B0300000000000000" pitchFamily="34" charset="-128"/>
+                </a:rPr>
+                <a:t>, </a:t>
+              </a:r>
+              <a:r>
+                <a:rPr lang="ja-JP" altLang="en-US" sz="1200" b="0" i="0">
+                  <a:solidFill>
+                    <a:srgbClr val="000000"/>
+                  </a:solidFill>
+                  <a:effectLst/>
+                  <a:latin typeface="Hiragino Kaku Gothic ProN" panose="020B0300000000000000" pitchFamily="34" charset="-128"/>
+                  <a:ea typeface="Hiragino Kaku Gothic ProN" panose="020B0300000000000000" pitchFamily="34" charset="-128"/>
+                </a:rPr>
+                <a:t>阪口 幸広</a:t>
+              </a:r>
+              <a:r>
+                <a:rPr lang="en-US" altLang="ja-JP" sz="1200" b="0" i="0" dirty="0">
+                  <a:solidFill>
+                    <a:srgbClr val="000000"/>
+                  </a:solidFill>
+                  <a:effectLst/>
+                  <a:latin typeface="Hiragino Kaku Gothic ProN" panose="020B0300000000000000" pitchFamily="34" charset="-128"/>
+                  <a:ea typeface="Hiragino Kaku Gothic ProN" panose="020B0300000000000000" pitchFamily="34" charset="-128"/>
+                </a:rPr>
+                <a:t>, </a:t>
+              </a:r>
+              <a:r>
+                <a:rPr lang="ja-JP" altLang="en-US" sz="1200" b="0" i="0">
+                  <a:solidFill>
+                    <a:srgbClr val="000000"/>
+                  </a:solidFill>
+                  <a:effectLst/>
+                  <a:latin typeface="Hiragino Kaku Gothic ProN" panose="020B0300000000000000" pitchFamily="34" charset="-128"/>
+                  <a:ea typeface="Hiragino Kaku Gothic ProN" panose="020B0300000000000000" pitchFamily="34" charset="-128"/>
+                </a:rPr>
+                <a:t>古田 均</a:t>
+              </a:r>
+              <a:r>
+                <a:rPr lang="en-US" altLang="ja-JP" sz="1200" dirty="0">
+                  <a:solidFill>
+                    <a:srgbClr val="000000"/>
+                  </a:solidFill>
+                  <a:latin typeface="Hiragino Kaku Gothic ProN" panose="020B0300000000000000" pitchFamily="34" charset="-128"/>
+                  <a:ea typeface="Hiragino Kaku Gothic ProN" panose="020B0300000000000000" pitchFamily="34" charset="-128"/>
+                </a:rPr>
+                <a:t>.</a:t>
+              </a:r>
+              <a:r>
+                <a:rPr lang="en-US" altLang="ja-JP" sz="1200" b="0" i="0" dirty="0">
+                  <a:solidFill>
+                    <a:srgbClr val="000000"/>
+                  </a:solidFill>
+                  <a:effectLst/>
+                  <a:latin typeface="Hiragino Kaku Gothic ProN" panose="020B0300000000000000" pitchFamily="34" charset="-128"/>
+                  <a:ea typeface="Hiragino Kaku Gothic ProN" panose="020B0300000000000000" pitchFamily="34" charset="-128"/>
+                </a:rPr>
+                <a:t> </a:t>
+              </a:r>
+              <a:r>
+                <a:rPr lang="ja-JP" altLang="en-US" sz="1200" b="0" i="0">
+                  <a:solidFill>
+                    <a:srgbClr val="000000"/>
+                  </a:solidFill>
+                  <a:effectLst/>
+                  <a:latin typeface="Hiragino Kaku Gothic ProN" panose="020B0300000000000000" pitchFamily="34" charset="-128"/>
+                  <a:ea typeface="Hiragino Kaku Gothic ProN" panose="020B0300000000000000" pitchFamily="34" charset="-128"/>
+                </a:rPr>
+                <a:t>深層畳み込みニューラルネットワークに基づくコンクリート表面のひび割れ検出システム</a:t>
+              </a:r>
+              <a:r>
+                <a:rPr lang="en-US" altLang="ja-JP" sz="1200" dirty="0">
+                  <a:solidFill>
+                    <a:srgbClr val="000000"/>
+                  </a:solidFill>
+                  <a:latin typeface="Hiragino Kaku Gothic ProN" panose="020B0300000000000000" pitchFamily="34" charset="-128"/>
+                  <a:ea typeface="Hiragino Kaku Gothic ProN" panose="020B0300000000000000" pitchFamily="34" charset="-128"/>
+                </a:rPr>
+                <a:t>.</a:t>
+              </a:r>
+              <a:r>
+                <a:rPr lang="en-US" altLang="ja-JP" sz="1200" b="0" i="0" dirty="0">
+                  <a:solidFill>
+                    <a:srgbClr val="000000"/>
+                  </a:solidFill>
+                  <a:effectLst/>
+                  <a:latin typeface="Hiragino Kaku Gothic ProN" panose="020B0300000000000000" pitchFamily="34" charset="-128"/>
+                  <a:ea typeface="Hiragino Kaku Gothic ProN" panose="020B0300000000000000" pitchFamily="34" charset="-128"/>
+                </a:rPr>
+                <a:t> </a:t>
+              </a:r>
+              <a:r>
+                <a:rPr lang="ja-JP" altLang="en-US" sz="1200" b="0" i="0">
+                  <a:solidFill>
+                    <a:srgbClr val="000000"/>
+                  </a:solidFill>
+                  <a:effectLst/>
+                  <a:latin typeface="Hiragino Kaku Gothic ProN" panose="020B0300000000000000" pitchFamily="34" charset="-128"/>
+                  <a:ea typeface="Hiragino Kaku Gothic ProN" panose="020B0300000000000000" pitchFamily="34" charset="-128"/>
+                </a:rPr>
+                <a:t>土木学会論文集</a:t>
+              </a:r>
+              <a:r>
+                <a:rPr lang="de" altLang="ja-JP" sz="1200" b="0" i="0" dirty="0">
+                  <a:solidFill>
+                    <a:srgbClr val="000000"/>
+                  </a:solidFill>
+                  <a:effectLst/>
+                  <a:latin typeface="Hiragino Kaku Gothic ProN" panose="020B0300000000000000" pitchFamily="34" charset="-128"/>
+                  <a:ea typeface="Hiragino Kaku Gothic ProN" panose="020B0300000000000000" pitchFamily="34" charset="-128"/>
+                </a:rPr>
+                <a:t>F6</a:t>
+              </a:r>
+              <a:r>
+                <a:rPr lang="ja-JP" altLang="de" sz="1200" b="0" i="0">
+                  <a:solidFill>
+                    <a:srgbClr val="000000"/>
+                  </a:solidFill>
+                  <a:effectLst/>
+                  <a:latin typeface="Hiragino Kaku Gothic ProN" panose="020B0300000000000000" pitchFamily="34" charset="-128"/>
+                  <a:ea typeface="Hiragino Kaku Gothic ProN" panose="020B0300000000000000" pitchFamily="34" charset="-128"/>
+                </a:rPr>
+                <a:t>（</a:t>
+              </a:r>
+              <a:r>
+                <a:rPr lang="ja-JP" altLang="en-US" sz="1200" b="0" i="0">
+                  <a:solidFill>
+                    <a:srgbClr val="000000"/>
+                  </a:solidFill>
+                  <a:effectLst/>
+                  <a:latin typeface="Hiragino Kaku Gothic ProN" panose="020B0300000000000000" pitchFamily="34" charset="-128"/>
+                  <a:ea typeface="Hiragino Kaku Gothic ProN" panose="020B0300000000000000" pitchFamily="34" charset="-128"/>
+                </a:rPr>
+                <a:t>安全問題）</a:t>
+              </a:r>
+              <a:r>
+                <a:rPr lang="en-US" altLang="ja-JP" sz="1200" b="0" i="0" dirty="0">
+                  <a:solidFill>
+                    <a:srgbClr val="000000"/>
+                  </a:solidFill>
+                  <a:effectLst/>
+                  <a:latin typeface="Hiragino Kaku Gothic ProN" panose="020B0300000000000000" pitchFamily="34" charset="-128"/>
+                  <a:ea typeface="Hiragino Kaku Gothic ProN" panose="020B0300000000000000" pitchFamily="34" charset="-128"/>
+                </a:rPr>
+                <a:t>, 2017, 73 </a:t>
+              </a:r>
+              <a:r>
+                <a:rPr lang="ja-JP" altLang="en-US" sz="1200" b="0" i="0">
+                  <a:solidFill>
+                    <a:srgbClr val="000000"/>
+                  </a:solidFill>
+                  <a:effectLst/>
+                  <a:latin typeface="Hiragino Kaku Gothic ProN" panose="020B0300000000000000" pitchFamily="34" charset="-128"/>
+                  <a:ea typeface="Hiragino Kaku Gothic ProN" panose="020B0300000000000000" pitchFamily="34" charset="-128"/>
+                </a:rPr>
+                <a:t>巻</a:t>
+              </a:r>
+              <a:r>
+                <a:rPr lang="en-US" altLang="ja-JP" sz="1200" b="0" i="0" dirty="0">
+                  <a:solidFill>
+                    <a:srgbClr val="000000"/>
+                  </a:solidFill>
+                  <a:effectLst/>
+                  <a:latin typeface="Hiragino Kaku Gothic ProN" panose="020B0300000000000000" pitchFamily="34" charset="-128"/>
+                  <a:ea typeface="Hiragino Kaku Gothic ProN" panose="020B0300000000000000" pitchFamily="34" charset="-128"/>
+                </a:rPr>
+                <a:t>, 2 </a:t>
+              </a:r>
+              <a:r>
+                <a:rPr lang="ja-JP" altLang="en-US" sz="1200" b="0" i="0">
+                  <a:solidFill>
+                    <a:srgbClr val="000000"/>
+                  </a:solidFill>
+                  <a:effectLst/>
+                  <a:latin typeface="Hiragino Kaku Gothic ProN" panose="020B0300000000000000" pitchFamily="34" charset="-128"/>
+                  <a:ea typeface="Hiragino Kaku Gothic ProN" panose="020B0300000000000000" pitchFamily="34" charset="-128"/>
+                </a:rPr>
+                <a:t>号</a:t>
+              </a:r>
+              <a:endParaRPr kumimoji="1" lang="ja-JP" altLang="en-US" sz="1200"/>
+            </a:p>
+          </p:txBody>
+        </p:sp>
+        <p:pic>
+          <p:nvPicPr>
+            <p:cNvPr id="7" name="図 6" descr="ダイアグラム&#10;&#10;自動的に生成された説明">
+              <a:extLst>
+                <a:ext uri="{FF2B5EF4-FFF2-40B4-BE49-F238E27FC236}">
+                  <a16:creationId xmlns:a16="http://schemas.microsoft.com/office/drawing/2014/main" id="{EAA978B4-EC10-6C20-683C-FD579A12962C}"/>
+                </a:ext>
+              </a:extLst>
+            </p:cNvPr>
+            <p:cNvPicPr>
+              <a:picLocks noChangeAspect="1"/>
+            </p:cNvPicPr>
+            <p:nvPr/>
+          </p:nvPicPr>
+          <p:blipFill>
+            <a:blip r:embed="rId2"/>
+            <a:stretch>
+              <a:fillRect/>
+            </a:stretch>
+          </p:blipFill>
+          <p:spPr>
+            <a:xfrm>
+              <a:off x="192881" y="2835275"/>
+              <a:ext cx="7175500" cy="2146300"/>
+            </a:xfrm>
+            <a:prstGeom prst="rect">
+              <a:avLst/>
+            </a:prstGeom>
+          </p:spPr>
+        </p:pic>
+      </p:grpSp>
     </p:spTree>
     <p:extLst>
       <p:ext uri="{BB962C8B-B14F-4D97-AF65-F5344CB8AC3E}">
-        <p14:creationId xmlns:p14="http://schemas.microsoft.com/office/powerpoint/2010/main" val="1719082004"/>
+        <p14:creationId xmlns:p14="http://schemas.microsoft.com/office/powerpoint/2010/main" val="3196433367"/>
       </p:ext>
     </p:extLst>
   </p:cSld>
@@ -10931,8 +15709,8 @@
         </p:nvSpPr>
         <p:spPr>
           <a:xfrm>
-            <a:off x="519837" y="2603319"/>
-            <a:ext cx="6628738" cy="1446550"/>
+            <a:off x="519837" y="2326629"/>
+            <a:ext cx="6936514" cy="2877711"/>
           </a:xfrm>
           <a:prstGeom prst="rect">
             <a:avLst/>
@@ -10946,62 +15724,96 @@
           <a:lstStyle/>
           <a:p>
             <a:pPr marL="285750" indent="-285750">
+              <a:lnSpc>
+                <a:spcPct val="150000"/>
+              </a:lnSpc>
               <a:buFont typeface="Wingdings" pitchFamily="2" charset="2"/>
               <a:buChar char="p"/>
             </a:pPr>
             <a:r>
               <a:rPr kumimoji="1" lang="ja-JP" altLang="en-US" sz="2400"/>
-              <a:t>各個体について適応度を計算し，</a:t>
-            </a:r>
-            <a:r>
-              <a:rPr lang="ja-JP" altLang="en-US" sz="2400"/>
-              <a:t>高いものを</a:t>
-            </a:r>
-            <a:br>
-              <a:rPr lang="en-US" altLang="ja-JP" sz="2400" dirty="0"/>
-            </a:br>
-            <a:r>
-              <a:rPr lang="ja-JP" altLang="en-US" sz="2400"/>
-              <a:t>次世代に残し，</a:t>
-            </a:r>
-            <a:r>
-              <a:rPr kumimoji="1" lang="ja-JP" altLang="en-US" sz="2400"/>
-              <a:t>低いものを淘汰</a:t>
+              <a:t>生物の進化からヒントを得た最適化手法</a:t>
             </a:r>
             <a:endParaRPr kumimoji="1" lang="en-US" altLang="ja-JP" sz="2400" dirty="0"/>
+          </a:p>
+          <a:p>
+            <a:pPr marL="285750" indent="-285750">
+              <a:lnSpc>
+                <a:spcPct val="150000"/>
+              </a:lnSpc>
+              <a:buFont typeface="Wingdings" pitchFamily="2" charset="2"/>
+              <a:buChar char="p"/>
+            </a:pPr>
+            <a:endParaRPr kumimoji="1" lang="en-US" altLang="ja-JP" sz="1400" dirty="0"/>
           </a:p>
           <a:p>
             <a:pPr marL="285750" indent="-285750">
               <a:buFont typeface="Wingdings" pitchFamily="2" charset="2"/>
               <a:buChar char="p"/>
             </a:pPr>
-            <a:endParaRPr lang="en-US" altLang="ja-JP" sz="1600" dirty="0"/>
+            <a:r>
+              <a:rPr kumimoji="1" lang="ja-JP" altLang="en-US" sz="2400"/>
+              <a:t>解の遺伝子を表現する配列に</a:t>
+            </a:r>
+            <a:r>
+              <a:rPr lang="ja-JP" altLang="en-US" sz="2400"/>
+              <a:t>交叉，突然変異，</a:t>
+            </a:r>
+            <a:br>
+              <a:rPr lang="en-US" altLang="ja-JP" sz="2400" dirty="0"/>
+            </a:br>
+            <a:r>
+              <a:rPr lang="ja-JP" altLang="en-US" sz="2400"/>
+              <a:t>選択といった操作を繰り返し適用</a:t>
+            </a:r>
+            <a:endParaRPr lang="en-US" altLang="ja-JP" sz="2400" dirty="0"/>
           </a:p>
           <a:p>
             <a:pPr marL="285750" indent="-285750">
               <a:buFont typeface="Wingdings" pitchFamily="2" charset="2"/>
               <a:buChar char="p"/>
             </a:pPr>
+            <a:endParaRPr lang="en-US" altLang="ja-JP" sz="1400" dirty="0"/>
+          </a:p>
+          <a:p>
+            <a:pPr marL="285750" indent="-285750">
+              <a:buFont typeface="Wingdings" pitchFamily="2" charset="2"/>
+              <a:buChar char="p"/>
+            </a:pPr>
+            <a:r>
+              <a:rPr kumimoji="1" lang="ja-JP" altLang="en-US" sz="2400"/>
+              <a:t>各個体について適応度を計算し，</a:t>
+            </a:r>
             <a:r>
               <a:rPr lang="ja-JP" altLang="en-US" sz="2400"/>
-              <a:t>ここでの適応度は</a:t>
-            </a:r>
-            <a:r>
+              <a:t>高いものを</a:t>
+            </a:r>
+            <a:br>
               <a:rPr lang="en-US" altLang="ja-JP" sz="2400" dirty="0"/>
-              <a:t> CNN </a:t>
-            </a:r>
+            </a:br>
             <a:r>
               <a:rPr lang="ja-JP" altLang="en-US" sz="2400"/>
-              <a:t>の識別精度</a:t>
+              <a:t>次世代に残し，</a:t>
+            </a:r>
+            <a:r>
+              <a:rPr kumimoji="1" lang="ja-JP" altLang="en-US" sz="2400"/>
+              <a:t>低いものを淘汰</a:t>
             </a:r>
             <a:endParaRPr kumimoji="1" lang="en-US" altLang="ja-JP" sz="2400" dirty="0"/>
+          </a:p>
+          <a:p>
+            <a:pPr marL="285750" indent="-285750">
+              <a:buFont typeface="Wingdings" pitchFamily="2" charset="2"/>
+              <a:buChar char="p"/>
+            </a:pPr>
+            <a:endParaRPr lang="en-US" altLang="ja-JP" sz="1400" dirty="0"/>
           </a:p>
         </p:txBody>
       </p:sp>
     </p:spTree>
     <p:extLst>
       <p:ext uri="{BB962C8B-B14F-4D97-AF65-F5344CB8AC3E}">
-        <p14:creationId xmlns:p14="http://schemas.microsoft.com/office/powerpoint/2010/main" val="3589558548"/>
+        <p14:creationId xmlns:p14="http://schemas.microsoft.com/office/powerpoint/2010/main" val="1719082004"/>
       </p:ext>
     </p:extLst>
   </p:cSld>
